--- a/OppAffaire/Présentation orale/Partie Philémon.pptx
+++ b/OppAffaire/Présentation orale/Partie Philémon.pptx
@@ -5,15 +5,16 @@
     <p:sldMasterId id="2147483660" r:id="rId1"/>
   </p:sldMasterIdLst>
   <p:notesMasterIdLst>
-    <p:notesMasterId r:id="rId5"/>
+    <p:notesMasterId r:id="rId6"/>
   </p:notesMasterIdLst>
   <p:handoutMasterIdLst>
-    <p:handoutMasterId r:id="rId6"/>
+    <p:handoutMasterId r:id="rId7"/>
   </p:handoutMasterIdLst>
   <p:sldIdLst>
     <p:sldId id="256" r:id="rId2"/>
-    <p:sldId id="257" r:id="rId3"/>
-    <p:sldId id="258" r:id="rId4"/>
+    <p:sldId id="259" r:id="rId3"/>
+    <p:sldId id="257" r:id="rId4"/>
+    <p:sldId id="258" r:id="rId5"/>
   </p:sldIdLst>
   <p:sldSz cx="9144000" cy="6858000" type="screen4x3"/>
   <p:notesSz cx="6858000" cy="9144000"/>
@@ -148,6 +149,7 @@
         <p14:section name="Section par défaut" id="{EA3375F1-B643-4D07-8980-05F8EC3A54AC}">
           <p14:sldIdLst>
             <p14:sldId id="256"/>
+            <p14:sldId id="259"/>
             <p14:sldId id="257"/>
             <p14:sldId id="258"/>
           </p14:sldIdLst>
@@ -1214,18 +1216,14 @@
           <a:lstStyle>
             <a:lvl1pPr marL="360363" indent="-360363">
               <a:buSzPct val="110000"/>
-              <a:buFontTx/>
-              <a:buBlip>
-                <a:blip r:embed="rId2"/>
-              </a:buBlip>
+              <a:buFont typeface="Arial" panose="020B0604020202020204" pitchFamily="34" charset="0"/>
+              <a:buChar char="•"/>
               <a:defRPr sz="1600"/>
             </a:lvl1pPr>
             <a:lvl2pPr marL="1168400" indent="-396875">
               <a:buSzPct val="50000"/>
-              <a:buFontTx/>
-              <a:buBlip>
-                <a:blip r:embed="rId3"/>
-              </a:buBlip>
+              <a:buFont typeface="Arial" panose="020B0604020202020204" pitchFamily="34" charset="0"/>
+              <a:buChar char="•"/>
               <a:defRPr sz="1400"/>
             </a:lvl2pPr>
             <a:lvl3pPr marL="1435100" indent="-285750">
@@ -1242,14 +1240,14 @@
           <a:p>
             <a:pPr lvl="1"/>
             <a:r>
-              <a:rPr lang="fr-FR" smtClean="0"/>
+              <a:rPr lang="fr-FR" dirty="0" smtClean="0"/>
               <a:t>Deuxième niveau</a:t>
             </a:r>
           </a:p>
           <a:p>
             <a:pPr lvl="2"/>
             <a:r>
-              <a:rPr lang="fr-FR" smtClean="0"/>
+              <a:rPr lang="fr-FR" dirty="0" smtClean="0"/>
               <a:t>Troisième niveau</a:t>
             </a:r>
           </a:p>
@@ -2123,7 +2121,22 @@
           <a:bodyPr/>
           <a:lstStyle/>
           <a:p>
-            <a:endParaRPr lang="fr-FR"/>
+            <a:r>
+              <a:rPr lang="fr-FR" dirty="0" err="1" smtClean="0"/>
+              <a:t>Businness</a:t>
+            </a:r>
+            <a:r>
+              <a:rPr lang="fr-FR" dirty="0" smtClean="0"/>
+              <a:t> plan 2016 –</a:t>
+            </a:r>
+            <a:br>
+              <a:rPr lang="fr-FR" dirty="0" smtClean="0"/>
+            </a:br>
+            <a:r>
+              <a:rPr lang="fr-FR" dirty="0" smtClean="0"/>
+              <a:t>Création de l’entreprise</a:t>
+            </a:r>
+            <a:endParaRPr lang="fr-FR" dirty="0"/>
           </a:p>
         </p:txBody>
       </p:sp>
@@ -2151,6 +2164,47 @@
           </a:p>
         </p:txBody>
       </p:sp>
+      <p:pic>
+        <p:nvPicPr>
+          <p:cNvPr id="1026" name="Picture 2" descr="C:\Users\Phil\Documents\GitHub\PIMS\OppAffaire\Images Diverses\walpp.jpeg"/>
+          <p:cNvPicPr>
+            <a:picLocks noChangeAspect="1" noChangeArrowheads="1"/>
+          </p:cNvPicPr>
+          <p:nvPr/>
+        </p:nvPicPr>
+        <p:blipFill>
+          <a:blip r:embed="rId2" cstate="print">
+            <a:extLst>
+              <a:ext uri="{28A0092B-C50C-407E-A947-70E740481C1C}">
+                <a14:useLocalDpi xmlns:a14="http://schemas.microsoft.com/office/drawing/2010/main" val="0"/>
+              </a:ext>
+            </a:extLst>
+          </a:blip>
+          <a:srcRect/>
+          <a:stretch>
+            <a:fillRect/>
+          </a:stretch>
+        </p:blipFill>
+        <p:spPr bwMode="auto">
+          <a:xfrm>
+            <a:off x="2834367" y="2838090"/>
+            <a:ext cx="6309633" cy="3943521"/>
+          </a:xfrm>
+          <a:prstGeom prst="rect">
+            <a:avLst/>
+          </a:prstGeom>
+          <a:noFill/>
+          <a:extLst>
+            <a:ext uri="{909E8E84-426E-40DD-AFC4-6F175D3DCCD1}">
+              <a14:hiddenFill xmlns:a14="http://schemas.microsoft.com/office/drawing/2010/main">
+                <a:solidFill>
+                  <a:srgbClr val="FFFFFF"/>
+                </a:solidFill>
+              </a14:hiddenFill>
+            </a:ext>
+          </a:extLst>
+        </p:spPr>
+      </p:pic>
     </p:spTree>
     <p:extLst>
       <p:ext uri="{BB962C8B-B14F-4D97-AF65-F5344CB8AC3E}">
@@ -2220,7 +2274,11 @@
           <a:bodyPr/>
           <a:lstStyle/>
           <a:p>
-            <a:endParaRPr lang="fr-FR"/>
+            <a:r>
+              <a:rPr lang="fr-FR" dirty="0" smtClean="0"/>
+              <a:t>Microscopie/intro</a:t>
+            </a:r>
+            <a:endParaRPr lang="fr-FR" dirty="0"/>
           </a:p>
         </p:txBody>
       </p:sp>
@@ -2243,10 +2301,148 @@
           </a:p>
         </p:txBody>
       </p:sp>
+      <p:grpSp>
+        <p:nvGrpSpPr>
+          <p:cNvPr id="5" name="Groupe 4"/>
+          <p:cNvGrpSpPr/>
+          <p:nvPr/>
+        </p:nvGrpSpPr>
+        <p:grpSpPr>
+          <a:xfrm>
+            <a:off x="4609576" y="4077072"/>
+            <a:ext cx="4389343" cy="2256821"/>
+            <a:chOff x="3493452" y="2978015"/>
+            <a:chExt cx="4389343" cy="2256821"/>
+          </a:xfrm>
+        </p:grpSpPr>
+        <p:grpSp>
+          <p:nvGrpSpPr>
+            <p:cNvPr id="6" name="Groupe 5"/>
+            <p:cNvGrpSpPr/>
+            <p:nvPr/>
+          </p:nvGrpSpPr>
+          <p:grpSpPr>
+            <a:xfrm>
+              <a:off x="3768942" y="2978015"/>
+              <a:ext cx="3816424" cy="1916243"/>
+              <a:chOff x="3562767" y="3966180"/>
+              <a:chExt cx="4637415" cy="2417178"/>
+            </a:xfrm>
+          </p:grpSpPr>
+          <p:pic>
+            <p:nvPicPr>
+              <p:cNvPr id="8" name="Picture 4" descr="C:\Users\Phil\Documents\GitHub\PIMS\OppAffaire\Images Diverses\comparison1.jpg"/>
+              <p:cNvPicPr>
+                <a:picLocks noChangeAspect="1" noChangeArrowheads="1"/>
+              </p:cNvPicPr>
+              <p:nvPr/>
+            </p:nvPicPr>
+            <p:blipFill rotWithShape="1">
+              <a:blip r:embed="rId2" cstate="print">
+                <a:extLst>
+                  <a:ext uri="{28A0092B-C50C-407E-A947-70E740481C1C}">
+                    <a14:useLocalDpi xmlns:a14="http://schemas.microsoft.com/office/drawing/2010/main" val="0"/>
+                  </a:ext>
+                </a:extLst>
+              </a:blip>
+              <a:srcRect/>
+              <a:stretch/>
+            </p:blipFill>
+            <p:spPr bwMode="auto">
+              <a:xfrm>
+                <a:off x="3562767" y="4006077"/>
+                <a:ext cx="2332037" cy="2377281"/>
+              </a:xfrm>
+              <a:prstGeom prst="rect">
+                <a:avLst/>
+              </a:prstGeom>
+              <a:noFill/>
+              <a:extLst>
+                <a:ext uri="{909E8E84-426E-40DD-AFC4-6F175D3DCCD1}">
+                  <a14:hiddenFill xmlns:a14="http://schemas.microsoft.com/office/drawing/2010/main">
+                    <a:solidFill>
+                      <a:srgbClr val="FFFFFF"/>
+                    </a:solidFill>
+                  </a14:hiddenFill>
+                </a:ext>
+              </a:extLst>
+            </p:spPr>
+          </p:pic>
+          <p:pic>
+            <p:nvPicPr>
+              <p:cNvPr id="9" name="Picture 6" descr="C:\Users\Phil\Documents\GitHub\PIMS\OppAffaire\Images Diverses\comparison1.jpg"/>
+              <p:cNvPicPr>
+                <a:picLocks noChangeAspect="1" noChangeArrowheads="1"/>
+              </p:cNvPicPr>
+              <p:nvPr/>
+            </p:nvPicPr>
+            <p:blipFill rotWithShape="1">
+              <a:blip r:embed="rId3" cstate="print">
+                <a:extLst>
+                  <a:ext uri="{28A0092B-C50C-407E-A947-70E740481C1C}">
+                    <a14:useLocalDpi xmlns:a14="http://schemas.microsoft.com/office/drawing/2010/main" val="0"/>
+                  </a:ext>
+                </a:extLst>
+              </a:blip>
+              <a:srcRect/>
+              <a:stretch/>
+            </p:blipFill>
+            <p:spPr bwMode="auto">
+              <a:xfrm>
+                <a:off x="5868144" y="3966180"/>
+                <a:ext cx="2332038" cy="2377281"/>
+              </a:xfrm>
+              <a:prstGeom prst="rect">
+                <a:avLst/>
+              </a:prstGeom>
+              <a:noFill/>
+              <a:extLst>
+                <a:ext uri="{909E8E84-426E-40DD-AFC4-6F175D3DCCD1}">
+                  <a14:hiddenFill xmlns:a14="http://schemas.microsoft.com/office/drawing/2010/main">
+                    <a:solidFill>
+                      <a:srgbClr val="FFFFFF"/>
+                    </a:solidFill>
+                  </a14:hiddenFill>
+                </a:ext>
+              </a:extLst>
+            </p:spPr>
+          </p:pic>
+        </p:grpSp>
+        <p:sp>
+          <p:nvSpPr>
+            <p:cNvPr id="7" name="ZoneTexte 6"/>
+            <p:cNvSpPr txBox="1"/>
+            <p:nvPr/>
+          </p:nvSpPr>
+          <p:spPr>
+            <a:xfrm>
+              <a:off x="3493452" y="4896282"/>
+              <a:ext cx="4389343" cy="338554"/>
+            </a:xfrm>
+            <a:prstGeom prst="rect">
+              <a:avLst/>
+            </a:prstGeom>
+            <a:noFill/>
+          </p:spPr>
+          <p:txBody>
+            <a:bodyPr wrap="none" rtlCol="0">
+              <a:spAutoFit/>
+            </a:bodyPr>
+            <a:lstStyle/>
+            <a:p>
+              <a:r>
+                <a:rPr lang="fr-FR" sz="1600" dirty="0" smtClean="0"/>
+                <a:t>Comparaison image classique / image résolue</a:t>
+              </a:r>
+              <a:endParaRPr lang="fr-FR" sz="1600" dirty="0"/>
+            </a:p>
+          </p:txBody>
+        </p:sp>
+      </p:grpSp>
     </p:spTree>
     <p:extLst>
       <p:ext uri="{BB962C8B-B14F-4D97-AF65-F5344CB8AC3E}">
-        <p14:creationId xmlns:p14="http://schemas.microsoft.com/office/powerpoint/2010/main" val="1642728171"/>
+        <p14:creationId xmlns:p14="http://schemas.microsoft.com/office/powerpoint/2010/main" val="483665248"/>
       </p:ext>
     </p:extLst>
   </p:cSld>
@@ -2312,6 +2508,403 @@
           <a:bodyPr/>
           <a:lstStyle/>
           <a:p>
+            <a:r>
+              <a:rPr lang="fr-FR" dirty="0" smtClean="0"/>
+              <a:t>FarView</a:t>
+            </a:r>
+            <a:endParaRPr lang="fr-FR" dirty="0"/>
+          </a:p>
+        </p:txBody>
+      </p:sp>
+      <p:sp>
+        <p:nvSpPr>
+          <p:cNvPr id="4" name="Espace réservé du contenu 3"/>
+          <p:cNvSpPr>
+            <a:spLocks noGrp="1"/>
+          </p:cNvSpPr>
+          <p:nvPr>
+            <p:ph sz="quarter" idx="19"/>
+          </p:nvPr>
+        </p:nvSpPr>
+        <p:spPr>
+          <a:xfrm>
+            <a:off x="539750" y="1484784"/>
+            <a:ext cx="6264498" cy="4680520"/>
+          </a:xfrm>
+        </p:spPr>
+        <p:txBody>
+          <a:bodyPr/>
+          <a:lstStyle/>
+          <a:p>
+            <a:pPr algn="just"/>
+            <a:r>
+              <a:rPr lang="fr-FR" dirty="0" smtClean="0"/>
+              <a:t>Défi : Réaliser une observation au </a:t>
+            </a:r>
+            <a:r>
+              <a:rPr lang="fr-FR" sz="2000" dirty="0" smtClean="0">
+                <a:solidFill>
+                  <a:srgbClr val="FF0000"/>
+                </a:solidFill>
+              </a:rPr>
+              <a:t>microscope </a:t>
+            </a:r>
+            <a:r>
+              <a:rPr lang="fr-FR" dirty="0" smtClean="0"/>
+              <a:t>qui soit </a:t>
+            </a:r>
+            <a:r>
+              <a:rPr lang="fr-FR" sz="2000" dirty="0">
+                <a:solidFill>
+                  <a:srgbClr val="FF0000"/>
+                </a:solidFill>
+              </a:rPr>
+              <a:t>t</a:t>
+            </a:r>
+            <a:r>
+              <a:rPr lang="fr-FR" sz="2000" dirty="0" smtClean="0">
+                <a:solidFill>
+                  <a:srgbClr val="FF0000"/>
+                </a:solidFill>
+              </a:rPr>
+              <a:t>ridimensionnelle </a:t>
+            </a:r>
+            <a:r>
+              <a:rPr lang="fr-FR" dirty="0" smtClean="0"/>
+              <a:t>et en </a:t>
+            </a:r>
+            <a:r>
+              <a:rPr lang="fr-FR" sz="2000" dirty="0" smtClean="0">
+                <a:solidFill>
+                  <a:srgbClr val="FF0000"/>
+                </a:solidFill>
+              </a:rPr>
+              <a:t>super-résolution</a:t>
+            </a:r>
+            <a:endParaRPr lang="fr-FR" sz="2000" dirty="0">
+              <a:solidFill>
+                <a:srgbClr val="FF0000"/>
+              </a:solidFill>
+            </a:endParaRPr>
+          </a:p>
+          <a:p>
+            <a:endParaRPr lang="fr-FR" dirty="0" smtClean="0"/>
+          </a:p>
+          <a:p>
+            <a:endParaRPr lang="fr-FR" dirty="0" smtClean="0"/>
+          </a:p>
+          <a:p>
+            <a:pPr algn="just"/>
+            <a:r>
+              <a:rPr lang="fr-FR" dirty="0" smtClean="0"/>
+              <a:t>Solution : Le programme 	  permet d’utiliser un </a:t>
+            </a:r>
+            <a:r>
+              <a:rPr lang="fr-FR" dirty="0" smtClean="0">
+                <a:solidFill>
+                  <a:srgbClr val="FF0000"/>
+                </a:solidFill>
+              </a:rPr>
+              <a:t>microscope de fluorescence STORM </a:t>
+            </a:r>
+            <a:r>
+              <a:rPr lang="fr-FR" dirty="0" smtClean="0"/>
+              <a:t>pour traiter les données issues de l’observation par une méthode </a:t>
+            </a:r>
+            <a:r>
+              <a:rPr lang="fr-FR" dirty="0" smtClean="0">
+                <a:solidFill>
+                  <a:srgbClr val="FF0000"/>
+                </a:solidFill>
+              </a:rPr>
+              <a:t>révolutionnaire breveté</a:t>
+            </a:r>
+            <a:r>
+              <a:rPr lang="fr-FR" dirty="0" smtClean="0"/>
+              <a:t> pour obtenir un image en 3D super-résolue</a:t>
+            </a:r>
+          </a:p>
+          <a:p>
+            <a:pPr algn="just"/>
+            <a:endParaRPr lang="fr-FR" dirty="0" smtClean="0"/>
+          </a:p>
+          <a:p>
+            <a:pPr algn="just"/>
+            <a:endParaRPr lang="fr-FR" dirty="0" smtClean="0"/>
+          </a:p>
+          <a:p>
+            <a:pPr algn="just"/>
+            <a:endParaRPr lang="fr-FR" dirty="0"/>
+          </a:p>
+          <a:p>
+            <a:pPr algn="just"/>
+            <a:r>
+              <a:rPr lang="fr-FR" dirty="0" smtClean="0"/>
+              <a:t>Le programme 	est :</a:t>
+            </a:r>
+          </a:p>
+          <a:p>
+            <a:pPr lvl="1" algn="just"/>
+            <a:r>
+              <a:rPr lang="fr-FR" sz="1600" b="1" dirty="0" smtClean="0"/>
+              <a:t>Rapide</a:t>
+            </a:r>
+          </a:p>
+          <a:p>
+            <a:pPr lvl="1" algn="just"/>
+            <a:r>
+              <a:rPr lang="fr-FR" sz="1600" b="1" dirty="0" smtClean="0"/>
+              <a:t>Fiable</a:t>
+            </a:r>
+          </a:p>
+          <a:p>
+            <a:pPr lvl="1" algn="just"/>
+            <a:r>
+              <a:rPr lang="fr-FR" sz="1600" b="1" dirty="0" smtClean="0"/>
+              <a:t>Adaptable</a:t>
+            </a:r>
+          </a:p>
+          <a:p>
+            <a:endParaRPr lang="fr-FR" dirty="0" smtClean="0"/>
+          </a:p>
+        </p:txBody>
+      </p:sp>
+      <p:grpSp>
+        <p:nvGrpSpPr>
+          <p:cNvPr id="6" name="Groupe 5"/>
+          <p:cNvGrpSpPr/>
+          <p:nvPr/>
+        </p:nvGrpSpPr>
+        <p:grpSpPr>
+          <a:xfrm>
+            <a:off x="6804248" y="898847"/>
+            <a:ext cx="2431706" cy="2402761"/>
+            <a:chOff x="6372200" y="908720"/>
+            <a:chExt cx="2431706" cy="2402761"/>
+          </a:xfrm>
+        </p:grpSpPr>
+        <p:pic>
+          <p:nvPicPr>
+            <p:cNvPr id="2050" name="Picture 2" descr="C:\Users\Phil\Documents\GitHub\PIMS\OppAffaire\Images Diverses\Fluorescence_microscop.jpg"/>
+            <p:cNvPicPr>
+              <a:picLocks noChangeAspect="1" noChangeArrowheads="1"/>
+            </p:cNvPicPr>
+            <p:nvPr/>
+          </p:nvPicPr>
+          <p:blipFill>
+            <a:blip r:embed="rId2" cstate="print">
+              <a:extLst>
+                <a:ext uri="{28A0092B-C50C-407E-A947-70E740481C1C}">
+                  <a14:useLocalDpi xmlns:a14="http://schemas.microsoft.com/office/drawing/2010/main" val="0"/>
+                </a:ext>
+              </a:extLst>
+            </a:blip>
+            <a:srcRect/>
+            <a:stretch>
+              <a:fillRect/>
+            </a:stretch>
+          </p:blipFill>
+          <p:spPr bwMode="auto">
+            <a:xfrm>
+              <a:off x="6732780" y="908720"/>
+              <a:ext cx="1691680" cy="2082068"/>
+            </a:xfrm>
+            <a:prstGeom prst="rect">
+              <a:avLst/>
+            </a:prstGeom>
+            <a:noFill/>
+            <a:extLst>
+              <a:ext uri="{909E8E84-426E-40DD-AFC4-6F175D3DCCD1}">
+                <a14:hiddenFill xmlns:a14="http://schemas.microsoft.com/office/drawing/2010/main">
+                  <a:solidFill>
+                    <a:srgbClr val="FFFFFF"/>
+                  </a:solidFill>
+                </a14:hiddenFill>
+              </a:ext>
+            </a:extLst>
+          </p:spPr>
+        </p:pic>
+        <p:sp>
+          <p:nvSpPr>
+            <p:cNvPr id="5" name="ZoneTexte 4"/>
+            <p:cNvSpPr txBox="1"/>
+            <p:nvPr/>
+          </p:nvSpPr>
+          <p:spPr>
+            <a:xfrm>
+              <a:off x="6372200" y="3003704"/>
+              <a:ext cx="2431706" cy="307777"/>
+            </a:xfrm>
+            <a:prstGeom prst="rect">
+              <a:avLst/>
+            </a:prstGeom>
+            <a:noFill/>
+          </p:spPr>
+          <p:txBody>
+            <a:bodyPr wrap="square" rtlCol="0">
+              <a:spAutoFit/>
+            </a:bodyPr>
+            <a:lstStyle/>
+            <a:p>
+              <a:r>
+                <a:rPr lang="fr-FR" sz="1400" dirty="0" smtClean="0"/>
+                <a:t>Microscope de fluorescence</a:t>
+              </a:r>
+            </a:p>
+          </p:txBody>
+        </p:sp>
+      </p:grpSp>
+      <p:pic>
+        <p:nvPicPr>
+          <p:cNvPr id="2051" name="Picture 3" descr="C:\Users\Phil\Documents\GitHub\PIMS\OppAffaire\Images Diverses\FAR_V_IEW.png"/>
+          <p:cNvPicPr>
+            <a:picLocks noChangeAspect="1" noChangeArrowheads="1"/>
+          </p:cNvPicPr>
+          <p:nvPr/>
+        </p:nvPicPr>
+        <p:blipFill>
+          <a:blip r:embed="rId3" cstate="print">
+            <a:extLst>
+              <a:ext uri="{28A0092B-C50C-407E-A947-70E740481C1C}">
+                <a14:useLocalDpi xmlns:a14="http://schemas.microsoft.com/office/drawing/2010/main" val="0"/>
+              </a:ext>
+            </a:extLst>
+          </a:blip>
+          <a:srcRect/>
+          <a:stretch>
+            <a:fillRect/>
+          </a:stretch>
+        </p:blipFill>
+        <p:spPr bwMode="auto">
+          <a:xfrm>
+            <a:off x="3419872" y="2708920"/>
+            <a:ext cx="936104" cy="397964"/>
+          </a:xfrm>
+          <a:prstGeom prst="rect">
+            <a:avLst/>
+          </a:prstGeom>
+          <a:noFill/>
+          <a:extLst>
+            <a:ext uri="{909E8E84-426E-40DD-AFC4-6F175D3DCCD1}">
+              <a14:hiddenFill xmlns:a14="http://schemas.microsoft.com/office/drawing/2010/main">
+                <a:solidFill>
+                  <a:srgbClr val="FFFFFF"/>
+                </a:solidFill>
+              </a14:hiddenFill>
+            </a:ext>
+          </a:extLst>
+        </p:spPr>
+      </p:pic>
+      <p:pic>
+        <p:nvPicPr>
+          <p:cNvPr id="9" name="Picture 3" descr="C:\Users\Phil\Documents\GitHub\PIMS\OppAffaire\Images Diverses\FAR_V_IEW.png"/>
+          <p:cNvPicPr>
+            <a:picLocks noChangeAspect="1" noChangeArrowheads="1"/>
+          </p:cNvPicPr>
+          <p:nvPr/>
+        </p:nvPicPr>
+        <p:blipFill>
+          <a:blip r:embed="rId3" cstate="print">
+            <a:extLst>
+              <a:ext uri="{28A0092B-C50C-407E-A947-70E740481C1C}">
+                <a14:useLocalDpi xmlns:a14="http://schemas.microsoft.com/office/drawing/2010/main" val="0"/>
+              </a:ext>
+            </a:extLst>
+          </a:blip>
+          <a:srcRect/>
+          <a:stretch>
+            <a:fillRect/>
+          </a:stretch>
+        </p:blipFill>
+        <p:spPr bwMode="auto">
+          <a:xfrm>
+            <a:off x="2339752" y="4869160"/>
+            <a:ext cx="936104" cy="397964"/>
+          </a:xfrm>
+          <a:prstGeom prst="rect">
+            <a:avLst/>
+          </a:prstGeom>
+          <a:noFill/>
+          <a:extLst>
+            <a:ext uri="{909E8E84-426E-40DD-AFC4-6F175D3DCCD1}">
+              <a14:hiddenFill xmlns:a14="http://schemas.microsoft.com/office/drawing/2010/main">
+                <a:solidFill>
+                  <a:srgbClr val="FFFFFF"/>
+                </a:solidFill>
+              </a14:hiddenFill>
+            </a:ext>
+          </a:extLst>
+        </p:spPr>
+      </p:pic>
+    </p:spTree>
+    <p:extLst>
+      <p:ext uri="{BB962C8B-B14F-4D97-AF65-F5344CB8AC3E}">
+        <p14:creationId xmlns:p14="http://schemas.microsoft.com/office/powerpoint/2010/main" val="1642728171"/>
+      </p:ext>
+    </p:extLst>
+  </p:cSld>
+  <p:clrMapOvr>
+    <a:masterClrMapping/>
+  </p:clrMapOvr>
+</p:sld>
+</file>
+
+<file path=ppt/slides/slide4.xml><?xml version="1.0" encoding="utf-8"?>
+<p:sld xmlns:a="http://schemas.openxmlformats.org/drawingml/2006/main" xmlns:r="http://schemas.openxmlformats.org/officeDocument/2006/relationships" xmlns:p="http://schemas.openxmlformats.org/presentationml/2006/main">
+  <p:cSld>
+    <p:spTree>
+      <p:nvGrpSpPr>
+        <p:cNvPr id="1" name=""/>
+        <p:cNvGrpSpPr/>
+        <p:nvPr/>
+      </p:nvGrpSpPr>
+      <p:grpSpPr>
+        <a:xfrm>
+          <a:off x="0" y="0"/>
+          <a:ext cx="0" cy="0"/>
+          <a:chOff x="0" y="0"/>
+          <a:chExt cx="0" cy="0"/>
+        </a:xfrm>
+      </p:grpSpPr>
+      <p:sp>
+        <p:nvSpPr>
+          <p:cNvPr id="2" name="Espace réservé du numéro de diapositive 1"/>
+          <p:cNvSpPr>
+            <a:spLocks noGrp="1"/>
+          </p:cNvSpPr>
+          <p:nvPr>
+            <p:ph type="sldNum" sz="quarter" idx="4"/>
+          </p:nvPr>
+        </p:nvSpPr>
+        <p:spPr/>
+        <p:txBody>
+          <a:bodyPr/>
+          <a:lstStyle/>
+          <a:p>
+            <a:fld id="{AF5033CA-5AE6-4050-846C-3380E9744264}" type="slidenum">
+              <a:rPr lang="fr-FR" smtClean="0"/>
+              <a:pPr/>
+              <a:t>4</a:t>
+            </a:fld>
+            <a:endParaRPr lang="fr-FR" dirty="0"/>
+          </a:p>
+        </p:txBody>
+      </p:sp>
+      <p:sp>
+        <p:nvSpPr>
+          <p:cNvPr id="3" name="Titre 2"/>
+          <p:cNvSpPr>
+            <a:spLocks noGrp="1"/>
+          </p:cNvSpPr>
+          <p:nvPr>
+            <p:ph type="title"/>
+          </p:nvPr>
+        </p:nvSpPr>
+        <p:spPr/>
+        <p:txBody>
+          <a:bodyPr/>
+          <a:lstStyle/>
+          <a:p>
             <a:endParaRPr lang="fr-FR"/>
           </a:p>
         </p:txBody>
@@ -2331,7 +2924,7 @@
           <a:bodyPr/>
           <a:lstStyle/>
           <a:p>
-            <a:endParaRPr lang="fr-FR"/>
+            <a:endParaRPr lang="fr-FR" dirty="0"/>
           </a:p>
         </p:txBody>
       </p:sp>

--- a/OppAffaire/Présentation orale/Partie Philémon.pptx
+++ b/OppAffaire/Présentation orale/Partie Philémon.pptx
@@ -5,16 +5,17 @@
     <p:sldMasterId id="2147483660" r:id="rId1"/>
   </p:sldMasterIdLst>
   <p:notesMasterIdLst>
-    <p:notesMasterId r:id="rId6"/>
+    <p:notesMasterId r:id="rId7"/>
   </p:notesMasterIdLst>
   <p:handoutMasterIdLst>
-    <p:handoutMasterId r:id="rId7"/>
+    <p:handoutMasterId r:id="rId8"/>
   </p:handoutMasterIdLst>
   <p:sldIdLst>
     <p:sldId id="256" r:id="rId2"/>
-    <p:sldId id="259" r:id="rId3"/>
-    <p:sldId id="257" r:id="rId4"/>
-    <p:sldId id="258" r:id="rId5"/>
+    <p:sldId id="260" r:id="rId3"/>
+    <p:sldId id="259" r:id="rId4"/>
+    <p:sldId id="257" r:id="rId5"/>
+    <p:sldId id="258" r:id="rId6"/>
   </p:sldIdLst>
   <p:sldSz cx="9144000" cy="6858000" type="screen4x3"/>
   <p:notesSz cx="6858000" cy="9144000"/>
@@ -149,6 +150,7 @@
         <p14:section name="Section par défaut" id="{EA3375F1-B643-4D07-8980-05F8EC3A54AC}">
           <p14:sldIdLst>
             <p14:sldId id="256"/>
+            <p14:sldId id="260"/>
             <p14:sldId id="259"/>
             <p14:sldId id="257"/>
             <p14:sldId id="258"/>
@@ -157,7 +159,7 @@
       </p14:sectionLst>
     </p:ext>
     <p:ext uri="{EFAFB233-063F-42B5-8137-9DF3F51BA10A}">
-      <p15:sldGuideLst xmlns="" xmlns:p15="http://schemas.microsoft.com/office/powerpoint/2012/main">
+      <p15:sldGuideLst xmlns:p15="http://schemas.microsoft.com/office/powerpoint/2012/main" xmlns="">
         <p15:guide id="1" orient="horz" pos="2160">
           <p15:clr>
             <a:srgbClr val="A4A3A4"/>
@@ -171,7 +173,7 @@
       </p15:sldGuideLst>
     </p:ext>
     <p:ext uri="{2D200454-40CA-4A62-9FC3-DE9A4176ACB9}">
-      <p15:notesGuideLst xmlns="" xmlns:p15="http://schemas.microsoft.com/office/powerpoint/2012/main">
+      <p15:notesGuideLst xmlns:p15="http://schemas.microsoft.com/office/powerpoint/2012/main" xmlns="">
         <p15:guide id="1" orient="horz" pos="2880">
           <p15:clr>
             <a:srgbClr val="A4A3A4"/>
@@ -2261,6 +2263,192 @@
       </p:sp>
       <p:sp>
         <p:nvSpPr>
+          <p:cNvPr id="4" name="Espace réservé du contenu 3"/>
+          <p:cNvSpPr>
+            <a:spLocks noGrp="1"/>
+          </p:cNvSpPr>
+          <p:nvPr>
+            <p:ph sz="quarter" idx="19"/>
+          </p:nvPr>
+        </p:nvSpPr>
+        <p:spPr/>
+        <p:txBody>
+          <a:bodyPr/>
+          <a:lstStyle/>
+          <a:p>
+            <a:pPr marL="0" indent="0" algn="ctr">
+              <a:buNone/>
+            </a:pPr>
+            <a:endParaRPr lang="fr-FR" sz="2000" dirty="0" smtClean="0"/>
+          </a:p>
+          <a:p>
+            <a:pPr marL="0" indent="0" algn="ctr">
+              <a:buNone/>
+            </a:pPr>
+            <a:endParaRPr lang="fr-FR" sz="2000" dirty="0"/>
+          </a:p>
+          <a:p>
+            <a:pPr marL="0" indent="0" algn="ctr">
+              <a:buNone/>
+            </a:pPr>
+            <a:endParaRPr lang="fr-FR" sz="2000" dirty="0" smtClean="0"/>
+          </a:p>
+          <a:p>
+            <a:pPr marL="0" indent="0" algn="ctr">
+              <a:buNone/>
+            </a:pPr>
+            <a:endParaRPr lang="fr-FR" sz="2000" dirty="0"/>
+          </a:p>
+          <a:p>
+            <a:pPr marL="0" indent="0" algn="ctr">
+              <a:buNone/>
+            </a:pPr>
+            <a:r>
+              <a:rPr lang="fr-FR" sz="2000" dirty="0" smtClean="0"/>
+              <a:t>Plan</a:t>
+            </a:r>
+          </a:p>
+          <a:p>
+            <a:endParaRPr lang="fr-FR" sz="2000" dirty="0"/>
+          </a:p>
+          <a:p>
+            <a:pPr marL="0" indent="0" algn="ctr">
+              <a:buNone/>
+            </a:pPr>
+            <a:r>
+              <a:rPr lang="fr-FR" sz="2000" dirty="0" smtClean="0"/>
+              <a:t>I/ Présentation du contexte et de FarView</a:t>
+            </a:r>
+          </a:p>
+          <a:p>
+            <a:pPr marL="0" indent="0" algn="ctr">
+              <a:buNone/>
+            </a:pPr>
+            <a:endParaRPr lang="fr-FR" sz="2000" dirty="0"/>
+          </a:p>
+          <a:p>
+            <a:pPr marL="0" indent="0" algn="ctr">
+              <a:buNone/>
+            </a:pPr>
+            <a:r>
+              <a:rPr lang="fr-FR" sz="2000" dirty="0" smtClean="0"/>
+              <a:t>II/ Etude de marché</a:t>
+            </a:r>
+          </a:p>
+          <a:p>
+            <a:pPr marL="0" indent="0" algn="ctr">
+              <a:buNone/>
+            </a:pPr>
+            <a:endParaRPr lang="fr-FR" sz="2000" dirty="0"/>
+          </a:p>
+          <a:p>
+            <a:pPr marL="0" indent="0" algn="ctr">
+              <a:buNone/>
+            </a:pPr>
+            <a:r>
+              <a:rPr lang="fr-FR" sz="2000" dirty="0" smtClean="0"/>
+              <a:t>III/ Stratégie</a:t>
+            </a:r>
+          </a:p>
+        </p:txBody>
+      </p:sp>
+      <p:pic>
+        <p:nvPicPr>
+          <p:cNvPr id="1026" name="Picture 2" descr="C:\Users\Phil\Documents\GitHub\PIMS\OppAffaire\logo-flyer\FarView3.jpg"/>
+          <p:cNvPicPr>
+            <a:picLocks noChangeAspect="1" noChangeArrowheads="1"/>
+          </p:cNvPicPr>
+          <p:nvPr/>
+        </p:nvPicPr>
+        <p:blipFill>
+          <a:blip r:embed="rId2" cstate="print">
+            <a:extLst>
+              <a:ext uri="{28A0092B-C50C-407E-A947-70E740481C1C}">
+                <a14:useLocalDpi xmlns:a14="http://schemas.microsoft.com/office/drawing/2010/main" val="0"/>
+              </a:ext>
+            </a:extLst>
+          </a:blip>
+          <a:srcRect/>
+          <a:stretch>
+            <a:fillRect/>
+          </a:stretch>
+        </p:blipFill>
+        <p:spPr bwMode="auto">
+          <a:xfrm>
+            <a:off x="3707904" y="764704"/>
+            <a:ext cx="1835225" cy="1835225"/>
+          </a:xfrm>
+          <a:prstGeom prst="rect">
+            <a:avLst/>
+          </a:prstGeom>
+          <a:noFill/>
+          <a:extLst>
+            <a:ext uri="{909E8E84-426E-40DD-AFC4-6F175D3DCCD1}">
+              <a14:hiddenFill xmlns:a14="http://schemas.microsoft.com/office/drawing/2010/main">
+                <a:solidFill>
+                  <a:srgbClr val="FFFFFF"/>
+                </a:solidFill>
+              </a14:hiddenFill>
+            </a:ext>
+          </a:extLst>
+        </p:spPr>
+      </p:pic>
+    </p:spTree>
+    <p:extLst>
+      <p:ext uri="{BB962C8B-B14F-4D97-AF65-F5344CB8AC3E}">
+        <p14:creationId xmlns:p14="http://schemas.microsoft.com/office/powerpoint/2010/main" val="42919010"/>
+      </p:ext>
+    </p:extLst>
+  </p:cSld>
+  <p:clrMapOvr>
+    <a:masterClrMapping/>
+  </p:clrMapOvr>
+</p:sld>
+</file>
+
+<file path=ppt/slides/slide3.xml><?xml version="1.0" encoding="utf-8"?>
+<p:sld xmlns:a="http://schemas.openxmlformats.org/drawingml/2006/main" xmlns:r="http://schemas.openxmlformats.org/officeDocument/2006/relationships" xmlns:p="http://schemas.openxmlformats.org/presentationml/2006/main">
+  <p:cSld>
+    <p:spTree>
+      <p:nvGrpSpPr>
+        <p:cNvPr id="1" name=""/>
+        <p:cNvGrpSpPr/>
+        <p:nvPr/>
+      </p:nvGrpSpPr>
+      <p:grpSpPr>
+        <a:xfrm>
+          <a:off x="0" y="0"/>
+          <a:ext cx="0" cy="0"/>
+          <a:chOff x="0" y="0"/>
+          <a:chExt cx="0" cy="0"/>
+        </a:xfrm>
+      </p:grpSpPr>
+      <p:sp>
+        <p:nvSpPr>
+          <p:cNvPr id="2" name="Espace réservé du numéro de diapositive 1"/>
+          <p:cNvSpPr>
+            <a:spLocks noGrp="1"/>
+          </p:cNvSpPr>
+          <p:nvPr>
+            <p:ph type="sldNum" sz="quarter" idx="4"/>
+          </p:nvPr>
+        </p:nvSpPr>
+        <p:spPr/>
+        <p:txBody>
+          <a:bodyPr/>
+          <a:lstStyle/>
+          <a:p>
+            <a:fld id="{AF5033CA-5AE6-4050-846C-3380E9744264}" type="slidenum">
+              <a:rPr lang="fr-FR" smtClean="0"/>
+              <a:pPr/>
+              <a:t>3</a:t>
+            </a:fld>
+            <a:endParaRPr lang="fr-FR" dirty="0"/>
+          </a:p>
+        </p:txBody>
+      </p:sp>
+      <p:sp>
+        <p:nvSpPr>
           <p:cNvPr id="3" name="Titre 2"/>
           <p:cNvSpPr>
             <a:spLocks noGrp="1"/>
@@ -2276,7 +2464,7 @@
           <a:p>
             <a:r>
               <a:rPr lang="fr-FR" dirty="0" smtClean="0"/>
-              <a:t>Microscopie/intro</a:t>
+              <a:t>Introduction : la microscopie de fluorescence</a:t>
             </a:r>
             <a:endParaRPr lang="fr-FR" dirty="0"/>
           </a:p>
@@ -2297,7 +2485,7 @@
           <a:bodyPr/>
           <a:lstStyle/>
           <a:p>
-            <a:endParaRPr lang="fr-FR"/>
+            <a:endParaRPr lang="fr-FR" dirty="0"/>
           </a:p>
         </p:txBody>
       </p:sp>
@@ -2309,10 +2497,10 @@
         </p:nvGrpSpPr>
         <p:grpSpPr>
           <a:xfrm>
-            <a:off x="4609576" y="4077072"/>
-            <a:ext cx="4389343" cy="2256821"/>
-            <a:chOff x="3493452" y="2978015"/>
-            <a:chExt cx="4389343" cy="2256821"/>
+            <a:off x="4067944" y="4093856"/>
+            <a:ext cx="4971233" cy="2256821"/>
+            <a:chOff x="3202507" y="2978015"/>
+            <a:chExt cx="4971233" cy="2256821"/>
           </a:xfrm>
         </p:grpSpPr>
         <p:grpSp>
@@ -2326,7 +2514,7 @@
               <a:off x="3768942" y="2978015"/>
               <a:ext cx="3816424" cy="1916243"/>
               <a:chOff x="3562767" y="3966180"/>
-              <a:chExt cx="4637415" cy="2417178"/>
+              <a:chExt cx="4637414" cy="2417178"/>
             </a:xfrm>
           </p:grpSpPr>
           <p:pic>
@@ -2389,7 +2577,7 @@
             </p:blipFill>
             <p:spPr bwMode="auto">
               <a:xfrm>
-                <a:off x="5868144" y="3966180"/>
+                <a:off x="5868143" y="3966180"/>
                 <a:ext cx="2332038" cy="2377281"/>
               </a:xfrm>
               <a:prstGeom prst="rect">
@@ -2416,8 +2604,8 @@
           </p:nvSpPr>
           <p:spPr>
             <a:xfrm>
-              <a:off x="3493452" y="4896282"/>
-              <a:ext cx="4389343" cy="338554"/>
+              <a:off x="3202507" y="4896282"/>
+              <a:ext cx="4971233" cy="338554"/>
             </a:xfrm>
             <a:prstGeom prst="rect">
               <a:avLst/>
@@ -2432,7 +2620,11 @@
             <a:p>
               <a:r>
                 <a:rPr lang="fr-FR" sz="1600" dirty="0" smtClean="0"/>
-                <a:t>Comparaison image classique / image résolue</a:t>
+                <a:t>Comparaison image classique / image </a:t>
+              </a:r>
+              <a:r>
+                <a:rPr lang="fr-FR" sz="1600" dirty="0" smtClean="0"/>
+                <a:t>super-résolue</a:t>
               </a:r>
               <a:endParaRPr lang="fr-FR" sz="1600" dirty="0"/>
             </a:p>
@@ -2452,7 +2644,7 @@
 </p:sld>
 </file>
 
-<file path=ppt/slides/slide3.xml><?xml version="1.0" encoding="utf-8"?>
+<file path=ppt/slides/slide4.xml><?xml version="1.0" encoding="utf-8"?>
 <p:sld xmlns:a="http://schemas.openxmlformats.org/drawingml/2006/main" xmlns:r="http://schemas.openxmlformats.org/officeDocument/2006/relationships" xmlns:p="http://schemas.openxmlformats.org/presentationml/2006/main">
   <p:cSld>
     <p:spTree>
@@ -2487,7 +2679,7 @@
             <a:fld id="{AF5033CA-5AE6-4050-846C-3380E9744264}" type="slidenum">
               <a:rPr lang="fr-FR" smtClean="0"/>
               <a:pPr/>
-              <a:t>3</a:t>
+              <a:t>4</a:t>
             </a:fld>
             <a:endParaRPr lang="fr-FR" dirty="0"/>
           </a:p>
@@ -2597,35 +2789,107 @@
             <a:pPr algn="just"/>
             <a:r>
               <a:rPr lang="fr-FR" dirty="0" smtClean="0"/>
-              <a:t>Solution : Le programme 	  permet d’utiliser un </a:t>
-            </a:r>
-            <a:r>
-              <a:rPr lang="fr-FR" dirty="0" smtClean="0">
+              <a:t>Solution : Le </a:t>
+            </a:r>
+            <a:r>
+              <a:rPr lang="fr-FR" dirty="0" smtClean="0"/>
+              <a:t>logiciel</a:t>
+            </a:r>
+            <a:r>
+              <a:rPr lang="fr-FR" dirty="0" smtClean="0"/>
+              <a:t>	</a:t>
+            </a:r>
+            <a:endParaRPr lang="fr-FR" dirty="0" smtClean="0"/>
+          </a:p>
+          <a:p>
+            <a:pPr lvl="1"/>
+            <a:r>
+              <a:rPr lang="fr-FR" sz="1600" dirty="0" smtClean="0"/>
+              <a:t>Pour chercheurs en </a:t>
+            </a:r>
+            <a:r>
+              <a:rPr lang="fr-FR" sz="1600" b="1" dirty="0" smtClean="0">
                 <a:solidFill>
                   <a:srgbClr val="FF0000"/>
                 </a:solidFill>
               </a:rPr>
-              <a:t>microscope de fluorescence STORM </a:t>
-            </a:r>
-            <a:r>
-              <a:rPr lang="fr-FR" dirty="0" smtClean="0"/>
-              <a:t>pour traiter les données issues de l’observation par une méthode </a:t>
-            </a:r>
-            <a:r>
-              <a:rPr lang="fr-FR" dirty="0" smtClean="0">
+              <a:t>microscopie</a:t>
+            </a:r>
+            <a:r>
+              <a:rPr lang="fr-FR" sz="1600" b="1" dirty="0" smtClean="0"/>
+              <a:t> </a:t>
+            </a:r>
+            <a:r>
+              <a:rPr lang="fr-FR" sz="1600" dirty="0" smtClean="0"/>
+              <a:t>et</a:t>
+            </a:r>
+            <a:r>
+              <a:rPr lang="fr-FR" sz="1600" b="1" dirty="0" smtClean="0"/>
+              <a:t> </a:t>
+            </a:r>
+            <a:r>
+              <a:rPr lang="fr-FR" sz="1600" b="1" dirty="0" smtClean="0">
                 <a:solidFill>
                   <a:srgbClr val="FF0000"/>
                 </a:solidFill>
               </a:rPr>
-              <a:t>révolutionnaire breveté</a:t>
-            </a:r>
-            <a:r>
-              <a:rPr lang="fr-FR" dirty="0" smtClean="0"/>
-              <a:t> pour obtenir un image en 3D super-résolue</a:t>
-            </a:r>
-          </a:p>
-          <a:p>
-            <a:pPr algn="just"/>
+              <a:t>microbiologie</a:t>
+            </a:r>
+            <a:endParaRPr lang="fr-FR" sz="1600" b="1" dirty="0" smtClean="0">
+              <a:solidFill>
+                <a:srgbClr val="FF0000"/>
+              </a:solidFill>
+            </a:endParaRPr>
+          </a:p>
+          <a:p>
+            <a:pPr lvl="1" algn="just"/>
+            <a:r>
+              <a:rPr lang="fr-FR" sz="1600" dirty="0" smtClean="0"/>
+              <a:t>Matériel utilisé</a:t>
+            </a:r>
+            <a:r>
+              <a:rPr lang="fr-FR" sz="1600" b="1" dirty="0" smtClean="0"/>
+              <a:t> : </a:t>
+            </a:r>
+            <a:r>
+              <a:rPr lang="fr-FR" sz="1600" dirty="0">
+                <a:solidFill>
+                  <a:schemeClr val="tx1">
+                    <a:lumMod val="65000"/>
+                    <a:lumOff val="35000"/>
+                  </a:schemeClr>
+                </a:solidFill>
+              </a:rPr>
+              <a:t>microscope de fluorescence </a:t>
+            </a:r>
+            <a:r>
+              <a:rPr lang="fr-FR" sz="1600" dirty="0" smtClean="0">
+                <a:solidFill>
+                  <a:schemeClr val="tx1">
+                    <a:lumMod val="65000"/>
+                    <a:lumOff val="35000"/>
+                  </a:schemeClr>
+                </a:solidFill>
+              </a:rPr>
+              <a:t>STORM</a:t>
+            </a:r>
+          </a:p>
+          <a:p>
+            <a:pPr lvl="1" algn="just"/>
+            <a:r>
+              <a:rPr lang="fr-FR" sz="1600" dirty="0" smtClean="0">
+                <a:solidFill>
+                  <a:schemeClr val="tx1">
+                    <a:lumMod val="65000"/>
+                    <a:lumOff val="35000"/>
+                  </a:schemeClr>
+                </a:solidFill>
+              </a:rPr>
+              <a:t>Méthode breveté</a:t>
+            </a:r>
+          </a:p>
+          <a:p>
+            <a:pPr lvl="1" algn="just"/>
             <a:endParaRPr lang="fr-FR" dirty="0" smtClean="0"/>
           </a:p>
           <a:p>
@@ -2777,7 +3041,7 @@
         </p:blipFill>
         <p:spPr bwMode="auto">
           <a:xfrm>
-            <a:off x="3419872" y="2708920"/>
+            <a:off x="3059832" y="2708920"/>
             <a:ext cx="936104" cy="397964"/>
           </a:xfrm>
           <a:prstGeom prst="rect">
@@ -2818,7 +3082,7 @@
         </p:blipFill>
         <p:spPr bwMode="auto">
           <a:xfrm>
-            <a:off x="2339752" y="4869160"/>
+            <a:off x="2393097" y="4509120"/>
             <a:ext cx="936104" cy="397964"/>
           </a:xfrm>
           <a:prstGeom prst="rect">
@@ -2849,7 +3113,7 @@
 </p:sld>
 </file>
 
-<file path=ppt/slides/slide4.xml><?xml version="1.0" encoding="utf-8"?>
+<file path=ppt/slides/slide5.xml><?xml version="1.0" encoding="utf-8"?>
 <p:sld xmlns:a="http://schemas.openxmlformats.org/drawingml/2006/main" xmlns:r="http://schemas.openxmlformats.org/officeDocument/2006/relationships" xmlns:p="http://schemas.openxmlformats.org/presentationml/2006/main">
   <p:cSld>
     <p:spTree>
@@ -2884,7 +3148,7 @@
             <a:fld id="{AF5033CA-5AE6-4050-846C-3380E9744264}" type="slidenum">
               <a:rPr lang="fr-FR" smtClean="0"/>
               <a:pPr/>
-              <a:t>4</a:t>
+              <a:t>5</a:t>
             </a:fld>
             <a:endParaRPr lang="fr-FR" dirty="0"/>
           </a:p>

--- a/OppAffaire/Présentation orale/Partie Philémon.pptx
+++ b/OppAffaire/Présentation orale/Partie Philémon.pptx
@@ -5,10 +5,10 @@
     <p:sldMasterId id="2147483660" r:id="rId1"/>
   </p:sldMasterIdLst>
   <p:notesMasterIdLst>
-    <p:notesMasterId r:id="rId7"/>
+    <p:notesMasterId r:id="rId13"/>
   </p:notesMasterIdLst>
   <p:handoutMasterIdLst>
-    <p:handoutMasterId r:id="rId8"/>
+    <p:handoutMasterId r:id="rId14"/>
   </p:handoutMasterIdLst>
   <p:sldIdLst>
     <p:sldId id="256" r:id="rId2"/>
@@ -16,6 +16,12 @@
     <p:sldId id="259" r:id="rId4"/>
     <p:sldId id="257" r:id="rId5"/>
     <p:sldId id="258" r:id="rId6"/>
+    <p:sldId id="262" r:id="rId7"/>
+    <p:sldId id="263" r:id="rId8"/>
+    <p:sldId id="266" r:id="rId9"/>
+    <p:sldId id="264" r:id="rId10"/>
+    <p:sldId id="265" r:id="rId11"/>
+    <p:sldId id="261" r:id="rId12"/>
   </p:sldIdLst>
   <p:sldSz cx="9144000" cy="6858000" type="screen4x3"/>
   <p:notesSz cx="6858000" cy="9144000"/>
@@ -154,12 +160,18 @@
             <p14:sldId id="259"/>
             <p14:sldId id="257"/>
             <p14:sldId id="258"/>
+            <p14:sldId id="262"/>
+            <p14:sldId id="263"/>
+            <p14:sldId id="266"/>
+            <p14:sldId id="264"/>
+            <p14:sldId id="265"/>
+            <p14:sldId id="261"/>
           </p14:sldIdLst>
         </p14:section>
       </p14:sectionLst>
     </p:ext>
     <p:ext uri="{EFAFB233-063F-42B5-8137-9DF3F51BA10A}">
-      <p15:sldGuideLst xmlns:p15="http://schemas.microsoft.com/office/powerpoint/2012/main" xmlns="">
+      <p15:sldGuideLst xmlns="" xmlns:p15="http://schemas.microsoft.com/office/powerpoint/2012/main">
         <p15:guide id="1" orient="horz" pos="2160">
           <p15:clr>
             <a:srgbClr val="A4A3A4"/>
@@ -173,7 +185,7 @@
       </p15:sldGuideLst>
     </p:ext>
     <p:ext uri="{2D200454-40CA-4A62-9FC3-DE9A4176ACB9}">
-      <p15:notesGuideLst xmlns:p15="http://schemas.microsoft.com/office/powerpoint/2012/main" xmlns="">
+      <p15:notesGuideLst xmlns="" xmlns:p15="http://schemas.microsoft.com/office/powerpoint/2012/main">
         <p15:guide id="1" orient="horz" pos="2880">
           <p15:clr>
             <a:srgbClr val="A4A3A4"/>
@@ -1357,160 +1369,6 @@
             <a:endParaRPr lang="fr-FR">
               <a:solidFill>
                 <a:prstClr val="white"/>
-              </a:solidFill>
-            </a:endParaRPr>
-          </a:p>
-        </p:txBody>
-      </p:sp>
-      <p:sp>
-        <p:nvSpPr>
-          <p:cNvPr id="11" name="Espace réservé du numéro de diapositive 5"/>
-          <p:cNvSpPr txBox="1">
-            <a:spLocks/>
-          </p:cNvSpPr>
-          <p:nvPr/>
-        </p:nvSpPr>
-        <p:spPr>
-          <a:xfrm>
-            <a:off x="8244408" y="6651550"/>
-            <a:ext cx="864096" cy="126207"/>
-          </a:xfrm>
-          <a:prstGeom prst="rect">
-            <a:avLst/>
-          </a:prstGeom>
-        </p:spPr>
-        <p:txBody>
-          <a:bodyPr lIns="0" tIns="0" rIns="0" bIns="0" anchor="b"/>
-          <a:lstStyle>
-            <a:defPPr>
-              <a:defRPr lang="fr-FR"/>
-            </a:defPPr>
-            <a:lvl1pPr marL="0" algn="l" defTabSz="914400" rtl="0" eaLnBrk="1" latinLnBrk="0" hangingPunct="1">
-              <a:defRPr sz="1000" kern="1200">
-                <a:solidFill>
-                  <a:srgbClr val="666666"/>
-                </a:solidFill>
-                <a:latin typeface="+mn-lt"/>
-                <a:ea typeface="+mn-ea"/>
-                <a:cs typeface="+mn-cs"/>
-              </a:defRPr>
-            </a:lvl1pPr>
-            <a:lvl2pPr marL="457200" algn="l" defTabSz="914400" rtl="0" eaLnBrk="1" latinLnBrk="0" hangingPunct="1">
-              <a:defRPr sz="1800" kern="1200">
-                <a:solidFill>
-                  <a:schemeClr val="tx1"/>
-                </a:solidFill>
-                <a:latin typeface="+mn-lt"/>
-                <a:ea typeface="+mn-ea"/>
-                <a:cs typeface="+mn-cs"/>
-              </a:defRPr>
-            </a:lvl2pPr>
-            <a:lvl3pPr marL="914400" algn="l" defTabSz="914400" rtl="0" eaLnBrk="1" latinLnBrk="0" hangingPunct="1">
-              <a:defRPr sz="1800" kern="1200">
-                <a:solidFill>
-                  <a:schemeClr val="tx1"/>
-                </a:solidFill>
-                <a:latin typeface="+mn-lt"/>
-                <a:ea typeface="+mn-ea"/>
-                <a:cs typeface="+mn-cs"/>
-              </a:defRPr>
-            </a:lvl3pPr>
-            <a:lvl4pPr marL="1371600" algn="l" defTabSz="914400" rtl="0" eaLnBrk="1" latinLnBrk="0" hangingPunct="1">
-              <a:defRPr sz="1800" kern="1200">
-                <a:solidFill>
-                  <a:schemeClr val="tx1"/>
-                </a:solidFill>
-                <a:latin typeface="+mn-lt"/>
-                <a:ea typeface="+mn-ea"/>
-                <a:cs typeface="+mn-cs"/>
-              </a:defRPr>
-            </a:lvl4pPr>
-            <a:lvl5pPr marL="1828800" algn="l" defTabSz="914400" rtl="0" eaLnBrk="1" latinLnBrk="0" hangingPunct="1">
-              <a:defRPr sz="1800" kern="1200">
-                <a:solidFill>
-                  <a:schemeClr val="tx1"/>
-                </a:solidFill>
-                <a:latin typeface="+mn-lt"/>
-                <a:ea typeface="+mn-ea"/>
-                <a:cs typeface="+mn-cs"/>
-              </a:defRPr>
-            </a:lvl5pPr>
-            <a:lvl6pPr marL="2286000" algn="l" defTabSz="914400" rtl="0" eaLnBrk="1" latinLnBrk="0" hangingPunct="1">
-              <a:defRPr sz="1800" kern="1200">
-                <a:solidFill>
-                  <a:schemeClr val="tx1"/>
-                </a:solidFill>
-                <a:latin typeface="+mn-lt"/>
-                <a:ea typeface="+mn-ea"/>
-                <a:cs typeface="+mn-cs"/>
-              </a:defRPr>
-            </a:lvl6pPr>
-            <a:lvl7pPr marL="2743200" algn="l" defTabSz="914400" rtl="0" eaLnBrk="1" latinLnBrk="0" hangingPunct="1">
-              <a:defRPr sz="1800" kern="1200">
-                <a:solidFill>
-                  <a:schemeClr val="tx1"/>
-                </a:solidFill>
-                <a:latin typeface="+mn-lt"/>
-                <a:ea typeface="+mn-ea"/>
-                <a:cs typeface="+mn-cs"/>
-              </a:defRPr>
-            </a:lvl7pPr>
-            <a:lvl8pPr marL="3200400" algn="l" defTabSz="914400" rtl="0" eaLnBrk="1" latinLnBrk="0" hangingPunct="1">
-              <a:defRPr sz="1800" kern="1200">
-                <a:solidFill>
-                  <a:schemeClr val="tx1"/>
-                </a:solidFill>
-                <a:latin typeface="+mn-lt"/>
-                <a:ea typeface="+mn-ea"/>
-                <a:cs typeface="+mn-cs"/>
-              </a:defRPr>
-            </a:lvl8pPr>
-            <a:lvl9pPr marL="3657600" algn="l" defTabSz="914400" rtl="0" eaLnBrk="1" latinLnBrk="0" hangingPunct="1">
-              <a:defRPr sz="1800" kern="1200">
-                <a:solidFill>
-                  <a:schemeClr val="tx1"/>
-                </a:solidFill>
-                <a:latin typeface="+mn-lt"/>
-                <a:ea typeface="+mn-ea"/>
-                <a:cs typeface="+mn-cs"/>
-              </a:defRPr>
-            </a:lvl9pPr>
-          </a:lstStyle>
-          <a:p>
-            <a:pPr algn="r" fontAlgn="auto">
-              <a:spcBef>
-                <a:spcPts val="0"/>
-              </a:spcBef>
-              <a:spcAft>
-                <a:spcPts val="0"/>
-              </a:spcAft>
-              <a:defRPr/>
-            </a:pPr>
-            <a:r>
-              <a:rPr lang="fr-FR" sz="600" i="1" dirty="0" err="1" smtClean="0">
-                <a:solidFill>
-                  <a:schemeClr val="bg1">
-                    <a:lumMod val="75000"/>
-                  </a:schemeClr>
-                </a:solidFill>
-              </a:rPr>
-              <a:t>Imp</a:t>
-            </a:r>
-            <a:r>
-              <a:rPr lang="fr-FR" sz="600" i="1" dirty="0" smtClean="0">
-                <a:solidFill>
-                  <a:schemeClr val="bg1">
-                    <a:lumMod val="75000"/>
-                  </a:schemeClr>
-                </a:solidFill>
-              </a:rPr>
-              <a:t> 154 D - INES</a:t>
-            </a:r>
-            <a:endParaRPr lang="fr-FR" sz="600" i="1" dirty="0">
-              <a:solidFill>
-                <a:schemeClr val="bg1">
-                  <a:lumMod val="75000"/>
-                </a:schemeClr>
               </a:solidFill>
             </a:endParaRPr>
           </a:p>
@@ -2124,12 +1982,12 @@
           <a:lstStyle/>
           <a:p>
             <a:r>
-              <a:rPr lang="fr-FR" dirty="0" err="1" smtClean="0"/>
-              <a:t>Businness</a:t>
-            </a:r>
-            <a:r>
               <a:rPr lang="fr-FR" dirty="0" smtClean="0"/>
-              <a:t> plan 2016 –</a:t>
+              <a:t>Business </a:t>
+            </a:r>
+            <a:r>
+              <a:rPr lang="fr-FR" dirty="0" smtClean="0"/>
+              <a:t>plan 2016 –</a:t>
             </a:r>
             <a:br>
               <a:rPr lang="fr-FR" dirty="0" smtClean="0"/>
@@ -2217,6 +2075,551 @@
   <p:clrMapOvr>
     <a:masterClrMapping/>
   </p:clrMapOvr>
+  <p:timing>
+    <p:tnLst>
+      <p:par>
+        <p:cTn id="1" dur="indefinite" restart="never" nodeType="tmRoot"/>
+      </p:par>
+    </p:tnLst>
+  </p:timing>
+</p:sld>
+</file>
+
+<file path=ppt/slides/slide10.xml><?xml version="1.0" encoding="utf-8"?>
+<p:sld xmlns:a="http://schemas.openxmlformats.org/drawingml/2006/main" xmlns:r="http://schemas.openxmlformats.org/officeDocument/2006/relationships" xmlns:p="http://schemas.openxmlformats.org/presentationml/2006/main">
+  <p:cSld>
+    <p:spTree>
+      <p:nvGrpSpPr>
+        <p:cNvPr id="1" name=""/>
+        <p:cNvGrpSpPr/>
+        <p:nvPr/>
+      </p:nvGrpSpPr>
+      <p:grpSpPr>
+        <a:xfrm>
+          <a:off x="0" y="0"/>
+          <a:ext cx="0" cy="0"/>
+          <a:chOff x="0" y="0"/>
+          <a:chExt cx="0" cy="0"/>
+        </a:xfrm>
+      </p:grpSpPr>
+      <p:sp>
+        <p:nvSpPr>
+          <p:cNvPr id="2" name="Espace réservé du numéro de diapositive 1"/>
+          <p:cNvSpPr>
+            <a:spLocks noGrp="1"/>
+          </p:cNvSpPr>
+          <p:nvPr>
+            <p:ph type="sldNum" sz="quarter" idx="4"/>
+          </p:nvPr>
+        </p:nvSpPr>
+        <p:spPr/>
+        <p:txBody>
+          <a:bodyPr/>
+          <a:lstStyle/>
+          <a:p>
+            <a:fld id="{AF5033CA-5AE6-4050-846C-3380E9744264}" type="slidenum">
+              <a:rPr lang="fr-FR" smtClean="0">
+                <a:solidFill>
+                  <a:prstClr val="black">
+                    <a:tint val="75000"/>
+                  </a:prstClr>
+                </a:solidFill>
+              </a:rPr>
+              <a:pPr/>
+              <a:t>10</a:t>
+            </a:fld>
+            <a:endParaRPr lang="fr-FR" dirty="0">
+              <a:solidFill>
+                <a:prstClr val="black">
+                  <a:tint val="75000"/>
+                </a:prstClr>
+              </a:solidFill>
+            </a:endParaRPr>
+          </a:p>
+        </p:txBody>
+      </p:sp>
+      <p:sp>
+        <p:nvSpPr>
+          <p:cNvPr id="3" name="Titre 2"/>
+          <p:cNvSpPr>
+            <a:spLocks noGrp="1"/>
+          </p:cNvSpPr>
+          <p:nvPr>
+            <p:ph type="title"/>
+          </p:nvPr>
+        </p:nvSpPr>
+        <p:spPr/>
+        <p:txBody>
+          <a:bodyPr/>
+          <a:lstStyle/>
+          <a:p>
+            <a:r>
+              <a:rPr lang="fr-FR" sz="2800" dirty="0" smtClean="0"/>
+              <a:t>Développement</a:t>
+            </a:r>
+            <a:endParaRPr lang="fr-FR" sz="2800" dirty="0"/>
+          </a:p>
+        </p:txBody>
+      </p:sp>
+      <p:sp>
+        <p:nvSpPr>
+          <p:cNvPr id="4" name="Espace réservé du contenu 3"/>
+          <p:cNvSpPr>
+            <a:spLocks noGrp="1"/>
+          </p:cNvSpPr>
+          <p:nvPr>
+            <p:ph sz="quarter" idx="19"/>
+          </p:nvPr>
+        </p:nvSpPr>
+        <p:spPr>
+          <a:xfrm>
+            <a:off x="683568" y="1700808"/>
+            <a:ext cx="8784976" cy="4680520"/>
+          </a:xfrm>
+        </p:spPr>
+        <p:txBody>
+          <a:bodyPr/>
+          <a:lstStyle/>
+          <a:p>
+            <a:r>
+              <a:rPr lang="fr-FR" sz="2000" u="sng" dirty="0" smtClean="0">
+                <a:sym typeface="Wingdings" panose="05000000000000000000" pitchFamily="2" charset="2"/>
+              </a:rPr>
+              <a:t>Troisième année:</a:t>
+            </a:r>
+          </a:p>
+          <a:p>
+            <a:pPr marL="0" indent="0">
+              <a:buNone/>
+            </a:pPr>
+            <a:r>
+              <a:rPr lang="fr-FR" sz="1800" dirty="0" smtClean="0">
+                <a:sym typeface="Wingdings" panose="05000000000000000000" pitchFamily="2" charset="2"/>
+              </a:rPr>
+              <a:t>	</a:t>
+            </a:r>
+          </a:p>
+          <a:p>
+            <a:pPr marL="0" indent="0">
+              <a:buNone/>
+            </a:pPr>
+            <a:r>
+              <a:rPr lang="fr-FR" sz="2000" dirty="0" smtClean="0">
+                <a:sym typeface="Wingdings" panose="05000000000000000000" pitchFamily="2" charset="2"/>
+              </a:rPr>
+              <a:t>Développement de nouveaux logiciels</a:t>
+            </a:r>
+          </a:p>
+          <a:p>
+            <a:pPr marL="0" indent="0">
+              <a:buNone/>
+            </a:pPr>
+            <a:r>
+              <a:rPr lang="fr-FR" sz="2000" dirty="0" smtClean="0">
+                <a:sym typeface="Wingdings" panose="05000000000000000000" pitchFamily="2" charset="2"/>
+              </a:rPr>
+              <a:t>Etudes des nouvelles technologies émergentes…</a:t>
+            </a:r>
+          </a:p>
+          <a:p>
+            <a:pPr marL="0" indent="0">
+              <a:buNone/>
+            </a:pPr>
+            <a:r>
+              <a:rPr lang="fr-FR" sz="2000" dirty="0" smtClean="0">
+                <a:sym typeface="Wingdings" panose="05000000000000000000" pitchFamily="2" charset="2"/>
+              </a:rPr>
+              <a:t>On vend de plus en plus de licences</a:t>
+            </a:r>
+            <a:endParaRPr lang="fr-FR" sz="1800" dirty="0">
+              <a:sym typeface="Wingdings" panose="05000000000000000000" pitchFamily="2" charset="2"/>
+            </a:endParaRPr>
+          </a:p>
+          <a:p>
+            <a:pPr marL="0" indent="0">
+              <a:buNone/>
+            </a:pPr>
+            <a:endParaRPr lang="fr-FR" sz="2000" dirty="0" smtClean="0">
+              <a:sym typeface="Wingdings" panose="05000000000000000000" pitchFamily="2" charset="2"/>
+            </a:endParaRPr>
+          </a:p>
+          <a:p>
+            <a:pPr marL="0" indent="0">
+              <a:buNone/>
+            </a:pPr>
+            <a:r>
+              <a:rPr lang="fr-FR" sz="2000" dirty="0" smtClean="0">
+                <a:sym typeface="Wingdings" panose="05000000000000000000" pitchFamily="2" charset="2"/>
+              </a:rPr>
+              <a:t>Partenariat avec l’un des </a:t>
+            </a:r>
+            <a:r>
+              <a:rPr lang="fr-FR" sz="2000" i="1" dirty="0" err="1" smtClean="0">
+                <a:sym typeface="Wingdings" panose="05000000000000000000" pitchFamily="2" charset="2"/>
+              </a:rPr>
+              <a:t>Big</a:t>
+            </a:r>
+            <a:r>
+              <a:rPr lang="fr-FR" sz="2000" i="1" dirty="0" smtClean="0">
+                <a:sym typeface="Wingdings" panose="05000000000000000000" pitchFamily="2" charset="2"/>
+              </a:rPr>
+              <a:t> Four </a:t>
+            </a:r>
+            <a:r>
+              <a:rPr lang="fr-FR" sz="2000" dirty="0" smtClean="0">
+                <a:sym typeface="Wingdings" panose="05000000000000000000" pitchFamily="2" charset="2"/>
+              </a:rPr>
+              <a:t>?</a:t>
+            </a:r>
+            <a:endParaRPr lang="fr-FR" sz="2000" dirty="0">
+              <a:sym typeface="Wingdings" panose="05000000000000000000" pitchFamily="2" charset="2"/>
+            </a:endParaRPr>
+          </a:p>
+          <a:p>
+            <a:endParaRPr lang="fr-FR" sz="2000" dirty="0" smtClean="0">
+              <a:sym typeface="Wingdings" panose="05000000000000000000" pitchFamily="2" charset="2"/>
+            </a:endParaRPr>
+          </a:p>
+          <a:p>
+            <a:endParaRPr lang="fr-FR" sz="2000" dirty="0">
+              <a:sym typeface="Wingdings" panose="05000000000000000000" pitchFamily="2" charset="2"/>
+            </a:endParaRPr>
+          </a:p>
+          <a:p>
+            <a:endParaRPr lang="fr-FR" sz="2000" dirty="0" smtClean="0">
+              <a:sym typeface="Wingdings" panose="05000000000000000000" pitchFamily="2" charset="2"/>
+            </a:endParaRPr>
+          </a:p>
+          <a:p>
+            <a:pPr marL="0" indent="0" algn="ctr">
+              <a:buNone/>
+            </a:pPr>
+            <a:endParaRPr lang="fr-FR" sz="2000" dirty="0" smtClean="0">
+              <a:sym typeface="Wingdings" panose="05000000000000000000" pitchFamily="2" charset="2"/>
+            </a:endParaRPr>
+          </a:p>
+          <a:p>
+            <a:pPr marL="0" indent="0">
+              <a:buNone/>
+            </a:pPr>
+            <a:r>
+              <a:rPr lang="fr-FR" sz="2000" dirty="0">
+                <a:solidFill>
+                  <a:srgbClr val="0070C0"/>
+                </a:solidFill>
+                <a:sym typeface="Wingdings" panose="05000000000000000000" pitchFamily="2" charset="2"/>
+              </a:rPr>
+              <a:t>	</a:t>
+            </a:r>
+            <a:endParaRPr lang="fr-FR" sz="2000" dirty="0">
+              <a:sym typeface="Wingdings" panose="05000000000000000000" pitchFamily="2" charset="2"/>
+            </a:endParaRPr>
+          </a:p>
+          <a:p>
+            <a:endParaRPr lang="fr-FR" sz="2000" dirty="0" smtClean="0">
+              <a:sym typeface="Wingdings" panose="05000000000000000000" pitchFamily="2" charset="2"/>
+            </a:endParaRPr>
+          </a:p>
+          <a:p>
+            <a:endParaRPr lang="fr-FR" sz="2000" dirty="0" smtClean="0">
+              <a:sym typeface="Wingdings" panose="05000000000000000000" pitchFamily="2" charset="2"/>
+            </a:endParaRPr>
+          </a:p>
+        </p:txBody>
+      </p:sp>
+      <p:pic>
+        <p:nvPicPr>
+          <p:cNvPr id="2050" name="Picture 2" descr="Afficher l'image d'origine"/>
+          <p:cNvPicPr>
+            <a:picLocks noChangeAspect="1" noChangeArrowheads="1"/>
+          </p:cNvPicPr>
+          <p:nvPr/>
+        </p:nvPicPr>
+        <p:blipFill>
+          <a:blip r:embed="rId2" cstate="print">
+            <a:extLst>
+              <a:ext uri="{28A0092B-C50C-407E-A947-70E740481C1C}">
+                <a14:useLocalDpi xmlns:a14="http://schemas.microsoft.com/office/drawing/2010/main" val="0"/>
+              </a:ext>
+            </a:extLst>
+          </a:blip>
+          <a:srcRect/>
+          <a:stretch>
+            <a:fillRect/>
+          </a:stretch>
+        </p:blipFill>
+        <p:spPr bwMode="auto">
+          <a:xfrm>
+            <a:off x="755576" y="4629336"/>
+            <a:ext cx="2217251" cy="528464"/>
+          </a:xfrm>
+          <a:prstGeom prst="rect">
+            <a:avLst/>
+          </a:prstGeom>
+          <a:noFill/>
+          <a:extLst>
+            <a:ext uri="{909E8E84-426E-40DD-AFC4-6F175D3DCCD1}">
+              <a14:hiddenFill xmlns:a14="http://schemas.microsoft.com/office/drawing/2010/main">
+                <a:solidFill>
+                  <a:srgbClr val="FFFFFF"/>
+                </a:solidFill>
+              </a14:hiddenFill>
+            </a:ext>
+          </a:extLst>
+        </p:spPr>
+      </p:pic>
+      <p:pic>
+        <p:nvPicPr>
+          <p:cNvPr id="2051" name="Picture 3"/>
+          <p:cNvPicPr>
+            <a:picLocks noChangeAspect="1" noChangeArrowheads="1"/>
+          </p:cNvPicPr>
+          <p:nvPr/>
+        </p:nvPicPr>
+        <p:blipFill>
+          <a:blip r:embed="rId3" cstate="print">
+            <a:extLst>
+              <a:ext uri="{28A0092B-C50C-407E-A947-70E740481C1C}">
+                <a14:useLocalDpi xmlns:a14="http://schemas.microsoft.com/office/drawing/2010/main" val="0"/>
+              </a:ext>
+            </a:extLst>
+          </a:blip>
+          <a:srcRect/>
+          <a:stretch>
+            <a:fillRect/>
+          </a:stretch>
+        </p:blipFill>
+        <p:spPr bwMode="auto">
+          <a:xfrm>
+            <a:off x="3419872" y="4389492"/>
+            <a:ext cx="1070248" cy="1070248"/>
+          </a:xfrm>
+          <a:prstGeom prst="rect">
+            <a:avLst/>
+          </a:prstGeom>
+          <a:noFill/>
+          <a:ln>
+            <a:noFill/>
+          </a:ln>
+          <a:extLst>
+            <a:ext uri="{909E8E84-426E-40DD-AFC4-6F175D3DCCD1}">
+              <a14:hiddenFill xmlns:a14="http://schemas.microsoft.com/office/drawing/2010/main">
+                <a:solidFill>
+                  <a:schemeClr val="accent1"/>
+                </a:solidFill>
+              </a14:hiddenFill>
+            </a:ext>
+            <a:ext uri="{91240B29-F687-4F45-9708-019B960494DF}">
+              <a14:hiddenLine xmlns:a14="http://schemas.microsoft.com/office/drawing/2010/main" w="9525">
+                <a:solidFill>
+                  <a:schemeClr val="tx1"/>
+                </a:solidFill>
+                <a:miter lim="800000"/>
+                <a:headEnd/>
+                <a:tailEnd/>
+              </a14:hiddenLine>
+            </a:ext>
+          </a:extLst>
+        </p:spPr>
+      </p:pic>
+      <p:pic>
+        <p:nvPicPr>
+          <p:cNvPr id="2054" name="Picture 6" descr="File:Leica Camera logo.svg"/>
+          <p:cNvPicPr>
+            <a:picLocks noChangeAspect="1" noChangeArrowheads="1"/>
+          </p:cNvPicPr>
+          <p:nvPr/>
+        </p:nvPicPr>
+        <p:blipFill>
+          <a:blip r:embed="rId4" cstate="print">
+            <a:extLst>
+              <a:ext uri="{28A0092B-C50C-407E-A947-70E740481C1C}">
+                <a14:useLocalDpi xmlns:a14="http://schemas.microsoft.com/office/drawing/2010/main" val="0"/>
+              </a:ext>
+            </a:extLst>
+          </a:blip>
+          <a:srcRect/>
+          <a:stretch>
+            <a:fillRect/>
+          </a:stretch>
+        </p:blipFill>
+        <p:spPr bwMode="auto">
+          <a:xfrm>
+            <a:off x="4921776" y="4352741"/>
+            <a:ext cx="1162392" cy="1162392"/>
+          </a:xfrm>
+          <a:prstGeom prst="rect">
+            <a:avLst/>
+          </a:prstGeom>
+          <a:noFill/>
+          <a:extLst>
+            <a:ext uri="{909E8E84-426E-40DD-AFC4-6F175D3DCCD1}">
+              <a14:hiddenFill xmlns:a14="http://schemas.microsoft.com/office/drawing/2010/main">
+                <a:solidFill>
+                  <a:srgbClr val="FFFFFF"/>
+                </a:solidFill>
+              </a14:hiddenFill>
+            </a:ext>
+          </a:extLst>
+        </p:spPr>
+      </p:pic>
+      <p:pic>
+        <p:nvPicPr>
+          <p:cNvPr id="2056" name="Picture 8" descr="Afficher l'image d'origine"/>
+          <p:cNvPicPr>
+            <a:picLocks noChangeAspect="1" noChangeArrowheads="1"/>
+          </p:cNvPicPr>
+          <p:nvPr/>
+        </p:nvPicPr>
+        <p:blipFill>
+          <a:blip r:embed="rId5" cstate="print">
+            <a:extLst>
+              <a:ext uri="{28A0092B-C50C-407E-A947-70E740481C1C}">
+                <a14:useLocalDpi xmlns:a14="http://schemas.microsoft.com/office/drawing/2010/main" val="0"/>
+              </a:ext>
+            </a:extLst>
+          </a:blip>
+          <a:srcRect/>
+          <a:stretch>
+            <a:fillRect/>
+          </a:stretch>
+        </p:blipFill>
+        <p:spPr bwMode="auto">
+          <a:xfrm>
+            <a:off x="6516216" y="4389492"/>
+            <a:ext cx="1070248" cy="1070248"/>
+          </a:xfrm>
+          <a:prstGeom prst="rect">
+            <a:avLst/>
+          </a:prstGeom>
+          <a:noFill/>
+          <a:extLst>
+            <a:ext uri="{909E8E84-426E-40DD-AFC4-6F175D3DCCD1}">
+              <a14:hiddenFill xmlns:a14="http://schemas.microsoft.com/office/drawing/2010/main">
+                <a:solidFill>
+                  <a:srgbClr val="FFFFFF"/>
+                </a:solidFill>
+              </a14:hiddenFill>
+            </a:ext>
+          </a:extLst>
+        </p:spPr>
+      </p:pic>
+    </p:spTree>
+    <p:extLst>
+      <p:ext uri="{BB962C8B-B14F-4D97-AF65-F5344CB8AC3E}">
+        <p14:creationId xmlns:p14="http://schemas.microsoft.com/office/powerpoint/2010/main" val="988134829"/>
+      </p:ext>
+    </p:extLst>
+  </p:cSld>
+  <p:clrMapOvr>
+    <a:masterClrMapping/>
+  </p:clrMapOvr>
+  <p:timing>
+    <p:tnLst>
+      <p:par>
+        <p:cTn id="1" dur="indefinite" restart="never" nodeType="tmRoot"/>
+      </p:par>
+    </p:tnLst>
+  </p:timing>
+</p:sld>
+</file>
+
+<file path=ppt/slides/slide11.xml><?xml version="1.0" encoding="utf-8"?>
+<p:sld xmlns:a="http://schemas.openxmlformats.org/drawingml/2006/main" xmlns:r="http://schemas.openxmlformats.org/officeDocument/2006/relationships" xmlns:p="http://schemas.openxmlformats.org/presentationml/2006/main">
+  <p:cSld>
+    <p:spTree>
+      <p:nvGrpSpPr>
+        <p:cNvPr id="1" name=""/>
+        <p:cNvGrpSpPr/>
+        <p:nvPr/>
+      </p:nvGrpSpPr>
+      <p:grpSpPr>
+        <a:xfrm>
+          <a:off x="0" y="0"/>
+          <a:ext cx="0" cy="0"/>
+          <a:chOff x="0" y="0"/>
+          <a:chExt cx="0" cy="0"/>
+        </a:xfrm>
+      </p:grpSpPr>
+      <p:sp>
+        <p:nvSpPr>
+          <p:cNvPr id="2" name="Espace réservé du numéro de diapositive 1"/>
+          <p:cNvSpPr>
+            <a:spLocks noGrp="1"/>
+          </p:cNvSpPr>
+          <p:nvPr>
+            <p:ph type="sldNum" sz="quarter" idx="4"/>
+          </p:nvPr>
+        </p:nvSpPr>
+        <p:spPr/>
+        <p:txBody>
+          <a:bodyPr/>
+          <a:lstStyle/>
+          <a:p>
+            <a:fld id="{AF5033CA-5AE6-4050-846C-3380E9744264}" type="slidenum">
+              <a:rPr lang="fr-FR" smtClean="0"/>
+              <a:pPr/>
+              <a:t>11</a:t>
+            </a:fld>
+            <a:endParaRPr lang="fr-FR" dirty="0"/>
+          </a:p>
+        </p:txBody>
+      </p:sp>
+      <p:sp>
+        <p:nvSpPr>
+          <p:cNvPr id="3" name="Titre 2"/>
+          <p:cNvSpPr>
+            <a:spLocks noGrp="1"/>
+          </p:cNvSpPr>
+          <p:nvPr>
+            <p:ph type="title"/>
+          </p:nvPr>
+        </p:nvSpPr>
+        <p:spPr/>
+        <p:txBody>
+          <a:bodyPr/>
+          <a:lstStyle/>
+          <a:p>
+            <a:endParaRPr lang="fr-FR" dirty="0"/>
+          </a:p>
+        </p:txBody>
+      </p:sp>
+      <p:sp>
+        <p:nvSpPr>
+          <p:cNvPr id="4" name="Espace réservé du contenu 3"/>
+          <p:cNvSpPr>
+            <a:spLocks noGrp="1"/>
+          </p:cNvSpPr>
+          <p:nvPr>
+            <p:ph sz="quarter" idx="19"/>
+          </p:nvPr>
+        </p:nvSpPr>
+        <p:spPr/>
+        <p:txBody>
+          <a:bodyPr/>
+          <a:lstStyle/>
+          <a:p>
+            <a:endParaRPr lang="fr-FR"/>
+          </a:p>
+        </p:txBody>
+      </p:sp>
+    </p:spTree>
+    <p:extLst>
+      <p:ext uri="{BB962C8B-B14F-4D97-AF65-F5344CB8AC3E}">
+        <p14:creationId xmlns:p14="http://schemas.microsoft.com/office/powerpoint/2010/main" val="2711643340"/>
+      </p:ext>
+    </p:extLst>
+  </p:cSld>
+  <p:clrMapOvr>
+    <a:masterClrMapping/>
+  </p:clrMapOvr>
+  <p:timing>
+    <p:tnLst>
+      <p:par>
+        <p:cTn id="1" dur="indefinite" restart="never" nodeType="tmRoot"/>
+      </p:par>
+    </p:tnLst>
+  </p:timing>
 </p:sld>
 </file>
 
@@ -2403,6 +2806,13 @@
   <p:clrMapOvr>
     <a:masterClrMapping/>
   </p:clrMapOvr>
+  <p:timing>
+    <p:tnLst>
+      <p:par>
+        <p:cTn id="1" dur="indefinite" restart="never" nodeType="tmRoot"/>
+      </p:par>
+    </p:tnLst>
+  </p:timing>
 </p:sld>
 </file>
 
@@ -2463,10 +2873,10 @@
           <a:lstStyle/>
           <a:p>
             <a:r>
-              <a:rPr lang="fr-FR" dirty="0" smtClean="0"/>
+              <a:rPr lang="fr-FR" sz="2800" dirty="0" smtClean="0"/>
               <a:t>Introduction : la microscopie de fluorescence</a:t>
             </a:r>
-            <a:endParaRPr lang="fr-FR" dirty="0"/>
+            <a:endParaRPr lang="fr-FR" sz="2800" dirty="0"/>
           </a:p>
         </p:txBody>
       </p:sp>
@@ -2480,12 +2890,54 @@
             <p:ph sz="quarter" idx="19"/>
           </p:nvPr>
         </p:nvSpPr>
-        <p:spPr/>
+        <p:spPr>
+          <a:xfrm>
+            <a:off x="179512" y="1484784"/>
+            <a:ext cx="8784976" cy="4680520"/>
+          </a:xfrm>
+        </p:spPr>
         <p:txBody>
           <a:bodyPr/>
           <a:lstStyle/>
           <a:p>
-            <a:endParaRPr lang="fr-FR" dirty="0"/>
+            <a:r>
+              <a:rPr lang="fr-FR" sz="2000" dirty="0" smtClean="0"/>
+              <a:t>Observations en Biologie : voir les composants des cellules</a:t>
+            </a:r>
+          </a:p>
+          <a:p>
+            <a:endParaRPr lang="fr-FR" sz="2000" dirty="0"/>
+          </a:p>
+          <a:p>
+            <a:r>
+              <a:rPr lang="fr-FR" sz="2000" dirty="0" smtClean="0"/>
+              <a:t>Microscopes</a:t>
+            </a:r>
+            <a:r>
+              <a:rPr lang="fr-FR" sz="2000" dirty="0" smtClean="0">
+                <a:sym typeface="Wingdings" panose="05000000000000000000" pitchFamily="2" charset="2"/>
+              </a:rPr>
+              <a:t> limités par la diffraction</a:t>
+            </a:r>
+          </a:p>
+          <a:p>
+            <a:r>
+              <a:rPr lang="fr-FR" sz="2000" dirty="0" smtClean="0">
+                <a:sym typeface="Wingdings" panose="05000000000000000000" pitchFamily="2" charset="2"/>
+              </a:rPr>
+              <a:t>Méthode de super-résolution : résolution 50 fois supérieure</a:t>
+            </a:r>
+          </a:p>
+          <a:p>
+            <a:endParaRPr lang="fr-FR" sz="2000" dirty="0">
+              <a:sym typeface="Wingdings" panose="05000000000000000000" pitchFamily="2" charset="2"/>
+            </a:endParaRPr>
+          </a:p>
+          <a:p>
+            <a:r>
+              <a:rPr lang="fr-FR" sz="2000" dirty="0" smtClean="0"/>
+              <a:t>Cellules en plusieurs dimension : reconstitution 3D importante</a:t>
+            </a:r>
           </a:p>
         </p:txBody>
       </p:sp>
@@ -2497,7 +2949,7 @@
         </p:nvGrpSpPr>
         <p:grpSpPr>
           <a:xfrm>
-            <a:off x="4067944" y="4093856"/>
+            <a:off x="1979712" y="3892677"/>
             <a:ext cx="4971233" cy="2256821"/>
             <a:chOff x="3202507" y="2978015"/>
             <a:chExt cx="4971233" cy="2256821"/>
@@ -2620,11 +3072,7 @@
             <a:p>
               <a:r>
                 <a:rPr lang="fr-FR" sz="1600" dirty="0" smtClean="0"/>
-                <a:t>Comparaison image classique / image </a:t>
-              </a:r>
-              <a:r>
-                <a:rPr lang="fr-FR" sz="1600" dirty="0" smtClean="0"/>
-                <a:t>super-résolue</a:t>
+                <a:t>Comparaison image classique / image super-résolue</a:t>
               </a:r>
               <a:endParaRPr lang="fr-FR" sz="1600" dirty="0"/>
             </a:p>
@@ -2641,6 +3089,13 @@
   <p:clrMapOvr>
     <a:masterClrMapping/>
   </p:clrMapOvr>
+  <p:timing>
+    <p:tnLst>
+      <p:par>
+        <p:cTn id="1" dur="indefinite" restart="never" nodeType="tmRoot"/>
+      </p:par>
+    </p:tnLst>
+  </p:timing>
 </p:sld>
 </file>
 
@@ -2701,7 +3156,7 @@
           <a:lstStyle/>
           <a:p>
             <a:r>
-              <a:rPr lang="fr-FR" dirty="0" smtClean="0"/>
+              <a:rPr lang="fr-FR" sz="2800" dirty="0" smtClean="0"/>
               <a:t>FarView</a:t>
             </a:r>
             <a:endParaRPr lang="fr-FR" dirty="0"/>
@@ -2721,7 +3176,7 @@
         <p:spPr>
           <a:xfrm>
             <a:off x="539750" y="1484784"/>
-            <a:ext cx="6264498" cy="4680520"/>
+            <a:ext cx="6480522" cy="4680520"/>
           </a:xfrm>
         </p:spPr>
         <p:txBody>
@@ -2730,8 +3185,20 @@
           <a:p>
             <a:pPr algn="just"/>
             <a:r>
-              <a:rPr lang="fr-FR" dirty="0" smtClean="0"/>
-              <a:t>Défi : Réaliser une observation au </a:t>
+              <a:rPr lang="fr-FR" sz="2000" dirty="0" smtClean="0"/>
+              <a:t>Comment réaliser </a:t>
+            </a:r>
+            <a:r>
+              <a:rPr lang="fr-FR" sz="2000" dirty="0" smtClean="0"/>
+              <a:t>une observation au </a:t>
+            </a:r>
+            <a:r>
+              <a:rPr lang="fr-FR" sz="2000" dirty="0" smtClean="0">
+                <a:solidFill>
+                  <a:srgbClr val="C00000"/>
+                </a:solidFill>
+              </a:rPr>
+              <a:t>microscope</a:t>
             </a:r>
             <a:r>
               <a:rPr lang="fr-FR" sz="2000" dirty="0" smtClean="0">
@@ -2739,19 +3206,27 @@
                   <a:srgbClr val="FF0000"/>
                 </a:solidFill>
               </a:rPr>
-              <a:t>microscope </a:t>
-            </a:r>
-            <a:r>
-              <a:rPr lang="fr-FR" dirty="0" smtClean="0"/>
+              <a:t> </a:t>
+            </a:r>
+            <a:r>
+              <a:rPr lang="fr-FR" sz="2000" dirty="0" smtClean="0"/>
               <a:t>qui soit </a:t>
             </a:r>
             <a:r>
               <a:rPr lang="fr-FR" sz="2000" dirty="0">
                 <a:solidFill>
-                  <a:srgbClr val="FF0000"/>
+                  <a:srgbClr val="C00000"/>
                 </a:solidFill>
               </a:rPr>
               <a:t>t</a:t>
+            </a:r>
+            <a:r>
+              <a:rPr lang="fr-FR" sz="2000" dirty="0" smtClean="0">
+                <a:solidFill>
+                  <a:srgbClr val="C00000"/>
+                </a:solidFill>
+              </a:rPr>
+              <a:t>ridimensionnelle</a:t>
             </a:r>
             <a:r>
               <a:rPr lang="fr-FR" sz="2000" dirty="0" smtClean="0">
@@ -2759,100 +3234,100 @@
                   <a:srgbClr val="FF0000"/>
                 </a:solidFill>
               </a:rPr>
-              <a:t>ridimensionnelle </a:t>
-            </a:r>
-            <a:r>
-              <a:rPr lang="fr-FR" dirty="0" smtClean="0"/>
+              <a:t> </a:t>
+            </a:r>
+            <a:r>
+              <a:rPr lang="fr-FR" sz="2000" dirty="0" smtClean="0"/>
               <a:t>et en </a:t>
             </a:r>
             <a:r>
               <a:rPr lang="fr-FR" sz="2000" dirty="0" smtClean="0">
                 <a:solidFill>
-                  <a:srgbClr val="FF0000"/>
+                  <a:srgbClr val="C00000"/>
                 </a:solidFill>
               </a:rPr>
               <a:t>super-résolution</a:t>
             </a:r>
+            <a:r>
+              <a:rPr lang="fr-FR" sz="2000" dirty="0" smtClean="0">
+                <a:solidFill>
+                  <a:schemeClr val="tx1">
+                    <a:lumMod val="65000"/>
+                    <a:lumOff val="35000"/>
+                  </a:schemeClr>
+                </a:solidFill>
+              </a:rPr>
+              <a:t> ?</a:t>
+            </a:r>
             <a:endParaRPr lang="fr-FR" sz="2000" dirty="0">
               <a:solidFill>
-                <a:srgbClr val="FF0000"/>
+                <a:schemeClr val="tx1">
+                  <a:lumMod val="65000"/>
+                  <a:lumOff val="35000"/>
+                </a:schemeClr>
               </a:solidFill>
             </a:endParaRPr>
           </a:p>
           <a:p>
-            <a:endParaRPr lang="fr-FR" dirty="0" smtClean="0"/>
-          </a:p>
-          <a:p>
-            <a:endParaRPr lang="fr-FR" dirty="0" smtClean="0"/>
+            <a:pPr marL="0" indent="0">
+              <a:buNone/>
+            </a:pPr>
+            <a:endParaRPr lang="fr-FR" sz="2000" dirty="0" smtClean="0"/>
           </a:p>
           <a:p>
             <a:pPr algn="just"/>
             <a:r>
-              <a:rPr lang="fr-FR" dirty="0" smtClean="0"/>
-              <a:t>Solution : Le </a:t>
-            </a:r>
-            <a:r>
-              <a:rPr lang="fr-FR" dirty="0" smtClean="0"/>
-              <a:t>logiciel</a:t>
-            </a:r>
-            <a:r>
-              <a:rPr lang="fr-FR" dirty="0" smtClean="0"/>
-              <a:t>	</a:t>
-            </a:r>
-            <a:endParaRPr lang="fr-FR" dirty="0" smtClean="0"/>
+              <a:rPr lang="fr-FR" sz="2000" dirty="0" smtClean="0"/>
+              <a:t>Solution : Le logiciel	</a:t>
+            </a:r>
           </a:p>
           <a:p>
             <a:pPr lvl="1"/>
             <a:r>
-              <a:rPr lang="fr-FR" sz="1600" dirty="0" smtClean="0"/>
+              <a:rPr lang="fr-FR" sz="2000" dirty="0" smtClean="0"/>
               <a:t>Pour chercheurs en </a:t>
             </a:r>
             <a:r>
-              <a:rPr lang="fr-FR" sz="1600" b="1" dirty="0" smtClean="0">
+              <a:rPr lang="fr-FR" sz="2000" b="1" dirty="0" smtClean="0">
                 <a:solidFill>
-                  <a:srgbClr val="FF0000"/>
+                  <a:srgbClr val="C00000"/>
                 </a:solidFill>
               </a:rPr>
               <a:t>microscopie</a:t>
             </a:r>
             <a:r>
-              <a:rPr lang="fr-FR" sz="1600" b="1" dirty="0" smtClean="0"/>
+              <a:rPr lang="fr-FR" sz="2000" b="1" dirty="0" smtClean="0"/>
               <a:t> </a:t>
             </a:r>
             <a:r>
-              <a:rPr lang="fr-FR" sz="1600" dirty="0" smtClean="0"/>
+              <a:rPr lang="fr-FR" sz="2000" dirty="0" smtClean="0"/>
               <a:t>et</a:t>
             </a:r>
             <a:r>
-              <a:rPr lang="fr-FR" sz="1600" b="1" dirty="0" smtClean="0"/>
+              <a:rPr lang="fr-FR" sz="2000" b="1" dirty="0" smtClean="0"/>
               <a:t> </a:t>
             </a:r>
             <a:r>
-              <a:rPr lang="fr-FR" sz="1600" b="1" dirty="0" smtClean="0">
+              <a:rPr lang="fr-FR" sz="2000" b="1" dirty="0" smtClean="0">
                 <a:solidFill>
-                  <a:srgbClr val="FF0000"/>
+                  <a:srgbClr val="C00000"/>
                 </a:solidFill>
               </a:rPr>
               <a:t>microbiologie</a:t>
             </a:r>
-            <a:endParaRPr lang="fr-FR" sz="1600" b="1" dirty="0" smtClean="0">
-              <a:solidFill>
-                <a:srgbClr val="FF0000"/>
-              </a:solidFill>
-            </a:endParaRPr>
-          </a:p>
-          <a:p>
-            <a:pPr lvl="1" algn="just"/>
-            <a:r>
-              <a:rPr lang="fr-FR" sz="1600" dirty="0" smtClean="0"/>
+          </a:p>
+          <a:p>
+            <a:pPr lvl="1"/>
+            <a:r>
+              <a:rPr lang="fr-FR" sz="2000" dirty="0" smtClean="0"/>
               <a:t>Matériel utilisé</a:t>
             </a:r>
             <a:r>
-              <a:rPr lang="fr-FR" sz="1600" b="1" dirty="0" smtClean="0"/>
+              <a:rPr lang="fr-FR" sz="2000" b="1" dirty="0" smtClean="0"/>
               <a:t> : </a:t>
             </a:r>
             <a:r>
-              <a:rPr lang="fr-FR" sz="1600" dirty="0">
+              <a:rPr lang="fr-FR" sz="2000" dirty="0">
                 <a:solidFill>
                   <a:schemeClr val="tx1">
                     <a:lumMod val="65000"/>
@@ -2863,7 +3338,7 @@
               <a:t>microscope de fluorescence </a:t>
             </a:r>
             <a:r>
-              <a:rPr lang="fr-FR" sz="1600" dirty="0" smtClean="0">
+              <a:rPr lang="fr-FR" sz="2000" dirty="0" smtClean="0">
                 <a:solidFill>
                   <a:schemeClr val="tx1">
                     <a:lumMod val="65000"/>
@@ -2877,7 +3352,7 @@
           <a:p>
             <a:pPr lvl="1" algn="just"/>
             <a:r>
-              <a:rPr lang="fr-FR" sz="1600" dirty="0" smtClean="0">
+              <a:rPr lang="fr-FR" sz="2000" dirty="0" smtClean="0">
                 <a:solidFill>
                   <a:schemeClr val="tx1">
                     <a:lumMod val="65000"/>
@@ -2889,44 +3364,75 @@
             </a:r>
           </a:p>
           <a:p>
-            <a:pPr lvl="1" algn="just"/>
-            <a:endParaRPr lang="fr-FR" dirty="0" smtClean="0"/>
+            <a:pPr marL="0" indent="0" algn="just">
+              <a:buNone/>
+            </a:pPr>
+            <a:endParaRPr lang="fr-FR" sz="2000" dirty="0"/>
           </a:p>
           <a:p>
             <a:pPr algn="just"/>
-            <a:endParaRPr lang="fr-FR" dirty="0" smtClean="0"/>
-          </a:p>
-          <a:p>
-            <a:pPr algn="just"/>
-            <a:endParaRPr lang="fr-FR" dirty="0"/>
-          </a:p>
-          <a:p>
-            <a:pPr algn="just"/>
-            <a:r>
-              <a:rPr lang="fr-FR" dirty="0" smtClean="0"/>
-              <a:t>Le programme 	est :</a:t>
-            </a:r>
-          </a:p>
-          <a:p>
-            <a:pPr lvl="1" algn="just"/>
-            <a:r>
-              <a:rPr lang="fr-FR" sz="1600" b="1" dirty="0" smtClean="0"/>
-              <a:t>Rapide</a:t>
-            </a:r>
-          </a:p>
-          <a:p>
-            <a:pPr lvl="1" algn="just"/>
-            <a:r>
-              <a:rPr lang="fr-FR" sz="1600" b="1" dirty="0" smtClean="0"/>
-              <a:t>Fiable</a:t>
-            </a:r>
-          </a:p>
-          <a:p>
-            <a:pPr lvl="1" algn="just"/>
-            <a:r>
-              <a:rPr lang="fr-FR" sz="1600" b="1" dirty="0" smtClean="0"/>
+            <a:r>
+              <a:rPr lang="fr-FR" sz="2000" dirty="0" smtClean="0"/>
+              <a:t>Le </a:t>
+            </a:r>
+            <a:r>
+              <a:rPr lang="fr-FR" sz="2000" dirty="0" smtClean="0"/>
+              <a:t>programme                est </a:t>
+            </a:r>
+            <a:r>
+              <a:rPr lang="fr-FR" sz="2000" dirty="0" smtClean="0"/>
+              <a:t>:</a:t>
+            </a:r>
+          </a:p>
+          <a:p>
+            <a:pPr marL="771525" lvl="1" indent="0" algn="just">
+              <a:buNone/>
+            </a:pPr>
+            <a:r>
+              <a:rPr lang="fr-FR" sz="2000" b="1" dirty="0" smtClean="0"/>
+              <a:t>	</a:t>
+            </a:r>
+            <a:r>
+              <a:rPr lang="fr-FR" sz="2000" b="1" dirty="0" smtClean="0">
+                <a:solidFill>
+                  <a:srgbClr val="002060"/>
+                </a:solidFill>
+              </a:rPr>
+              <a:t>Rapide	</a:t>
+            </a:r>
+            <a:r>
+              <a:rPr lang="fr-FR" sz="2000" b="1" dirty="0" smtClean="0"/>
+              <a:t>	</a:t>
+            </a:r>
+            <a:r>
+              <a:rPr lang="fr-FR" sz="2000" b="1" dirty="0" smtClean="0">
+                <a:solidFill>
+                  <a:srgbClr val="C58107"/>
+                </a:solidFill>
+              </a:rPr>
+              <a:t>Fiable	</a:t>
+            </a:r>
+            <a:r>
+              <a:rPr lang="fr-FR" sz="2000" b="1" dirty="0" smtClean="0"/>
+              <a:t>	</a:t>
+            </a:r>
+            <a:r>
+              <a:rPr lang="fr-FR" sz="2000" b="1" dirty="0" smtClean="0">
+                <a:solidFill>
+                  <a:schemeClr val="accent2">
+                    <a:lumMod val="75000"/>
+                  </a:schemeClr>
+                </a:solidFill>
+              </a:rPr>
               <a:t>Adaptable</a:t>
             </a:r>
+            <a:endParaRPr lang="fr-FR" sz="2000" b="1" dirty="0" smtClean="0">
+              <a:solidFill>
+                <a:schemeClr val="accent2">
+                  <a:lumMod val="75000"/>
+                </a:schemeClr>
+              </a:solidFill>
+            </a:endParaRPr>
           </a:p>
           <a:p>
             <a:endParaRPr lang="fr-FR" dirty="0" smtClean="0"/>
@@ -3020,47 +3526,6 @@
       </p:grpSp>
       <p:pic>
         <p:nvPicPr>
-          <p:cNvPr id="2051" name="Picture 3" descr="C:\Users\Phil\Documents\GitHub\PIMS\OppAffaire\Images Diverses\FAR_V_IEW.png"/>
-          <p:cNvPicPr>
-            <a:picLocks noChangeAspect="1" noChangeArrowheads="1"/>
-          </p:cNvPicPr>
-          <p:nvPr/>
-        </p:nvPicPr>
-        <p:blipFill>
-          <a:blip r:embed="rId3" cstate="print">
-            <a:extLst>
-              <a:ext uri="{28A0092B-C50C-407E-A947-70E740481C1C}">
-                <a14:useLocalDpi xmlns:a14="http://schemas.microsoft.com/office/drawing/2010/main" val="0"/>
-              </a:ext>
-            </a:extLst>
-          </a:blip>
-          <a:srcRect/>
-          <a:stretch>
-            <a:fillRect/>
-          </a:stretch>
-        </p:blipFill>
-        <p:spPr bwMode="auto">
-          <a:xfrm>
-            <a:off x="3059832" y="2708920"/>
-            <a:ext cx="936104" cy="397964"/>
-          </a:xfrm>
-          <a:prstGeom prst="rect">
-            <a:avLst/>
-          </a:prstGeom>
-          <a:noFill/>
-          <a:extLst>
-            <a:ext uri="{909E8E84-426E-40DD-AFC4-6F175D3DCCD1}">
-              <a14:hiddenFill xmlns:a14="http://schemas.microsoft.com/office/drawing/2010/main">
-                <a:solidFill>
-                  <a:srgbClr val="FFFFFF"/>
-                </a:solidFill>
-              </a14:hiddenFill>
-            </a:ext>
-          </a:extLst>
-        </p:spPr>
-      </p:pic>
-      <p:pic>
-        <p:nvPicPr>
           <p:cNvPr id="9" name="Picture 3" descr="C:\Users\Phil\Documents\GitHub\PIMS\OppAffaire\Images Diverses\FAR_V_IEW.png"/>
           <p:cNvPicPr>
             <a:picLocks noChangeAspect="1" noChangeArrowheads="1"/>
@@ -3082,8 +3547,49 @@
         </p:blipFill>
         <p:spPr bwMode="auto">
           <a:xfrm>
-            <a:off x="2393097" y="4509120"/>
-            <a:ext cx="936104" cy="397964"/>
+            <a:off x="2771800" y="5013176"/>
+            <a:ext cx="1008112" cy="428577"/>
+          </a:xfrm>
+          <a:prstGeom prst="rect">
+            <a:avLst/>
+          </a:prstGeom>
+          <a:noFill/>
+          <a:extLst>
+            <a:ext uri="{909E8E84-426E-40DD-AFC4-6F175D3DCCD1}">
+              <a14:hiddenFill xmlns:a14="http://schemas.microsoft.com/office/drawing/2010/main">
+                <a:solidFill>
+                  <a:srgbClr val="FFFFFF"/>
+                </a:solidFill>
+              </a14:hiddenFill>
+            </a:ext>
+          </a:extLst>
+        </p:spPr>
+      </p:pic>
+      <p:pic>
+        <p:nvPicPr>
+          <p:cNvPr id="10" name="Picture 3" descr="C:\Users\Phil\Documents\GitHub\PIMS\OppAffaire\Images Diverses\FAR_V_IEW.png"/>
+          <p:cNvPicPr>
+            <a:picLocks noChangeAspect="1" noChangeArrowheads="1"/>
+          </p:cNvPicPr>
+          <p:nvPr/>
+        </p:nvPicPr>
+        <p:blipFill>
+          <a:blip r:embed="rId3" cstate="print">
+            <a:extLst>
+              <a:ext uri="{28A0092B-C50C-407E-A947-70E740481C1C}">
+                <a14:useLocalDpi xmlns:a14="http://schemas.microsoft.com/office/drawing/2010/main" val="0"/>
+              </a:ext>
+            </a:extLst>
+          </a:blip>
+          <a:srcRect/>
+          <a:stretch>
+            <a:fillRect/>
+          </a:stretch>
+        </p:blipFill>
+        <p:spPr bwMode="auto">
+          <a:xfrm>
+            <a:off x="3501792" y="2779542"/>
+            <a:ext cx="1008112" cy="428577"/>
           </a:xfrm>
           <a:prstGeom prst="rect">
             <a:avLst/>
@@ -3110,6 +3616,13 @@
   <p:clrMapOvr>
     <a:masterClrMapping/>
   </p:clrMapOvr>
+  <p:timing>
+    <p:tnLst>
+      <p:par>
+        <p:cTn id="1" dur="indefinite" restart="never" nodeType="tmRoot"/>
+      </p:par>
+    </p:tnLst>
+  </p:timing>
 </p:sld>
 </file>
 
@@ -3190,6 +3703,22 @@
           <a:p>
             <a:endParaRPr lang="fr-FR" dirty="0"/>
           </a:p>
+          <a:p>
+            <a:endParaRPr lang="fr-FR" dirty="0" smtClean="0"/>
+          </a:p>
+          <a:p>
+            <a:endParaRPr lang="fr-FR" dirty="0"/>
+          </a:p>
+          <a:p>
+            <a:endParaRPr lang="fr-FR" dirty="0" smtClean="0"/>
+          </a:p>
+          <a:p>
+            <a:r>
+              <a:rPr lang="fr-FR" sz="7200" dirty="0" smtClean="0"/>
+              <a:t>KIKI !!!!!!!!!!!!!!!!!!</a:t>
+            </a:r>
+            <a:endParaRPr lang="fr-FR" sz="7200" dirty="0"/>
+          </a:p>
         </p:txBody>
       </p:sp>
     </p:spTree>
@@ -3202,6 +3731,1331 @@
   <p:clrMapOvr>
     <a:masterClrMapping/>
   </p:clrMapOvr>
+  <p:timing>
+    <p:tnLst>
+      <p:par>
+        <p:cTn id="1" dur="indefinite" restart="never" nodeType="tmRoot"/>
+      </p:par>
+    </p:tnLst>
+  </p:timing>
+</p:sld>
+</file>
+
+<file path=ppt/slides/slide6.xml><?xml version="1.0" encoding="utf-8"?>
+<p:sld xmlns:a="http://schemas.openxmlformats.org/drawingml/2006/main" xmlns:r="http://schemas.openxmlformats.org/officeDocument/2006/relationships" xmlns:p="http://schemas.openxmlformats.org/presentationml/2006/main">
+  <p:cSld>
+    <p:spTree>
+      <p:nvGrpSpPr>
+        <p:cNvPr id="1" name=""/>
+        <p:cNvGrpSpPr/>
+        <p:nvPr/>
+      </p:nvGrpSpPr>
+      <p:grpSpPr>
+        <a:xfrm>
+          <a:off x="0" y="0"/>
+          <a:ext cx="0" cy="0"/>
+          <a:chOff x="0" y="0"/>
+          <a:chExt cx="0" cy="0"/>
+        </a:xfrm>
+      </p:grpSpPr>
+      <p:sp>
+        <p:nvSpPr>
+          <p:cNvPr id="2" name="Espace réservé du numéro de diapositive 1"/>
+          <p:cNvSpPr>
+            <a:spLocks noGrp="1"/>
+          </p:cNvSpPr>
+          <p:nvPr>
+            <p:ph type="sldNum" sz="quarter" idx="4"/>
+          </p:nvPr>
+        </p:nvSpPr>
+        <p:spPr/>
+        <p:txBody>
+          <a:bodyPr/>
+          <a:lstStyle/>
+          <a:p>
+            <a:fld id="{AF5033CA-5AE6-4050-846C-3380E9744264}" type="slidenum">
+              <a:rPr lang="fr-FR" smtClean="0">
+                <a:solidFill>
+                  <a:prstClr val="black">
+                    <a:tint val="75000"/>
+                  </a:prstClr>
+                </a:solidFill>
+              </a:rPr>
+              <a:pPr/>
+              <a:t>6</a:t>
+            </a:fld>
+            <a:endParaRPr lang="fr-FR" dirty="0">
+              <a:solidFill>
+                <a:prstClr val="black">
+                  <a:tint val="75000"/>
+                </a:prstClr>
+              </a:solidFill>
+            </a:endParaRPr>
+          </a:p>
+        </p:txBody>
+      </p:sp>
+      <p:sp>
+        <p:nvSpPr>
+          <p:cNvPr id="3" name="Titre 2"/>
+          <p:cNvSpPr>
+            <a:spLocks noGrp="1"/>
+          </p:cNvSpPr>
+          <p:nvPr>
+            <p:ph type="title"/>
+          </p:nvPr>
+        </p:nvSpPr>
+        <p:spPr/>
+        <p:txBody>
+          <a:bodyPr/>
+          <a:lstStyle/>
+          <a:p>
+            <a:r>
+              <a:rPr lang="fr-FR" sz="2800" dirty="0" smtClean="0"/>
+              <a:t>Prix et vente</a:t>
+            </a:r>
+            <a:endParaRPr lang="fr-FR" sz="2800" dirty="0"/>
+          </a:p>
+        </p:txBody>
+      </p:sp>
+      <p:sp>
+        <p:nvSpPr>
+          <p:cNvPr id="4" name="Espace réservé du contenu 3"/>
+          <p:cNvSpPr>
+            <a:spLocks noGrp="1"/>
+          </p:cNvSpPr>
+          <p:nvPr>
+            <p:ph sz="quarter" idx="19"/>
+          </p:nvPr>
+        </p:nvSpPr>
+        <p:spPr>
+          <a:xfrm>
+            <a:off x="179512" y="1484784"/>
+            <a:ext cx="8784976" cy="4680520"/>
+          </a:xfrm>
+        </p:spPr>
+        <p:txBody>
+          <a:bodyPr/>
+          <a:lstStyle/>
+          <a:p>
+            <a:r>
+              <a:rPr lang="fr-FR" sz="2000" dirty="0" smtClean="0">
+                <a:sym typeface="Wingdings" panose="05000000000000000000" pitchFamily="2" charset="2"/>
+              </a:rPr>
+              <a:t>Technologie dernier cri : prix élevé</a:t>
+            </a:r>
+          </a:p>
+          <a:p>
+            <a:endParaRPr lang="fr-FR" sz="2000" dirty="0">
+              <a:sym typeface="Wingdings" panose="05000000000000000000" pitchFamily="2" charset="2"/>
+            </a:endParaRPr>
+          </a:p>
+          <a:p>
+            <a:endParaRPr lang="fr-FR" sz="2000" dirty="0" smtClean="0">
+              <a:sym typeface="Wingdings" panose="05000000000000000000" pitchFamily="2" charset="2"/>
+            </a:endParaRPr>
+          </a:p>
+          <a:p>
+            <a:endParaRPr lang="fr-FR" sz="2000" dirty="0">
+              <a:sym typeface="Wingdings" panose="05000000000000000000" pitchFamily="2" charset="2"/>
+            </a:endParaRPr>
+          </a:p>
+          <a:p>
+            <a:endParaRPr lang="fr-FR" sz="2000" dirty="0" smtClean="0">
+              <a:sym typeface="Wingdings" panose="05000000000000000000" pitchFamily="2" charset="2"/>
+            </a:endParaRPr>
+          </a:p>
+          <a:p>
+            <a:endParaRPr lang="fr-FR" sz="2000" dirty="0">
+              <a:sym typeface="Wingdings" panose="05000000000000000000" pitchFamily="2" charset="2"/>
+            </a:endParaRPr>
+          </a:p>
+          <a:p>
+            <a:endParaRPr lang="fr-FR" sz="2000" dirty="0" smtClean="0">
+              <a:sym typeface="Wingdings" panose="05000000000000000000" pitchFamily="2" charset="2"/>
+            </a:endParaRPr>
+          </a:p>
+          <a:p>
+            <a:pPr marL="0" indent="0">
+              <a:buNone/>
+            </a:pPr>
+            <a:endParaRPr lang="fr-FR" sz="2000" dirty="0">
+              <a:sym typeface="Wingdings" panose="05000000000000000000" pitchFamily="2" charset="2"/>
+            </a:endParaRPr>
+          </a:p>
+          <a:p>
+            <a:r>
+              <a:rPr lang="fr-FR" sz="2000" dirty="0" smtClean="0">
+                <a:sym typeface="Wingdings" panose="05000000000000000000" pitchFamily="2" charset="2"/>
+              </a:rPr>
+              <a:t>Promotions pour les premiers clients !</a:t>
+            </a:r>
+          </a:p>
+          <a:p>
+            <a:r>
+              <a:rPr lang="fr-FR" sz="2000" dirty="0" smtClean="0">
+                <a:sym typeface="Wingdings" panose="05000000000000000000" pitchFamily="2" charset="2"/>
+              </a:rPr>
+              <a:t>Promotions pour les partenaires fournissant des mesures au microscope.</a:t>
+            </a:r>
+          </a:p>
+          <a:p>
+            <a:endParaRPr lang="fr-FR" sz="2000" dirty="0">
+              <a:sym typeface="Wingdings" panose="05000000000000000000" pitchFamily="2" charset="2"/>
+            </a:endParaRPr>
+          </a:p>
+          <a:p>
+            <a:endParaRPr lang="fr-FR" sz="2000" dirty="0" smtClean="0">
+              <a:sym typeface="Wingdings" panose="05000000000000000000" pitchFamily="2" charset="2"/>
+            </a:endParaRPr>
+          </a:p>
+          <a:p>
+            <a:endParaRPr lang="fr-FR" sz="2000" dirty="0" smtClean="0">
+              <a:sym typeface="Wingdings" panose="05000000000000000000" pitchFamily="2" charset="2"/>
+            </a:endParaRPr>
+          </a:p>
+        </p:txBody>
+      </p:sp>
+      <p:graphicFrame>
+        <p:nvGraphicFramePr>
+          <p:cNvPr id="10" name="Tableau 9"/>
+          <p:cNvGraphicFramePr>
+            <a:graphicFrameLocks noGrp="1"/>
+          </p:cNvGraphicFramePr>
+          <p:nvPr>
+            <p:extLst>
+              <p:ext uri="{D42A27DB-BD31-4B8C-83A1-F6EECF244321}">
+                <p14:modId xmlns:p14="http://schemas.microsoft.com/office/powerpoint/2010/main" val="3245826674"/>
+              </p:ext>
+            </p:extLst>
+          </p:nvPr>
+        </p:nvGraphicFramePr>
+        <p:xfrm>
+          <a:off x="1115616" y="2204864"/>
+          <a:ext cx="4032448" cy="1483360"/>
+        </p:xfrm>
+        <a:graphic>
+          <a:graphicData uri="http://schemas.openxmlformats.org/drawingml/2006/table">
+            <a:tbl>
+              <a:tblPr firstRow="1" bandRow="1">
+                <a:tableStyleId>{10A1B5D5-9B99-4C35-A422-299274C87663}</a:tableStyleId>
+              </a:tblPr>
+              <a:tblGrid>
+                <a:gridCol w="1897623"/>
+                <a:gridCol w="2134825"/>
+              </a:tblGrid>
+              <a:tr h="370840">
+                <a:tc>
+                  <a:txBody>
+                    <a:bodyPr/>
+                    <a:lstStyle/>
+                    <a:p>
+                      <a:r>
+                        <a:rPr lang="fr-FR" dirty="0" smtClean="0"/>
+                        <a:t>Logiciel</a:t>
+                      </a:r>
+                      <a:endParaRPr lang="fr-FR" dirty="0"/>
+                    </a:p>
+                  </a:txBody>
+                  <a:tcPr/>
+                </a:tc>
+                <a:tc>
+                  <a:txBody>
+                    <a:bodyPr/>
+                    <a:lstStyle/>
+                    <a:p>
+                      <a:r>
+                        <a:rPr lang="fr-FR" dirty="0" smtClean="0"/>
+                        <a:t>Prix à</a:t>
+                      </a:r>
+                      <a:r>
+                        <a:rPr lang="fr-FR" baseline="0" dirty="0" smtClean="0"/>
+                        <a:t> l’année (€)</a:t>
+                      </a:r>
+                      <a:endParaRPr lang="fr-FR" dirty="0"/>
+                    </a:p>
+                  </a:txBody>
+                  <a:tcPr/>
+                </a:tc>
+              </a:tr>
+              <a:tr h="370840">
+                <a:tc>
+                  <a:txBody>
+                    <a:bodyPr/>
+                    <a:lstStyle/>
+                    <a:p>
+                      <a:r>
+                        <a:rPr lang="fr-FR" dirty="0" smtClean="0"/>
+                        <a:t>Matlab</a:t>
+                      </a:r>
+                      <a:endParaRPr lang="fr-FR" dirty="0"/>
+                    </a:p>
+                  </a:txBody>
+                  <a:tcPr/>
+                </a:tc>
+                <a:tc>
+                  <a:txBody>
+                    <a:bodyPr/>
+                    <a:lstStyle/>
+                    <a:p>
+                      <a:pPr algn="ctr"/>
+                      <a:r>
+                        <a:rPr lang="fr-FR" dirty="0" smtClean="0"/>
+                        <a:t>2 000</a:t>
+                      </a:r>
+                      <a:endParaRPr lang="fr-FR" dirty="0"/>
+                    </a:p>
+                  </a:txBody>
+                  <a:tcPr/>
+                </a:tc>
+              </a:tr>
+              <a:tr h="370840">
+                <a:tc>
+                  <a:txBody>
+                    <a:bodyPr/>
+                    <a:lstStyle/>
+                    <a:p>
+                      <a:r>
+                        <a:rPr lang="fr-FR" dirty="0" err="1" smtClean="0"/>
+                        <a:t>CodeV</a:t>
+                      </a:r>
+                      <a:endParaRPr lang="fr-FR" dirty="0"/>
+                    </a:p>
+                  </a:txBody>
+                  <a:tcPr/>
+                </a:tc>
+                <a:tc>
+                  <a:txBody>
+                    <a:bodyPr/>
+                    <a:lstStyle/>
+                    <a:p>
+                      <a:pPr algn="ctr"/>
+                      <a:r>
+                        <a:rPr lang="fr-FR" dirty="0" smtClean="0"/>
+                        <a:t>3 500</a:t>
+                      </a:r>
+                      <a:endParaRPr lang="fr-FR" dirty="0"/>
+                    </a:p>
+                  </a:txBody>
+                  <a:tcPr/>
+                </a:tc>
+              </a:tr>
+              <a:tr h="370840">
+                <a:tc>
+                  <a:txBody>
+                    <a:bodyPr/>
+                    <a:lstStyle/>
+                    <a:p>
+                      <a:r>
+                        <a:rPr lang="fr-FR" dirty="0" smtClean="0"/>
+                        <a:t>FarView</a:t>
+                      </a:r>
+                      <a:endParaRPr lang="fr-FR" dirty="0"/>
+                    </a:p>
+                  </a:txBody>
+                  <a:tcPr/>
+                </a:tc>
+                <a:tc>
+                  <a:txBody>
+                    <a:bodyPr/>
+                    <a:lstStyle/>
+                    <a:p>
+                      <a:pPr algn="ctr"/>
+                      <a:r>
+                        <a:rPr lang="fr-FR" dirty="0" smtClean="0"/>
+                        <a:t>10 000</a:t>
+                      </a:r>
+                      <a:endParaRPr lang="fr-FR" dirty="0"/>
+                    </a:p>
+                  </a:txBody>
+                  <a:tcPr/>
+                </a:tc>
+              </a:tr>
+            </a:tbl>
+          </a:graphicData>
+        </a:graphic>
+      </p:graphicFrame>
+    </p:spTree>
+    <p:extLst>
+      <p:ext uri="{BB962C8B-B14F-4D97-AF65-F5344CB8AC3E}">
+        <p14:creationId xmlns:p14="http://schemas.microsoft.com/office/powerpoint/2010/main" val="3127200321"/>
+      </p:ext>
+    </p:extLst>
+  </p:cSld>
+  <p:clrMapOvr>
+    <a:masterClrMapping/>
+  </p:clrMapOvr>
+  <p:timing>
+    <p:tnLst>
+      <p:par>
+        <p:cTn id="1" dur="indefinite" restart="never" nodeType="tmRoot"/>
+      </p:par>
+    </p:tnLst>
+  </p:timing>
+</p:sld>
+</file>
+
+<file path=ppt/slides/slide7.xml><?xml version="1.0" encoding="utf-8"?>
+<p:sld xmlns:a="http://schemas.openxmlformats.org/drawingml/2006/main" xmlns:r="http://schemas.openxmlformats.org/officeDocument/2006/relationships" xmlns:p="http://schemas.openxmlformats.org/presentationml/2006/main">
+  <p:cSld>
+    <p:spTree>
+      <p:nvGrpSpPr>
+        <p:cNvPr id="1" name=""/>
+        <p:cNvGrpSpPr/>
+        <p:nvPr/>
+      </p:nvGrpSpPr>
+      <p:grpSpPr>
+        <a:xfrm>
+          <a:off x="0" y="0"/>
+          <a:ext cx="0" cy="0"/>
+          <a:chOff x="0" y="0"/>
+          <a:chExt cx="0" cy="0"/>
+        </a:xfrm>
+      </p:grpSpPr>
+      <p:sp>
+        <p:nvSpPr>
+          <p:cNvPr id="2" name="Espace réservé du numéro de diapositive 1"/>
+          <p:cNvSpPr>
+            <a:spLocks noGrp="1"/>
+          </p:cNvSpPr>
+          <p:nvPr>
+            <p:ph type="sldNum" sz="quarter" idx="4"/>
+          </p:nvPr>
+        </p:nvSpPr>
+        <p:spPr/>
+        <p:txBody>
+          <a:bodyPr/>
+          <a:lstStyle/>
+          <a:p>
+            <a:fld id="{AF5033CA-5AE6-4050-846C-3380E9744264}" type="slidenum">
+              <a:rPr lang="fr-FR" smtClean="0">
+                <a:solidFill>
+                  <a:prstClr val="black">
+                    <a:tint val="75000"/>
+                  </a:prstClr>
+                </a:solidFill>
+              </a:rPr>
+              <a:pPr/>
+              <a:t>7</a:t>
+            </a:fld>
+            <a:endParaRPr lang="fr-FR" dirty="0">
+              <a:solidFill>
+                <a:prstClr val="black">
+                  <a:tint val="75000"/>
+                </a:prstClr>
+              </a:solidFill>
+            </a:endParaRPr>
+          </a:p>
+        </p:txBody>
+      </p:sp>
+      <p:sp>
+        <p:nvSpPr>
+          <p:cNvPr id="3" name="Titre 2"/>
+          <p:cNvSpPr>
+            <a:spLocks noGrp="1"/>
+          </p:cNvSpPr>
+          <p:nvPr>
+            <p:ph type="title"/>
+          </p:nvPr>
+        </p:nvSpPr>
+        <p:spPr/>
+        <p:txBody>
+          <a:bodyPr/>
+          <a:lstStyle/>
+          <a:p>
+            <a:r>
+              <a:rPr lang="fr-FR" sz="2800" dirty="0" smtClean="0"/>
+              <a:t>Développement</a:t>
+            </a:r>
+            <a:endParaRPr lang="fr-FR" sz="2800" dirty="0"/>
+          </a:p>
+        </p:txBody>
+      </p:sp>
+      <p:sp>
+        <p:nvSpPr>
+          <p:cNvPr id="4" name="Espace réservé du contenu 3"/>
+          <p:cNvSpPr>
+            <a:spLocks noGrp="1"/>
+          </p:cNvSpPr>
+          <p:nvPr>
+            <p:ph sz="quarter" idx="19"/>
+          </p:nvPr>
+        </p:nvSpPr>
+        <p:spPr>
+          <a:xfrm>
+            <a:off x="179512" y="1484784"/>
+            <a:ext cx="8784976" cy="4680520"/>
+          </a:xfrm>
+        </p:spPr>
+        <p:txBody>
+          <a:bodyPr/>
+          <a:lstStyle/>
+          <a:p>
+            <a:r>
+              <a:rPr lang="fr-FR" sz="2000" dirty="0" smtClean="0">
+                <a:sym typeface="Wingdings" panose="05000000000000000000" pitchFamily="2" charset="2"/>
+              </a:rPr>
+              <a:t>Les bureaux:</a:t>
+            </a:r>
+          </a:p>
+          <a:p>
+            <a:endParaRPr lang="fr-FR" sz="2000" dirty="0">
+              <a:sym typeface="Wingdings" panose="05000000000000000000" pitchFamily="2" charset="2"/>
+            </a:endParaRPr>
+          </a:p>
+          <a:p>
+            <a:endParaRPr lang="fr-FR" sz="2000" dirty="0" smtClean="0">
+              <a:sym typeface="Wingdings" panose="05000000000000000000" pitchFamily="2" charset="2"/>
+            </a:endParaRPr>
+          </a:p>
+          <a:p>
+            <a:endParaRPr lang="fr-FR" sz="2000" dirty="0">
+              <a:sym typeface="Wingdings" panose="05000000000000000000" pitchFamily="2" charset="2"/>
+            </a:endParaRPr>
+          </a:p>
+          <a:p>
+            <a:endParaRPr lang="fr-FR" sz="2000" dirty="0" smtClean="0">
+              <a:sym typeface="Wingdings" panose="05000000000000000000" pitchFamily="2" charset="2"/>
+            </a:endParaRPr>
+          </a:p>
+          <a:p>
+            <a:endParaRPr lang="fr-FR" sz="2000" dirty="0">
+              <a:sym typeface="Wingdings" panose="05000000000000000000" pitchFamily="2" charset="2"/>
+            </a:endParaRPr>
+          </a:p>
+          <a:p>
+            <a:endParaRPr lang="fr-FR" sz="2000" dirty="0" smtClean="0">
+              <a:sym typeface="Wingdings" panose="05000000000000000000" pitchFamily="2" charset="2"/>
+            </a:endParaRPr>
+          </a:p>
+          <a:p>
+            <a:pPr marL="0" indent="0" algn="ctr">
+              <a:buNone/>
+            </a:pPr>
+            <a:endParaRPr lang="fr-FR" sz="2000" dirty="0" smtClean="0">
+              <a:sym typeface="Wingdings" panose="05000000000000000000" pitchFamily="2" charset="2"/>
+            </a:endParaRPr>
+          </a:p>
+          <a:p>
+            <a:pPr marL="0" indent="0">
+              <a:buNone/>
+            </a:pPr>
+            <a:r>
+              <a:rPr lang="fr-FR" sz="2000" dirty="0">
+                <a:solidFill>
+                  <a:srgbClr val="0070C0"/>
+                </a:solidFill>
+                <a:sym typeface="Wingdings" panose="05000000000000000000" pitchFamily="2" charset="2"/>
+              </a:rPr>
+              <a:t>	 </a:t>
+            </a:r>
+            <a:r>
+              <a:rPr lang="fr-FR" sz="2000" dirty="0" smtClean="0">
+                <a:solidFill>
+                  <a:srgbClr val="0070C0"/>
+                </a:solidFill>
+                <a:sym typeface="Wingdings" panose="05000000000000000000" pitchFamily="2" charset="2"/>
+              </a:rPr>
+              <a:t>     </a:t>
+            </a:r>
+            <a:r>
+              <a:rPr lang="fr-FR" sz="1200" dirty="0" smtClean="0">
+                <a:solidFill>
+                  <a:srgbClr val="0070C0"/>
+                </a:solidFill>
+              </a:rPr>
+              <a:t>Institut </a:t>
+            </a:r>
+            <a:r>
+              <a:rPr lang="fr-FR" sz="1200" dirty="0">
+                <a:solidFill>
+                  <a:srgbClr val="0070C0"/>
+                </a:solidFill>
+              </a:rPr>
+              <a:t>d'Optique d'Aquitaine, pôle de recherche photonique en Aquitaine</a:t>
+            </a:r>
+            <a:endParaRPr lang="fr-FR" sz="1200" dirty="0">
+              <a:solidFill>
+                <a:srgbClr val="0070C0"/>
+              </a:solidFill>
+              <a:sym typeface="Wingdings" panose="05000000000000000000" pitchFamily="2" charset="2"/>
+            </a:endParaRPr>
+          </a:p>
+          <a:p>
+            <a:r>
+              <a:rPr lang="fr-FR" sz="2000" dirty="0" smtClean="0">
+                <a:sym typeface="Wingdings" panose="05000000000000000000" pitchFamily="2" charset="2"/>
+              </a:rPr>
+              <a:t>Immersion dans un milieu scientifique, avec partenaires et clients potentiels.</a:t>
+            </a:r>
+          </a:p>
+          <a:p>
+            <a:endParaRPr lang="fr-FR" sz="2000" dirty="0">
+              <a:sym typeface="Wingdings" panose="05000000000000000000" pitchFamily="2" charset="2"/>
+            </a:endParaRPr>
+          </a:p>
+          <a:p>
+            <a:endParaRPr lang="fr-FR" sz="2000" dirty="0" smtClean="0">
+              <a:sym typeface="Wingdings" panose="05000000000000000000" pitchFamily="2" charset="2"/>
+            </a:endParaRPr>
+          </a:p>
+          <a:p>
+            <a:endParaRPr lang="fr-FR" sz="2000" dirty="0" smtClean="0">
+              <a:sym typeface="Wingdings" panose="05000000000000000000" pitchFamily="2" charset="2"/>
+            </a:endParaRPr>
+          </a:p>
+        </p:txBody>
+      </p:sp>
+      <p:pic>
+        <p:nvPicPr>
+          <p:cNvPr id="1026" name="Picture 2"/>
+          <p:cNvPicPr>
+            <a:picLocks noChangeAspect="1" noChangeArrowheads="1"/>
+          </p:cNvPicPr>
+          <p:nvPr/>
+        </p:nvPicPr>
+        <p:blipFill>
+          <a:blip r:embed="rId2">
+            <a:extLst>
+              <a:ext uri="{28A0092B-C50C-407E-A947-70E740481C1C}">
+                <a14:useLocalDpi xmlns:a14="http://schemas.microsoft.com/office/drawing/2010/main" val="0"/>
+              </a:ext>
+            </a:extLst>
+          </a:blip>
+          <a:srcRect/>
+          <a:stretch>
+            <a:fillRect/>
+          </a:stretch>
+        </p:blipFill>
+        <p:spPr bwMode="auto">
+          <a:xfrm>
+            <a:off x="1691680" y="1988840"/>
+            <a:ext cx="5087716" cy="2376264"/>
+          </a:xfrm>
+          <a:prstGeom prst="rect">
+            <a:avLst/>
+          </a:prstGeom>
+          <a:noFill/>
+          <a:ln>
+            <a:noFill/>
+          </a:ln>
+          <a:effectLst/>
+          <a:extLst>
+            <a:ext uri="{909E8E84-426E-40DD-AFC4-6F175D3DCCD1}">
+              <a14:hiddenFill xmlns:a14="http://schemas.microsoft.com/office/drawing/2010/main">
+                <a:solidFill>
+                  <a:schemeClr val="accent1"/>
+                </a:solidFill>
+              </a14:hiddenFill>
+            </a:ext>
+            <a:ext uri="{91240B29-F687-4F45-9708-019B960494DF}">
+              <a14:hiddenLine xmlns:a14="http://schemas.microsoft.com/office/drawing/2010/main" w="9525">
+                <a:solidFill>
+                  <a:schemeClr val="tx1"/>
+                </a:solidFill>
+                <a:miter lim="800000"/>
+                <a:headEnd/>
+                <a:tailEnd/>
+              </a14:hiddenLine>
+            </a:ext>
+            <a:ext uri="{AF507438-7753-43E0-B8FC-AC1667EBCBE1}">
+              <a14:hiddenEffects xmlns:a14="http://schemas.microsoft.com/office/drawing/2010/main">
+                <a:effectLst>
+                  <a:outerShdw dist="35921" dir="2700000" algn="ctr" rotWithShape="0">
+                    <a:schemeClr val="bg2"/>
+                  </a:outerShdw>
+                </a:effectLst>
+              </a14:hiddenEffects>
+            </a:ext>
+          </a:extLst>
+        </p:spPr>
+      </p:pic>
+      <p:pic>
+        <p:nvPicPr>
+          <p:cNvPr id="1027" name="Picture 3" descr="C:\Users\Phil\Pictures\Alphanov.jpg"/>
+          <p:cNvPicPr>
+            <a:picLocks noChangeAspect="1" noChangeArrowheads="1"/>
+          </p:cNvPicPr>
+          <p:nvPr/>
+        </p:nvPicPr>
+        <p:blipFill rotWithShape="1">
+          <a:blip r:embed="rId3">
+            <a:extLst>
+              <a:ext uri="{28A0092B-C50C-407E-A947-70E740481C1C}">
+                <a14:useLocalDpi xmlns:a14="http://schemas.microsoft.com/office/drawing/2010/main" val="0"/>
+              </a:ext>
+            </a:extLst>
+          </a:blip>
+          <a:srcRect t="29723" b="27114"/>
+          <a:stretch/>
+        </p:blipFill>
+        <p:spPr bwMode="auto">
+          <a:xfrm>
+            <a:off x="6372200" y="5373216"/>
+            <a:ext cx="2143125" cy="769620"/>
+          </a:xfrm>
+          <a:prstGeom prst="rect">
+            <a:avLst/>
+          </a:prstGeom>
+          <a:noFill/>
+          <a:extLst>
+            <a:ext uri="{909E8E84-426E-40DD-AFC4-6F175D3DCCD1}">
+              <a14:hiddenFill xmlns:a14="http://schemas.microsoft.com/office/drawing/2010/main">
+                <a:solidFill>
+                  <a:srgbClr val="FFFFFF"/>
+                </a:solidFill>
+              </a14:hiddenFill>
+            </a:ext>
+          </a:extLst>
+        </p:spPr>
+      </p:pic>
+      <p:pic>
+        <p:nvPicPr>
+          <p:cNvPr id="1028" name="Picture 4" descr="C:\Users\Phil\Pictures\argolight.png"/>
+          <p:cNvPicPr>
+            <a:picLocks noChangeAspect="1" noChangeArrowheads="1"/>
+          </p:cNvPicPr>
+          <p:nvPr/>
+        </p:nvPicPr>
+        <p:blipFill>
+          <a:blip r:embed="rId4" cstate="print">
+            <a:extLst>
+              <a:ext uri="{28A0092B-C50C-407E-A947-70E740481C1C}">
+                <a14:useLocalDpi xmlns:a14="http://schemas.microsoft.com/office/drawing/2010/main" val="0"/>
+              </a:ext>
+            </a:extLst>
+          </a:blip>
+          <a:srcRect/>
+          <a:stretch>
+            <a:fillRect/>
+          </a:stretch>
+        </p:blipFill>
+        <p:spPr bwMode="auto">
+          <a:xfrm>
+            <a:off x="2138160" y="5294176"/>
+            <a:ext cx="921672" cy="917848"/>
+          </a:xfrm>
+          <a:prstGeom prst="rect">
+            <a:avLst/>
+          </a:prstGeom>
+          <a:noFill/>
+          <a:extLst>
+            <a:ext uri="{909E8E84-426E-40DD-AFC4-6F175D3DCCD1}">
+              <a14:hiddenFill xmlns:a14="http://schemas.microsoft.com/office/drawing/2010/main">
+                <a:solidFill>
+                  <a:srgbClr val="FFFFFF"/>
+                </a:solidFill>
+              </a14:hiddenFill>
+            </a:ext>
+          </a:extLst>
+        </p:spPr>
+      </p:pic>
+      <p:pic>
+        <p:nvPicPr>
+          <p:cNvPr id="1029" name="Picture 5" descr="C:\Users\Phil\Pictures\pyla.png"/>
+          <p:cNvPicPr>
+            <a:picLocks noChangeAspect="1" noChangeArrowheads="1"/>
+          </p:cNvPicPr>
+          <p:nvPr/>
+        </p:nvPicPr>
+        <p:blipFill>
+          <a:blip r:embed="rId5">
+            <a:extLst>
+              <a:ext uri="{28A0092B-C50C-407E-A947-70E740481C1C}">
+                <a14:useLocalDpi xmlns:a14="http://schemas.microsoft.com/office/drawing/2010/main" val="0"/>
+              </a:ext>
+            </a:extLst>
+          </a:blip>
+          <a:srcRect/>
+          <a:stretch>
+            <a:fillRect/>
+          </a:stretch>
+        </p:blipFill>
+        <p:spPr bwMode="auto">
+          <a:xfrm>
+            <a:off x="4986678" y="5294176"/>
+            <a:ext cx="1139038" cy="769620"/>
+          </a:xfrm>
+          <a:prstGeom prst="rect">
+            <a:avLst/>
+          </a:prstGeom>
+          <a:noFill/>
+          <a:extLst>
+            <a:ext uri="{909E8E84-426E-40DD-AFC4-6F175D3DCCD1}">
+              <a14:hiddenFill xmlns:a14="http://schemas.microsoft.com/office/drawing/2010/main">
+                <a:solidFill>
+                  <a:srgbClr val="FFFFFF"/>
+                </a:solidFill>
+              </a14:hiddenFill>
+            </a:ext>
+          </a:extLst>
+        </p:spPr>
+      </p:pic>
+      <p:pic>
+        <p:nvPicPr>
+          <p:cNvPr id="1032" name="Picture 8"/>
+          <p:cNvPicPr>
+            <a:picLocks noChangeAspect="1" noChangeArrowheads="1"/>
+          </p:cNvPicPr>
+          <p:nvPr/>
+        </p:nvPicPr>
+        <p:blipFill>
+          <a:blip r:embed="rId6" cstate="print">
+            <a:extLst>
+              <a:ext uri="{28A0092B-C50C-407E-A947-70E740481C1C}">
+                <a14:useLocalDpi xmlns:a14="http://schemas.microsoft.com/office/drawing/2010/main" val="0"/>
+              </a:ext>
+            </a:extLst>
+          </a:blip>
+          <a:srcRect/>
+          <a:stretch>
+            <a:fillRect/>
+          </a:stretch>
+        </p:blipFill>
+        <p:spPr bwMode="auto">
+          <a:xfrm>
+            <a:off x="3298261" y="5373216"/>
+            <a:ext cx="1489763" cy="538560"/>
+          </a:xfrm>
+          <a:prstGeom prst="rect">
+            <a:avLst/>
+          </a:prstGeom>
+          <a:noFill/>
+          <a:ln>
+            <a:noFill/>
+          </a:ln>
+          <a:extLst>
+            <a:ext uri="{909E8E84-426E-40DD-AFC4-6F175D3DCCD1}">
+              <a14:hiddenFill xmlns:a14="http://schemas.microsoft.com/office/drawing/2010/main">
+                <a:solidFill>
+                  <a:schemeClr val="accent1"/>
+                </a:solidFill>
+              </a14:hiddenFill>
+            </a:ext>
+            <a:ext uri="{91240B29-F687-4F45-9708-019B960494DF}">
+              <a14:hiddenLine xmlns:a14="http://schemas.microsoft.com/office/drawing/2010/main" w="9525">
+                <a:solidFill>
+                  <a:schemeClr val="tx1"/>
+                </a:solidFill>
+                <a:miter lim="800000"/>
+                <a:headEnd/>
+                <a:tailEnd/>
+              </a14:hiddenLine>
+            </a:ext>
+          </a:extLst>
+        </p:spPr>
+      </p:pic>
+    </p:spTree>
+    <p:extLst>
+      <p:ext uri="{BB962C8B-B14F-4D97-AF65-F5344CB8AC3E}">
+        <p14:creationId xmlns:p14="http://schemas.microsoft.com/office/powerpoint/2010/main" val="205677538"/>
+      </p:ext>
+    </p:extLst>
+  </p:cSld>
+  <p:clrMapOvr>
+    <a:masterClrMapping/>
+  </p:clrMapOvr>
+  <p:timing>
+    <p:tnLst>
+      <p:par>
+        <p:cTn id="1" dur="indefinite" restart="never" nodeType="tmRoot"/>
+      </p:par>
+    </p:tnLst>
+  </p:timing>
+</p:sld>
+</file>
+
+<file path=ppt/slides/slide8.xml><?xml version="1.0" encoding="utf-8"?>
+<p:sld xmlns:a="http://schemas.openxmlformats.org/drawingml/2006/main" xmlns:r="http://schemas.openxmlformats.org/officeDocument/2006/relationships" xmlns:p="http://schemas.openxmlformats.org/presentationml/2006/main">
+  <p:cSld>
+    <p:spTree>
+      <p:nvGrpSpPr>
+        <p:cNvPr id="1" name=""/>
+        <p:cNvGrpSpPr/>
+        <p:nvPr/>
+      </p:nvGrpSpPr>
+      <p:grpSpPr>
+        <a:xfrm>
+          <a:off x="0" y="0"/>
+          <a:ext cx="0" cy="0"/>
+          <a:chOff x="0" y="0"/>
+          <a:chExt cx="0" cy="0"/>
+        </a:xfrm>
+      </p:grpSpPr>
+      <p:sp>
+        <p:nvSpPr>
+          <p:cNvPr id="2" name="Espace réservé du numéro de diapositive 1"/>
+          <p:cNvSpPr>
+            <a:spLocks noGrp="1"/>
+          </p:cNvSpPr>
+          <p:nvPr>
+            <p:ph type="sldNum" sz="quarter" idx="4"/>
+          </p:nvPr>
+        </p:nvSpPr>
+        <p:spPr/>
+        <p:txBody>
+          <a:bodyPr/>
+          <a:lstStyle/>
+          <a:p>
+            <a:fld id="{AF5033CA-5AE6-4050-846C-3380E9744264}" type="slidenum">
+              <a:rPr lang="fr-FR" smtClean="0">
+                <a:solidFill>
+                  <a:prstClr val="black">
+                    <a:tint val="75000"/>
+                  </a:prstClr>
+                </a:solidFill>
+              </a:rPr>
+              <a:pPr/>
+              <a:t>8</a:t>
+            </a:fld>
+            <a:endParaRPr lang="fr-FR" dirty="0">
+              <a:solidFill>
+                <a:prstClr val="black">
+                  <a:tint val="75000"/>
+                </a:prstClr>
+              </a:solidFill>
+            </a:endParaRPr>
+          </a:p>
+        </p:txBody>
+      </p:sp>
+      <p:sp>
+        <p:nvSpPr>
+          <p:cNvPr id="3" name="Titre 2"/>
+          <p:cNvSpPr>
+            <a:spLocks noGrp="1"/>
+          </p:cNvSpPr>
+          <p:nvPr>
+            <p:ph type="title"/>
+          </p:nvPr>
+        </p:nvSpPr>
+        <p:spPr/>
+        <p:txBody>
+          <a:bodyPr/>
+          <a:lstStyle/>
+          <a:p>
+            <a:r>
+              <a:rPr lang="fr-FR" sz="2800" dirty="0" smtClean="0"/>
+              <a:t>Développement</a:t>
+            </a:r>
+            <a:endParaRPr lang="fr-FR" sz="2800" dirty="0"/>
+          </a:p>
+        </p:txBody>
+      </p:sp>
+      <p:sp>
+        <p:nvSpPr>
+          <p:cNvPr id="4" name="Espace réservé du contenu 3"/>
+          <p:cNvSpPr>
+            <a:spLocks noGrp="1"/>
+          </p:cNvSpPr>
+          <p:nvPr>
+            <p:ph sz="quarter" idx="19"/>
+          </p:nvPr>
+        </p:nvSpPr>
+        <p:spPr>
+          <a:xfrm>
+            <a:off x="683568" y="1700808"/>
+            <a:ext cx="8784976" cy="3024336"/>
+          </a:xfrm>
+        </p:spPr>
+        <p:txBody>
+          <a:bodyPr/>
+          <a:lstStyle/>
+          <a:p>
+            <a:r>
+              <a:rPr lang="fr-FR" sz="2000" u="sng" dirty="0" smtClean="0">
+                <a:sym typeface="Wingdings" panose="05000000000000000000" pitchFamily="2" charset="2"/>
+              </a:rPr>
+              <a:t>Première année:</a:t>
+            </a:r>
+          </a:p>
+          <a:p>
+            <a:endParaRPr lang="fr-FR" sz="2000" dirty="0" smtClean="0">
+              <a:sym typeface="Wingdings" panose="05000000000000000000" pitchFamily="2" charset="2"/>
+            </a:endParaRPr>
+          </a:p>
+          <a:p>
+            <a:pPr marL="0" indent="0">
+              <a:buNone/>
+            </a:pPr>
+            <a:r>
+              <a:rPr lang="fr-FR" sz="2000" dirty="0" smtClean="0">
+                <a:sym typeface="Wingdings" panose="05000000000000000000" pitchFamily="2" charset="2"/>
+              </a:rPr>
+              <a:t>Développement du logiciel FarView ( microscopie STORM)</a:t>
+            </a:r>
+          </a:p>
+          <a:p>
+            <a:pPr marL="0" indent="0">
+              <a:buNone/>
+            </a:pPr>
+            <a:endParaRPr lang="fr-FR" sz="2000" dirty="0" smtClean="0">
+              <a:sym typeface="Wingdings" panose="05000000000000000000" pitchFamily="2" charset="2"/>
+            </a:endParaRPr>
+          </a:p>
+          <a:p>
+            <a:pPr marL="0" indent="0">
+              <a:buNone/>
+            </a:pPr>
+            <a:r>
+              <a:rPr lang="fr-FR" sz="2000" dirty="0" smtClean="0">
+                <a:sym typeface="Wingdings" panose="05000000000000000000" pitchFamily="2" charset="2"/>
+              </a:rPr>
+              <a:t>Création du site et du système de vente.</a:t>
+            </a:r>
+          </a:p>
+          <a:p>
+            <a:pPr marL="0" indent="0">
+              <a:buNone/>
+            </a:pPr>
+            <a:endParaRPr lang="fr-FR" sz="2000" dirty="0" smtClean="0">
+              <a:sym typeface="Wingdings" panose="05000000000000000000" pitchFamily="2" charset="2"/>
+            </a:endParaRPr>
+          </a:p>
+          <a:p>
+            <a:pPr marL="0" indent="0">
+              <a:buNone/>
+            </a:pPr>
+            <a:r>
+              <a:rPr lang="fr-FR" sz="2000" dirty="0" smtClean="0">
+                <a:sym typeface="Wingdings" panose="05000000000000000000" pitchFamily="2" charset="2"/>
+              </a:rPr>
+              <a:t>Publications scientifiques, partage de la démo, conférences…</a:t>
+            </a:r>
+            <a:endParaRPr lang="fr-FR" sz="1800" dirty="0" smtClean="0">
+              <a:sym typeface="Wingdings" panose="05000000000000000000" pitchFamily="2" charset="2"/>
+            </a:endParaRPr>
+          </a:p>
+          <a:p>
+            <a:pPr marL="0" indent="0">
+              <a:buNone/>
+            </a:pPr>
+            <a:endParaRPr lang="fr-FR" sz="2000" dirty="0" smtClean="0">
+              <a:sym typeface="Wingdings" panose="05000000000000000000" pitchFamily="2" charset="2"/>
+            </a:endParaRPr>
+          </a:p>
+          <a:p>
+            <a:pPr marL="0" indent="0">
+              <a:buNone/>
+            </a:pPr>
+            <a:endParaRPr lang="fr-FR" sz="2000" dirty="0" smtClean="0">
+              <a:sym typeface="Wingdings" panose="05000000000000000000" pitchFamily="2" charset="2"/>
+            </a:endParaRPr>
+          </a:p>
+          <a:p>
+            <a:endParaRPr lang="fr-FR" sz="2000" dirty="0">
+              <a:sym typeface="Wingdings" panose="05000000000000000000" pitchFamily="2" charset="2"/>
+            </a:endParaRPr>
+          </a:p>
+          <a:p>
+            <a:endParaRPr lang="fr-FR" sz="2000" dirty="0" smtClean="0">
+              <a:sym typeface="Wingdings" panose="05000000000000000000" pitchFamily="2" charset="2"/>
+            </a:endParaRPr>
+          </a:p>
+          <a:p>
+            <a:pPr marL="0" indent="0" algn="ctr">
+              <a:buNone/>
+            </a:pPr>
+            <a:endParaRPr lang="fr-FR" sz="2000" dirty="0" smtClean="0">
+              <a:sym typeface="Wingdings" panose="05000000000000000000" pitchFamily="2" charset="2"/>
+            </a:endParaRPr>
+          </a:p>
+          <a:p>
+            <a:pPr marL="0" indent="0">
+              <a:buNone/>
+            </a:pPr>
+            <a:r>
+              <a:rPr lang="fr-FR" sz="2000" dirty="0">
+                <a:solidFill>
+                  <a:srgbClr val="0070C0"/>
+                </a:solidFill>
+                <a:sym typeface="Wingdings" panose="05000000000000000000" pitchFamily="2" charset="2"/>
+              </a:rPr>
+              <a:t>	</a:t>
+            </a:r>
+            <a:endParaRPr lang="fr-FR" sz="2000" dirty="0">
+              <a:sym typeface="Wingdings" panose="05000000000000000000" pitchFamily="2" charset="2"/>
+            </a:endParaRPr>
+          </a:p>
+          <a:p>
+            <a:endParaRPr lang="fr-FR" sz="2000" dirty="0" smtClean="0">
+              <a:sym typeface="Wingdings" panose="05000000000000000000" pitchFamily="2" charset="2"/>
+            </a:endParaRPr>
+          </a:p>
+          <a:p>
+            <a:endParaRPr lang="fr-FR" sz="2000" dirty="0" smtClean="0">
+              <a:sym typeface="Wingdings" panose="05000000000000000000" pitchFamily="2" charset="2"/>
+            </a:endParaRPr>
+          </a:p>
+        </p:txBody>
+      </p:sp>
+    </p:spTree>
+    <p:extLst>
+      <p:ext uri="{BB962C8B-B14F-4D97-AF65-F5344CB8AC3E}">
+        <p14:creationId xmlns:p14="http://schemas.microsoft.com/office/powerpoint/2010/main" val="1357347492"/>
+      </p:ext>
+    </p:extLst>
+  </p:cSld>
+  <p:clrMapOvr>
+    <a:masterClrMapping/>
+  </p:clrMapOvr>
+  <p:timing>
+    <p:tnLst>
+      <p:par>
+        <p:cTn id="1" dur="indefinite" restart="never" nodeType="tmRoot"/>
+      </p:par>
+    </p:tnLst>
+  </p:timing>
+</p:sld>
+</file>
+
+<file path=ppt/slides/slide9.xml><?xml version="1.0" encoding="utf-8"?>
+<p:sld xmlns:a="http://schemas.openxmlformats.org/drawingml/2006/main" xmlns:r="http://schemas.openxmlformats.org/officeDocument/2006/relationships" xmlns:p="http://schemas.openxmlformats.org/presentationml/2006/main">
+  <p:cSld>
+    <p:spTree>
+      <p:nvGrpSpPr>
+        <p:cNvPr id="1" name=""/>
+        <p:cNvGrpSpPr/>
+        <p:nvPr/>
+      </p:nvGrpSpPr>
+      <p:grpSpPr>
+        <a:xfrm>
+          <a:off x="0" y="0"/>
+          <a:ext cx="0" cy="0"/>
+          <a:chOff x="0" y="0"/>
+          <a:chExt cx="0" cy="0"/>
+        </a:xfrm>
+      </p:grpSpPr>
+      <p:sp>
+        <p:nvSpPr>
+          <p:cNvPr id="2" name="Espace réservé du numéro de diapositive 1"/>
+          <p:cNvSpPr>
+            <a:spLocks noGrp="1"/>
+          </p:cNvSpPr>
+          <p:nvPr>
+            <p:ph type="sldNum" sz="quarter" idx="4"/>
+          </p:nvPr>
+        </p:nvSpPr>
+        <p:spPr/>
+        <p:txBody>
+          <a:bodyPr/>
+          <a:lstStyle/>
+          <a:p>
+            <a:fld id="{AF5033CA-5AE6-4050-846C-3380E9744264}" type="slidenum">
+              <a:rPr lang="fr-FR" smtClean="0">
+                <a:solidFill>
+                  <a:prstClr val="black">
+                    <a:tint val="75000"/>
+                  </a:prstClr>
+                </a:solidFill>
+              </a:rPr>
+              <a:pPr/>
+              <a:t>9</a:t>
+            </a:fld>
+            <a:endParaRPr lang="fr-FR" dirty="0">
+              <a:solidFill>
+                <a:prstClr val="black">
+                  <a:tint val="75000"/>
+                </a:prstClr>
+              </a:solidFill>
+            </a:endParaRPr>
+          </a:p>
+        </p:txBody>
+      </p:sp>
+      <p:sp>
+        <p:nvSpPr>
+          <p:cNvPr id="3" name="Titre 2"/>
+          <p:cNvSpPr>
+            <a:spLocks noGrp="1"/>
+          </p:cNvSpPr>
+          <p:nvPr>
+            <p:ph type="title"/>
+          </p:nvPr>
+        </p:nvSpPr>
+        <p:spPr/>
+        <p:txBody>
+          <a:bodyPr/>
+          <a:lstStyle/>
+          <a:p>
+            <a:r>
+              <a:rPr lang="fr-FR" sz="2800" dirty="0" smtClean="0"/>
+              <a:t>Développement</a:t>
+            </a:r>
+            <a:endParaRPr lang="fr-FR" sz="2800" dirty="0"/>
+          </a:p>
+        </p:txBody>
+      </p:sp>
+      <p:sp>
+        <p:nvSpPr>
+          <p:cNvPr id="4" name="Espace réservé du contenu 3"/>
+          <p:cNvSpPr>
+            <a:spLocks noGrp="1"/>
+          </p:cNvSpPr>
+          <p:nvPr>
+            <p:ph sz="quarter" idx="19"/>
+          </p:nvPr>
+        </p:nvSpPr>
+        <p:spPr>
+          <a:xfrm>
+            <a:off x="683568" y="1700808"/>
+            <a:ext cx="8784976" cy="4680520"/>
+          </a:xfrm>
+        </p:spPr>
+        <p:txBody>
+          <a:bodyPr/>
+          <a:lstStyle/>
+          <a:p>
+            <a:r>
+              <a:rPr lang="fr-FR" sz="2000" u="sng" dirty="0" smtClean="0">
+                <a:sym typeface="Wingdings" panose="05000000000000000000" pitchFamily="2" charset="2"/>
+              </a:rPr>
+              <a:t>Deuxième année:</a:t>
+            </a:r>
+          </a:p>
+          <a:p>
+            <a:endParaRPr lang="fr-FR" sz="2000" dirty="0" smtClean="0">
+              <a:sym typeface="Wingdings" panose="05000000000000000000" pitchFamily="2" charset="2"/>
+            </a:endParaRPr>
+          </a:p>
+          <a:p>
+            <a:pPr marL="0" indent="0">
+              <a:buNone/>
+            </a:pPr>
+            <a:r>
+              <a:rPr lang="fr-FR" sz="2000" dirty="0" smtClean="0">
+                <a:sym typeface="Wingdings" panose="05000000000000000000" pitchFamily="2" charset="2"/>
+              </a:rPr>
+              <a:t>Amélioration des locaux et du matériel</a:t>
+            </a:r>
+          </a:p>
+          <a:p>
+            <a:pPr marL="0" indent="0">
+              <a:buNone/>
+            </a:pPr>
+            <a:r>
+              <a:rPr lang="fr-FR" sz="2000" dirty="0" smtClean="0">
+                <a:sym typeface="Wingdings" panose="05000000000000000000" pitchFamily="2" charset="2"/>
+              </a:rPr>
+              <a:t>Emploi éventuel d’un responsable marketing/économie</a:t>
+            </a:r>
+            <a:endParaRPr lang="fr-FR" sz="1800" dirty="0" smtClean="0">
+              <a:sym typeface="Wingdings" panose="05000000000000000000" pitchFamily="2" charset="2"/>
+            </a:endParaRPr>
+          </a:p>
+          <a:p>
+            <a:pPr marL="0" indent="0">
+              <a:buNone/>
+            </a:pPr>
+            <a:r>
+              <a:rPr lang="fr-FR" sz="1800" dirty="0" smtClean="0">
+                <a:sym typeface="Wingdings" panose="05000000000000000000" pitchFamily="2" charset="2"/>
+              </a:rPr>
+              <a:t>	</a:t>
+            </a:r>
+          </a:p>
+          <a:p>
+            <a:pPr marL="0" indent="0">
+              <a:buNone/>
+            </a:pPr>
+            <a:r>
+              <a:rPr lang="fr-FR" sz="2000" dirty="0" smtClean="0">
+                <a:sym typeface="Wingdings" panose="05000000000000000000" pitchFamily="2" charset="2"/>
+              </a:rPr>
+              <a:t>Développement d’un produit moins spécifique et de produits tiers.</a:t>
+            </a:r>
+            <a:br>
+              <a:rPr lang="fr-FR" sz="2000" dirty="0" smtClean="0">
+                <a:sym typeface="Wingdings" panose="05000000000000000000" pitchFamily="2" charset="2"/>
+              </a:rPr>
+            </a:br>
+            <a:r>
+              <a:rPr lang="fr-FR" sz="2000" dirty="0" smtClean="0">
+                <a:sym typeface="Wingdings" panose="05000000000000000000" pitchFamily="2" charset="2"/>
+              </a:rPr>
+              <a:t>Baisse prévue du prix de FarView, si émergence de nouvelles technologies.</a:t>
+            </a:r>
+            <a:endParaRPr lang="fr-FR" sz="1800" dirty="0">
+              <a:sym typeface="Wingdings" panose="05000000000000000000" pitchFamily="2" charset="2"/>
+            </a:endParaRPr>
+          </a:p>
+          <a:p>
+            <a:pPr marL="0" indent="0">
+              <a:buNone/>
+            </a:pPr>
+            <a:endParaRPr lang="fr-FR" sz="2000" dirty="0" smtClean="0">
+              <a:sym typeface="Wingdings" panose="05000000000000000000" pitchFamily="2" charset="2"/>
+            </a:endParaRPr>
+          </a:p>
+          <a:p>
+            <a:pPr marL="0" indent="0">
+              <a:buNone/>
+            </a:pPr>
+            <a:endParaRPr lang="fr-FR" sz="2000" dirty="0" smtClean="0">
+              <a:sym typeface="Wingdings" panose="05000000000000000000" pitchFamily="2" charset="2"/>
+            </a:endParaRPr>
+          </a:p>
+          <a:p>
+            <a:endParaRPr lang="fr-FR" sz="2000" dirty="0">
+              <a:sym typeface="Wingdings" panose="05000000000000000000" pitchFamily="2" charset="2"/>
+            </a:endParaRPr>
+          </a:p>
+          <a:p>
+            <a:endParaRPr lang="fr-FR" sz="2000" dirty="0" smtClean="0">
+              <a:sym typeface="Wingdings" panose="05000000000000000000" pitchFamily="2" charset="2"/>
+            </a:endParaRPr>
+          </a:p>
+          <a:p>
+            <a:pPr marL="0" indent="0" algn="ctr">
+              <a:buNone/>
+            </a:pPr>
+            <a:endParaRPr lang="fr-FR" sz="2000" dirty="0" smtClean="0">
+              <a:sym typeface="Wingdings" panose="05000000000000000000" pitchFamily="2" charset="2"/>
+            </a:endParaRPr>
+          </a:p>
+          <a:p>
+            <a:pPr marL="0" indent="0">
+              <a:buNone/>
+            </a:pPr>
+            <a:r>
+              <a:rPr lang="fr-FR" sz="2000" dirty="0">
+                <a:solidFill>
+                  <a:srgbClr val="0070C0"/>
+                </a:solidFill>
+                <a:sym typeface="Wingdings" panose="05000000000000000000" pitchFamily="2" charset="2"/>
+              </a:rPr>
+              <a:t>	</a:t>
+            </a:r>
+            <a:endParaRPr lang="fr-FR" sz="2000" dirty="0">
+              <a:sym typeface="Wingdings" panose="05000000000000000000" pitchFamily="2" charset="2"/>
+            </a:endParaRPr>
+          </a:p>
+          <a:p>
+            <a:endParaRPr lang="fr-FR" sz="2000" dirty="0" smtClean="0">
+              <a:sym typeface="Wingdings" panose="05000000000000000000" pitchFamily="2" charset="2"/>
+            </a:endParaRPr>
+          </a:p>
+          <a:p>
+            <a:endParaRPr lang="fr-FR" sz="2000" dirty="0" smtClean="0">
+              <a:sym typeface="Wingdings" panose="05000000000000000000" pitchFamily="2" charset="2"/>
+            </a:endParaRPr>
+          </a:p>
+        </p:txBody>
+      </p:sp>
+    </p:spTree>
+    <p:extLst>
+      <p:ext uri="{BB962C8B-B14F-4D97-AF65-F5344CB8AC3E}">
+        <p14:creationId xmlns:p14="http://schemas.microsoft.com/office/powerpoint/2010/main" val="3276425793"/>
+      </p:ext>
+    </p:extLst>
+  </p:cSld>
+  <p:clrMapOvr>
+    <a:masterClrMapping/>
+  </p:clrMapOvr>
+  <p:timing>
+    <p:tnLst>
+      <p:par>
+        <p:cTn id="1" dur="indefinite" restart="never" nodeType="tmRoot"/>
+      </p:par>
+    </p:tnLst>
+  </p:timing>
 </p:sld>
 </file>
 

--- a/OppAffaire/Présentation orale/Partie Philémon.pptx
+++ b/OppAffaire/Présentation orale/Partie Philémon.pptx
@@ -5,23 +5,29 @@
     <p:sldMasterId id="2147483660" r:id="rId1"/>
   </p:sldMasterIdLst>
   <p:notesMasterIdLst>
-    <p:notesMasterId r:id="rId13"/>
+    <p:notesMasterId r:id="rId19"/>
   </p:notesMasterIdLst>
   <p:handoutMasterIdLst>
-    <p:handoutMasterId r:id="rId14"/>
+    <p:handoutMasterId r:id="rId20"/>
   </p:handoutMasterIdLst>
   <p:sldIdLst>
     <p:sldId id="256" r:id="rId2"/>
     <p:sldId id="260" r:id="rId3"/>
     <p:sldId id="259" r:id="rId4"/>
     <p:sldId id="257" r:id="rId5"/>
-    <p:sldId id="258" r:id="rId6"/>
-    <p:sldId id="262" r:id="rId7"/>
-    <p:sldId id="263" r:id="rId8"/>
-    <p:sldId id="266" r:id="rId9"/>
-    <p:sldId id="264" r:id="rId10"/>
-    <p:sldId id="265" r:id="rId11"/>
-    <p:sldId id="261" r:id="rId12"/>
+    <p:sldId id="267" r:id="rId6"/>
+    <p:sldId id="268" r:id="rId7"/>
+    <p:sldId id="269" r:id="rId8"/>
+    <p:sldId id="270" r:id="rId9"/>
+    <p:sldId id="271" r:id="rId10"/>
+    <p:sldId id="272" r:id="rId11"/>
+    <p:sldId id="273" r:id="rId12"/>
+    <p:sldId id="262" r:id="rId13"/>
+    <p:sldId id="263" r:id="rId14"/>
+    <p:sldId id="266" r:id="rId15"/>
+    <p:sldId id="264" r:id="rId16"/>
+    <p:sldId id="265" r:id="rId17"/>
+    <p:sldId id="274" r:id="rId18"/>
   </p:sldIdLst>
   <p:sldSz cx="9144000" cy="6858000" type="screen4x3"/>
   <p:notesSz cx="6858000" cy="9144000"/>
@@ -159,19 +165,25 @@
             <p14:sldId id="260"/>
             <p14:sldId id="259"/>
             <p14:sldId id="257"/>
-            <p14:sldId id="258"/>
+            <p14:sldId id="267"/>
+            <p14:sldId id="268"/>
+            <p14:sldId id="269"/>
+            <p14:sldId id="270"/>
+            <p14:sldId id="271"/>
+            <p14:sldId id="272"/>
+            <p14:sldId id="273"/>
             <p14:sldId id="262"/>
             <p14:sldId id="263"/>
             <p14:sldId id="266"/>
             <p14:sldId id="264"/>
             <p14:sldId id="265"/>
-            <p14:sldId id="261"/>
+            <p14:sldId id="274"/>
           </p14:sldIdLst>
         </p14:section>
       </p14:sectionLst>
     </p:ext>
     <p:ext uri="{EFAFB233-063F-42B5-8137-9DF3F51BA10A}">
-      <p15:sldGuideLst xmlns="" xmlns:p15="http://schemas.microsoft.com/office/powerpoint/2012/main">
+      <p15:sldGuideLst xmlns:p15="http://schemas.microsoft.com/office/powerpoint/2012/main">
         <p15:guide id="1" orient="horz" pos="2160">
           <p15:clr>
             <a:srgbClr val="A4A3A4"/>
@@ -185,7 +197,7 @@
       </p15:sldGuideLst>
     </p:ext>
     <p:ext uri="{2D200454-40CA-4A62-9FC3-DE9A4176ACB9}">
-      <p15:notesGuideLst xmlns="" xmlns:p15="http://schemas.microsoft.com/office/powerpoint/2012/main">
+      <p15:notesGuideLst xmlns:p15="http://schemas.microsoft.com/office/powerpoint/2012/main">
         <p15:guide id="1" orient="horz" pos="2880">
           <p15:clr>
             <a:srgbClr val="A4A3A4"/>
@@ -208,6 +220,793 @@
     <p:extLst/>
   </p:cmAuthor>
 </p:cmAuthorLst>
+</file>
+
+<file path=ppt/charts/chart1.xml><?xml version="1.0" encoding="utf-8"?>
+<c:chartSpace xmlns:c="http://schemas.openxmlformats.org/drawingml/2006/chart" xmlns:a="http://schemas.openxmlformats.org/drawingml/2006/main" xmlns:r="http://schemas.openxmlformats.org/officeDocument/2006/relationships" xmlns:c16r2="http://schemas.microsoft.com/office/drawing/2015/06/chart">
+  <c:date1904 val="0"/>
+  <c:lang val="fr-FR"/>
+  <c:roundedCorners val="0"/>
+  <mc:AlternateContent xmlns:mc="http://schemas.openxmlformats.org/markup-compatibility/2006">
+    <mc:Choice xmlns:c14="http://schemas.microsoft.com/office/drawing/2007/8/2/chart" Requires="c14">
+      <c14:style val="102"/>
+    </mc:Choice>
+    <mc:Fallback>
+      <c:style val="2"/>
+    </mc:Fallback>
+  </mc:AlternateContent>
+  <c:chart>
+    <c:autoTitleDeleted val="0"/>
+    <c:plotArea>
+      <c:layout>
+        <c:manualLayout>
+          <c:layoutTarget val="inner"/>
+          <c:xMode val="edge"/>
+          <c:yMode val="edge"/>
+          <c:x val="0.1413625185623702"/>
+          <c:y val="0.31890773328764116"/>
+          <c:w val="0.3307888263169968"/>
+          <c:h val="0.30389625638649437"/>
+        </c:manualLayout>
+      </c:layout>
+      <c:radarChart>
+        <c:radarStyle val="filled"/>
+        <c:varyColors val="0"/>
+        <c:ser>
+          <c:idx val="0"/>
+          <c:order val="0"/>
+          <c:tx>
+            <c:strRef>
+              <c:f>Feuil1!$A$5</c:f>
+              <c:strCache>
+                <c:ptCount val="1"/>
+                <c:pt idx="0">
+                  <c:v>Entreprises implantées (Leica, Zeiss, Olympus…)</c:v>
+                </c:pt>
+              </c:strCache>
+            </c:strRef>
+          </c:tx>
+          <c:spPr>
+            <a:solidFill>
+              <a:srgbClr val="FF0000">
+                <a:alpha val="60000"/>
+              </a:srgbClr>
+            </a:solidFill>
+          </c:spPr>
+          <c:cat>
+            <c:strRef>
+              <c:f>Feuil1!$B$4:$F$4</c:f>
+              <c:strCache>
+                <c:ptCount val="5"/>
+                <c:pt idx="0">
+                  <c:v>Disponibilité produit</c:v>
+                </c:pt>
+                <c:pt idx="1">
+                  <c:v>Savoir faire</c:v>
+                </c:pt>
+                <c:pt idx="2">
+                  <c:v>Flexibilité des prix</c:v>
+                </c:pt>
+                <c:pt idx="3">
+                  <c:v>Renommée</c:v>
+                </c:pt>
+                <c:pt idx="4">
+                  <c:v>Innovateur</c:v>
+                </c:pt>
+              </c:strCache>
+            </c:strRef>
+          </c:cat>
+          <c:val>
+            <c:numRef>
+              <c:f>Feuil1!$B$5:$F$5</c:f>
+              <c:numCache>
+                <c:formatCode>General</c:formatCode>
+                <c:ptCount val="5"/>
+                <c:pt idx="0">
+                  <c:v>0.2</c:v>
+                </c:pt>
+                <c:pt idx="1">
+                  <c:v>0.8</c:v>
+                </c:pt>
+                <c:pt idx="2">
+                  <c:v>0.7</c:v>
+                </c:pt>
+                <c:pt idx="3">
+                  <c:v>0.9</c:v>
+                </c:pt>
+                <c:pt idx="4">
+                  <c:v>0.35</c:v>
+                </c:pt>
+              </c:numCache>
+            </c:numRef>
+          </c:val>
+          <c:extLst>
+            <c:ext xmlns:c16="http://schemas.microsoft.com/office/drawing/2014/chart" uri="{C3380CC4-5D6E-409C-BE32-E72D297353CC}">
+              <c16:uniqueId val="{00000000-1B65-4B3C-A6E0-F2CB8FC51967}"/>
+            </c:ext>
+          </c:extLst>
+        </c:ser>
+        <c:ser>
+          <c:idx val="1"/>
+          <c:order val="1"/>
+          <c:tx>
+            <c:strRef>
+              <c:f>Feuil1!$A$6</c:f>
+              <c:strCache>
+                <c:ptCount val="1"/>
+                <c:pt idx="0">
+                  <c:v>Farview</c:v>
+                </c:pt>
+              </c:strCache>
+            </c:strRef>
+          </c:tx>
+          <c:spPr>
+            <a:solidFill>
+              <a:schemeClr val="accent1">
+                <a:lumMod val="75000"/>
+                <a:alpha val="78000"/>
+              </a:schemeClr>
+            </a:solidFill>
+            <a:effectLst>
+              <a:outerShdw blurRad="50800" dist="50800" dir="5400000" algn="ctr" rotWithShape="0">
+                <a:srgbClr val="000000">
+                  <a:alpha val="0"/>
+                </a:srgbClr>
+              </a:outerShdw>
+            </a:effectLst>
+          </c:spPr>
+          <c:cat>
+            <c:strRef>
+              <c:f>Feuil1!$B$4:$F$4</c:f>
+              <c:strCache>
+                <c:ptCount val="5"/>
+                <c:pt idx="0">
+                  <c:v>Disponibilité produit</c:v>
+                </c:pt>
+                <c:pt idx="1">
+                  <c:v>Savoir faire</c:v>
+                </c:pt>
+                <c:pt idx="2">
+                  <c:v>Flexibilité des prix</c:v>
+                </c:pt>
+                <c:pt idx="3">
+                  <c:v>Renommée</c:v>
+                </c:pt>
+                <c:pt idx="4">
+                  <c:v>Innovateur</c:v>
+                </c:pt>
+              </c:strCache>
+            </c:strRef>
+          </c:cat>
+          <c:val>
+            <c:numRef>
+              <c:f>Feuil1!$B$6:$F$6</c:f>
+              <c:numCache>
+                <c:formatCode>General</c:formatCode>
+                <c:ptCount val="5"/>
+                <c:pt idx="0">
+                  <c:v>0.8</c:v>
+                </c:pt>
+                <c:pt idx="1">
+                  <c:v>0.3</c:v>
+                </c:pt>
+                <c:pt idx="2">
+                  <c:v>0.4</c:v>
+                </c:pt>
+                <c:pt idx="3">
+                  <c:v>0.1</c:v>
+                </c:pt>
+                <c:pt idx="4">
+                  <c:v>0.9</c:v>
+                </c:pt>
+              </c:numCache>
+            </c:numRef>
+          </c:val>
+          <c:extLst>
+            <c:ext xmlns:c16="http://schemas.microsoft.com/office/drawing/2014/chart" uri="{C3380CC4-5D6E-409C-BE32-E72D297353CC}">
+              <c16:uniqueId val="{00000001-1B65-4B3C-A6E0-F2CB8FC51967}"/>
+            </c:ext>
+          </c:extLst>
+        </c:ser>
+        <c:ser>
+          <c:idx val="2"/>
+          <c:order val="2"/>
+          <c:tx>
+            <c:strRef>
+              <c:f>Feuil1!$A$7</c:f>
+              <c:strCache>
+                <c:ptCount val="1"/>
+                <c:pt idx="0">
+                  <c:v>Autres starts-up</c:v>
+                </c:pt>
+              </c:strCache>
+            </c:strRef>
+          </c:tx>
+          <c:spPr>
+            <a:solidFill>
+              <a:schemeClr val="accent3">
+                <a:lumMod val="75000"/>
+                <a:alpha val="87000"/>
+              </a:schemeClr>
+            </a:solidFill>
+            <a:ln>
+              <a:solidFill>
+                <a:schemeClr val="accent1"/>
+              </a:solidFill>
+            </a:ln>
+          </c:spPr>
+          <c:cat>
+            <c:strRef>
+              <c:f>Feuil1!$B$4:$F$4</c:f>
+              <c:strCache>
+                <c:ptCount val="5"/>
+                <c:pt idx="0">
+                  <c:v>Disponibilité produit</c:v>
+                </c:pt>
+                <c:pt idx="1">
+                  <c:v>Savoir faire</c:v>
+                </c:pt>
+                <c:pt idx="2">
+                  <c:v>Flexibilité des prix</c:v>
+                </c:pt>
+                <c:pt idx="3">
+                  <c:v>Renommée</c:v>
+                </c:pt>
+                <c:pt idx="4">
+                  <c:v>Innovateur</c:v>
+                </c:pt>
+              </c:strCache>
+            </c:strRef>
+          </c:cat>
+          <c:val>
+            <c:numRef>
+              <c:f>Feuil1!$B$7:$F$7</c:f>
+              <c:numCache>
+                <c:formatCode>General</c:formatCode>
+                <c:ptCount val="5"/>
+                <c:pt idx="0">
+                  <c:v>0.1</c:v>
+                </c:pt>
+                <c:pt idx="1">
+                  <c:v>0.3</c:v>
+                </c:pt>
+                <c:pt idx="2">
+                  <c:v>0.4</c:v>
+                </c:pt>
+                <c:pt idx="3">
+                  <c:v>0.1</c:v>
+                </c:pt>
+                <c:pt idx="4">
+                  <c:v>0.3</c:v>
+                </c:pt>
+              </c:numCache>
+            </c:numRef>
+          </c:val>
+          <c:extLst>
+            <c:ext xmlns:c16="http://schemas.microsoft.com/office/drawing/2014/chart" uri="{C3380CC4-5D6E-409C-BE32-E72D297353CC}">
+              <c16:uniqueId val="{00000002-1B65-4B3C-A6E0-F2CB8FC51967}"/>
+            </c:ext>
+          </c:extLst>
+        </c:ser>
+        <c:dLbls>
+          <c:showLegendKey val="0"/>
+          <c:showVal val="0"/>
+          <c:showCatName val="0"/>
+          <c:showSerName val="0"/>
+          <c:showPercent val="0"/>
+          <c:showBubbleSize val="0"/>
+        </c:dLbls>
+        <c:axId val="135559808"/>
+        <c:axId val="135569792"/>
+      </c:radarChart>
+      <c:catAx>
+        <c:axId val="135559808"/>
+        <c:scaling>
+          <c:orientation val="minMax"/>
+        </c:scaling>
+        <c:delete val="0"/>
+        <c:axPos val="b"/>
+        <c:majorGridlines/>
+        <c:numFmt formatCode="General" sourceLinked="0"/>
+        <c:majorTickMark val="out"/>
+        <c:minorTickMark val="none"/>
+        <c:tickLblPos val="nextTo"/>
+        <c:crossAx val="135569792"/>
+        <c:crosses val="autoZero"/>
+        <c:auto val="1"/>
+        <c:lblAlgn val="ctr"/>
+        <c:lblOffset val="100"/>
+        <c:noMultiLvlLbl val="0"/>
+      </c:catAx>
+      <c:valAx>
+        <c:axId val="135569792"/>
+        <c:scaling>
+          <c:orientation val="minMax"/>
+        </c:scaling>
+        <c:delete val="1"/>
+        <c:axPos val="l"/>
+        <c:majorGridlines/>
+        <c:numFmt formatCode="General" sourceLinked="1"/>
+        <c:majorTickMark val="cross"/>
+        <c:minorTickMark val="none"/>
+        <c:tickLblPos val="nextTo"/>
+        <c:crossAx val="135559808"/>
+        <c:crosses val="autoZero"/>
+        <c:crossBetween val="between"/>
+      </c:valAx>
+    </c:plotArea>
+    <c:legend>
+      <c:legendPos val="r"/>
+      <c:overlay val="0"/>
+    </c:legend>
+    <c:plotVisOnly val="1"/>
+    <c:dispBlanksAs val="gap"/>
+    <c:showDLblsOverMax val="0"/>
+  </c:chart>
+  <c:externalData r:id="rId1">
+    <c:autoUpdate val="0"/>
+  </c:externalData>
+  <c:userShapes r:id="rId2"/>
+</c:chartSpace>
+</file>
+
+<file path=ppt/charts/chart2.xml><?xml version="1.0" encoding="utf-8"?>
+<c:chartSpace xmlns:c="http://schemas.openxmlformats.org/drawingml/2006/chart" xmlns:a="http://schemas.openxmlformats.org/drawingml/2006/main" xmlns:r="http://schemas.openxmlformats.org/officeDocument/2006/relationships" xmlns:c16r2="http://schemas.microsoft.com/office/drawing/2015/06/chart">
+  <c:date1904 val="0"/>
+  <c:lang val="fr-FR"/>
+  <c:roundedCorners val="0"/>
+  <mc:AlternateContent xmlns:mc="http://schemas.openxmlformats.org/markup-compatibility/2006">
+    <mc:Choice xmlns:c14="http://schemas.microsoft.com/office/drawing/2007/8/2/chart" Requires="c14">
+      <c14:style val="102"/>
+    </mc:Choice>
+    <mc:Fallback>
+      <c:style val="2"/>
+    </mc:Fallback>
+  </mc:AlternateContent>
+  <c:chart>
+    <c:autoTitleDeleted val="0"/>
+    <c:plotArea>
+      <c:layout>
+        <c:manualLayout>
+          <c:layoutTarget val="inner"/>
+          <c:xMode val="edge"/>
+          <c:yMode val="edge"/>
+          <c:x val="0.17848542535213838"/>
+          <c:y val="0.33568308727912494"/>
+          <c:w val="0.33745695688226079"/>
+          <c:h val="0.2970613095693414"/>
+        </c:manualLayout>
+      </c:layout>
+      <c:radarChart>
+        <c:radarStyle val="filled"/>
+        <c:varyColors val="0"/>
+        <c:ser>
+          <c:idx val="0"/>
+          <c:order val="0"/>
+          <c:tx>
+            <c:strRef>
+              <c:f>Feuil1!$A$11</c:f>
+              <c:strCache>
+                <c:ptCount val="1"/>
+                <c:pt idx="0">
+                  <c:v>Entreprises implantées (Leica, Zeiss, Olympus…)</c:v>
+                </c:pt>
+              </c:strCache>
+            </c:strRef>
+          </c:tx>
+          <c:spPr>
+            <a:solidFill>
+              <a:srgbClr val="FF0000">
+                <a:alpha val="60000"/>
+              </a:srgbClr>
+            </a:solidFill>
+          </c:spPr>
+          <c:cat>
+            <c:strRef>
+              <c:f>Feuil1!$B$10:$F$10</c:f>
+              <c:strCache>
+                <c:ptCount val="5"/>
+                <c:pt idx="0">
+                  <c:v>Disponibilité produit</c:v>
+                </c:pt>
+                <c:pt idx="1">
+                  <c:v>Savoir faire</c:v>
+                </c:pt>
+                <c:pt idx="2">
+                  <c:v>Flexibilité des prix</c:v>
+                </c:pt>
+                <c:pt idx="3">
+                  <c:v>Renommée</c:v>
+                </c:pt>
+                <c:pt idx="4">
+                  <c:v>Innovateur</c:v>
+                </c:pt>
+              </c:strCache>
+            </c:strRef>
+          </c:cat>
+          <c:val>
+            <c:numRef>
+              <c:f>Feuil1!$B$11:$F$11</c:f>
+              <c:numCache>
+                <c:formatCode>General</c:formatCode>
+                <c:ptCount val="5"/>
+                <c:pt idx="0">
+                  <c:v>0.9</c:v>
+                </c:pt>
+                <c:pt idx="1">
+                  <c:v>0.8</c:v>
+                </c:pt>
+                <c:pt idx="2">
+                  <c:v>0.8</c:v>
+                </c:pt>
+                <c:pt idx="3">
+                  <c:v>0.9</c:v>
+                </c:pt>
+                <c:pt idx="4">
+                  <c:v>0.6</c:v>
+                </c:pt>
+              </c:numCache>
+            </c:numRef>
+          </c:val>
+          <c:extLst>
+            <c:ext xmlns:c16="http://schemas.microsoft.com/office/drawing/2014/chart" uri="{C3380CC4-5D6E-409C-BE32-E72D297353CC}">
+              <c16:uniqueId val="{00000000-5470-4E4D-AD0E-1FA8FCC23F4C}"/>
+            </c:ext>
+          </c:extLst>
+        </c:ser>
+        <c:ser>
+          <c:idx val="1"/>
+          <c:order val="1"/>
+          <c:tx>
+            <c:strRef>
+              <c:f>Feuil1!$A$12</c:f>
+              <c:strCache>
+                <c:ptCount val="1"/>
+                <c:pt idx="0">
+                  <c:v>Farview</c:v>
+                </c:pt>
+              </c:strCache>
+            </c:strRef>
+          </c:tx>
+          <c:spPr>
+            <a:solidFill>
+              <a:schemeClr val="accent1">
+                <a:lumMod val="75000"/>
+                <a:alpha val="78000"/>
+              </a:schemeClr>
+            </a:solidFill>
+            <a:effectLst>
+              <a:outerShdw blurRad="50800" dist="50800" dir="5400000" algn="ctr" rotWithShape="0">
+                <a:srgbClr val="000000">
+                  <a:alpha val="0"/>
+                </a:srgbClr>
+              </a:outerShdw>
+            </a:effectLst>
+          </c:spPr>
+          <c:cat>
+            <c:strRef>
+              <c:f>Feuil1!$B$10:$F$10</c:f>
+              <c:strCache>
+                <c:ptCount val="5"/>
+                <c:pt idx="0">
+                  <c:v>Disponibilité produit</c:v>
+                </c:pt>
+                <c:pt idx="1">
+                  <c:v>Savoir faire</c:v>
+                </c:pt>
+                <c:pt idx="2">
+                  <c:v>Flexibilité des prix</c:v>
+                </c:pt>
+                <c:pt idx="3">
+                  <c:v>Renommée</c:v>
+                </c:pt>
+                <c:pt idx="4">
+                  <c:v>Innovateur</c:v>
+                </c:pt>
+              </c:strCache>
+            </c:strRef>
+          </c:cat>
+          <c:val>
+            <c:numRef>
+              <c:f>Feuil1!$B$12:$F$12</c:f>
+              <c:numCache>
+                <c:formatCode>General</c:formatCode>
+                <c:ptCount val="5"/>
+                <c:pt idx="0">
+                  <c:v>1</c:v>
+                </c:pt>
+                <c:pt idx="1">
+                  <c:v>0.5</c:v>
+                </c:pt>
+                <c:pt idx="2">
+                  <c:v>0.55000000000000004</c:v>
+                </c:pt>
+                <c:pt idx="3">
+                  <c:v>0.5</c:v>
+                </c:pt>
+                <c:pt idx="4">
+                  <c:v>0.7</c:v>
+                </c:pt>
+              </c:numCache>
+            </c:numRef>
+          </c:val>
+          <c:extLst>
+            <c:ext xmlns:c16="http://schemas.microsoft.com/office/drawing/2014/chart" uri="{C3380CC4-5D6E-409C-BE32-E72D297353CC}">
+              <c16:uniqueId val="{00000001-5470-4E4D-AD0E-1FA8FCC23F4C}"/>
+            </c:ext>
+          </c:extLst>
+        </c:ser>
+        <c:ser>
+          <c:idx val="2"/>
+          <c:order val="2"/>
+          <c:tx>
+            <c:strRef>
+              <c:f>Feuil1!$A$13</c:f>
+              <c:strCache>
+                <c:ptCount val="1"/>
+                <c:pt idx="0">
+                  <c:v>Autres starts ups : développement imprévisible</c:v>
+                </c:pt>
+              </c:strCache>
+            </c:strRef>
+          </c:tx>
+          <c:spPr>
+            <a:ln w="25400">
+              <a:noFill/>
+            </a:ln>
+          </c:spPr>
+          <c:cat>
+            <c:strRef>
+              <c:f>Feuil1!$B$10:$F$10</c:f>
+              <c:strCache>
+                <c:ptCount val="5"/>
+                <c:pt idx="0">
+                  <c:v>Disponibilité produit</c:v>
+                </c:pt>
+                <c:pt idx="1">
+                  <c:v>Savoir faire</c:v>
+                </c:pt>
+                <c:pt idx="2">
+                  <c:v>Flexibilité des prix</c:v>
+                </c:pt>
+                <c:pt idx="3">
+                  <c:v>Renommée</c:v>
+                </c:pt>
+                <c:pt idx="4">
+                  <c:v>Innovateur</c:v>
+                </c:pt>
+              </c:strCache>
+            </c:strRef>
+          </c:cat>
+          <c:val>
+            <c:numRef>
+              <c:f>Feuil1!$B$13:$F$13</c:f>
+              <c:numCache>
+                <c:formatCode>General</c:formatCode>
+                <c:ptCount val="5"/>
+              </c:numCache>
+            </c:numRef>
+          </c:val>
+          <c:extLst>
+            <c:ext xmlns:c16="http://schemas.microsoft.com/office/drawing/2014/chart" uri="{C3380CC4-5D6E-409C-BE32-E72D297353CC}">
+              <c16:uniqueId val="{00000002-5470-4E4D-AD0E-1FA8FCC23F4C}"/>
+            </c:ext>
+          </c:extLst>
+        </c:ser>
+        <c:dLbls>
+          <c:showLegendKey val="0"/>
+          <c:showVal val="0"/>
+          <c:showCatName val="0"/>
+          <c:showSerName val="0"/>
+          <c:showPercent val="0"/>
+          <c:showBubbleSize val="0"/>
+        </c:dLbls>
+        <c:axId val="135330048"/>
+        <c:axId val="135540736"/>
+      </c:radarChart>
+      <c:catAx>
+        <c:axId val="135330048"/>
+        <c:scaling>
+          <c:orientation val="minMax"/>
+        </c:scaling>
+        <c:delete val="0"/>
+        <c:axPos val="b"/>
+        <c:majorGridlines/>
+        <c:numFmt formatCode="General" sourceLinked="0"/>
+        <c:majorTickMark val="out"/>
+        <c:minorTickMark val="none"/>
+        <c:tickLblPos val="nextTo"/>
+        <c:crossAx val="135540736"/>
+        <c:crosses val="autoZero"/>
+        <c:auto val="1"/>
+        <c:lblAlgn val="ctr"/>
+        <c:lblOffset val="100"/>
+        <c:noMultiLvlLbl val="0"/>
+      </c:catAx>
+      <c:valAx>
+        <c:axId val="135540736"/>
+        <c:scaling>
+          <c:orientation val="minMax"/>
+        </c:scaling>
+        <c:delete val="1"/>
+        <c:axPos val="l"/>
+        <c:majorGridlines/>
+        <c:numFmt formatCode="General" sourceLinked="1"/>
+        <c:majorTickMark val="cross"/>
+        <c:minorTickMark val="none"/>
+        <c:tickLblPos val="nextTo"/>
+        <c:crossAx val="135330048"/>
+        <c:crosses val="autoZero"/>
+        <c:crossBetween val="between"/>
+      </c:valAx>
+    </c:plotArea>
+    <c:legend>
+      <c:legendPos val="r"/>
+      <c:overlay val="0"/>
+    </c:legend>
+    <c:plotVisOnly val="1"/>
+    <c:dispBlanksAs val="gap"/>
+    <c:showDLblsOverMax val="0"/>
+  </c:chart>
+  <c:externalData r:id="rId1">
+    <c:autoUpdate val="0"/>
+  </c:externalData>
+  <c:userShapes r:id="rId2"/>
+</c:chartSpace>
+</file>
+
+<file path=ppt/drawings/drawing1.xml><?xml version="1.0" encoding="utf-8"?>
+<c:userShapes xmlns:c="http://schemas.openxmlformats.org/drawingml/2006/chart">
+  <cdr:relSizeAnchor xmlns:cdr="http://schemas.openxmlformats.org/drawingml/2006/chartDrawing">
+    <cdr:from>
+      <cdr:x>0.25833</cdr:x>
+      <cdr:y>0.0264</cdr:y>
+    </cdr:from>
+    <cdr:to>
+      <cdr:x>0.75333</cdr:x>
+      <cdr:y>0.17544</cdr:y>
+    </cdr:to>
+    <cdr:sp macro="" textlink="">
+      <cdr:nvSpPr>
+        <cdr:cNvPr id="2" name="ZoneTexte 1"/>
+        <cdr:cNvSpPr txBox="1"/>
+      </cdr:nvSpPr>
+      <cdr:spPr>
+        <a:xfrm xmlns:a="http://schemas.openxmlformats.org/drawingml/2006/main">
+          <a:off x="1181100" y="91744"/>
+          <a:ext cx="2263140" cy="517856"/>
+        </a:xfrm>
+        <a:prstGeom xmlns:a="http://schemas.openxmlformats.org/drawingml/2006/main" prst="rect">
+          <a:avLst/>
+        </a:prstGeom>
+      </cdr:spPr>
+      <cdr:txBody>
+        <a:bodyPr xmlns:a="http://schemas.openxmlformats.org/drawingml/2006/main" vertOverflow="clip" wrap="none" rtlCol="0"/>
+        <a:lstStyle xmlns:a="http://schemas.openxmlformats.org/drawingml/2006/main"/>
+        <a:p xmlns:a="http://schemas.openxmlformats.org/drawingml/2006/main">
+          <a:pPr algn="ctr"/>
+          <a:r>
+            <a:rPr lang="fr-FR" sz="1200" b="1" u="sng"/>
+            <a:t>Matrice de Positionnement</a:t>
+          </a:r>
+          <a:br>
+            <a:rPr lang="fr-FR" sz="1200" b="1" u="sng"/>
+          </a:br>
+          <a:r>
+            <a:rPr lang="fr-FR" sz="1200" b="1" i="1" u="none"/>
+            <a:t>Première</a:t>
+          </a:r>
+          <a:r>
+            <a:rPr lang="fr-FR" sz="1200" b="1" i="1" u="none" baseline="0"/>
+            <a:t> année</a:t>
+          </a:r>
+          <a:endParaRPr lang="fr-FR" sz="1200" b="1" i="1" u="none"/>
+        </a:p>
+      </cdr:txBody>
+    </cdr:sp>
+  </cdr:relSizeAnchor>
+  <cdr:relSizeAnchor xmlns:cdr="http://schemas.openxmlformats.org/drawingml/2006/chartDrawing">
+    <cdr:from>
+      <cdr:x>0.25833</cdr:x>
+      <cdr:y>0.0264</cdr:y>
+    </cdr:from>
+    <cdr:to>
+      <cdr:x>0.75333</cdr:x>
+      <cdr:y>0.17544</cdr:y>
+    </cdr:to>
+    <cdr:sp macro="" textlink="">
+      <cdr:nvSpPr>
+        <cdr:cNvPr id="3" name="ZoneTexte 1"/>
+        <cdr:cNvSpPr txBox="1"/>
+      </cdr:nvSpPr>
+      <cdr:spPr>
+        <a:xfrm xmlns:a="http://schemas.openxmlformats.org/drawingml/2006/main">
+          <a:off x="1181100" y="91744"/>
+          <a:ext cx="2263140" cy="517856"/>
+        </a:xfrm>
+        <a:prstGeom xmlns:a="http://schemas.openxmlformats.org/drawingml/2006/main" prst="rect">
+          <a:avLst/>
+        </a:prstGeom>
+      </cdr:spPr>
+      <cdr:txBody>
+        <a:bodyPr xmlns:a="http://schemas.openxmlformats.org/drawingml/2006/main" vertOverflow="clip" wrap="none" rtlCol="0"/>
+        <a:lstStyle xmlns:a="http://schemas.openxmlformats.org/drawingml/2006/main"/>
+        <a:p xmlns:a="http://schemas.openxmlformats.org/drawingml/2006/main">
+          <a:pPr algn="ctr"/>
+          <a:r>
+            <a:rPr lang="fr-FR" sz="1200" b="1" u="sng" dirty="0"/>
+            <a:t>Matrice de Positionnement</a:t>
+          </a:r>
+          <a:br>
+            <a:rPr lang="fr-FR" sz="1200" b="1" u="sng" dirty="0"/>
+          </a:br>
+          <a:r>
+            <a:rPr lang="fr-FR" sz="1200" b="1" i="1" u="none" dirty="0"/>
+            <a:t>Première</a:t>
+          </a:r>
+          <a:r>
+            <a:rPr lang="fr-FR" sz="1200" b="1" i="1" u="none" baseline="0" dirty="0"/>
+            <a:t> année</a:t>
+          </a:r>
+          <a:endParaRPr lang="fr-FR" sz="1200" b="1" i="1" u="none" dirty="0"/>
+        </a:p>
+      </cdr:txBody>
+    </cdr:sp>
+  </cdr:relSizeAnchor>
+</c:userShapes>
+</file>
+
+<file path=ppt/drawings/drawing2.xml><?xml version="1.0" encoding="utf-8"?>
+<c:userShapes xmlns:c="http://schemas.openxmlformats.org/drawingml/2006/chart">
+  <cdr:relSizeAnchor xmlns:cdr="http://schemas.openxmlformats.org/drawingml/2006/chartDrawing">
+    <cdr:from>
+      <cdr:x>0.27666</cdr:x>
+      <cdr:y>0.0264</cdr:y>
+    </cdr:from>
+    <cdr:to>
+      <cdr:x>0.77166</cdr:x>
+      <cdr:y>0.17544</cdr:y>
+    </cdr:to>
+    <cdr:sp macro="" textlink="">
+      <cdr:nvSpPr>
+        <cdr:cNvPr id="3" name="ZoneTexte 1"/>
+        <cdr:cNvSpPr txBox="1"/>
+      </cdr:nvSpPr>
+      <cdr:spPr>
+        <a:xfrm xmlns:a="http://schemas.openxmlformats.org/drawingml/2006/main">
+          <a:off x="1264905" y="91733"/>
+          <a:ext cx="2263140" cy="517872"/>
+        </a:xfrm>
+        <a:prstGeom xmlns:a="http://schemas.openxmlformats.org/drawingml/2006/main" prst="rect">
+          <a:avLst/>
+        </a:prstGeom>
+      </cdr:spPr>
+      <cdr:txBody>
+        <a:bodyPr xmlns:a="http://schemas.openxmlformats.org/drawingml/2006/main" vertOverflow="clip" wrap="none" rtlCol="0"/>
+        <a:lstStyle xmlns:a="http://schemas.openxmlformats.org/drawingml/2006/main"/>
+        <a:p xmlns:a="http://schemas.openxmlformats.org/drawingml/2006/main">
+          <a:pPr algn="ctr"/>
+          <a:r>
+            <a:rPr lang="fr-FR" sz="1200" b="1" u="sng"/>
+            <a:t>Matrice de Positionnement</a:t>
+          </a:r>
+          <a:br>
+            <a:rPr lang="fr-FR" sz="1200" b="1" u="sng"/>
+          </a:br>
+          <a:r>
+            <a:rPr lang="fr-FR" sz="1200" b="1" i="1" u="none"/>
+            <a:t>Troisième </a:t>
+          </a:r>
+          <a:r>
+            <a:rPr lang="fr-FR" sz="1200" b="1" i="1" u="none" baseline="0"/>
+            <a:t>année</a:t>
+          </a:r>
+          <a:endParaRPr lang="fr-FR" sz="1200" b="1" i="1" u="none"/>
+        </a:p>
+      </cdr:txBody>
+    </cdr:sp>
+  </cdr:relSizeAnchor>
+</c:userShapes>
 </file>
 
 <file path=ppt/handoutMasters/handoutMaster1.xml><?xml version="1.0" encoding="utf-8"?>
@@ -292,7 +1091,7 @@
           <a:p>
             <a:fld id="{7389528D-4B2C-442D-95AF-6F2718DDDDAD}" type="datetimeFigureOut">
               <a:rPr lang="fr-FR" smtClean="0"/>
-              <a:t>14/05/2016</a:t>
+              <a:t>16/05/2016</a:t>
             </a:fld>
             <a:endParaRPr lang="fr-FR"/>
           </a:p>
@@ -483,7 +1282,7 @@
               <a:pPr>
                 <a:defRPr/>
               </a:pPr>
-              <a:t>14/05/2016</a:t>
+              <a:t>16/05/2016</a:t>
             </a:fld>
             <a:endParaRPr lang="fr-FR"/>
           </a:p>
@@ -548,38 +1347,37 @@
           <a:p>
             <a:pPr lvl="0"/>
             <a:r>
-              <a:rPr lang="fr-FR" noProof="0" smtClean="0"/>
+              <a:rPr lang="fr-FR" noProof="0"/>
               <a:t>Modifiez les styles du texte du masque</a:t>
             </a:r>
           </a:p>
           <a:p>
             <a:pPr lvl="1"/>
             <a:r>
-              <a:rPr lang="fr-FR" noProof="0" smtClean="0"/>
+              <a:rPr lang="fr-FR" noProof="0"/>
               <a:t>Deuxième niveau</a:t>
             </a:r>
           </a:p>
           <a:p>
             <a:pPr lvl="2"/>
             <a:r>
-              <a:rPr lang="fr-FR" noProof="0" smtClean="0"/>
+              <a:rPr lang="fr-FR" noProof="0"/>
               <a:t>Troisième niveau</a:t>
             </a:r>
           </a:p>
           <a:p>
             <a:pPr lvl="3"/>
             <a:r>
-              <a:rPr lang="fr-FR" noProof="0" smtClean="0"/>
+              <a:rPr lang="fr-FR" noProof="0"/>
               <a:t>Quatrième niveau</a:t>
             </a:r>
           </a:p>
           <a:p>
             <a:pPr lvl="4"/>
             <a:r>
-              <a:rPr lang="fr-FR" noProof="0" smtClean="0"/>
+              <a:rPr lang="fr-FR" noProof="0"/>
               <a:t>Cinquième niveau</a:t>
             </a:r>
-            <a:endParaRPr lang="fr-FR" noProof="0"/>
           </a:p>
         </p:txBody>
       </p:sp>
@@ -906,7 +1704,7 @@
           </a:lstStyle>
           <a:p>
             <a:r>
-              <a:rPr lang="fr-FR" smtClean="0"/>
+              <a:rPr lang="fr-FR"/>
               <a:t>Modifiez le style du titre</a:t>
             </a:r>
             <a:endParaRPr lang="fr-FR" dirty="0"/>
@@ -1047,13 +1845,6 @@
   <p:clrMapOvr>
     <a:masterClrMapping/>
   </p:clrMapOvr>
-  <p:timing>
-    <p:tnLst>
-      <p:par>
-        <p:cTn id="1" dur="indefinite" restart="never" nodeType="tmRoot"/>
-      </p:par>
-    </p:tnLst>
-  </p:timing>
 </p:sldLayout>
 </file>
 
@@ -1199,10 +1990,9 @@
           </a:lstStyle>
           <a:p>
             <a:r>
-              <a:rPr lang="fr-FR" dirty="0" smtClean="0"/>
+              <a:rPr lang="fr-FR" dirty="0"/>
               <a:t>Modifiez le style du titre</a:t>
             </a:r>
-            <a:endParaRPr lang="fr-FR" dirty="0"/>
           </a:p>
         </p:txBody>
       </p:sp>
@@ -1247,21 +2037,21 @@
           <a:p>
             <a:pPr lvl="0"/>
             <a:r>
-              <a:rPr lang="fr-FR" smtClean="0"/>
+              <a:rPr lang="fr-FR"/>
               <a:t>Modifiez les styles du texte du masque</a:t>
             </a:r>
           </a:p>
           <a:p>
             <a:pPr lvl="1"/>
             <a:r>
-              <a:rPr lang="fr-FR" dirty="0" smtClean="0"/>
+              <a:rPr lang="fr-FR" dirty="0"/>
               <a:t>Deuxième niveau</a:t>
             </a:r>
           </a:p>
           <a:p>
             <a:pPr lvl="2"/>
             <a:r>
-              <a:rPr lang="fr-FR" dirty="0" smtClean="0"/>
+              <a:rPr lang="fr-FR" dirty="0"/>
               <a:t>Troisième niveau</a:t>
             </a:r>
           </a:p>
@@ -1272,13 +2062,6 @@
   <p:clrMapOvr>
     <a:masterClrMapping/>
   </p:clrMapOvr>
-  <p:timing>
-    <p:tnLst>
-      <p:par>
-        <p:cTn id="1" dur="indefinite" restart="never" nodeType="tmRoot"/>
-      </p:par>
-    </p:tnLst>
-  </p:timing>
 </p:sldLayout>
 </file>
 
@@ -1439,7 +2222,7 @@
           <a:lstStyle/>
           <a:p>
             <a:r>
-              <a:rPr lang="fr-FR" sz="1100" kern="1200" cap="none" baseline="0" dirty="0" smtClean="0">
+              <a:rPr lang="fr-FR" sz="1100" kern="1200" cap="none" baseline="0" dirty="0">
                 <a:solidFill>
                   <a:schemeClr val="accent5"/>
                 </a:solidFill>
@@ -1452,7 +2235,7 @@
           </a:p>
           <a:p>
             <a:r>
-              <a:rPr lang="fr-FR" sz="1100" kern="1200" cap="none" baseline="0" dirty="0" smtClean="0">
+              <a:rPr lang="fr-FR" sz="1100" kern="1200" cap="none" baseline="0" dirty="0">
                 <a:solidFill>
                   <a:schemeClr val="accent5"/>
                 </a:solidFill>
@@ -1463,7 +2246,7 @@
               <a:t>Briséis Varin – Adrien Mau – Killian </a:t>
             </a:r>
             <a:r>
-              <a:rPr lang="fr-FR" sz="1100" kern="1200" cap="none" baseline="0" dirty="0" err="1" smtClean="0">
+              <a:rPr lang="fr-FR" sz="1100" kern="1200" cap="none" baseline="0" dirty="0" err="1">
                 <a:solidFill>
                   <a:schemeClr val="accent5"/>
                 </a:solidFill>
@@ -1474,7 +2257,7 @@
               <a:t>Herveau</a:t>
             </a:r>
             <a:r>
-              <a:rPr lang="fr-FR" sz="1100" kern="1200" cap="none" baseline="0" dirty="0" smtClean="0">
+              <a:rPr lang="fr-FR" sz="1100" kern="1200" cap="none" baseline="0" dirty="0">
                 <a:solidFill>
                   <a:schemeClr val="accent5"/>
                 </a:solidFill>
@@ -1484,14 +2267,6 @@
               </a:rPr>
               <a:t> – Philémon Giraud</a:t>
             </a:r>
-            <a:endParaRPr lang="fr-FR" sz="1100" kern="1200" cap="none" baseline="0" dirty="0">
-              <a:solidFill>
-                <a:schemeClr val="accent5"/>
-              </a:solidFill>
-              <a:latin typeface="+mn-lt"/>
-              <a:ea typeface="+mn-ea"/>
-              <a:cs typeface="+mn-cs"/>
-            </a:endParaRPr>
           </a:p>
         </p:txBody>
       </p:sp>
@@ -1543,13 +2318,6 @@
     <p:sldLayoutId id="2147483682" r:id="rId1"/>
     <p:sldLayoutId id="2147483675" r:id="rId2"/>
   </p:sldLayoutIdLst>
-  <p:timing>
-    <p:tnLst>
-      <p:par>
-        <p:cTn id="1" dur="indefinite" restart="never" nodeType="tmRoot"/>
-      </p:par>
-    </p:tnLst>
-  </p:timing>
   <p:hf hdr="0" dt="0"/>
   <p:txStyles>
     <p:titleStyle>
@@ -1982,21 +2750,16 @@
           <a:lstStyle/>
           <a:p>
             <a:r>
-              <a:rPr lang="fr-FR" dirty="0" smtClean="0"/>
-              <a:t>Business </a:t>
-            </a:r>
-            <a:r>
-              <a:rPr lang="fr-FR" dirty="0" smtClean="0"/>
-              <a:t>plan 2016 –</a:t>
+              <a:rPr lang="fr-FR" dirty="0"/>
+              <a:t>Business plan 2016 –</a:t>
             </a:r>
             <a:br>
-              <a:rPr lang="fr-FR" dirty="0" smtClean="0"/>
+              <a:rPr lang="fr-FR" dirty="0"/>
             </a:br>
             <a:r>
-              <a:rPr lang="fr-FR" dirty="0" smtClean="0"/>
+              <a:rPr lang="fr-FR" dirty="0"/>
               <a:t>Création de l’entreprise</a:t>
             </a:r>
-            <a:endParaRPr lang="fr-FR" dirty="0"/>
           </a:p>
         </p:txBody>
       </p:sp>
@@ -2075,13 +2838,6 @@
   <p:clrMapOvr>
     <a:masterClrMapping/>
   </p:clrMapOvr>
-  <p:timing>
-    <p:tnLst>
-      <p:par>
-        <p:cTn id="1" dur="indefinite" restart="never" nodeType="tmRoot"/>
-      </p:par>
-    </p:tnLst>
-  </p:timing>
 </p:sld>
 </file>
 
@@ -2118,23 +2874,11 @@
           <a:lstStyle/>
           <a:p>
             <a:fld id="{AF5033CA-5AE6-4050-846C-3380E9744264}" type="slidenum">
-              <a:rPr lang="fr-FR" smtClean="0">
-                <a:solidFill>
-                  <a:prstClr val="black">
-                    <a:tint val="75000"/>
-                  </a:prstClr>
-                </a:solidFill>
-              </a:rPr>
+              <a:rPr lang="fr-FR" smtClean="0"/>
               <a:pPr/>
               <a:t>10</a:t>
             </a:fld>
-            <a:endParaRPr lang="fr-FR" dirty="0">
-              <a:solidFill>
-                <a:prstClr val="black">
-                  <a:tint val="75000"/>
-                </a:prstClr>
-              </a:solidFill>
-            </a:endParaRPr>
+            <a:endParaRPr lang="fr-FR" dirty="0"/>
           </a:p>
         </p:txBody>
       </p:sp>
@@ -2153,11 +2897,11 @@
           <a:bodyPr/>
           <a:lstStyle/>
           <a:p>
-            <a:r>
-              <a:rPr lang="fr-FR" sz="2800" dirty="0" smtClean="0"/>
-              <a:t>Développement</a:t>
-            </a:r>
-            <a:endParaRPr lang="fr-FR" sz="2800" dirty="0"/>
+            <a:pPr algn="ctr"/>
+            <a:r>
+              <a:rPr lang="fr-FR" sz="3200" dirty="0"/>
+              <a:t>Communication</a:t>
+            </a:r>
           </a:p>
         </p:txBody>
       </p:sp>
@@ -2171,165 +2915,87 @@
             <p:ph sz="quarter" idx="19"/>
           </p:nvPr>
         </p:nvSpPr>
-        <p:spPr>
-          <a:xfrm>
-            <a:off x="683568" y="1700808"/>
-            <a:ext cx="8784976" cy="4680520"/>
-          </a:xfrm>
-        </p:spPr>
+        <p:spPr/>
         <p:txBody>
           <a:bodyPr/>
           <a:lstStyle/>
           <a:p>
-            <a:r>
-              <a:rPr lang="fr-FR" sz="2000" u="sng" dirty="0" smtClean="0">
-                <a:sym typeface="Wingdings" panose="05000000000000000000" pitchFamily="2" charset="2"/>
-              </a:rPr>
-              <a:t>Troisième année:</a:t>
-            </a:r>
-          </a:p>
-          <a:p>
-            <a:pPr marL="0" indent="0">
-              <a:buNone/>
+            <a:pPr>
+              <a:lnSpc>
+                <a:spcPct val="150000"/>
+              </a:lnSpc>
             </a:pPr>
             <a:r>
-              <a:rPr lang="fr-FR" sz="1800" dirty="0" smtClean="0">
-                <a:sym typeface="Wingdings" panose="05000000000000000000" pitchFamily="2" charset="2"/>
-              </a:rPr>
-              <a:t>	</a:t>
-            </a:r>
-          </a:p>
-          <a:p>
-            <a:pPr marL="0" indent="0">
-              <a:buNone/>
+              <a:rPr lang="fr-FR" sz="2400" dirty="0"/>
+              <a:t>Cible : </a:t>
+            </a:r>
+            <a:r>
+              <a:rPr lang="fr-FR" sz="2400" b="0" dirty="0"/>
+              <a:t>Chercheur</a:t>
+            </a:r>
+            <a:endParaRPr lang="fr-FR" sz="2000" dirty="0"/>
+          </a:p>
+          <a:p>
+            <a:pPr marL="1093787" lvl="1" indent="-285750">
+              <a:lnSpc>
+                <a:spcPct val="150000"/>
+              </a:lnSpc>
+              <a:buFontTx/>
+              <a:buChar char="-"/>
             </a:pPr>
             <a:r>
-              <a:rPr lang="fr-FR" sz="2000" dirty="0" smtClean="0">
-                <a:sym typeface="Wingdings" panose="05000000000000000000" pitchFamily="2" charset="2"/>
-              </a:rPr>
-              <a:t>Développement de nouveaux logiciels</a:t>
-            </a:r>
-          </a:p>
-          <a:p>
-            <a:pPr marL="0" indent="0">
-              <a:buNone/>
+              <a:rPr lang="fr-FR" sz="2000" dirty="0"/>
+              <a:t>Conférences</a:t>
+            </a:r>
+          </a:p>
+          <a:p>
+            <a:pPr marL="1093787" lvl="1" indent="-285750">
+              <a:lnSpc>
+                <a:spcPct val="150000"/>
+              </a:lnSpc>
+              <a:buFontTx/>
+              <a:buChar char="-"/>
             </a:pPr>
             <a:r>
-              <a:rPr lang="fr-FR" sz="2000" dirty="0" smtClean="0">
-                <a:sym typeface="Wingdings" panose="05000000000000000000" pitchFamily="2" charset="2"/>
-              </a:rPr>
-              <a:t>Etudes des nouvelles technologies émergentes…</a:t>
-            </a:r>
-          </a:p>
-          <a:p>
-            <a:pPr marL="0" indent="0">
-              <a:buNone/>
+              <a:rPr lang="fr-FR" sz="2000" dirty="0"/>
+              <a:t>Publications scientifiques</a:t>
+            </a:r>
+          </a:p>
+          <a:p>
+            <a:pPr marL="1093787" lvl="1" indent="-285750">
+              <a:lnSpc>
+                <a:spcPct val="150000"/>
+              </a:lnSpc>
+              <a:buFontTx/>
+              <a:buChar char="-"/>
             </a:pPr>
             <a:r>
-              <a:rPr lang="fr-FR" sz="2000" dirty="0" smtClean="0">
-                <a:sym typeface="Wingdings" panose="05000000000000000000" pitchFamily="2" charset="2"/>
-              </a:rPr>
-              <a:t>On vend de plus en plus de licences</a:t>
-            </a:r>
-            <a:endParaRPr lang="fr-FR" sz="1800" dirty="0">
-              <a:sym typeface="Wingdings" panose="05000000000000000000" pitchFamily="2" charset="2"/>
-            </a:endParaRPr>
-          </a:p>
-          <a:p>
-            <a:pPr marL="0" indent="0">
-              <a:buNone/>
+              <a:rPr lang="fr-FR" sz="2000" dirty="0"/>
+              <a:t>Pubs dans les revues scientifiques (Nature…)</a:t>
+            </a:r>
+          </a:p>
+          <a:p>
+            <a:pPr marL="1093787" lvl="1" indent="-285750">
+              <a:lnSpc>
+                <a:spcPct val="150000"/>
+              </a:lnSpc>
+              <a:buFontTx/>
+              <a:buChar char="-"/>
             </a:pPr>
-            <a:endParaRPr lang="fr-FR" sz="2000" dirty="0" smtClean="0">
-              <a:sym typeface="Wingdings" panose="05000000000000000000" pitchFamily="2" charset="2"/>
-            </a:endParaRPr>
-          </a:p>
-          <a:p>
-            <a:pPr marL="0" indent="0">
-              <a:buNone/>
-            </a:pPr>
-            <a:r>
-              <a:rPr lang="fr-FR" sz="2000" dirty="0" smtClean="0">
-                <a:sym typeface="Wingdings" panose="05000000000000000000" pitchFamily="2" charset="2"/>
-              </a:rPr>
-              <a:t>Partenariat avec l’un des </a:t>
-            </a:r>
-            <a:r>
-              <a:rPr lang="fr-FR" sz="2000" i="1" dirty="0" err="1" smtClean="0">
-                <a:sym typeface="Wingdings" panose="05000000000000000000" pitchFamily="2" charset="2"/>
-              </a:rPr>
-              <a:t>Big</a:t>
-            </a:r>
-            <a:r>
-              <a:rPr lang="fr-FR" sz="2000" i="1" dirty="0" smtClean="0">
-                <a:sym typeface="Wingdings" panose="05000000000000000000" pitchFamily="2" charset="2"/>
-              </a:rPr>
-              <a:t> Four </a:t>
-            </a:r>
-            <a:r>
-              <a:rPr lang="fr-FR" sz="2000" dirty="0" smtClean="0">
-                <a:sym typeface="Wingdings" panose="05000000000000000000" pitchFamily="2" charset="2"/>
-              </a:rPr>
-              <a:t>?</a:t>
-            </a:r>
-            <a:endParaRPr lang="fr-FR" sz="2000" dirty="0">
-              <a:sym typeface="Wingdings" panose="05000000000000000000" pitchFamily="2" charset="2"/>
-            </a:endParaRPr>
-          </a:p>
-          <a:p>
-            <a:endParaRPr lang="fr-FR" sz="2000" dirty="0" smtClean="0">
-              <a:sym typeface="Wingdings" panose="05000000000000000000" pitchFamily="2" charset="2"/>
-            </a:endParaRPr>
-          </a:p>
-          <a:p>
-            <a:endParaRPr lang="fr-FR" sz="2000" dirty="0">
-              <a:sym typeface="Wingdings" panose="05000000000000000000" pitchFamily="2" charset="2"/>
-            </a:endParaRPr>
-          </a:p>
-          <a:p>
-            <a:endParaRPr lang="fr-FR" sz="2000" dirty="0" smtClean="0">
-              <a:sym typeface="Wingdings" panose="05000000000000000000" pitchFamily="2" charset="2"/>
-            </a:endParaRPr>
-          </a:p>
-          <a:p>
-            <a:pPr marL="0" indent="0" algn="ctr">
-              <a:buNone/>
-            </a:pPr>
-            <a:endParaRPr lang="fr-FR" sz="2000" dirty="0" smtClean="0">
-              <a:sym typeface="Wingdings" panose="05000000000000000000" pitchFamily="2" charset="2"/>
-            </a:endParaRPr>
-          </a:p>
-          <a:p>
-            <a:pPr marL="0" indent="0">
-              <a:buNone/>
-            </a:pPr>
-            <a:r>
-              <a:rPr lang="fr-FR" sz="2000" dirty="0">
-                <a:solidFill>
-                  <a:srgbClr val="0070C0"/>
-                </a:solidFill>
-                <a:sym typeface="Wingdings" panose="05000000000000000000" pitchFamily="2" charset="2"/>
-              </a:rPr>
-              <a:t>	</a:t>
-            </a:r>
-            <a:endParaRPr lang="fr-FR" sz="2000" dirty="0">
-              <a:sym typeface="Wingdings" panose="05000000000000000000" pitchFamily="2" charset="2"/>
-            </a:endParaRPr>
-          </a:p>
-          <a:p>
-            <a:endParaRPr lang="fr-FR" sz="2000" dirty="0" smtClean="0">
-              <a:sym typeface="Wingdings" panose="05000000000000000000" pitchFamily="2" charset="2"/>
-            </a:endParaRPr>
-          </a:p>
-          <a:p>
-            <a:endParaRPr lang="fr-FR" sz="2000" dirty="0" smtClean="0">
-              <a:sym typeface="Wingdings" panose="05000000000000000000" pitchFamily="2" charset="2"/>
-            </a:endParaRPr>
+            <a:r>
+              <a:rPr lang="fr-FR" sz="2000" dirty="0"/>
+              <a:t>Flyers dans les congrès scientifiques</a:t>
+            </a:r>
+          </a:p>
+          <a:p>
+            <a:pPr lvl="1"/>
+            <a:endParaRPr lang="fr-FR" sz="2200" dirty="0"/>
           </a:p>
         </p:txBody>
       </p:sp>
       <p:pic>
         <p:nvPicPr>
-          <p:cNvPr id="2050" name="Picture 2" descr="Afficher l'image d'origine"/>
+          <p:cNvPr id="5" name="Picture 2" descr="C:\Users\Phil\Documents\GitHub\PIMS\OppAffaire\Images Diverses\FAR_V_IEW.png"/>
           <p:cNvPicPr>
             <a:picLocks noChangeAspect="1" noChangeArrowheads="1"/>
           </p:cNvPicPr>
@@ -2350,8 +3016,8 @@
         </p:blipFill>
         <p:spPr bwMode="auto">
           <a:xfrm>
-            <a:off x="755576" y="4629336"/>
-            <a:ext cx="2217251" cy="528464"/>
+            <a:off x="8302675" y="38558"/>
+            <a:ext cx="805581" cy="342476"/>
           </a:xfrm>
           <a:prstGeom prst="rect">
             <a:avLst/>
@@ -2370,7 +3036,7 @@
       </p:pic>
       <p:pic>
         <p:nvPicPr>
-          <p:cNvPr id="2051" name="Picture 3"/>
+          <p:cNvPr id="1027" name="Picture 3" descr="E:\Docum\PROJETS ETI MATLAB SOLID\PIMS_Projet\PIMS\OppAffaire\logo-flyer\FAR_V_IEW.png"/>
           <p:cNvPicPr>
             <a:picLocks noChangeAspect="1" noChangeArrowheads="1"/>
           </p:cNvPicPr>
@@ -2391,40 +3057,27 @@
         </p:blipFill>
         <p:spPr bwMode="auto">
           <a:xfrm>
-            <a:off x="3419872" y="4389492"/>
-            <a:ext cx="1070248" cy="1070248"/>
+            <a:off x="539552" y="4437112"/>
+            <a:ext cx="2767012" cy="1176338"/>
           </a:xfrm>
           <a:prstGeom prst="rect">
             <a:avLst/>
           </a:prstGeom>
           <a:noFill/>
-          <a:ln>
-            <a:noFill/>
-          </a:ln>
           <a:extLst>
             <a:ext uri="{909E8E84-426E-40DD-AFC4-6F175D3DCCD1}">
               <a14:hiddenFill xmlns:a14="http://schemas.microsoft.com/office/drawing/2010/main">
                 <a:solidFill>
-                  <a:schemeClr val="accent1"/>
+                  <a:srgbClr val="FFFFFF"/>
                 </a:solidFill>
               </a14:hiddenFill>
-            </a:ext>
-            <a:ext uri="{91240B29-F687-4F45-9708-019B960494DF}">
-              <a14:hiddenLine xmlns:a14="http://schemas.microsoft.com/office/drawing/2010/main" w="9525">
-                <a:solidFill>
-                  <a:schemeClr val="tx1"/>
-                </a:solidFill>
-                <a:miter lim="800000"/>
-                <a:headEnd/>
-                <a:tailEnd/>
-              </a14:hiddenLine>
             </a:ext>
           </a:extLst>
         </p:spPr>
       </p:pic>
       <p:pic>
         <p:nvPicPr>
-          <p:cNvPr id="2054" name="Picture 6" descr="File:Leica Camera logo.svg"/>
+          <p:cNvPr id="1028" name="Picture 4" descr="E:\Docum\PROJETS ETI MATLAB SOLID\PIMS_Projet\PIMS\OppAffaire\logo-flyer\FarView3.png"/>
           <p:cNvPicPr>
             <a:picLocks noChangeAspect="1" noChangeArrowheads="1"/>
           </p:cNvPicPr>
@@ -2445,8 +3098,8 @@
         </p:blipFill>
         <p:spPr bwMode="auto">
           <a:xfrm>
-            <a:off x="4921776" y="4352741"/>
-            <a:ext cx="1162392" cy="1162392"/>
+            <a:off x="5988496" y="3573016"/>
+            <a:ext cx="2399928" cy="2399928"/>
           </a:xfrm>
           <a:prstGeom prst="rect">
             <a:avLst/>
@@ -2463,64 +3116,73 @@
           </a:extLst>
         </p:spPr>
       </p:pic>
-      <p:pic>
-        <p:nvPicPr>
-          <p:cNvPr id="2056" name="Picture 8" descr="Afficher l'image d'origine"/>
-          <p:cNvPicPr>
-            <a:picLocks noChangeAspect="1" noChangeArrowheads="1"/>
-          </p:cNvPicPr>
+      <p:sp>
+        <p:nvSpPr>
+          <p:cNvPr id="8" name="ZoneTexte 7"/>
+          <p:cNvSpPr txBox="1"/>
           <p:nvPr/>
-        </p:nvPicPr>
-        <p:blipFill>
-          <a:blip r:embed="rId5" cstate="print">
-            <a:extLst>
-              <a:ext uri="{28A0092B-C50C-407E-A947-70E740481C1C}">
-                <a14:useLocalDpi xmlns:a14="http://schemas.microsoft.com/office/drawing/2010/main" val="0"/>
-              </a:ext>
-            </a:extLst>
-          </a:blip>
-          <a:srcRect/>
-          <a:stretch>
-            <a:fillRect/>
-          </a:stretch>
-        </p:blipFill>
-        <p:spPr bwMode="auto">
+        </p:nvSpPr>
+        <p:spPr>
           <a:xfrm>
-            <a:off x="6516216" y="4389492"/>
-            <a:ext cx="1070248" cy="1070248"/>
+            <a:off x="1292116" y="5628065"/>
+            <a:ext cx="1261884" cy="369332"/>
           </a:xfrm>
           <a:prstGeom prst="rect">
             <a:avLst/>
           </a:prstGeom>
           <a:noFill/>
-          <a:extLst>
-            <a:ext uri="{909E8E84-426E-40DD-AFC4-6F175D3DCCD1}">
-              <a14:hiddenFill xmlns:a14="http://schemas.microsoft.com/office/drawing/2010/main">
-                <a:solidFill>
-                  <a:srgbClr val="FFFFFF"/>
-                </a:solidFill>
-              </a14:hiddenFill>
-            </a:ext>
-          </a:extLst>
         </p:spPr>
-      </p:pic>
+        <p:txBody>
+          <a:bodyPr wrap="none" rtlCol="0">
+            <a:spAutoFit/>
+          </a:bodyPr>
+          <a:lstStyle/>
+          <a:p>
+            <a:r>
+              <a:rPr lang="fr-FR" dirty="0"/>
+              <a:t>Logo texte</a:t>
+            </a:r>
+          </a:p>
+        </p:txBody>
+      </p:sp>
+      <p:sp>
+        <p:nvSpPr>
+          <p:cNvPr id="9" name="Rectangle 8"/>
+          <p:cNvSpPr/>
+          <p:nvPr/>
+        </p:nvSpPr>
+        <p:spPr>
+          <a:xfrm>
+            <a:off x="6493398" y="5877272"/>
+            <a:ext cx="1390124" cy="369332"/>
+          </a:xfrm>
+          <a:prstGeom prst="rect">
+            <a:avLst/>
+          </a:prstGeom>
+        </p:spPr>
+        <p:txBody>
+          <a:bodyPr wrap="none">
+            <a:spAutoFit/>
+          </a:bodyPr>
+          <a:lstStyle/>
+          <a:p>
+            <a:r>
+              <a:rPr lang="fr-FR" dirty="0"/>
+              <a:t>Logo image</a:t>
+            </a:r>
+          </a:p>
+        </p:txBody>
+      </p:sp>
     </p:spTree>
     <p:extLst>
       <p:ext uri="{BB962C8B-B14F-4D97-AF65-F5344CB8AC3E}">
-        <p14:creationId xmlns:p14="http://schemas.microsoft.com/office/powerpoint/2010/main" val="988134829"/>
+        <p14:creationId xmlns:p14="http://schemas.microsoft.com/office/powerpoint/2010/main" val="2042840286"/>
       </p:ext>
     </p:extLst>
   </p:cSld>
   <p:clrMapOvr>
     <a:masterClrMapping/>
   </p:clrMapOvr>
-  <p:timing>
-    <p:tnLst>
-      <p:par>
-        <p:cTn id="1" dur="indefinite" restart="never" nodeType="tmRoot"/>
-      </p:par>
-    </p:tnLst>
-  </p:timing>
 </p:sld>
 </file>
 
@@ -2580,7 +3242,11 @@
           <a:bodyPr/>
           <a:lstStyle/>
           <a:p>
-            <a:endParaRPr lang="fr-FR" dirty="0"/>
+            <a:pPr algn="ctr"/>
+            <a:r>
+              <a:rPr lang="fr-FR" sz="3200" dirty="0"/>
+              <a:t>Communication</a:t>
+            </a:r>
           </a:p>
         </p:txBody>
       </p:sp>
@@ -2599,31 +3265,90 @@
           <a:bodyPr/>
           <a:lstStyle/>
           <a:p>
-            <a:endParaRPr lang="fr-FR"/>
+            <a:pPr>
+              <a:lnSpc>
+                <a:spcPct val="150000"/>
+              </a:lnSpc>
+            </a:pPr>
+            <a:r>
+              <a:rPr lang="fr-FR" sz="2400" dirty="0"/>
+              <a:t>Site internet :</a:t>
+            </a:r>
+          </a:p>
+          <a:p>
+            <a:pPr lvl="1">
+              <a:lnSpc>
+                <a:spcPct val="150000"/>
+              </a:lnSpc>
+            </a:pPr>
+            <a:r>
+              <a:rPr lang="fr-FR" sz="2200" dirty="0"/>
+              <a:t>Exemples</a:t>
+            </a:r>
+          </a:p>
+          <a:p>
+            <a:pPr lvl="1">
+              <a:lnSpc>
+                <a:spcPct val="150000"/>
+              </a:lnSpc>
+            </a:pPr>
+            <a:r>
+              <a:rPr lang="fr-FR" sz="2200" dirty="0"/>
+              <a:t>Témoignages</a:t>
+            </a:r>
+          </a:p>
+          <a:p>
+            <a:pPr lvl="1">
+              <a:lnSpc>
+                <a:spcPct val="150000"/>
+              </a:lnSpc>
+            </a:pPr>
+            <a:r>
+              <a:rPr lang="fr-FR" sz="2200" dirty="0"/>
+              <a:t>Version de démonstration</a:t>
+            </a:r>
+          </a:p>
+          <a:p>
+            <a:pPr lvl="1">
+              <a:lnSpc>
+                <a:spcPct val="150000"/>
+              </a:lnSpc>
+            </a:pPr>
+            <a:r>
+              <a:rPr lang="fr-FR" sz="2200" dirty="0"/>
+              <a:t>Forum</a:t>
+            </a:r>
+          </a:p>
+          <a:p>
+            <a:pPr lvl="1">
+              <a:lnSpc>
+                <a:spcPct val="150000"/>
+              </a:lnSpc>
+            </a:pPr>
+            <a:r>
+              <a:rPr lang="fr-FR" sz="2200" dirty="0"/>
+              <a:t>Retour des clients</a:t>
+            </a:r>
+          </a:p>
+          <a:p>
+            <a:endParaRPr lang="fr-FR" dirty="0"/>
           </a:p>
         </p:txBody>
       </p:sp>
     </p:spTree>
     <p:extLst>
       <p:ext uri="{BB962C8B-B14F-4D97-AF65-F5344CB8AC3E}">
-        <p14:creationId xmlns:p14="http://schemas.microsoft.com/office/powerpoint/2010/main" val="2711643340"/>
+        <p14:creationId xmlns:p14="http://schemas.microsoft.com/office/powerpoint/2010/main" val="1060390654"/>
       </p:ext>
     </p:extLst>
   </p:cSld>
   <p:clrMapOvr>
     <a:masterClrMapping/>
   </p:clrMapOvr>
-  <p:timing>
-    <p:tnLst>
-      <p:par>
-        <p:cTn id="1" dur="indefinite" restart="never" nodeType="tmRoot"/>
-      </p:par>
-    </p:tnLst>
-  </p:timing>
 </p:sld>
 </file>
 
-<file path=ppt/slides/slide2.xml><?xml version="1.0" encoding="utf-8"?>
+<file path=ppt/slides/slide12.xml><?xml version="1.0" encoding="utf-8"?>
 <p:sld xmlns:a="http://schemas.openxmlformats.org/drawingml/2006/main" xmlns:r="http://schemas.openxmlformats.org/officeDocument/2006/relationships" xmlns:p="http://schemas.openxmlformats.org/presentationml/2006/main">
   <p:cSld>
     <p:spTree>
@@ -2656,11 +3381,46 @@
           <a:lstStyle/>
           <a:p>
             <a:fld id="{AF5033CA-5AE6-4050-846C-3380E9744264}" type="slidenum">
-              <a:rPr lang="fr-FR" smtClean="0"/>
+              <a:rPr lang="fr-FR" smtClean="0">
+                <a:solidFill>
+                  <a:prstClr val="black">
+                    <a:tint val="75000"/>
+                  </a:prstClr>
+                </a:solidFill>
+              </a:rPr>
               <a:pPr/>
-              <a:t>2</a:t>
+              <a:t>12</a:t>
             </a:fld>
-            <a:endParaRPr lang="fr-FR" dirty="0"/>
+            <a:endParaRPr lang="fr-FR" dirty="0">
+              <a:solidFill>
+                <a:prstClr val="black">
+                  <a:tint val="75000"/>
+                </a:prstClr>
+              </a:solidFill>
+            </a:endParaRPr>
+          </a:p>
+        </p:txBody>
+      </p:sp>
+      <p:sp>
+        <p:nvSpPr>
+          <p:cNvPr id="3" name="Titre 2"/>
+          <p:cNvSpPr>
+            <a:spLocks noGrp="1"/>
+          </p:cNvSpPr>
+          <p:nvPr>
+            <p:ph type="title"/>
+          </p:nvPr>
+        </p:nvSpPr>
+        <p:spPr/>
+        <p:txBody>
+          <a:bodyPr/>
+          <a:lstStyle/>
+          <a:p>
+            <a:pPr algn="ctr"/>
+            <a:r>
+              <a:rPr lang="fr-FR" sz="3200" dirty="0"/>
+              <a:t>Prix et vente</a:t>
+            </a:r>
           </a:p>
         </p:txBody>
       </p:sp>
@@ -2674,149 +3434,293 @@
             <p:ph sz="quarter" idx="19"/>
           </p:nvPr>
         </p:nvSpPr>
-        <p:spPr/>
+        <p:spPr>
+          <a:xfrm>
+            <a:off x="179512" y="1484784"/>
+            <a:ext cx="8784976" cy="4680520"/>
+          </a:xfrm>
+        </p:spPr>
         <p:txBody>
           <a:bodyPr/>
           <a:lstStyle/>
           <a:p>
-            <a:pPr marL="0" indent="0" algn="ctr">
+            <a:r>
+              <a:rPr lang="fr-FR" sz="2000" dirty="0">
+                <a:sym typeface="Wingdings" panose="05000000000000000000" pitchFamily="2" charset="2"/>
+              </a:rPr>
+              <a:t>Technologie dernier cri : prix élevé</a:t>
+            </a:r>
+          </a:p>
+          <a:p>
+            <a:endParaRPr lang="fr-FR" sz="2000" dirty="0">
+              <a:sym typeface="Wingdings" panose="05000000000000000000" pitchFamily="2" charset="2"/>
+            </a:endParaRPr>
+          </a:p>
+          <a:p>
+            <a:endParaRPr lang="fr-FR" sz="2000" dirty="0">
+              <a:sym typeface="Wingdings" panose="05000000000000000000" pitchFamily="2" charset="2"/>
+            </a:endParaRPr>
+          </a:p>
+          <a:p>
+            <a:endParaRPr lang="fr-FR" sz="2000" dirty="0">
+              <a:sym typeface="Wingdings" panose="05000000000000000000" pitchFamily="2" charset="2"/>
+            </a:endParaRPr>
+          </a:p>
+          <a:p>
+            <a:endParaRPr lang="fr-FR" sz="2000" dirty="0">
+              <a:sym typeface="Wingdings" panose="05000000000000000000" pitchFamily="2" charset="2"/>
+            </a:endParaRPr>
+          </a:p>
+          <a:p>
+            <a:endParaRPr lang="fr-FR" sz="2000" dirty="0">
+              <a:sym typeface="Wingdings" panose="05000000000000000000" pitchFamily="2" charset="2"/>
+            </a:endParaRPr>
+          </a:p>
+          <a:p>
+            <a:endParaRPr lang="fr-FR" sz="2000" dirty="0">
+              <a:sym typeface="Wingdings" panose="05000000000000000000" pitchFamily="2" charset="2"/>
+            </a:endParaRPr>
+          </a:p>
+          <a:p>
+            <a:pPr marL="0" indent="0">
               <a:buNone/>
             </a:pPr>
-            <a:endParaRPr lang="fr-FR" sz="2000" dirty="0" smtClean="0"/>
-          </a:p>
-          <a:p>
-            <a:pPr marL="0" indent="0" algn="ctr">
-              <a:buNone/>
-            </a:pPr>
-            <a:endParaRPr lang="fr-FR" sz="2000" dirty="0"/>
-          </a:p>
-          <a:p>
-            <a:pPr marL="0" indent="0" algn="ctr">
-              <a:buNone/>
-            </a:pPr>
-            <a:endParaRPr lang="fr-FR" sz="2000" dirty="0" smtClean="0"/>
-          </a:p>
-          <a:p>
-            <a:pPr marL="0" indent="0" algn="ctr">
-              <a:buNone/>
-            </a:pPr>
-            <a:endParaRPr lang="fr-FR" sz="2000" dirty="0"/>
-          </a:p>
-          <a:p>
-            <a:pPr marL="0" indent="0" algn="ctr">
-              <a:buNone/>
-            </a:pPr>
-            <a:r>
-              <a:rPr lang="fr-FR" sz="2000" dirty="0" smtClean="0"/>
-              <a:t>Plan</a:t>
-            </a:r>
-          </a:p>
-          <a:p>
-            <a:endParaRPr lang="fr-FR" sz="2000" dirty="0"/>
-          </a:p>
-          <a:p>
-            <a:pPr marL="0" indent="0" algn="ctr">
-              <a:buNone/>
-            </a:pPr>
-            <a:r>
-              <a:rPr lang="fr-FR" sz="2000" dirty="0" smtClean="0"/>
-              <a:t>I/ Présentation du contexte et de FarView</a:t>
-            </a:r>
-          </a:p>
-          <a:p>
-            <a:pPr marL="0" indent="0" algn="ctr">
-              <a:buNone/>
-            </a:pPr>
-            <a:endParaRPr lang="fr-FR" sz="2000" dirty="0"/>
-          </a:p>
-          <a:p>
-            <a:pPr marL="0" indent="0" algn="ctr">
-              <a:buNone/>
-            </a:pPr>
-            <a:r>
-              <a:rPr lang="fr-FR" sz="2000" dirty="0" smtClean="0"/>
-              <a:t>II/ Etude de marché</a:t>
-            </a:r>
-          </a:p>
-          <a:p>
-            <a:pPr marL="0" indent="0" algn="ctr">
-              <a:buNone/>
-            </a:pPr>
-            <a:endParaRPr lang="fr-FR" sz="2000" dirty="0"/>
-          </a:p>
-          <a:p>
-            <a:pPr marL="0" indent="0" algn="ctr">
-              <a:buNone/>
-            </a:pPr>
-            <a:r>
-              <a:rPr lang="fr-FR" sz="2000" dirty="0" smtClean="0"/>
-              <a:t>III/ Stratégie</a:t>
-            </a:r>
+            <a:endParaRPr lang="fr-FR" sz="2000" dirty="0">
+              <a:sym typeface="Wingdings" panose="05000000000000000000" pitchFamily="2" charset="2"/>
+            </a:endParaRPr>
+          </a:p>
+          <a:p>
+            <a:r>
+              <a:rPr lang="fr-FR" sz="2000" dirty="0">
+                <a:sym typeface="Wingdings" panose="05000000000000000000" pitchFamily="2" charset="2"/>
+              </a:rPr>
+              <a:t>Promotions pour les premiers clients !</a:t>
+            </a:r>
+          </a:p>
+          <a:p>
+            <a:r>
+              <a:rPr lang="fr-FR" sz="2000" dirty="0">
+                <a:sym typeface="Wingdings" panose="05000000000000000000" pitchFamily="2" charset="2"/>
+              </a:rPr>
+              <a:t>Promotions pour les partenaires fournissant des mesures au microscope.</a:t>
+            </a:r>
+          </a:p>
+          <a:p>
+            <a:endParaRPr lang="fr-FR" sz="2000" dirty="0">
+              <a:sym typeface="Wingdings" panose="05000000000000000000" pitchFamily="2" charset="2"/>
+            </a:endParaRPr>
+          </a:p>
+          <a:p>
+            <a:endParaRPr lang="fr-FR" sz="2000" dirty="0">
+              <a:sym typeface="Wingdings" panose="05000000000000000000" pitchFamily="2" charset="2"/>
+            </a:endParaRPr>
+          </a:p>
+          <a:p>
+            <a:endParaRPr lang="fr-FR" sz="2000" dirty="0">
+              <a:sym typeface="Wingdings" panose="05000000000000000000" pitchFamily="2" charset="2"/>
+            </a:endParaRPr>
           </a:p>
         </p:txBody>
       </p:sp>
-      <p:pic>
-        <p:nvPicPr>
-          <p:cNvPr id="1026" name="Picture 2" descr="C:\Users\Phil\Documents\GitHub\PIMS\OppAffaire\logo-flyer\FarView3.jpg"/>
-          <p:cNvPicPr>
-            <a:picLocks noChangeAspect="1" noChangeArrowheads="1"/>
-          </p:cNvPicPr>
-          <p:nvPr/>
-        </p:nvPicPr>
-        <p:blipFill>
-          <a:blip r:embed="rId2" cstate="print">
-            <a:extLst>
-              <a:ext uri="{28A0092B-C50C-407E-A947-70E740481C1C}">
-                <a14:useLocalDpi xmlns:a14="http://schemas.microsoft.com/office/drawing/2010/main" val="0"/>
-              </a:ext>
-            </a:extLst>
-          </a:blip>
-          <a:srcRect/>
-          <a:stretch>
-            <a:fillRect/>
-          </a:stretch>
-        </p:blipFill>
-        <p:spPr bwMode="auto">
-          <a:xfrm>
-            <a:off x="3707904" y="764704"/>
-            <a:ext cx="1835225" cy="1835225"/>
-          </a:xfrm>
-          <a:prstGeom prst="rect">
-            <a:avLst/>
-          </a:prstGeom>
-          <a:noFill/>
-          <a:extLst>
-            <a:ext uri="{909E8E84-426E-40DD-AFC4-6F175D3DCCD1}">
-              <a14:hiddenFill xmlns:a14="http://schemas.microsoft.com/office/drawing/2010/main">
-                <a:solidFill>
-                  <a:srgbClr val="FFFFFF"/>
-                </a:solidFill>
-              </a14:hiddenFill>
-            </a:ext>
-          </a:extLst>
-        </p:spPr>
-      </p:pic>
+      <p:graphicFrame>
+        <p:nvGraphicFramePr>
+          <p:cNvPr id="10" name="Tableau 9"/>
+          <p:cNvGraphicFramePr>
+            <a:graphicFrameLocks noGrp="1"/>
+          </p:cNvGraphicFramePr>
+          <p:nvPr>
+            <p:extLst>
+              <p:ext uri="{D42A27DB-BD31-4B8C-83A1-F6EECF244321}">
+                <p14:modId xmlns:p14="http://schemas.microsoft.com/office/powerpoint/2010/main" val="3245826674"/>
+              </p:ext>
+            </p:extLst>
+          </p:nvPr>
+        </p:nvGraphicFramePr>
+        <p:xfrm>
+          <a:off x="1115616" y="2204864"/>
+          <a:ext cx="4032448" cy="1483360"/>
+        </p:xfrm>
+        <a:graphic>
+          <a:graphicData uri="http://schemas.openxmlformats.org/drawingml/2006/table">
+            <a:tbl>
+              <a:tblPr firstRow="1" bandRow="1">
+                <a:tableStyleId>{10A1B5D5-9B99-4C35-A422-299274C87663}</a:tableStyleId>
+              </a:tblPr>
+              <a:tblGrid>
+                <a:gridCol w="1897623">
+                  <a:extLst>
+                    <a:ext uri="{9D8B030D-6E8A-4147-A177-3AD203B41FA5}">
+                      <a16:colId xmlns:a16="http://schemas.microsoft.com/office/drawing/2014/main" val="20000"/>
+                    </a:ext>
+                  </a:extLst>
+                </a:gridCol>
+                <a:gridCol w="2134825">
+                  <a:extLst>
+                    <a:ext uri="{9D8B030D-6E8A-4147-A177-3AD203B41FA5}">
+                      <a16:colId xmlns:a16="http://schemas.microsoft.com/office/drawing/2014/main" val="20001"/>
+                    </a:ext>
+                  </a:extLst>
+                </a:gridCol>
+              </a:tblGrid>
+              <a:tr h="370840">
+                <a:tc>
+                  <a:txBody>
+                    <a:bodyPr/>
+                    <a:lstStyle/>
+                    <a:p>
+                      <a:r>
+                        <a:rPr lang="fr-FR" dirty="0"/>
+                        <a:t>Logiciel</a:t>
+                      </a:r>
+                    </a:p>
+                  </a:txBody>
+                  <a:tcPr/>
+                </a:tc>
+                <a:tc>
+                  <a:txBody>
+                    <a:bodyPr/>
+                    <a:lstStyle/>
+                    <a:p>
+                      <a:r>
+                        <a:rPr lang="fr-FR" dirty="0"/>
+                        <a:t>Prix à</a:t>
+                      </a:r>
+                      <a:r>
+                        <a:rPr lang="fr-FR" baseline="0" dirty="0"/>
+                        <a:t> l’année (€)</a:t>
+                      </a:r>
+                      <a:endParaRPr lang="fr-FR" dirty="0"/>
+                    </a:p>
+                  </a:txBody>
+                  <a:tcPr/>
+                </a:tc>
+                <a:extLst>
+                  <a:ext uri="{0D108BD9-81ED-4DB2-BD59-A6C34878D82A}">
+                    <a16:rowId xmlns:a16="http://schemas.microsoft.com/office/drawing/2014/main" val="10000"/>
+                  </a:ext>
+                </a:extLst>
+              </a:tr>
+              <a:tr h="370840">
+                <a:tc>
+                  <a:txBody>
+                    <a:bodyPr/>
+                    <a:lstStyle/>
+                    <a:p>
+                      <a:r>
+                        <a:rPr lang="fr-FR" dirty="0"/>
+                        <a:t>Matlab</a:t>
+                      </a:r>
+                    </a:p>
+                  </a:txBody>
+                  <a:tcPr/>
+                </a:tc>
+                <a:tc>
+                  <a:txBody>
+                    <a:bodyPr/>
+                    <a:lstStyle/>
+                    <a:p>
+                      <a:pPr algn="ctr"/>
+                      <a:r>
+                        <a:rPr lang="fr-FR" dirty="0"/>
+                        <a:t>2 000</a:t>
+                      </a:r>
+                    </a:p>
+                  </a:txBody>
+                  <a:tcPr/>
+                </a:tc>
+                <a:extLst>
+                  <a:ext uri="{0D108BD9-81ED-4DB2-BD59-A6C34878D82A}">
+                    <a16:rowId xmlns:a16="http://schemas.microsoft.com/office/drawing/2014/main" val="10001"/>
+                  </a:ext>
+                </a:extLst>
+              </a:tr>
+              <a:tr h="370840">
+                <a:tc>
+                  <a:txBody>
+                    <a:bodyPr/>
+                    <a:lstStyle/>
+                    <a:p>
+                      <a:r>
+                        <a:rPr lang="fr-FR" dirty="0" err="1"/>
+                        <a:t>CodeV</a:t>
+                      </a:r>
+                      <a:endParaRPr lang="fr-FR" dirty="0"/>
+                    </a:p>
+                  </a:txBody>
+                  <a:tcPr/>
+                </a:tc>
+                <a:tc>
+                  <a:txBody>
+                    <a:bodyPr/>
+                    <a:lstStyle/>
+                    <a:p>
+                      <a:pPr algn="ctr"/>
+                      <a:r>
+                        <a:rPr lang="fr-FR" dirty="0"/>
+                        <a:t>3 500</a:t>
+                      </a:r>
+                    </a:p>
+                  </a:txBody>
+                  <a:tcPr/>
+                </a:tc>
+                <a:extLst>
+                  <a:ext uri="{0D108BD9-81ED-4DB2-BD59-A6C34878D82A}">
+                    <a16:rowId xmlns:a16="http://schemas.microsoft.com/office/drawing/2014/main" val="10002"/>
+                  </a:ext>
+                </a:extLst>
+              </a:tr>
+              <a:tr h="370840">
+                <a:tc>
+                  <a:txBody>
+                    <a:bodyPr/>
+                    <a:lstStyle/>
+                    <a:p>
+                      <a:r>
+                        <a:rPr lang="fr-FR" dirty="0"/>
+                        <a:t>FarView</a:t>
+                      </a:r>
+                    </a:p>
+                  </a:txBody>
+                  <a:tcPr/>
+                </a:tc>
+                <a:tc>
+                  <a:txBody>
+                    <a:bodyPr/>
+                    <a:lstStyle/>
+                    <a:p>
+                      <a:pPr algn="ctr"/>
+                      <a:r>
+                        <a:rPr lang="fr-FR" dirty="0"/>
+                        <a:t>10 000</a:t>
+                      </a:r>
+                    </a:p>
+                  </a:txBody>
+                  <a:tcPr/>
+                </a:tc>
+                <a:extLst>
+                  <a:ext uri="{0D108BD9-81ED-4DB2-BD59-A6C34878D82A}">
+                    <a16:rowId xmlns:a16="http://schemas.microsoft.com/office/drawing/2014/main" val="10003"/>
+                  </a:ext>
+                </a:extLst>
+              </a:tr>
+            </a:tbl>
+          </a:graphicData>
+        </a:graphic>
+      </p:graphicFrame>
     </p:spTree>
     <p:extLst>
       <p:ext uri="{BB962C8B-B14F-4D97-AF65-F5344CB8AC3E}">
-        <p14:creationId xmlns:p14="http://schemas.microsoft.com/office/powerpoint/2010/main" val="42919010"/>
+        <p14:creationId xmlns:p14="http://schemas.microsoft.com/office/powerpoint/2010/main" val="3127200321"/>
       </p:ext>
     </p:extLst>
   </p:cSld>
   <p:clrMapOvr>
     <a:masterClrMapping/>
   </p:clrMapOvr>
-  <p:timing>
-    <p:tnLst>
-      <p:par>
-        <p:cTn id="1" dur="indefinite" restart="never" nodeType="tmRoot"/>
-      </p:par>
-    </p:tnLst>
-  </p:timing>
 </p:sld>
 </file>
 
-<file path=ppt/slides/slide3.xml><?xml version="1.0" encoding="utf-8"?>
+<file path=ppt/slides/slide13.xml><?xml version="1.0" encoding="utf-8"?>
 <p:sld xmlns:a="http://schemas.openxmlformats.org/drawingml/2006/main" xmlns:r="http://schemas.openxmlformats.org/officeDocument/2006/relationships" xmlns:p="http://schemas.openxmlformats.org/presentationml/2006/main">
   <p:cSld>
     <p:spTree>
@@ -2849,11 +3753,23 @@
           <a:lstStyle/>
           <a:p>
             <a:fld id="{AF5033CA-5AE6-4050-846C-3380E9744264}" type="slidenum">
-              <a:rPr lang="fr-FR" smtClean="0"/>
+              <a:rPr lang="fr-FR" smtClean="0">
+                <a:solidFill>
+                  <a:prstClr val="black">
+                    <a:tint val="75000"/>
+                  </a:prstClr>
+                </a:solidFill>
+              </a:rPr>
               <a:pPr/>
-              <a:t>3</a:t>
+              <a:t>13</a:t>
             </a:fld>
-            <a:endParaRPr lang="fr-FR" dirty="0"/>
+            <a:endParaRPr lang="fr-FR" dirty="0">
+              <a:solidFill>
+                <a:prstClr val="black">
+                  <a:tint val="75000"/>
+                </a:prstClr>
+              </a:solidFill>
+            </a:endParaRPr>
           </a:p>
         </p:txBody>
       </p:sp>
@@ -2873,10 +3789,9 @@
           <a:lstStyle/>
           <a:p>
             <a:r>
-              <a:rPr lang="fr-FR" sz="2800" dirty="0" smtClean="0"/>
-              <a:t>Introduction : la microscopie de fluorescence</a:t>
-            </a:r>
-            <a:endParaRPr lang="fr-FR" sz="2800" dirty="0"/>
+              <a:rPr lang="fr-FR" sz="2800" dirty="0"/>
+              <a:t>Développement</a:t>
+            </a:r>
           </a:p>
         </p:txBody>
       </p:sp>
@@ -2901,31 +3816,10 @@
           <a:lstStyle/>
           <a:p>
             <a:r>
-              <a:rPr lang="fr-FR" sz="2000" dirty="0" smtClean="0"/>
-              <a:t>Observations en Biologie : voir les composants des cellules</a:t>
-            </a:r>
-          </a:p>
-          <a:p>
-            <a:endParaRPr lang="fr-FR" sz="2000" dirty="0"/>
-          </a:p>
-          <a:p>
-            <a:r>
-              <a:rPr lang="fr-FR" sz="2000" dirty="0" smtClean="0"/>
-              <a:t>Microscopes</a:t>
-            </a:r>
-            <a:r>
-              <a:rPr lang="fr-FR" sz="2000" dirty="0" smtClean="0">
+              <a:rPr lang="fr-FR" sz="2000" dirty="0">
                 <a:sym typeface="Wingdings" panose="05000000000000000000" pitchFamily="2" charset="2"/>
               </a:rPr>
-              <a:t> limités par la diffraction</a:t>
-            </a:r>
-          </a:p>
-          <a:p>
-            <a:r>
-              <a:rPr lang="fr-FR" sz="2000" dirty="0" smtClean="0">
-                <a:sym typeface="Wingdings" panose="05000000000000000000" pitchFamily="2" charset="2"/>
-              </a:rPr>
-              <a:t>Méthode de super-résolution : résolution 50 fois supérieure</a:t>
+              <a:t>Les bureaux:</a:t>
             </a:r>
           </a:p>
           <a:p>
@@ -2934,1304 +3828,35 @@
             </a:endParaRPr>
           </a:p>
           <a:p>
-            <a:r>
-              <a:rPr lang="fr-FR" sz="2000" dirty="0" smtClean="0"/>
-              <a:t>Cellules en plusieurs dimension : reconstitution 3D importante</a:t>
-            </a:r>
-          </a:p>
-        </p:txBody>
-      </p:sp>
-      <p:grpSp>
-        <p:nvGrpSpPr>
-          <p:cNvPr id="5" name="Groupe 4"/>
-          <p:cNvGrpSpPr/>
-          <p:nvPr/>
-        </p:nvGrpSpPr>
-        <p:grpSpPr>
-          <a:xfrm>
-            <a:off x="1979712" y="3892677"/>
-            <a:ext cx="4971233" cy="2256821"/>
-            <a:chOff x="3202507" y="2978015"/>
-            <a:chExt cx="4971233" cy="2256821"/>
-          </a:xfrm>
-        </p:grpSpPr>
-        <p:grpSp>
-          <p:nvGrpSpPr>
-            <p:cNvPr id="6" name="Groupe 5"/>
-            <p:cNvGrpSpPr/>
-            <p:nvPr/>
-          </p:nvGrpSpPr>
-          <p:grpSpPr>
-            <a:xfrm>
-              <a:off x="3768942" y="2978015"/>
-              <a:ext cx="3816424" cy="1916243"/>
-              <a:chOff x="3562767" y="3966180"/>
-              <a:chExt cx="4637414" cy="2417178"/>
-            </a:xfrm>
-          </p:grpSpPr>
-          <p:pic>
-            <p:nvPicPr>
-              <p:cNvPr id="8" name="Picture 4" descr="C:\Users\Phil\Documents\GitHub\PIMS\OppAffaire\Images Diverses\comparison1.jpg"/>
-              <p:cNvPicPr>
-                <a:picLocks noChangeAspect="1" noChangeArrowheads="1"/>
-              </p:cNvPicPr>
-              <p:nvPr/>
-            </p:nvPicPr>
-            <p:blipFill rotWithShape="1">
-              <a:blip r:embed="rId2" cstate="print">
-                <a:extLst>
-                  <a:ext uri="{28A0092B-C50C-407E-A947-70E740481C1C}">
-                    <a14:useLocalDpi xmlns:a14="http://schemas.microsoft.com/office/drawing/2010/main" val="0"/>
-                  </a:ext>
-                </a:extLst>
-              </a:blip>
-              <a:srcRect/>
-              <a:stretch/>
-            </p:blipFill>
-            <p:spPr bwMode="auto">
-              <a:xfrm>
-                <a:off x="3562767" y="4006077"/>
-                <a:ext cx="2332037" cy="2377281"/>
-              </a:xfrm>
-              <a:prstGeom prst="rect">
-                <a:avLst/>
-              </a:prstGeom>
-              <a:noFill/>
-              <a:extLst>
-                <a:ext uri="{909E8E84-426E-40DD-AFC4-6F175D3DCCD1}">
-                  <a14:hiddenFill xmlns:a14="http://schemas.microsoft.com/office/drawing/2010/main">
-                    <a:solidFill>
-                      <a:srgbClr val="FFFFFF"/>
-                    </a:solidFill>
-                  </a14:hiddenFill>
-                </a:ext>
-              </a:extLst>
-            </p:spPr>
-          </p:pic>
-          <p:pic>
-            <p:nvPicPr>
-              <p:cNvPr id="9" name="Picture 6" descr="C:\Users\Phil\Documents\GitHub\PIMS\OppAffaire\Images Diverses\comparison1.jpg"/>
-              <p:cNvPicPr>
-                <a:picLocks noChangeAspect="1" noChangeArrowheads="1"/>
-              </p:cNvPicPr>
-              <p:nvPr/>
-            </p:nvPicPr>
-            <p:blipFill rotWithShape="1">
-              <a:blip r:embed="rId3" cstate="print">
-                <a:extLst>
-                  <a:ext uri="{28A0092B-C50C-407E-A947-70E740481C1C}">
-                    <a14:useLocalDpi xmlns:a14="http://schemas.microsoft.com/office/drawing/2010/main" val="0"/>
-                  </a:ext>
-                </a:extLst>
-              </a:blip>
-              <a:srcRect/>
-              <a:stretch/>
-            </p:blipFill>
-            <p:spPr bwMode="auto">
-              <a:xfrm>
-                <a:off x="5868143" y="3966180"/>
-                <a:ext cx="2332038" cy="2377281"/>
-              </a:xfrm>
-              <a:prstGeom prst="rect">
-                <a:avLst/>
-              </a:prstGeom>
-              <a:noFill/>
-              <a:extLst>
-                <a:ext uri="{909E8E84-426E-40DD-AFC4-6F175D3DCCD1}">
-                  <a14:hiddenFill xmlns:a14="http://schemas.microsoft.com/office/drawing/2010/main">
-                    <a:solidFill>
-                      <a:srgbClr val="FFFFFF"/>
-                    </a:solidFill>
-                  </a14:hiddenFill>
-                </a:ext>
-              </a:extLst>
-            </p:spPr>
-          </p:pic>
-        </p:grpSp>
-        <p:sp>
-          <p:nvSpPr>
-            <p:cNvPr id="7" name="ZoneTexte 6"/>
-            <p:cNvSpPr txBox="1"/>
-            <p:nvPr/>
-          </p:nvSpPr>
-          <p:spPr>
-            <a:xfrm>
-              <a:off x="3202507" y="4896282"/>
-              <a:ext cx="4971233" cy="338554"/>
-            </a:xfrm>
-            <a:prstGeom prst="rect">
-              <a:avLst/>
-            </a:prstGeom>
-            <a:noFill/>
-          </p:spPr>
-          <p:txBody>
-            <a:bodyPr wrap="none" rtlCol="0">
-              <a:spAutoFit/>
-            </a:bodyPr>
-            <a:lstStyle/>
-            <a:p>
-              <a:r>
-                <a:rPr lang="fr-FR" sz="1600" dirty="0" smtClean="0"/>
-                <a:t>Comparaison image classique / image super-résolue</a:t>
-              </a:r>
-              <a:endParaRPr lang="fr-FR" sz="1600" dirty="0"/>
-            </a:p>
-          </p:txBody>
-        </p:sp>
-      </p:grpSp>
-    </p:spTree>
-    <p:extLst>
-      <p:ext uri="{BB962C8B-B14F-4D97-AF65-F5344CB8AC3E}">
-        <p14:creationId xmlns:p14="http://schemas.microsoft.com/office/powerpoint/2010/main" val="483665248"/>
-      </p:ext>
-    </p:extLst>
-  </p:cSld>
-  <p:clrMapOvr>
-    <a:masterClrMapping/>
-  </p:clrMapOvr>
-  <p:timing>
-    <p:tnLst>
-      <p:par>
-        <p:cTn id="1" dur="indefinite" restart="never" nodeType="tmRoot"/>
-      </p:par>
-    </p:tnLst>
-  </p:timing>
-</p:sld>
-</file>
-
-<file path=ppt/slides/slide4.xml><?xml version="1.0" encoding="utf-8"?>
-<p:sld xmlns:a="http://schemas.openxmlformats.org/drawingml/2006/main" xmlns:r="http://schemas.openxmlformats.org/officeDocument/2006/relationships" xmlns:p="http://schemas.openxmlformats.org/presentationml/2006/main">
-  <p:cSld>
-    <p:spTree>
-      <p:nvGrpSpPr>
-        <p:cNvPr id="1" name=""/>
-        <p:cNvGrpSpPr/>
-        <p:nvPr/>
-      </p:nvGrpSpPr>
-      <p:grpSpPr>
-        <a:xfrm>
-          <a:off x="0" y="0"/>
-          <a:ext cx="0" cy="0"/>
-          <a:chOff x="0" y="0"/>
-          <a:chExt cx="0" cy="0"/>
-        </a:xfrm>
-      </p:grpSpPr>
-      <p:sp>
-        <p:nvSpPr>
-          <p:cNvPr id="2" name="Espace réservé du numéro de diapositive 1"/>
-          <p:cNvSpPr>
-            <a:spLocks noGrp="1"/>
-          </p:cNvSpPr>
-          <p:nvPr>
-            <p:ph type="sldNum" sz="quarter" idx="4"/>
-          </p:nvPr>
-        </p:nvSpPr>
-        <p:spPr/>
-        <p:txBody>
-          <a:bodyPr/>
-          <a:lstStyle/>
-          <a:p>
-            <a:fld id="{AF5033CA-5AE6-4050-846C-3380E9744264}" type="slidenum">
-              <a:rPr lang="fr-FR" smtClean="0"/>
-              <a:pPr/>
-              <a:t>4</a:t>
-            </a:fld>
-            <a:endParaRPr lang="fr-FR" dirty="0"/>
-          </a:p>
-        </p:txBody>
-      </p:sp>
-      <p:sp>
-        <p:nvSpPr>
-          <p:cNvPr id="3" name="Titre 2"/>
-          <p:cNvSpPr>
-            <a:spLocks noGrp="1"/>
-          </p:cNvSpPr>
-          <p:nvPr>
-            <p:ph type="title"/>
-          </p:nvPr>
-        </p:nvSpPr>
-        <p:spPr/>
-        <p:txBody>
-          <a:bodyPr/>
-          <a:lstStyle/>
-          <a:p>
-            <a:r>
-              <a:rPr lang="fr-FR" sz="2800" dirty="0" smtClean="0"/>
-              <a:t>FarView</a:t>
-            </a:r>
-            <a:endParaRPr lang="fr-FR" dirty="0"/>
-          </a:p>
-        </p:txBody>
-      </p:sp>
-      <p:sp>
-        <p:nvSpPr>
-          <p:cNvPr id="4" name="Espace réservé du contenu 3"/>
-          <p:cNvSpPr>
-            <a:spLocks noGrp="1"/>
-          </p:cNvSpPr>
-          <p:nvPr>
-            <p:ph sz="quarter" idx="19"/>
-          </p:nvPr>
-        </p:nvSpPr>
-        <p:spPr>
-          <a:xfrm>
-            <a:off x="539750" y="1484784"/>
-            <a:ext cx="6480522" cy="4680520"/>
-          </a:xfrm>
-        </p:spPr>
-        <p:txBody>
-          <a:bodyPr/>
-          <a:lstStyle/>
-          <a:p>
-            <a:pPr algn="just"/>
-            <a:r>
-              <a:rPr lang="fr-FR" sz="2000" dirty="0" smtClean="0"/>
-              <a:t>Comment réaliser </a:t>
-            </a:r>
-            <a:r>
-              <a:rPr lang="fr-FR" sz="2000" dirty="0" smtClean="0"/>
-              <a:t>une observation au </a:t>
-            </a:r>
-            <a:r>
-              <a:rPr lang="fr-FR" sz="2000" dirty="0" smtClean="0">
-                <a:solidFill>
-                  <a:srgbClr val="C00000"/>
-                </a:solidFill>
-              </a:rPr>
-              <a:t>microscope</a:t>
-            </a:r>
-            <a:r>
-              <a:rPr lang="fr-FR" sz="2000" dirty="0" smtClean="0">
-                <a:solidFill>
-                  <a:srgbClr val="FF0000"/>
-                </a:solidFill>
-              </a:rPr>
-              <a:t> </a:t>
-            </a:r>
-            <a:r>
-              <a:rPr lang="fr-FR" sz="2000" dirty="0" smtClean="0"/>
-              <a:t>qui soit </a:t>
-            </a:r>
-            <a:r>
-              <a:rPr lang="fr-FR" sz="2000" dirty="0">
-                <a:solidFill>
-                  <a:srgbClr val="C00000"/>
-                </a:solidFill>
-              </a:rPr>
-              <a:t>t</a:t>
-            </a:r>
-            <a:r>
-              <a:rPr lang="fr-FR" sz="2000" dirty="0" smtClean="0">
-                <a:solidFill>
-                  <a:srgbClr val="C00000"/>
-                </a:solidFill>
-              </a:rPr>
-              <a:t>ridimensionnelle</a:t>
-            </a:r>
-            <a:r>
-              <a:rPr lang="fr-FR" sz="2000" dirty="0" smtClean="0">
-                <a:solidFill>
-                  <a:srgbClr val="FF0000"/>
-                </a:solidFill>
-              </a:rPr>
-              <a:t> </a:t>
-            </a:r>
-            <a:r>
-              <a:rPr lang="fr-FR" sz="2000" dirty="0" smtClean="0"/>
-              <a:t>et en </a:t>
-            </a:r>
-            <a:r>
-              <a:rPr lang="fr-FR" sz="2000" dirty="0" smtClean="0">
-                <a:solidFill>
-                  <a:srgbClr val="C00000"/>
-                </a:solidFill>
-              </a:rPr>
-              <a:t>super-résolution</a:t>
-            </a:r>
-            <a:r>
-              <a:rPr lang="fr-FR" sz="2000" dirty="0" smtClean="0">
-                <a:solidFill>
-                  <a:schemeClr val="tx1">
-                    <a:lumMod val="65000"/>
-                    <a:lumOff val="35000"/>
-                  </a:schemeClr>
-                </a:solidFill>
-              </a:rPr>
-              <a:t> ?</a:t>
-            </a:r>
-            <a:endParaRPr lang="fr-FR" sz="2000" dirty="0">
-              <a:solidFill>
-                <a:schemeClr val="tx1">
-                  <a:lumMod val="65000"/>
-                  <a:lumOff val="35000"/>
-                </a:schemeClr>
-              </a:solidFill>
-            </a:endParaRPr>
-          </a:p>
-          <a:p>
-            <a:pPr marL="0" indent="0">
-              <a:buNone/>
-            </a:pPr>
-            <a:endParaRPr lang="fr-FR" sz="2000" dirty="0" smtClean="0"/>
-          </a:p>
-          <a:p>
-            <a:pPr algn="just"/>
-            <a:r>
-              <a:rPr lang="fr-FR" sz="2000" dirty="0" smtClean="0"/>
-              <a:t>Solution : Le logiciel	</a:t>
-            </a:r>
-          </a:p>
-          <a:p>
-            <a:pPr lvl="1"/>
-            <a:r>
-              <a:rPr lang="fr-FR" sz="2000" dirty="0" smtClean="0"/>
-              <a:t>Pour chercheurs en </a:t>
-            </a:r>
-            <a:r>
-              <a:rPr lang="fr-FR" sz="2000" b="1" dirty="0" smtClean="0">
-                <a:solidFill>
-                  <a:srgbClr val="C00000"/>
-                </a:solidFill>
-              </a:rPr>
-              <a:t>microscopie</a:t>
-            </a:r>
-            <a:r>
-              <a:rPr lang="fr-FR" sz="2000" b="1" dirty="0" smtClean="0"/>
-              <a:t> </a:t>
-            </a:r>
-            <a:r>
-              <a:rPr lang="fr-FR" sz="2000" dirty="0" smtClean="0"/>
-              <a:t>et</a:t>
-            </a:r>
-            <a:r>
-              <a:rPr lang="fr-FR" sz="2000" b="1" dirty="0" smtClean="0"/>
-              <a:t> </a:t>
-            </a:r>
-            <a:r>
-              <a:rPr lang="fr-FR" sz="2000" b="1" dirty="0" smtClean="0">
-                <a:solidFill>
-                  <a:srgbClr val="C00000"/>
-                </a:solidFill>
-              </a:rPr>
-              <a:t>microbiologie</a:t>
-            </a:r>
-          </a:p>
-          <a:p>
-            <a:pPr lvl="1"/>
-            <a:r>
-              <a:rPr lang="fr-FR" sz="2000" dirty="0" smtClean="0"/>
-              <a:t>Matériel utilisé</a:t>
-            </a:r>
-            <a:r>
-              <a:rPr lang="fr-FR" sz="2000" b="1" dirty="0" smtClean="0"/>
-              <a:t> : </a:t>
-            </a:r>
-            <a:r>
-              <a:rPr lang="fr-FR" sz="2000" dirty="0">
-                <a:solidFill>
-                  <a:schemeClr val="tx1">
-                    <a:lumMod val="65000"/>
-                    <a:lumOff val="35000"/>
-                  </a:schemeClr>
-                </a:solidFill>
-              </a:rPr>
-              <a:t>microscope de fluorescence </a:t>
-            </a:r>
-            <a:r>
-              <a:rPr lang="fr-FR" sz="2000" dirty="0" smtClean="0">
-                <a:solidFill>
-                  <a:schemeClr val="tx1">
-                    <a:lumMod val="65000"/>
-                    <a:lumOff val="35000"/>
-                  </a:schemeClr>
-                </a:solidFill>
-              </a:rPr>
-              <a:t>STORM</a:t>
-            </a:r>
-          </a:p>
-          <a:p>
-            <a:pPr lvl="1" algn="just"/>
-            <a:r>
-              <a:rPr lang="fr-FR" sz="2000" dirty="0" smtClean="0">
-                <a:solidFill>
-                  <a:schemeClr val="tx1">
-                    <a:lumMod val="65000"/>
-                    <a:lumOff val="35000"/>
-                  </a:schemeClr>
-                </a:solidFill>
-              </a:rPr>
-              <a:t>Méthode breveté</a:t>
-            </a:r>
-          </a:p>
-          <a:p>
-            <a:pPr marL="0" indent="0" algn="just">
-              <a:buNone/>
-            </a:pPr>
-            <a:endParaRPr lang="fr-FR" sz="2000" dirty="0"/>
-          </a:p>
-          <a:p>
-            <a:pPr algn="just"/>
-            <a:r>
-              <a:rPr lang="fr-FR" sz="2000" dirty="0" smtClean="0"/>
-              <a:t>Le </a:t>
-            </a:r>
-            <a:r>
-              <a:rPr lang="fr-FR" sz="2000" dirty="0" smtClean="0"/>
-              <a:t>programme                est </a:t>
-            </a:r>
-            <a:r>
-              <a:rPr lang="fr-FR" sz="2000" dirty="0" smtClean="0"/>
-              <a:t>:</a:t>
-            </a:r>
-          </a:p>
-          <a:p>
-            <a:pPr marL="771525" lvl="1" indent="0" algn="just">
-              <a:buNone/>
-            </a:pPr>
-            <a:r>
-              <a:rPr lang="fr-FR" sz="2000" b="1" dirty="0" smtClean="0"/>
-              <a:t>	</a:t>
-            </a:r>
-            <a:r>
-              <a:rPr lang="fr-FR" sz="2000" b="1" dirty="0" smtClean="0">
-                <a:solidFill>
-                  <a:srgbClr val="002060"/>
-                </a:solidFill>
-              </a:rPr>
-              <a:t>Rapide	</a:t>
-            </a:r>
-            <a:r>
-              <a:rPr lang="fr-FR" sz="2000" b="1" dirty="0" smtClean="0"/>
-              <a:t>	</a:t>
-            </a:r>
-            <a:r>
-              <a:rPr lang="fr-FR" sz="2000" b="1" dirty="0" smtClean="0">
-                <a:solidFill>
-                  <a:srgbClr val="C58107"/>
-                </a:solidFill>
-              </a:rPr>
-              <a:t>Fiable	</a:t>
-            </a:r>
-            <a:r>
-              <a:rPr lang="fr-FR" sz="2000" b="1" dirty="0" smtClean="0"/>
-              <a:t>	</a:t>
-            </a:r>
-            <a:r>
-              <a:rPr lang="fr-FR" sz="2000" b="1" dirty="0" smtClean="0">
-                <a:solidFill>
-                  <a:schemeClr val="accent2">
-                    <a:lumMod val="75000"/>
-                  </a:schemeClr>
-                </a:solidFill>
-              </a:rPr>
-              <a:t>Adaptable</a:t>
-            </a:r>
-            <a:endParaRPr lang="fr-FR" sz="2000" b="1" dirty="0" smtClean="0">
-              <a:solidFill>
-                <a:schemeClr val="accent2">
-                  <a:lumMod val="75000"/>
-                </a:schemeClr>
-              </a:solidFill>
-            </a:endParaRPr>
-          </a:p>
-          <a:p>
-            <a:endParaRPr lang="fr-FR" dirty="0" smtClean="0"/>
-          </a:p>
-        </p:txBody>
-      </p:sp>
-      <p:grpSp>
-        <p:nvGrpSpPr>
-          <p:cNvPr id="6" name="Groupe 5"/>
-          <p:cNvGrpSpPr/>
-          <p:nvPr/>
-        </p:nvGrpSpPr>
-        <p:grpSpPr>
-          <a:xfrm>
-            <a:off x="6804248" y="898847"/>
-            <a:ext cx="2431706" cy="2402761"/>
-            <a:chOff x="6372200" y="908720"/>
-            <a:chExt cx="2431706" cy="2402761"/>
-          </a:xfrm>
-        </p:grpSpPr>
-        <p:pic>
-          <p:nvPicPr>
-            <p:cNvPr id="2050" name="Picture 2" descr="C:\Users\Phil\Documents\GitHub\PIMS\OppAffaire\Images Diverses\Fluorescence_microscop.jpg"/>
-            <p:cNvPicPr>
-              <a:picLocks noChangeAspect="1" noChangeArrowheads="1"/>
-            </p:cNvPicPr>
-            <p:nvPr/>
-          </p:nvPicPr>
-          <p:blipFill>
-            <a:blip r:embed="rId2" cstate="print">
-              <a:extLst>
-                <a:ext uri="{28A0092B-C50C-407E-A947-70E740481C1C}">
-                  <a14:useLocalDpi xmlns:a14="http://schemas.microsoft.com/office/drawing/2010/main" val="0"/>
-                </a:ext>
-              </a:extLst>
-            </a:blip>
-            <a:srcRect/>
-            <a:stretch>
-              <a:fillRect/>
-            </a:stretch>
-          </p:blipFill>
-          <p:spPr bwMode="auto">
-            <a:xfrm>
-              <a:off x="6732780" y="908720"/>
-              <a:ext cx="1691680" cy="2082068"/>
-            </a:xfrm>
-            <a:prstGeom prst="rect">
-              <a:avLst/>
-            </a:prstGeom>
-            <a:noFill/>
-            <a:extLst>
-              <a:ext uri="{909E8E84-426E-40DD-AFC4-6F175D3DCCD1}">
-                <a14:hiddenFill xmlns:a14="http://schemas.microsoft.com/office/drawing/2010/main">
-                  <a:solidFill>
-                    <a:srgbClr val="FFFFFF"/>
-                  </a:solidFill>
-                </a14:hiddenFill>
-              </a:ext>
-            </a:extLst>
-          </p:spPr>
-        </p:pic>
-        <p:sp>
-          <p:nvSpPr>
-            <p:cNvPr id="5" name="ZoneTexte 4"/>
-            <p:cNvSpPr txBox="1"/>
-            <p:nvPr/>
-          </p:nvSpPr>
-          <p:spPr>
-            <a:xfrm>
-              <a:off x="6372200" y="3003704"/>
-              <a:ext cx="2431706" cy="307777"/>
-            </a:xfrm>
-            <a:prstGeom prst="rect">
-              <a:avLst/>
-            </a:prstGeom>
-            <a:noFill/>
-          </p:spPr>
-          <p:txBody>
-            <a:bodyPr wrap="square" rtlCol="0">
-              <a:spAutoFit/>
-            </a:bodyPr>
-            <a:lstStyle/>
-            <a:p>
-              <a:r>
-                <a:rPr lang="fr-FR" sz="1400" dirty="0" smtClean="0"/>
-                <a:t>Microscope de fluorescence</a:t>
-              </a:r>
-            </a:p>
-          </p:txBody>
-        </p:sp>
-      </p:grpSp>
-      <p:pic>
-        <p:nvPicPr>
-          <p:cNvPr id="9" name="Picture 3" descr="C:\Users\Phil\Documents\GitHub\PIMS\OppAffaire\Images Diverses\FAR_V_IEW.png"/>
-          <p:cNvPicPr>
-            <a:picLocks noChangeAspect="1" noChangeArrowheads="1"/>
-          </p:cNvPicPr>
-          <p:nvPr/>
-        </p:nvPicPr>
-        <p:blipFill>
-          <a:blip r:embed="rId3" cstate="print">
-            <a:extLst>
-              <a:ext uri="{28A0092B-C50C-407E-A947-70E740481C1C}">
-                <a14:useLocalDpi xmlns:a14="http://schemas.microsoft.com/office/drawing/2010/main" val="0"/>
-              </a:ext>
-            </a:extLst>
-          </a:blip>
-          <a:srcRect/>
-          <a:stretch>
-            <a:fillRect/>
-          </a:stretch>
-        </p:blipFill>
-        <p:spPr bwMode="auto">
-          <a:xfrm>
-            <a:off x="2771800" y="5013176"/>
-            <a:ext cx="1008112" cy="428577"/>
-          </a:xfrm>
-          <a:prstGeom prst="rect">
-            <a:avLst/>
-          </a:prstGeom>
-          <a:noFill/>
-          <a:extLst>
-            <a:ext uri="{909E8E84-426E-40DD-AFC4-6F175D3DCCD1}">
-              <a14:hiddenFill xmlns:a14="http://schemas.microsoft.com/office/drawing/2010/main">
-                <a:solidFill>
-                  <a:srgbClr val="FFFFFF"/>
-                </a:solidFill>
-              </a14:hiddenFill>
-            </a:ext>
-          </a:extLst>
-        </p:spPr>
-      </p:pic>
-      <p:pic>
-        <p:nvPicPr>
-          <p:cNvPr id="10" name="Picture 3" descr="C:\Users\Phil\Documents\GitHub\PIMS\OppAffaire\Images Diverses\FAR_V_IEW.png"/>
-          <p:cNvPicPr>
-            <a:picLocks noChangeAspect="1" noChangeArrowheads="1"/>
-          </p:cNvPicPr>
-          <p:nvPr/>
-        </p:nvPicPr>
-        <p:blipFill>
-          <a:blip r:embed="rId3" cstate="print">
-            <a:extLst>
-              <a:ext uri="{28A0092B-C50C-407E-A947-70E740481C1C}">
-                <a14:useLocalDpi xmlns:a14="http://schemas.microsoft.com/office/drawing/2010/main" val="0"/>
-              </a:ext>
-            </a:extLst>
-          </a:blip>
-          <a:srcRect/>
-          <a:stretch>
-            <a:fillRect/>
-          </a:stretch>
-        </p:blipFill>
-        <p:spPr bwMode="auto">
-          <a:xfrm>
-            <a:off x="3501792" y="2779542"/>
-            <a:ext cx="1008112" cy="428577"/>
-          </a:xfrm>
-          <a:prstGeom prst="rect">
-            <a:avLst/>
-          </a:prstGeom>
-          <a:noFill/>
-          <a:extLst>
-            <a:ext uri="{909E8E84-426E-40DD-AFC4-6F175D3DCCD1}">
-              <a14:hiddenFill xmlns:a14="http://schemas.microsoft.com/office/drawing/2010/main">
-                <a:solidFill>
-                  <a:srgbClr val="FFFFFF"/>
-                </a:solidFill>
-              </a14:hiddenFill>
-            </a:ext>
-          </a:extLst>
-        </p:spPr>
-      </p:pic>
-    </p:spTree>
-    <p:extLst>
-      <p:ext uri="{BB962C8B-B14F-4D97-AF65-F5344CB8AC3E}">
-        <p14:creationId xmlns:p14="http://schemas.microsoft.com/office/powerpoint/2010/main" val="1642728171"/>
-      </p:ext>
-    </p:extLst>
-  </p:cSld>
-  <p:clrMapOvr>
-    <a:masterClrMapping/>
-  </p:clrMapOvr>
-  <p:timing>
-    <p:tnLst>
-      <p:par>
-        <p:cTn id="1" dur="indefinite" restart="never" nodeType="tmRoot"/>
-      </p:par>
-    </p:tnLst>
-  </p:timing>
-</p:sld>
-</file>
-
-<file path=ppt/slides/slide5.xml><?xml version="1.0" encoding="utf-8"?>
-<p:sld xmlns:a="http://schemas.openxmlformats.org/drawingml/2006/main" xmlns:r="http://schemas.openxmlformats.org/officeDocument/2006/relationships" xmlns:p="http://schemas.openxmlformats.org/presentationml/2006/main">
-  <p:cSld>
-    <p:spTree>
-      <p:nvGrpSpPr>
-        <p:cNvPr id="1" name=""/>
-        <p:cNvGrpSpPr/>
-        <p:nvPr/>
-      </p:nvGrpSpPr>
-      <p:grpSpPr>
-        <a:xfrm>
-          <a:off x="0" y="0"/>
-          <a:ext cx="0" cy="0"/>
-          <a:chOff x="0" y="0"/>
-          <a:chExt cx="0" cy="0"/>
-        </a:xfrm>
-      </p:grpSpPr>
-      <p:sp>
-        <p:nvSpPr>
-          <p:cNvPr id="2" name="Espace réservé du numéro de diapositive 1"/>
-          <p:cNvSpPr>
-            <a:spLocks noGrp="1"/>
-          </p:cNvSpPr>
-          <p:nvPr>
-            <p:ph type="sldNum" sz="quarter" idx="4"/>
-          </p:nvPr>
-        </p:nvSpPr>
-        <p:spPr/>
-        <p:txBody>
-          <a:bodyPr/>
-          <a:lstStyle/>
-          <a:p>
-            <a:fld id="{AF5033CA-5AE6-4050-846C-3380E9744264}" type="slidenum">
-              <a:rPr lang="fr-FR" smtClean="0"/>
-              <a:pPr/>
-              <a:t>5</a:t>
-            </a:fld>
-            <a:endParaRPr lang="fr-FR" dirty="0"/>
-          </a:p>
-        </p:txBody>
-      </p:sp>
-      <p:sp>
-        <p:nvSpPr>
-          <p:cNvPr id="3" name="Titre 2"/>
-          <p:cNvSpPr>
-            <a:spLocks noGrp="1"/>
-          </p:cNvSpPr>
-          <p:nvPr>
-            <p:ph type="title"/>
-          </p:nvPr>
-        </p:nvSpPr>
-        <p:spPr/>
-        <p:txBody>
-          <a:bodyPr/>
-          <a:lstStyle/>
-          <a:p>
-            <a:endParaRPr lang="fr-FR"/>
-          </a:p>
-        </p:txBody>
-      </p:sp>
-      <p:sp>
-        <p:nvSpPr>
-          <p:cNvPr id="4" name="Espace réservé du contenu 3"/>
-          <p:cNvSpPr>
-            <a:spLocks noGrp="1"/>
-          </p:cNvSpPr>
-          <p:nvPr>
-            <p:ph sz="quarter" idx="19"/>
-          </p:nvPr>
-        </p:nvSpPr>
-        <p:spPr/>
-        <p:txBody>
-          <a:bodyPr/>
-          <a:lstStyle/>
-          <a:p>
-            <a:endParaRPr lang="fr-FR" dirty="0"/>
-          </a:p>
-          <a:p>
-            <a:endParaRPr lang="fr-FR" dirty="0" smtClean="0"/>
-          </a:p>
-          <a:p>
-            <a:endParaRPr lang="fr-FR" dirty="0"/>
-          </a:p>
-          <a:p>
-            <a:endParaRPr lang="fr-FR" dirty="0" smtClean="0"/>
-          </a:p>
-          <a:p>
-            <a:r>
-              <a:rPr lang="fr-FR" sz="7200" dirty="0" smtClean="0"/>
-              <a:t>KIKI !!!!!!!!!!!!!!!!!!</a:t>
-            </a:r>
-            <a:endParaRPr lang="fr-FR" sz="7200" dirty="0"/>
-          </a:p>
-        </p:txBody>
-      </p:sp>
-    </p:spTree>
-    <p:extLst>
-      <p:ext uri="{BB962C8B-B14F-4D97-AF65-F5344CB8AC3E}">
-        <p14:creationId xmlns:p14="http://schemas.microsoft.com/office/powerpoint/2010/main" val="3333177613"/>
-      </p:ext>
-    </p:extLst>
-  </p:cSld>
-  <p:clrMapOvr>
-    <a:masterClrMapping/>
-  </p:clrMapOvr>
-  <p:timing>
-    <p:tnLst>
-      <p:par>
-        <p:cTn id="1" dur="indefinite" restart="never" nodeType="tmRoot"/>
-      </p:par>
-    </p:tnLst>
-  </p:timing>
-</p:sld>
-</file>
-
-<file path=ppt/slides/slide6.xml><?xml version="1.0" encoding="utf-8"?>
-<p:sld xmlns:a="http://schemas.openxmlformats.org/drawingml/2006/main" xmlns:r="http://schemas.openxmlformats.org/officeDocument/2006/relationships" xmlns:p="http://schemas.openxmlformats.org/presentationml/2006/main">
-  <p:cSld>
-    <p:spTree>
-      <p:nvGrpSpPr>
-        <p:cNvPr id="1" name=""/>
-        <p:cNvGrpSpPr/>
-        <p:nvPr/>
-      </p:nvGrpSpPr>
-      <p:grpSpPr>
-        <a:xfrm>
-          <a:off x="0" y="0"/>
-          <a:ext cx="0" cy="0"/>
-          <a:chOff x="0" y="0"/>
-          <a:chExt cx="0" cy="0"/>
-        </a:xfrm>
-      </p:grpSpPr>
-      <p:sp>
-        <p:nvSpPr>
-          <p:cNvPr id="2" name="Espace réservé du numéro de diapositive 1"/>
-          <p:cNvSpPr>
-            <a:spLocks noGrp="1"/>
-          </p:cNvSpPr>
-          <p:nvPr>
-            <p:ph type="sldNum" sz="quarter" idx="4"/>
-          </p:nvPr>
-        </p:nvSpPr>
-        <p:spPr/>
-        <p:txBody>
-          <a:bodyPr/>
-          <a:lstStyle/>
-          <a:p>
-            <a:fld id="{AF5033CA-5AE6-4050-846C-3380E9744264}" type="slidenum">
-              <a:rPr lang="fr-FR" smtClean="0">
-                <a:solidFill>
-                  <a:prstClr val="black">
-                    <a:tint val="75000"/>
-                  </a:prstClr>
-                </a:solidFill>
-              </a:rPr>
-              <a:pPr/>
-              <a:t>6</a:t>
-            </a:fld>
-            <a:endParaRPr lang="fr-FR" dirty="0">
-              <a:solidFill>
-                <a:prstClr val="black">
-                  <a:tint val="75000"/>
-                </a:prstClr>
-              </a:solidFill>
-            </a:endParaRPr>
-          </a:p>
-        </p:txBody>
-      </p:sp>
-      <p:sp>
-        <p:nvSpPr>
-          <p:cNvPr id="3" name="Titre 2"/>
-          <p:cNvSpPr>
-            <a:spLocks noGrp="1"/>
-          </p:cNvSpPr>
-          <p:nvPr>
-            <p:ph type="title"/>
-          </p:nvPr>
-        </p:nvSpPr>
-        <p:spPr/>
-        <p:txBody>
-          <a:bodyPr/>
-          <a:lstStyle/>
-          <a:p>
-            <a:r>
-              <a:rPr lang="fr-FR" sz="2800" dirty="0" smtClean="0"/>
-              <a:t>Prix et vente</a:t>
-            </a:r>
-            <a:endParaRPr lang="fr-FR" sz="2800" dirty="0"/>
-          </a:p>
-        </p:txBody>
-      </p:sp>
-      <p:sp>
-        <p:nvSpPr>
-          <p:cNvPr id="4" name="Espace réservé du contenu 3"/>
-          <p:cNvSpPr>
-            <a:spLocks noGrp="1"/>
-          </p:cNvSpPr>
-          <p:nvPr>
-            <p:ph sz="quarter" idx="19"/>
-          </p:nvPr>
-        </p:nvSpPr>
-        <p:spPr>
-          <a:xfrm>
-            <a:off x="179512" y="1484784"/>
-            <a:ext cx="8784976" cy="4680520"/>
-          </a:xfrm>
-        </p:spPr>
-        <p:txBody>
-          <a:bodyPr/>
-          <a:lstStyle/>
-          <a:p>
-            <a:r>
-              <a:rPr lang="fr-FR" sz="2000" dirty="0" smtClean="0">
-                <a:sym typeface="Wingdings" panose="05000000000000000000" pitchFamily="2" charset="2"/>
-              </a:rPr>
-              <a:t>Technologie dernier cri : prix élevé</a:t>
-            </a:r>
-          </a:p>
-          <a:p>
             <a:endParaRPr lang="fr-FR" sz="2000" dirty="0">
               <a:sym typeface="Wingdings" panose="05000000000000000000" pitchFamily="2" charset="2"/>
             </a:endParaRPr>
           </a:p>
           <a:p>
-            <a:endParaRPr lang="fr-FR" sz="2000" dirty="0" smtClean="0">
-              <a:sym typeface="Wingdings" panose="05000000000000000000" pitchFamily="2" charset="2"/>
-            </a:endParaRPr>
-          </a:p>
-          <a:p>
             <a:endParaRPr lang="fr-FR" sz="2000" dirty="0">
               <a:sym typeface="Wingdings" panose="05000000000000000000" pitchFamily="2" charset="2"/>
             </a:endParaRPr>
           </a:p>
           <a:p>
-            <a:endParaRPr lang="fr-FR" sz="2000" dirty="0" smtClean="0">
-              <a:sym typeface="Wingdings" panose="05000000000000000000" pitchFamily="2" charset="2"/>
-            </a:endParaRPr>
-          </a:p>
-          <a:p>
             <a:endParaRPr lang="fr-FR" sz="2000" dirty="0">
               <a:sym typeface="Wingdings" panose="05000000000000000000" pitchFamily="2" charset="2"/>
             </a:endParaRPr>
           </a:p>
           <a:p>
-            <a:endParaRPr lang="fr-FR" sz="2000" dirty="0" smtClean="0">
+            <a:endParaRPr lang="fr-FR" sz="2000" dirty="0">
               <a:sym typeface="Wingdings" panose="05000000000000000000" pitchFamily="2" charset="2"/>
             </a:endParaRPr>
           </a:p>
           <a:p>
-            <a:pPr marL="0" indent="0">
+            <a:endParaRPr lang="fr-FR" sz="2000" dirty="0">
+              <a:sym typeface="Wingdings" panose="05000000000000000000" pitchFamily="2" charset="2"/>
+            </a:endParaRPr>
+          </a:p>
+          <a:p>
+            <a:pPr marL="0" indent="0" algn="ctr">
               <a:buNone/>
             </a:pPr>
             <a:endParaRPr lang="fr-FR" sz="2000" dirty="0">
-              <a:sym typeface="Wingdings" panose="05000000000000000000" pitchFamily="2" charset="2"/>
-            </a:endParaRPr>
-          </a:p>
-          <a:p>
-            <a:r>
-              <a:rPr lang="fr-FR" sz="2000" dirty="0" smtClean="0">
-                <a:sym typeface="Wingdings" panose="05000000000000000000" pitchFamily="2" charset="2"/>
-              </a:rPr>
-              <a:t>Promotions pour les premiers clients !</a:t>
-            </a:r>
-          </a:p>
-          <a:p>
-            <a:r>
-              <a:rPr lang="fr-FR" sz="2000" dirty="0" smtClean="0">
-                <a:sym typeface="Wingdings" panose="05000000000000000000" pitchFamily="2" charset="2"/>
-              </a:rPr>
-              <a:t>Promotions pour les partenaires fournissant des mesures au microscope.</a:t>
-            </a:r>
-          </a:p>
-          <a:p>
-            <a:endParaRPr lang="fr-FR" sz="2000" dirty="0">
-              <a:sym typeface="Wingdings" panose="05000000000000000000" pitchFamily="2" charset="2"/>
-            </a:endParaRPr>
-          </a:p>
-          <a:p>
-            <a:endParaRPr lang="fr-FR" sz="2000" dirty="0" smtClean="0">
-              <a:sym typeface="Wingdings" panose="05000000000000000000" pitchFamily="2" charset="2"/>
-            </a:endParaRPr>
-          </a:p>
-          <a:p>
-            <a:endParaRPr lang="fr-FR" sz="2000" dirty="0" smtClean="0">
-              <a:sym typeface="Wingdings" panose="05000000000000000000" pitchFamily="2" charset="2"/>
-            </a:endParaRPr>
-          </a:p>
-        </p:txBody>
-      </p:sp>
-      <p:graphicFrame>
-        <p:nvGraphicFramePr>
-          <p:cNvPr id="10" name="Tableau 9"/>
-          <p:cNvGraphicFramePr>
-            <a:graphicFrameLocks noGrp="1"/>
-          </p:cNvGraphicFramePr>
-          <p:nvPr>
-            <p:extLst>
-              <p:ext uri="{D42A27DB-BD31-4B8C-83A1-F6EECF244321}">
-                <p14:modId xmlns:p14="http://schemas.microsoft.com/office/powerpoint/2010/main" val="3245826674"/>
-              </p:ext>
-            </p:extLst>
-          </p:nvPr>
-        </p:nvGraphicFramePr>
-        <p:xfrm>
-          <a:off x="1115616" y="2204864"/>
-          <a:ext cx="4032448" cy="1483360"/>
-        </p:xfrm>
-        <a:graphic>
-          <a:graphicData uri="http://schemas.openxmlformats.org/drawingml/2006/table">
-            <a:tbl>
-              <a:tblPr firstRow="1" bandRow="1">
-                <a:tableStyleId>{10A1B5D5-9B99-4C35-A422-299274C87663}</a:tableStyleId>
-              </a:tblPr>
-              <a:tblGrid>
-                <a:gridCol w="1897623"/>
-                <a:gridCol w="2134825"/>
-              </a:tblGrid>
-              <a:tr h="370840">
-                <a:tc>
-                  <a:txBody>
-                    <a:bodyPr/>
-                    <a:lstStyle/>
-                    <a:p>
-                      <a:r>
-                        <a:rPr lang="fr-FR" dirty="0" smtClean="0"/>
-                        <a:t>Logiciel</a:t>
-                      </a:r>
-                      <a:endParaRPr lang="fr-FR" dirty="0"/>
-                    </a:p>
-                  </a:txBody>
-                  <a:tcPr/>
-                </a:tc>
-                <a:tc>
-                  <a:txBody>
-                    <a:bodyPr/>
-                    <a:lstStyle/>
-                    <a:p>
-                      <a:r>
-                        <a:rPr lang="fr-FR" dirty="0" smtClean="0"/>
-                        <a:t>Prix à</a:t>
-                      </a:r>
-                      <a:r>
-                        <a:rPr lang="fr-FR" baseline="0" dirty="0" smtClean="0"/>
-                        <a:t> l’année (€)</a:t>
-                      </a:r>
-                      <a:endParaRPr lang="fr-FR" dirty="0"/>
-                    </a:p>
-                  </a:txBody>
-                  <a:tcPr/>
-                </a:tc>
-              </a:tr>
-              <a:tr h="370840">
-                <a:tc>
-                  <a:txBody>
-                    <a:bodyPr/>
-                    <a:lstStyle/>
-                    <a:p>
-                      <a:r>
-                        <a:rPr lang="fr-FR" dirty="0" smtClean="0"/>
-                        <a:t>Matlab</a:t>
-                      </a:r>
-                      <a:endParaRPr lang="fr-FR" dirty="0"/>
-                    </a:p>
-                  </a:txBody>
-                  <a:tcPr/>
-                </a:tc>
-                <a:tc>
-                  <a:txBody>
-                    <a:bodyPr/>
-                    <a:lstStyle/>
-                    <a:p>
-                      <a:pPr algn="ctr"/>
-                      <a:r>
-                        <a:rPr lang="fr-FR" dirty="0" smtClean="0"/>
-                        <a:t>2 000</a:t>
-                      </a:r>
-                      <a:endParaRPr lang="fr-FR" dirty="0"/>
-                    </a:p>
-                  </a:txBody>
-                  <a:tcPr/>
-                </a:tc>
-              </a:tr>
-              <a:tr h="370840">
-                <a:tc>
-                  <a:txBody>
-                    <a:bodyPr/>
-                    <a:lstStyle/>
-                    <a:p>
-                      <a:r>
-                        <a:rPr lang="fr-FR" dirty="0" err="1" smtClean="0"/>
-                        <a:t>CodeV</a:t>
-                      </a:r>
-                      <a:endParaRPr lang="fr-FR" dirty="0"/>
-                    </a:p>
-                  </a:txBody>
-                  <a:tcPr/>
-                </a:tc>
-                <a:tc>
-                  <a:txBody>
-                    <a:bodyPr/>
-                    <a:lstStyle/>
-                    <a:p>
-                      <a:pPr algn="ctr"/>
-                      <a:r>
-                        <a:rPr lang="fr-FR" dirty="0" smtClean="0"/>
-                        <a:t>3 500</a:t>
-                      </a:r>
-                      <a:endParaRPr lang="fr-FR" dirty="0"/>
-                    </a:p>
-                  </a:txBody>
-                  <a:tcPr/>
-                </a:tc>
-              </a:tr>
-              <a:tr h="370840">
-                <a:tc>
-                  <a:txBody>
-                    <a:bodyPr/>
-                    <a:lstStyle/>
-                    <a:p>
-                      <a:r>
-                        <a:rPr lang="fr-FR" dirty="0" smtClean="0"/>
-                        <a:t>FarView</a:t>
-                      </a:r>
-                      <a:endParaRPr lang="fr-FR" dirty="0"/>
-                    </a:p>
-                  </a:txBody>
-                  <a:tcPr/>
-                </a:tc>
-                <a:tc>
-                  <a:txBody>
-                    <a:bodyPr/>
-                    <a:lstStyle/>
-                    <a:p>
-                      <a:pPr algn="ctr"/>
-                      <a:r>
-                        <a:rPr lang="fr-FR" dirty="0" smtClean="0"/>
-                        <a:t>10 000</a:t>
-                      </a:r>
-                      <a:endParaRPr lang="fr-FR" dirty="0"/>
-                    </a:p>
-                  </a:txBody>
-                  <a:tcPr/>
-                </a:tc>
-              </a:tr>
-            </a:tbl>
-          </a:graphicData>
-        </a:graphic>
-      </p:graphicFrame>
-    </p:spTree>
-    <p:extLst>
-      <p:ext uri="{BB962C8B-B14F-4D97-AF65-F5344CB8AC3E}">
-        <p14:creationId xmlns:p14="http://schemas.microsoft.com/office/powerpoint/2010/main" val="3127200321"/>
-      </p:ext>
-    </p:extLst>
-  </p:cSld>
-  <p:clrMapOvr>
-    <a:masterClrMapping/>
-  </p:clrMapOvr>
-  <p:timing>
-    <p:tnLst>
-      <p:par>
-        <p:cTn id="1" dur="indefinite" restart="never" nodeType="tmRoot"/>
-      </p:par>
-    </p:tnLst>
-  </p:timing>
-</p:sld>
-</file>
-
-<file path=ppt/slides/slide7.xml><?xml version="1.0" encoding="utf-8"?>
-<p:sld xmlns:a="http://schemas.openxmlformats.org/drawingml/2006/main" xmlns:r="http://schemas.openxmlformats.org/officeDocument/2006/relationships" xmlns:p="http://schemas.openxmlformats.org/presentationml/2006/main">
-  <p:cSld>
-    <p:spTree>
-      <p:nvGrpSpPr>
-        <p:cNvPr id="1" name=""/>
-        <p:cNvGrpSpPr/>
-        <p:nvPr/>
-      </p:nvGrpSpPr>
-      <p:grpSpPr>
-        <a:xfrm>
-          <a:off x="0" y="0"/>
-          <a:ext cx="0" cy="0"/>
-          <a:chOff x="0" y="0"/>
-          <a:chExt cx="0" cy="0"/>
-        </a:xfrm>
-      </p:grpSpPr>
-      <p:sp>
-        <p:nvSpPr>
-          <p:cNvPr id="2" name="Espace réservé du numéro de diapositive 1"/>
-          <p:cNvSpPr>
-            <a:spLocks noGrp="1"/>
-          </p:cNvSpPr>
-          <p:nvPr>
-            <p:ph type="sldNum" sz="quarter" idx="4"/>
-          </p:nvPr>
-        </p:nvSpPr>
-        <p:spPr/>
-        <p:txBody>
-          <a:bodyPr/>
-          <a:lstStyle/>
-          <a:p>
-            <a:fld id="{AF5033CA-5AE6-4050-846C-3380E9744264}" type="slidenum">
-              <a:rPr lang="fr-FR" smtClean="0">
-                <a:solidFill>
-                  <a:prstClr val="black">
-                    <a:tint val="75000"/>
-                  </a:prstClr>
-                </a:solidFill>
-              </a:rPr>
-              <a:pPr/>
-              <a:t>7</a:t>
-            </a:fld>
-            <a:endParaRPr lang="fr-FR" dirty="0">
-              <a:solidFill>
-                <a:prstClr val="black">
-                  <a:tint val="75000"/>
-                </a:prstClr>
-              </a:solidFill>
-            </a:endParaRPr>
-          </a:p>
-        </p:txBody>
-      </p:sp>
-      <p:sp>
-        <p:nvSpPr>
-          <p:cNvPr id="3" name="Titre 2"/>
-          <p:cNvSpPr>
-            <a:spLocks noGrp="1"/>
-          </p:cNvSpPr>
-          <p:nvPr>
-            <p:ph type="title"/>
-          </p:nvPr>
-        </p:nvSpPr>
-        <p:spPr/>
-        <p:txBody>
-          <a:bodyPr/>
-          <a:lstStyle/>
-          <a:p>
-            <a:r>
-              <a:rPr lang="fr-FR" sz="2800" dirty="0" smtClean="0"/>
-              <a:t>Développement</a:t>
-            </a:r>
-            <a:endParaRPr lang="fr-FR" sz="2800" dirty="0"/>
-          </a:p>
-        </p:txBody>
-      </p:sp>
-      <p:sp>
-        <p:nvSpPr>
-          <p:cNvPr id="4" name="Espace réservé du contenu 3"/>
-          <p:cNvSpPr>
-            <a:spLocks noGrp="1"/>
-          </p:cNvSpPr>
-          <p:nvPr>
-            <p:ph sz="quarter" idx="19"/>
-          </p:nvPr>
-        </p:nvSpPr>
-        <p:spPr>
-          <a:xfrm>
-            <a:off x="179512" y="1484784"/>
-            <a:ext cx="8784976" cy="4680520"/>
-          </a:xfrm>
-        </p:spPr>
-        <p:txBody>
-          <a:bodyPr/>
-          <a:lstStyle/>
-          <a:p>
-            <a:r>
-              <a:rPr lang="fr-FR" sz="2000" dirty="0" smtClean="0">
-                <a:sym typeface="Wingdings" panose="05000000000000000000" pitchFamily="2" charset="2"/>
-              </a:rPr>
-              <a:t>Les bureaux:</a:t>
-            </a:r>
-          </a:p>
-          <a:p>
-            <a:endParaRPr lang="fr-FR" sz="2000" dirty="0">
-              <a:sym typeface="Wingdings" panose="05000000000000000000" pitchFamily="2" charset="2"/>
-            </a:endParaRPr>
-          </a:p>
-          <a:p>
-            <a:endParaRPr lang="fr-FR" sz="2000" dirty="0" smtClean="0">
-              <a:sym typeface="Wingdings" panose="05000000000000000000" pitchFamily="2" charset="2"/>
-            </a:endParaRPr>
-          </a:p>
-          <a:p>
-            <a:endParaRPr lang="fr-FR" sz="2000" dirty="0">
-              <a:sym typeface="Wingdings" panose="05000000000000000000" pitchFamily="2" charset="2"/>
-            </a:endParaRPr>
-          </a:p>
-          <a:p>
-            <a:endParaRPr lang="fr-FR" sz="2000" dirty="0" smtClean="0">
-              <a:sym typeface="Wingdings" panose="05000000000000000000" pitchFamily="2" charset="2"/>
-            </a:endParaRPr>
-          </a:p>
-          <a:p>
-            <a:endParaRPr lang="fr-FR" sz="2000" dirty="0">
-              <a:sym typeface="Wingdings" panose="05000000000000000000" pitchFamily="2" charset="2"/>
-            </a:endParaRPr>
-          </a:p>
-          <a:p>
-            <a:endParaRPr lang="fr-FR" sz="2000" dirty="0" smtClean="0">
-              <a:sym typeface="Wingdings" panose="05000000000000000000" pitchFamily="2" charset="2"/>
-            </a:endParaRPr>
-          </a:p>
-          <a:p>
-            <a:pPr marL="0" indent="0" algn="ctr">
-              <a:buNone/>
-            </a:pPr>
-            <a:endParaRPr lang="fr-FR" sz="2000" dirty="0" smtClean="0">
               <a:sym typeface="Wingdings" panose="05000000000000000000" pitchFamily="2" charset="2"/>
             </a:endParaRPr>
           </a:p>
@@ -4246,24 +3871,7 @@
                 </a:solidFill>
                 <a:sym typeface="Wingdings" panose="05000000000000000000" pitchFamily="2" charset="2"/>
               </a:rPr>
-              <a:t>	 </a:t>
-            </a:r>
-            <a:r>
-              <a:rPr lang="fr-FR" sz="2000" dirty="0" smtClean="0">
-                <a:solidFill>
-                  <a:srgbClr val="0070C0"/>
-                </a:solidFill>
-                <a:sym typeface="Wingdings" panose="05000000000000000000" pitchFamily="2" charset="2"/>
-              </a:rPr>
-              <a:t>     </a:t>
-            </a:r>
-            <a:r>
-              <a:rPr lang="fr-FR" sz="1200" dirty="0" smtClean="0">
-                <a:solidFill>
-                  <a:srgbClr val="0070C0"/>
-                </a:solidFill>
-              </a:rPr>
-              <a:t>Institut </a:t>
+              <a:t>	      </a:t>
             </a:r>
             <a:r>
               <a:rPr lang="fr-FR" sz="1200" dirty="0">
@@ -4271,7 +3879,7 @@
                   <a:srgbClr val="0070C0"/>
                 </a:solidFill>
               </a:rPr>
-              <a:t>d'Optique d'Aquitaine, pôle de recherche photonique en Aquitaine</a:t>
+              <a:t>Institut d'Optique d'Aquitaine, pôle de recherche photonique en Aquitaine</a:t>
             </a:r>
             <a:endParaRPr lang="fr-FR" sz="1200" dirty="0">
               <a:solidFill>
@@ -4282,7 +3890,7 @@
           </a:p>
           <a:p>
             <a:r>
-              <a:rPr lang="fr-FR" sz="2000" dirty="0" smtClean="0">
+              <a:rPr lang="fr-FR" sz="2000" dirty="0">
                 <a:sym typeface="Wingdings" panose="05000000000000000000" pitchFamily="2" charset="2"/>
               </a:rPr>
               <a:t>Immersion dans un milieu scientifique, avec partenaires et clients potentiels.</a:t>
@@ -4294,12 +3902,12 @@
             </a:endParaRPr>
           </a:p>
           <a:p>
-            <a:endParaRPr lang="fr-FR" sz="2000" dirty="0" smtClean="0">
+            <a:endParaRPr lang="fr-FR" sz="2000" dirty="0">
               <a:sym typeface="Wingdings" panose="05000000000000000000" pitchFamily="2" charset="2"/>
             </a:endParaRPr>
           </a:p>
           <a:p>
-            <a:endParaRPr lang="fr-FR" sz="2000" dirty="0" smtClean="0">
+            <a:endParaRPr lang="fr-FR" sz="2000" dirty="0">
               <a:sym typeface="Wingdings" panose="05000000000000000000" pitchFamily="2" charset="2"/>
             </a:endParaRPr>
           </a:p>
@@ -4554,13 +4162,2321 @@
   <p:clrMapOvr>
     <a:masterClrMapping/>
   </p:clrMapOvr>
-  <p:timing>
-    <p:tnLst>
-      <p:par>
-        <p:cTn id="1" dur="indefinite" restart="never" nodeType="tmRoot"/>
-      </p:par>
-    </p:tnLst>
-  </p:timing>
+</p:sld>
+</file>
+
+<file path=ppt/slides/slide14.xml><?xml version="1.0" encoding="utf-8"?>
+<p:sld xmlns:a="http://schemas.openxmlformats.org/drawingml/2006/main" xmlns:r="http://schemas.openxmlformats.org/officeDocument/2006/relationships" xmlns:p="http://schemas.openxmlformats.org/presentationml/2006/main">
+  <p:cSld>
+    <p:spTree>
+      <p:nvGrpSpPr>
+        <p:cNvPr id="1" name=""/>
+        <p:cNvGrpSpPr/>
+        <p:nvPr/>
+      </p:nvGrpSpPr>
+      <p:grpSpPr>
+        <a:xfrm>
+          <a:off x="0" y="0"/>
+          <a:ext cx="0" cy="0"/>
+          <a:chOff x="0" y="0"/>
+          <a:chExt cx="0" cy="0"/>
+        </a:xfrm>
+      </p:grpSpPr>
+      <p:sp>
+        <p:nvSpPr>
+          <p:cNvPr id="2" name="Espace réservé du numéro de diapositive 1"/>
+          <p:cNvSpPr>
+            <a:spLocks noGrp="1"/>
+          </p:cNvSpPr>
+          <p:nvPr>
+            <p:ph type="sldNum" sz="quarter" idx="4"/>
+          </p:nvPr>
+        </p:nvSpPr>
+        <p:spPr/>
+        <p:txBody>
+          <a:bodyPr/>
+          <a:lstStyle/>
+          <a:p>
+            <a:fld id="{AF5033CA-5AE6-4050-846C-3380E9744264}" type="slidenum">
+              <a:rPr lang="fr-FR" smtClean="0">
+                <a:solidFill>
+                  <a:prstClr val="black">
+                    <a:tint val="75000"/>
+                  </a:prstClr>
+                </a:solidFill>
+              </a:rPr>
+              <a:pPr/>
+              <a:t>14</a:t>
+            </a:fld>
+            <a:endParaRPr lang="fr-FR" dirty="0">
+              <a:solidFill>
+                <a:prstClr val="black">
+                  <a:tint val="75000"/>
+                </a:prstClr>
+              </a:solidFill>
+            </a:endParaRPr>
+          </a:p>
+        </p:txBody>
+      </p:sp>
+      <p:sp>
+        <p:nvSpPr>
+          <p:cNvPr id="3" name="Titre 2"/>
+          <p:cNvSpPr>
+            <a:spLocks noGrp="1"/>
+          </p:cNvSpPr>
+          <p:nvPr>
+            <p:ph type="title"/>
+          </p:nvPr>
+        </p:nvSpPr>
+        <p:spPr/>
+        <p:txBody>
+          <a:bodyPr/>
+          <a:lstStyle/>
+          <a:p>
+            <a:r>
+              <a:rPr lang="fr-FR" sz="2800" dirty="0"/>
+              <a:t>Développement</a:t>
+            </a:r>
+          </a:p>
+        </p:txBody>
+      </p:sp>
+      <p:sp>
+        <p:nvSpPr>
+          <p:cNvPr id="4" name="Espace réservé du contenu 3"/>
+          <p:cNvSpPr>
+            <a:spLocks noGrp="1"/>
+          </p:cNvSpPr>
+          <p:nvPr>
+            <p:ph sz="quarter" idx="19"/>
+          </p:nvPr>
+        </p:nvSpPr>
+        <p:spPr>
+          <a:xfrm>
+            <a:off x="683568" y="1700808"/>
+            <a:ext cx="8784976" cy="3024336"/>
+          </a:xfrm>
+        </p:spPr>
+        <p:txBody>
+          <a:bodyPr/>
+          <a:lstStyle/>
+          <a:p>
+            <a:r>
+              <a:rPr lang="fr-FR" sz="2000" u="sng" dirty="0">
+                <a:sym typeface="Wingdings" panose="05000000000000000000" pitchFamily="2" charset="2"/>
+              </a:rPr>
+              <a:t>Première année:</a:t>
+            </a:r>
+          </a:p>
+          <a:p>
+            <a:endParaRPr lang="fr-FR" sz="2000" dirty="0">
+              <a:sym typeface="Wingdings" panose="05000000000000000000" pitchFamily="2" charset="2"/>
+            </a:endParaRPr>
+          </a:p>
+          <a:p>
+            <a:pPr marL="0" indent="0">
+              <a:buNone/>
+            </a:pPr>
+            <a:r>
+              <a:rPr lang="fr-FR" sz="2000" dirty="0">
+                <a:sym typeface="Wingdings" panose="05000000000000000000" pitchFamily="2" charset="2"/>
+              </a:rPr>
+              <a:t>Développement du logiciel FarView ( microscopie STORM)</a:t>
+            </a:r>
+          </a:p>
+          <a:p>
+            <a:pPr marL="0" indent="0">
+              <a:buNone/>
+            </a:pPr>
+            <a:endParaRPr lang="fr-FR" sz="2000" dirty="0">
+              <a:sym typeface="Wingdings" panose="05000000000000000000" pitchFamily="2" charset="2"/>
+            </a:endParaRPr>
+          </a:p>
+          <a:p>
+            <a:pPr marL="0" indent="0">
+              <a:buNone/>
+            </a:pPr>
+            <a:r>
+              <a:rPr lang="fr-FR" sz="2000" dirty="0">
+                <a:sym typeface="Wingdings" panose="05000000000000000000" pitchFamily="2" charset="2"/>
+              </a:rPr>
+              <a:t>Création du site et du système de vente.</a:t>
+            </a:r>
+          </a:p>
+          <a:p>
+            <a:pPr marL="0" indent="0">
+              <a:buNone/>
+            </a:pPr>
+            <a:endParaRPr lang="fr-FR" sz="2000" dirty="0">
+              <a:sym typeface="Wingdings" panose="05000000000000000000" pitchFamily="2" charset="2"/>
+            </a:endParaRPr>
+          </a:p>
+          <a:p>
+            <a:pPr marL="0" indent="0">
+              <a:buNone/>
+            </a:pPr>
+            <a:r>
+              <a:rPr lang="fr-FR" sz="2000" dirty="0">
+                <a:sym typeface="Wingdings" panose="05000000000000000000" pitchFamily="2" charset="2"/>
+              </a:rPr>
+              <a:t>Publications scientifiques, partage de la démo, conférences…</a:t>
+            </a:r>
+            <a:endParaRPr lang="fr-FR" sz="1800" dirty="0">
+              <a:sym typeface="Wingdings" panose="05000000000000000000" pitchFamily="2" charset="2"/>
+            </a:endParaRPr>
+          </a:p>
+          <a:p>
+            <a:pPr marL="0" indent="0">
+              <a:buNone/>
+            </a:pPr>
+            <a:endParaRPr lang="fr-FR" sz="2000" dirty="0">
+              <a:sym typeface="Wingdings" panose="05000000000000000000" pitchFamily="2" charset="2"/>
+            </a:endParaRPr>
+          </a:p>
+          <a:p>
+            <a:pPr marL="0" indent="0">
+              <a:buNone/>
+            </a:pPr>
+            <a:endParaRPr lang="fr-FR" sz="2000" dirty="0">
+              <a:sym typeface="Wingdings" panose="05000000000000000000" pitchFamily="2" charset="2"/>
+            </a:endParaRPr>
+          </a:p>
+          <a:p>
+            <a:endParaRPr lang="fr-FR" sz="2000" dirty="0">
+              <a:sym typeface="Wingdings" panose="05000000000000000000" pitchFamily="2" charset="2"/>
+            </a:endParaRPr>
+          </a:p>
+          <a:p>
+            <a:endParaRPr lang="fr-FR" sz="2000" dirty="0">
+              <a:sym typeface="Wingdings" panose="05000000000000000000" pitchFamily="2" charset="2"/>
+            </a:endParaRPr>
+          </a:p>
+          <a:p>
+            <a:pPr marL="0" indent="0" algn="ctr">
+              <a:buNone/>
+            </a:pPr>
+            <a:endParaRPr lang="fr-FR" sz="2000" dirty="0">
+              <a:sym typeface="Wingdings" panose="05000000000000000000" pitchFamily="2" charset="2"/>
+            </a:endParaRPr>
+          </a:p>
+          <a:p>
+            <a:pPr marL="0" indent="0">
+              <a:buNone/>
+            </a:pPr>
+            <a:r>
+              <a:rPr lang="fr-FR" sz="2000" dirty="0">
+                <a:solidFill>
+                  <a:srgbClr val="0070C0"/>
+                </a:solidFill>
+                <a:sym typeface="Wingdings" panose="05000000000000000000" pitchFamily="2" charset="2"/>
+              </a:rPr>
+              <a:t>	</a:t>
+            </a:r>
+            <a:endParaRPr lang="fr-FR" sz="2000" dirty="0">
+              <a:sym typeface="Wingdings" panose="05000000000000000000" pitchFamily="2" charset="2"/>
+            </a:endParaRPr>
+          </a:p>
+          <a:p>
+            <a:endParaRPr lang="fr-FR" sz="2000" dirty="0">
+              <a:sym typeface="Wingdings" panose="05000000000000000000" pitchFamily="2" charset="2"/>
+            </a:endParaRPr>
+          </a:p>
+          <a:p>
+            <a:endParaRPr lang="fr-FR" sz="2000" dirty="0">
+              <a:sym typeface="Wingdings" panose="05000000000000000000" pitchFamily="2" charset="2"/>
+            </a:endParaRPr>
+          </a:p>
+        </p:txBody>
+      </p:sp>
+    </p:spTree>
+    <p:extLst>
+      <p:ext uri="{BB962C8B-B14F-4D97-AF65-F5344CB8AC3E}">
+        <p14:creationId xmlns:p14="http://schemas.microsoft.com/office/powerpoint/2010/main" val="1357347492"/>
+      </p:ext>
+    </p:extLst>
+  </p:cSld>
+  <p:clrMapOvr>
+    <a:masterClrMapping/>
+  </p:clrMapOvr>
+</p:sld>
+</file>
+
+<file path=ppt/slides/slide15.xml><?xml version="1.0" encoding="utf-8"?>
+<p:sld xmlns:a="http://schemas.openxmlformats.org/drawingml/2006/main" xmlns:r="http://schemas.openxmlformats.org/officeDocument/2006/relationships" xmlns:p="http://schemas.openxmlformats.org/presentationml/2006/main">
+  <p:cSld>
+    <p:spTree>
+      <p:nvGrpSpPr>
+        <p:cNvPr id="1" name=""/>
+        <p:cNvGrpSpPr/>
+        <p:nvPr/>
+      </p:nvGrpSpPr>
+      <p:grpSpPr>
+        <a:xfrm>
+          <a:off x="0" y="0"/>
+          <a:ext cx="0" cy="0"/>
+          <a:chOff x="0" y="0"/>
+          <a:chExt cx="0" cy="0"/>
+        </a:xfrm>
+      </p:grpSpPr>
+      <p:sp>
+        <p:nvSpPr>
+          <p:cNvPr id="2" name="Espace réservé du numéro de diapositive 1"/>
+          <p:cNvSpPr>
+            <a:spLocks noGrp="1"/>
+          </p:cNvSpPr>
+          <p:nvPr>
+            <p:ph type="sldNum" sz="quarter" idx="4"/>
+          </p:nvPr>
+        </p:nvSpPr>
+        <p:spPr/>
+        <p:txBody>
+          <a:bodyPr/>
+          <a:lstStyle/>
+          <a:p>
+            <a:fld id="{AF5033CA-5AE6-4050-846C-3380E9744264}" type="slidenum">
+              <a:rPr lang="fr-FR" smtClean="0">
+                <a:solidFill>
+                  <a:prstClr val="black">
+                    <a:tint val="75000"/>
+                  </a:prstClr>
+                </a:solidFill>
+              </a:rPr>
+              <a:pPr/>
+              <a:t>15</a:t>
+            </a:fld>
+            <a:endParaRPr lang="fr-FR" dirty="0">
+              <a:solidFill>
+                <a:prstClr val="black">
+                  <a:tint val="75000"/>
+                </a:prstClr>
+              </a:solidFill>
+            </a:endParaRPr>
+          </a:p>
+        </p:txBody>
+      </p:sp>
+      <p:sp>
+        <p:nvSpPr>
+          <p:cNvPr id="3" name="Titre 2"/>
+          <p:cNvSpPr>
+            <a:spLocks noGrp="1"/>
+          </p:cNvSpPr>
+          <p:nvPr>
+            <p:ph type="title"/>
+          </p:nvPr>
+        </p:nvSpPr>
+        <p:spPr/>
+        <p:txBody>
+          <a:bodyPr/>
+          <a:lstStyle/>
+          <a:p>
+            <a:pPr algn="ctr"/>
+            <a:r>
+              <a:rPr lang="fr-FR" sz="3200" dirty="0"/>
+              <a:t>Développement</a:t>
+            </a:r>
+          </a:p>
+        </p:txBody>
+      </p:sp>
+      <p:sp>
+        <p:nvSpPr>
+          <p:cNvPr id="4" name="Espace réservé du contenu 3"/>
+          <p:cNvSpPr>
+            <a:spLocks noGrp="1"/>
+          </p:cNvSpPr>
+          <p:nvPr>
+            <p:ph sz="quarter" idx="19"/>
+          </p:nvPr>
+        </p:nvSpPr>
+        <p:spPr>
+          <a:xfrm>
+            <a:off x="683568" y="1700808"/>
+            <a:ext cx="8784976" cy="4680520"/>
+          </a:xfrm>
+        </p:spPr>
+        <p:txBody>
+          <a:bodyPr/>
+          <a:lstStyle/>
+          <a:p>
+            <a:r>
+              <a:rPr lang="fr-FR" sz="2000" u="sng" dirty="0">
+                <a:sym typeface="Wingdings" panose="05000000000000000000" pitchFamily="2" charset="2"/>
+              </a:rPr>
+              <a:t>Deuxième année:</a:t>
+            </a:r>
+          </a:p>
+          <a:p>
+            <a:endParaRPr lang="fr-FR" sz="2000" dirty="0">
+              <a:sym typeface="Wingdings" panose="05000000000000000000" pitchFamily="2" charset="2"/>
+            </a:endParaRPr>
+          </a:p>
+          <a:p>
+            <a:pPr marL="0" indent="0">
+              <a:buNone/>
+            </a:pPr>
+            <a:r>
+              <a:rPr lang="fr-FR" sz="2000" dirty="0">
+                <a:sym typeface="Wingdings" panose="05000000000000000000" pitchFamily="2" charset="2"/>
+              </a:rPr>
+              <a:t>Amélioration des locaux et du matériel</a:t>
+            </a:r>
+          </a:p>
+          <a:p>
+            <a:pPr marL="0" indent="0">
+              <a:buNone/>
+            </a:pPr>
+            <a:r>
+              <a:rPr lang="fr-FR" sz="2000" dirty="0">
+                <a:sym typeface="Wingdings" panose="05000000000000000000" pitchFamily="2" charset="2"/>
+              </a:rPr>
+              <a:t>Emploi éventuel d’un responsable marketing/économie</a:t>
+            </a:r>
+            <a:endParaRPr lang="fr-FR" sz="1800" dirty="0">
+              <a:sym typeface="Wingdings" panose="05000000000000000000" pitchFamily="2" charset="2"/>
+            </a:endParaRPr>
+          </a:p>
+          <a:p>
+            <a:pPr marL="0" indent="0">
+              <a:buNone/>
+            </a:pPr>
+            <a:r>
+              <a:rPr lang="fr-FR" sz="1800" dirty="0">
+                <a:sym typeface="Wingdings" panose="05000000000000000000" pitchFamily="2" charset="2"/>
+              </a:rPr>
+              <a:t>	</a:t>
+            </a:r>
+          </a:p>
+          <a:p>
+            <a:pPr marL="0" indent="0">
+              <a:buNone/>
+            </a:pPr>
+            <a:r>
+              <a:rPr lang="fr-FR" sz="2000" dirty="0">
+                <a:sym typeface="Wingdings" panose="05000000000000000000" pitchFamily="2" charset="2"/>
+              </a:rPr>
+              <a:t>Développement d’un produit moins spécifique et de produits tiers.</a:t>
+            </a:r>
+            <a:br>
+              <a:rPr lang="fr-FR" sz="2000" dirty="0">
+                <a:sym typeface="Wingdings" panose="05000000000000000000" pitchFamily="2" charset="2"/>
+              </a:rPr>
+            </a:br>
+            <a:r>
+              <a:rPr lang="fr-FR" sz="2000" dirty="0">
+                <a:sym typeface="Wingdings" panose="05000000000000000000" pitchFamily="2" charset="2"/>
+              </a:rPr>
+              <a:t>Baisse prévue du prix de FarView, si émergence de nouvelles technologies.</a:t>
+            </a:r>
+            <a:endParaRPr lang="fr-FR" sz="1800" dirty="0">
+              <a:sym typeface="Wingdings" panose="05000000000000000000" pitchFamily="2" charset="2"/>
+            </a:endParaRPr>
+          </a:p>
+          <a:p>
+            <a:pPr marL="0" indent="0">
+              <a:buNone/>
+            </a:pPr>
+            <a:endParaRPr lang="fr-FR" sz="2000" dirty="0">
+              <a:sym typeface="Wingdings" panose="05000000000000000000" pitchFamily="2" charset="2"/>
+            </a:endParaRPr>
+          </a:p>
+          <a:p>
+            <a:pPr marL="0" indent="0">
+              <a:buNone/>
+            </a:pPr>
+            <a:endParaRPr lang="fr-FR" sz="2000" dirty="0">
+              <a:sym typeface="Wingdings" panose="05000000000000000000" pitchFamily="2" charset="2"/>
+            </a:endParaRPr>
+          </a:p>
+          <a:p>
+            <a:endParaRPr lang="fr-FR" sz="2000" dirty="0">
+              <a:sym typeface="Wingdings" panose="05000000000000000000" pitchFamily="2" charset="2"/>
+            </a:endParaRPr>
+          </a:p>
+          <a:p>
+            <a:endParaRPr lang="fr-FR" sz="2000" dirty="0">
+              <a:sym typeface="Wingdings" panose="05000000000000000000" pitchFamily="2" charset="2"/>
+            </a:endParaRPr>
+          </a:p>
+          <a:p>
+            <a:pPr marL="0" indent="0" algn="ctr">
+              <a:buNone/>
+            </a:pPr>
+            <a:endParaRPr lang="fr-FR" sz="2000" dirty="0">
+              <a:sym typeface="Wingdings" panose="05000000000000000000" pitchFamily="2" charset="2"/>
+            </a:endParaRPr>
+          </a:p>
+          <a:p>
+            <a:pPr marL="0" indent="0">
+              <a:buNone/>
+            </a:pPr>
+            <a:r>
+              <a:rPr lang="fr-FR" sz="2000" dirty="0">
+                <a:solidFill>
+                  <a:srgbClr val="0070C0"/>
+                </a:solidFill>
+                <a:sym typeface="Wingdings" panose="05000000000000000000" pitchFamily="2" charset="2"/>
+              </a:rPr>
+              <a:t>	</a:t>
+            </a:r>
+            <a:endParaRPr lang="fr-FR" sz="2000" dirty="0">
+              <a:sym typeface="Wingdings" panose="05000000000000000000" pitchFamily="2" charset="2"/>
+            </a:endParaRPr>
+          </a:p>
+          <a:p>
+            <a:endParaRPr lang="fr-FR" sz="2000" dirty="0">
+              <a:sym typeface="Wingdings" panose="05000000000000000000" pitchFamily="2" charset="2"/>
+            </a:endParaRPr>
+          </a:p>
+          <a:p>
+            <a:endParaRPr lang="fr-FR" sz="2000" dirty="0">
+              <a:sym typeface="Wingdings" panose="05000000000000000000" pitchFamily="2" charset="2"/>
+            </a:endParaRPr>
+          </a:p>
+        </p:txBody>
+      </p:sp>
+    </p:spTree>
+    <p:extLst>
+      <p:ext uri="{BB962C8B-B14F-4D97-AF65-F5344CB8AC3E}">
+        <p14:creationId xmlns:p14="http://schemas.microsoft.com/office/powerpoint/2010/main" val="3276425793"/>
+      </p:ext>
+    </p:extLst>
+  </p:cSld>
+  <p:clrMapOvr>
+    <a:masterClrMapping/>
+  </p:clrMapOvr>
+</p:sld>
+</file>
+
+<file path=ppt/slides/slide16.xml><?xml version="1.0" encoding="utf-8"?>
+<p:sld xmlns:a="http://schemas.openxmlformats.org/drawingml/2006/main" xmlns:r="http://schemas.openxmlformats.org/officeDocument/2006/relationships" xmlns:p="http://schemas.openxmlformats.org/presentationml/2006/main">
+  <p:cSld>
+    <p:spTree>
+      <p:nvGrpSpPr>
+        <p:cNvPr id="1" name=""/>
+        <p:cNvGrpSpPr/>
+        <p:nvPr/>
+      </p:nvGrpSpPr>
+      <p:grpSpPr>
+        <a:xfrm>
+          <a:off x="0" y="0"/>
+          <a:ext cx="0" cy="0"/>
+          <a:chOff x="0" y="0"/>
+          <a:chExt cx="0" cy="0"/>
+        </a:xfrm>
+      </p:grpSpPr>
+      <p:sp>
+        <p:nvSpPr>
+          <p:cNvPr id="2" name="Espace réservé du numéro de diapositive 1"/>
+          <p:cNvSpPr>
+            <a:spLocks noGrp="1"/>
+          </p:cNvSpPr>
+          <p:nvPr>
+            <p:ph type="sldNum" sz="quarter" idx="4"/>
+          </p:nvPr>
+        </p:nvSpPr>
+        <p:spPr/>
+        <p:txBody>
+          <a:bodyPr/>
+          <a:lstStyle/>
+          <a:p>
+            <a:fld id="{AF5033CA-5AE6-4050-846C-3380E9744264}" type="slidenum">
+              <a:rPr lang="fr-FR" smtClean="0">
+                <a:solidFill>
+                  <a:prstClr val="black">
+                    <a:tint val="75000"/>
+                  </a:prstClr>
+                </a:solidFill>
+              </a:rPr>
+              <a:pPr/>
+              <a:t>16</a:t>
+            </a:fld>
+            <a:endParaRPr lang="fr-FR" dirty="0">
+              <a:solidFill>
+                <a:prstClr val="black">
+                  <a:tint val="75000"/>
+                </a:prstClr>
+              </a:solidFill>
+            </a:endParaRPr>
+          </a:p>
+        </p:txBody>
+      </p:sp>
+      <p:sp>
+        <p:nvSpPr>
+          <p:cNvPr id="3" name="Titre 2"/>
+          <p:cNvSpPr>
+            <a:spLocks noGrp="1"/>
+          </p:cNvSpPr>
+          <p:nvPr>
+            <p:ph type="title"/>
+          </p:nvPr>
+        </p:nvSpPr>
+        <p:spPr/>
+        <p:txBody>
+          <a:bodyPr/>
+          <a:lstStyle/>
+          <a:p>
+            <a:r>
+              <a:rPr lang="fr-FR" sz="2800" dirty="0"/>
+              <a:t>Développement</a:t>
+            </a:r>
+          </a:p>
+        </p:txBody>
+      </p:sp>
+      <p:sp>
+        <p:nvSpPr>
+          <p:cNvPr id="4" name="Espace réservé du contenu 3"/>
+          <p:cNvSpPr>
+            <a:spLocks noGrp="1"/>
+          </p:cNvSpPr>
+          <p:nvPr>
+            <p:ph sz="quarter" idx="19"/>
+          </p:nvPr>
+        </p:nvSpPr>
+        <p:spPr>
+          <a:xfrm>
+            <a:off x="683568" y="1700808"/>
+            <a:ext cx="8784976" cy="4680520"/>
+          </a:xfrm>
+        </p:spPr>
+        <p:txBody>
+          <a:bodyPr/>
+          <a:lstStyle/>
+          <a:p>
+            <a:r>
+              <a:rPr lang="fr-FR" sz="2000" u="sng" dirty="0">
+                <a:sym typeface="Wingdings" panose="05000000000000000000" pitchFamily="2" charset="2"/>
+              </a:rPr>
+              <a:t>Troisième année:</a:t>
+            </a:r>
+          </a:p>
+          <a:p>
+            <a:pPr marL="0" indent="0">
+              <a:buNone/>
+            </a:pPr>
+            <a:r>
+              <a:rPr lang="fr-FR" sz="1800" dirty="0">
+                <a:sym typeface="Wingdings" panose="05000000000000000000" pitchFamily="2" charset="2"/>
+              </a:rPr>
+              <a:t>	</a:t>
+            </a:r>
+          </a:p>
+          <a:p>
+            <a:pPr marL="0" indent="0">
+              <a:buNone/>
+            </a:pPr>
+            <a:r>
+              <a:rPr lang="fr-FR" sz="2000" dirty="0">
+                <a:sym typeface="Wingdings" panose="05000000000000000000" pitchFamily="2" charset="2"/>
+              </a:rPr>
+              <a:t>Développement de nouveaux logiciels</a:t>
+            </a:r>
+          </a:p>
+          <a:p>
+            <a:pPr marL="0" indent="0">
+              <a:buNone/>
+            </a:pPr>
+            <a:r>
+              <a:rPr lang="fr-FR" sz="2000" dirty="0">
+                <a:sym typeface="Wingdings" panose="05000000000000000000" pitchFamily="2" charset="2"/>
+              </a:rPr>
+              <a:t>Etudes des nouvelles technologies émergentes…</a:t>
+            </a:r>
+          </a:p>
+          <a:p>
+            <a:pPr marL="0" indent="0">
+              <a:buNone/>
+            </a:pPr>
+            <a:r>
+              <a:rPr lang="fr-FR" sz="2000" dirty="0">
+                <a:sym typeface="Wingdings" panose="05000000000000000000" pitchFamily="2" charset="2"/>
+              </a:rPr>
+              <a:t>On vend de plus en plus de licences</a:t>
+            </a:r>
+            <a:endParaRPr lang="fr-FR" sz="1800" dirty="0">
+              <a:sym typeface="Wingdings" panose="05000000000000000000" pitchFamily="2" charset="2"/>
+            </a:endParaRPr>
+          </a:p>
+          <a:p>
+            <a:pPr marL="0" indent="0">
+              <a:buNone/>
+            </a:pPr>
+            <a:endParaRPr lang="fr-FR" sz="2000" dirty="0">
+              <a:sym typeface="Wingdings" panose="05000000000000000000" pitchFamily="2" charset="2"/>
+            </a:endParaRPr>
+          </a:p>
+          <a:p>
+            <a:pPr marL="0" indent="0">
+              <a:buNone/>
+            </a:pPr>
+            <a:r>
+              <a:rPr lang="fr-FR" sz="2000" dirty="0">
+                <a:sym typeface="Wingdings" panose="05000000000000000000" pitchFamily="2" charset="2"/>
+              </a:rPr>
+              <a:t>Partenariat avec l’un des </a:t>
+            </a:r>
+            <a:r>
+              <a:rPr lang="fr-FR" sz="2000" i="1" dirty="0" err="1">
+                <a:sym typeface="Wingdings" panose="05000000000000000000" pitchFamily="2" charset="2"/>
+              </a:rPr>
+              <a:t>Big</a:t>
+            </a:r>
+            <a:r>
+              <a:rPr lang="fr-FR" sz="2000" i="1" dirty="0">
+                <a:sym typeface="Wingdings" panose="05000000000000000000" pitchFamily="2" charset="2"/>
+              </a:rPr>
+              <a:t> Four </a:t>
+            </a:r>
+            <a:r>
+              <a:rPr lang="fr-FR" sz="2000" dirty="0">
+                <a:sym typeface="Wingdings" panose="05000000000000000000" pitchFamily="2" charset="2"/>
+              </a:rPr>
+              <a:t>?</a:t>
+            </a:r>
+          </a:p>
+          <a:p>
+            <a:endParaRPr lang="fr-FR" sz="2000" dirty="0">
+              <a:sym typeface="Wingdings" panose="05000000000000000000" pitchFamily="2" charset="2"/>
+            </a:endParaRPr>
+          </a:p>
+          <a:p>
+            <a:endParaRPr lang="fr-FR" sz="2000" dirty="0">
+              <a:sym typeface="Wingdings" panose="05000000000000000000" pitchFamily="2" charset="2"/>
+            </a:endParaRPr>
+          </a:p>
+          <a:p>
+            <a:endParaRPr lang="fr-FR" sz="2000" dirty="0">
+              <a:sym typeface="Wingdings" panose="05000000000000000000" pitchFamily="2" charset="2"/>
+            </a:endParaRPr>
+          </a:p>
+          <a:p>
+            <a:pPr marL="0" indent="0" algn="ctr">
+              <a:buNone/>
+            </a:pPr>
+            <a:endParaRPr lang="fr-FR" sz="2000" dirty="0">
+              <a:sym typeface="Wingdings" panose="05000000000000000000" pitchFamily="2" charset="2"/>
+            </a:endParaRPr>
+          </a:p>
+          <a:p>
+            <a:pPr marL="0" indent="0">
+              <a:buNone/>
+            </a:pPr>
+            <a:r>
+              <a:rPr lang="fr-FR" sz="2000" dirty="0">
+                <a:solidFill>
+                  <a:srgbClr val="0070C0"/>
+                </a:solidFill>
+                <a:sym typeface="Wingdings" panose="05000000000000000000" pitchFamily="2" charset="2"/>
+              </a:rPr>
+              <a:t>	</a:t>
+            </a:r>
+            <a:endParaRPr lang="fr-FR" sz="2000" dirty="0">
+              <a:sym typeface="Wingdings" panose="05000000000000000000" pitchFamily="2" charset="2"/>
+            </a:endParaRPr>
+          </a:p>
+          <a:p>
+            <a:endParaRPr lang="fr-FR" sz="2000" dirty="0">
+              <a:sym typeface="Wingdings" panose="05000000000000000000" pitchFamily="2" charset="2"/>
+            </a:endParaRPr>
+          </a:p>
+          <a:p>
+            <a:endParaRPr lang="fr-FR" sz="2000" dirty="0">
+              <a:sym typeface="Wingdings" panose="05000000000000000000" pitchFamily="2" charset="2"/>
+            </a:endParaRPr>
+          </a:p>
+        </p:txBody>
+      </p:sp>
+      <p:pic>
+        <p:nvPicPr>
+          <p:cNvPr id="2050" name="Picture 2" descr="Afficher l'image d'origine"/>
+          <p:cNvPicPr>
+            <a:picLocks noChangeAspect="1" noChangeArrowheads="1"/>
+          </p:cNvPicPr>
+          <p:nvPr/>
+        </p:nvPicPr>
+        <p:blipFill>
+          <a:blip r:embed="rId2" cstate="print">
+            <a:extLst>
+              <a:ext uri="{28A0092B-C50C-407E-A947-70E740481C1C}">
+                <a14:useLocalDpi xmlns:a14="http://schemas.microsoft.com/office/drawing/2010/main" val="0"/>
+              </a:ext>
+            </a:extLst>
+          </a:blip>
+          <a:srcRect/>
+          <a:stretch>
+            <a:fillRect/>
+          </a:stretch>
+        </p:blipFill>
+        <p:spPr bwMode="auto">
+          <a:xfrm>
+            <a:off x="755576" y="4629336"/>
+            <a:ext cx="2217251" cy="528464"/>
+          </a:xfrm>
+          <a:prstGeom prst="rect">
+            <a:avLst/>
+          </a:prstGeom>
+          <a:noFill/>
+          <a:extLst>
+            <a:ext uri="{909E8E84-426E-40DD-AFC4-6F175D3DCCD1}">
+              <a14:hiddenFill xmlns:a14="http://schemas.microsoft.com/office/drawing/2010/main">
+                <a:solidFill>
+                  <a:srgbClr val="FFFFFF"/>
+                </a:solidFill>
+              </a14:hiddenFill>
+            </a:ext>
+          </a:extLst>
+        </p:spPr>
+      </p:pic>
+      <p:pic>
+        <p:nvPicPr>
+          <p:cNvPr id="2051" name="Picture 3"/>
+          <p:cNvPicPr>
+            <a:picLocks noChangeAspect="1" noChangeArrowheads="1"/>
+          </p:cNvPicPr>
+          <p:nvPr/>
+        </p:nvPicPr>
+        <p:blipFill>
+          <a:blip r:embed="rId3" cstate="print">
+            <a:extLst>
+              <a:ext uri="{28A0092B-C50C-407E-A947-70E740481C1C}">
+                <a14:useLocalDpi xmlns:a14="http://schemas.microsoft.com/office/drawing/2010/main" val="0"/>
+              </a:ext>
+            </a:extLst>
+          </a:blip>
+          <a:srcRect/>
+          <a:stretch>
+            <a:fillRect/>
+          </a:stretch>
+        </p:blipFill>
+        <p:spPr bwMode="auto">
+          <a:xfrm>
+            <a:off x="3419872" y="4389492"/>
+            <a:ext cx="1070248" cy="1070248"/>
+          </a:xfrm>
+          <a:prstGeom prst="rect">
+            <a:avLst/>
+          </a:prstGeom>
+          <a:noFill/>
+          <a:ln>
+            <a:noFill/>
+          </a:ln>
+          <a:extLst>
+            <a:ext uri="{909E8E84-426E-40DD-AFC4-6F175D3DCCD1}">
+              <a14:hiddenFill xmlns:a14="http://schemas.microsoft.com/office/drawing/2010/main">
+                <a:solidFill>
+                  <a:schemeClr val="accent1"/>
+                </a:solidFill>
+              </a14:hiddenFill>
+            </a:ext>
+            <a:ext uri="{91240B29-F687-4F45-9708-019B960494DF}">
+              <a14:hiddenLine xmlns:a14="http://schemas.microsoft.com/office/drawing/2010/main" w="9525">
+                <a:solidFill>
+                  <a:schemeClr val="tx1"/>
+                </a:solidFill>
+                <a:miter lim="800000"/>
+                <a:headEnd/>
+                <a:tailEnd/>
+              </a14:hiddenLine>
+            </a:ext>
+          </a:extLst>
+        </p:spPr>
+      </p:pic>
+      <p:pic>
+        <p:nvPicPr>
+          <p:cNvPr id="2054" name="Picture 6" descr="File:Leica Camera logo.svg"/>
+          <p:cNvPicPr>
+            <a:picLocks noChangeAspect="1" noChangeArrowheads="1"/>
+          </p:cNvPicPr>
+          <p:nvPr/>
+        </p:nvPicPr>
+        <p:blipFill>
+          <a:blip r:embed="rId4" cstate="print">
+            <a:extLst>
+              <a:ext uri="{28A0092B-C50C-407E-A947-70E740481C1C}">
+                <a14:useLocalDpi xmlns:a14="http://schemas.microsoft.com/office/drawing/2010/main" val="0"/>
+              </a:ext>
+            </a:extLst>
+          </a:blip>
+          <a:srcRect/>
+          <a:stretch>
+            <a:fillRect/>
+          </a:stretch>
+        </p:blipFill>
+        <p:spPr bwMode="auto">
+          <a:xfrm>
+            <a:off x="4921776" y="4352741"/>
+            <a:ext cx="1162392" cy="1162392"/>
+          </a:xfrm>
+          <a:prstGeom prst="rect">
+            <a:avLst/>
+          </a:prstGeom>
+          <a:noFill/>
+          <a:extLst>
+            <a:ext uri="{909E8E84-426E-40DD-AFC4-6F175D3DCCD1}">
+              <a14:hiddenFill xmlns:a14="http://schemas.microsoft.com/office/drawing/2010/main">
+                <a:solidFill>
+                  <a:srgbClr val="FFFFFF"/>
+                </a:solidFill>
+              </a14:hiddenFill>
+            </a:ext>
+          </a:extLst>
+        </p:spPr>
+      </p:pic>
+      <p:pic>
+        <p:nvPicPr>
+          <p:cNvPr id="2056" name="Picture 8" descr="Afficher l'image d'origine"/>
+          <p:cNvPicPr>
+            <a:picLocks noChangeAspect="1" noChangeArrowheads="1"/>
+          </p:cNvPicPr>
+          <p:nvPr/>
+        </p:nvPicPr>
+        <p:blipFill>
+          <a:blip r:embed="rId5" cstate="print">
+            <a:extLst>
+              <a:ext uri="{28A0092B-C50C-407E-A947-70E740481C1C}">
+                <a14:useLocalDpi xmlns:a14="http://schemas.microsoft.com/office/drawing/2010/main" val="0"/>
+              </a:ext>
+            </a:extLst>
+          </a:blip>
+          <a:srcRect/>
+          <a:stretch>
+            <a:fillRect/>
+          </a:stretch>
+        </p:blipFill>
+        <p:spPr bwMode="auto">
+          <a:xfrm>
+            <a:off x="6516216" y="4389492"/>
+            <a:ext cx="1070248" cy="1070248"/>
+          </a:xfrm>
+          <a:prstGeom prst="rect">
+            <a:avLst/>
+          </a:prstGeom>
+          <a:noFill/>
+          <a:extLst>
+            <a:ext uri="{909E8E84-426E-40DD-AFC4-6F175D3DCCD1}">
+              <a14:hiddenFill xmlns:a14="http://schemas.microsoft.com/office/drawing/2010/main">
+                <a:solidFill>
+                  <a:srgbClr val="FFFFFF"/>
+                </a:solidFill>
+              </a14:hiddenFill>
+            </a:ext>
+          </a:extLst>
+        </p:spPr>
+      </p:pic>
+    </p:spTree>
+    <p:extLst>
+      <p:ext uri="{BB962C8B-B14F-4D97-AF65-F5344CB8AC3E}">
+        <p14:creationId xmlns:p14="http://schemas.microsoft.com/office/powerpoint/2010/main" val="988134829"/>
+      </p:ext>
+    </p:extLst>
+  </p:cSld>
+  <p:clrMapOvr>
+    <a:masterClrMapping/>
+  </p:clrMapOvr>
+</p:sld>
+</file>
+
+<file path=ppt/slides/slide17.xml><?xml version="1.0" encoding="utf-8"?>
+<p:sld xmlns:a="http://schemas.openxmlformats.org/drawingml/2006/main" xmlns:r="http://schemas.openxmlformats.org/officeDocument/2006/relationships" xmlns:p="http://schemas.openxmlformats.org/presentationml/2006/main">
+  <p:cSld>
+    <p:spTree>
+      <p:nvGrpSpPr>
+        <p:cNvPr id="1" name=""/>
+        <p:cNvGrpSpPr/>
+        <p:nvPr/>
+      </p:nvGrpSpPr>
+      <p:grpSpPr>
+        <a:xfrm>
+          <a:off x="0" y="0"/>
+          <a:ext cx="0" cy="0"/>
+          <a:chOff x="0" y="0"/>
+          <a:chExt cx="0" cy="0"/>
+        </a:xfrm>
+      </p:grpSpPr>
+      <p:sp>
+        <p:nvSpPr>
+          <p:cNvPr id="3" name="Espace réservé du numéro de diapositive 2"/>
+          <p:cNvSpPr>
+            <a:spLocks noGrp="1"/>
+          </p:cNvSpPr>
+          <p:nvPr>
+            <p:ph type="sldNum" sz="quarter" idx="4"/>
+          </p:nvPr>
+        </p:nvSpPr>
+        <p:spPr/>
+        <p:txBody>
+          <a:bodyPr/>
+          <a:lstStyle/>
+          <a:p>
+            <a:fld id="{CDFBCA30-BA48-4C71-861F-9AC996F79D56}" type="slidenum">
+              <a:rPr lang="fr-FR" smtClean="0"/>
+              <a:pPr/>
+              <a:t>17</a:t>
+            </a:fld>
+            <a:endParaRPr lang="fr-FR" dirty="0"/>
+          </a:p>
+        </p:txBody>
+      </p:sp>
+      <p:sp>
+        <p:nvSpPr>
+          <p:cNvPr id="5" name="ZoneTexte 4"/>
+          <p:cNvSpPr txBox="1"/>
+          <p:nvPr/>
+        </p:nvSpPr>
+        <p:spPr>
+          <a:xfrm>
+            <a:off x="3203848" y="2204864"/>
+            <a:ext cx="5256584" cy="1754326"/>
+          </a:xfrm>
+          <a:prstGeom prst="rect">
+            <a:avLst/>
+          </a:prstGeom>
+          <a:noFill/>
+        </p:spPr>
+        <p:txBody>
+          <a:bodyPr wrap="square" rtlCol="0">
+            <a:spAutoFit/>
+          </a:bodyPr>
+          <a:lstStyle/>
+          <a:p>
+            <a:pPr algn="ctr"/>
+            <a:r>
+              <a:rPr lang="fr-FR" sz="5400" dirty="0"/>
+              <a:t>Merci pour votre attention !</a:t>
+            </a:r>
+          </a:p>
+        </p:txBody>
+      </p:sp>
+    </p:spTree>
+    <p:extLst>
+      <p:ext uri="{BB962C8B-B14F-4D97-AF65-F5344CB8AC3E}">
+        <p14:creationId xmlns:p14="http://schemas.microsoft.com/office/powerpoint/2010/main" val="399757241"/>
+      </p:ext>
+    </p:extLst>
+  </p:cSld>
+  <p:clrMapOvr>
+    <a:masterClrMapping/>
+  </p:clrMapOvr>
+</p:sld>
+</file>
+
+<file path=ppt/slides/slide2.xml><?xml version="1.0" encoding="utf-8"?>
+<p:sld xmlns:a="http://schemas.openxmlformats.org/drawingml/2006/main" xmlns:r="http://schemas.openxmlformats.org/officeDocument/2006/relationships" xmlns:p="http://schemas.openxmlformats.org/presentationml/2006/main">
+  <p:cSld>
+    <p:spTree>
+      <p:nvGrpSpPr>
+        <p:cNvPr id="1" name=""/>
+        <p:cNvGrpSpPr/>
+        <p:nvPr/>
+      </p:nvGrpSpPr>
+      <p:grpSpPr>
+        <a:xfrm>
+          <a:off x="0" y="0"/>
+          <a:ext cx="0" cy="0"/>
+          <a:chOff x="0" y="0"/>
+          <a:chExt cx="0" cy="0"/>
+        </a:xfrm>
+      </p:grpSpPr>
+      <p:sp>
+        <p:nvSpPr>
+          <p:cNvPr id="2" name="Espace réservé du numéro de diapositive 1"/>
+          <p:cNvSpPr>
+            <a:spLocks noGrp="1"/>
+          </p:cNvSpPr>
+          <p:nvPr>
+            <p:ph type="sldNum" sz="quarter" idx="4"/>
+          </p:nvPr>
+        </p:nvSpPr>
+        <p:spPr/>
+        <p:txBody>
+          <a:bodyPr/>
+          <a:lstStyle/>
+          <a:p>
+            <a:fld id="{AF5033CA-5AE6-4050-846C-3380E9744264}" type="slidenum">
+              <a:rPr lang="fr-FR" smtClean="0"/>
+              <a:pPr/>
+              <a:t>2</a:t>
+            </a:fld>
+            <a:endParaRPr lang="fr-FR" dirty="0"/>
+          </a:p>
+        </p:txBody>
+      </p:sp>
+      <p:sp>
+        <p:nvSpPr>
+          <p:cNvPr id="4" name="Espace réservé du contenu 3"/>
+          <p:cNvSpPr>
+            <a:spLocks noGrp="1"/>
+          </p:cNvSpPr>
+          <p:nvPr>
+            <p:ph sz="quarter" idx="19"/>
+          </p:nvPr>
+        </p:nvSpPr>
+        <p:spPr/>
+        <p:txBody>
+          <a:bodyPr/>
+          <a:lstStyle/>
+          <a:p>
+            <a:pPr marL="0" indent="0" algn="ctr">
+              <a:buNone/>
+            </a:pPr>
+            <a:endParaRPr lang="fr-FR" sz="2000" dirty="0"/>
+          </a:p>
+          <a:p>
+            <a:pPr marL="0" indent="0" algn="ctr">
+              <a:buNone/>
+            </a:pPr>
+            <a:endParaRPr lang="fr-FR" sz="2000" dirty="0"/>
+          </a:p>
+          <a:p>
+            <a:pPr marL="0" indent="0" algn="ctr">
+              <a:buNone/>
+            </a:pPr>
+            <a:endParaRPr lang="fr-FR" sz="2000" dirty="0"/>
+          </a:p>
+          <a:p>
+            <a:pPr marL="0" indent="0" algn="ctr">
+              <a:buNone/>
+            </a:pPr>
+            <a:endParaRPr lang="fr-FR" sz="2000" dirty="0"/>
+          </a:p>
+          <a:p>
+            <a:pPr marL="0" indent="0" algn="ctr">
+              <a:buNone/>
+            </a:pPr>
+            <a:r>
+              <a:rPr lang="fr-FR" sz="2000" dirty="0"/>
+              <a:t>Plan</a:t>
+            </a:r>
+          </a:p>
+          <a:p>
+            <a:endParaRPr lang="fr-FR" sz="2000" dirty="0"/>
+          </a:p>
+          <a:p>
+            <a:pPr marL="0" indent="0" algn="ctr">
+              <a:buNone/>
+            </a:pPr>
+            <a:r>
+              <a:rPr lang="fr-FR" sz="2000" dirty="0"/>
+              <a:t>I/ Présentation du contexte et de FarView</a:t>
+            </a:r>
+          </a:p>
+          <a:p>
+            <a:pPr marL="0" indent="0" algn="ctr">
+              <a:buNone/>
+            </a:pPr>
+            <a:endParaRPr lang="fr-FR" sz="2000" dirty="0"/>
+          </a:p>
+          <a:p>
+            <a:pPr marL="0" indent="0" algn="ctr">
+              <a:buNone/>
+            </a:pPr>
+            <a:r>
+              <a:rPr lang="fr-FR" sz="2000" dirty="0"/>
+              <a:t>II/ Etude de marché</a:t>
+            </a:r>
+          </a:p>
+          <a:p>
+            <a:pPr marL="0" indent="0" algn="ctr">
+              <a:buNone/>
+            </a:pPr>
+            <a:endParaRPr lang="fr-FR" sz="2000" dirty="0"/>
+          </a:p>
+          <a:p>
+            <a:pPr marL="0" indent="0" algn="ctr">
+              <a:buNone/>
+            </a:pPr>
+            <a:r>
+              <a:rPr lang="fr-FR" sz="2000" dirty="0"/>
+              <a:t>III/ Stratégie</a:t>
+            </a:r>
+          </a:p>
+        </p:txBody>
+      </p:sp>
+      <p:pic>
+        <p:nvPicPr>
+          <p:cNvPr id="1026" name="Picture 2" descr="C:\Users\Phil\Documents\GitHub\PIMS\OppAffaire\logo-flyer\FarView3.jpg"/>
+          <p:cNvPicPr>
+            <a:picLocks noChangeAspect="1" noChangeArrowheads="1"/>
+          </p:cNvPicPr>
+          <p:nvPr/>
+        </p:nvPicPr>
+        <p:blipFill>
+          <a:blip r:embed="rId2" cstate="print">
+            <a:extLst>
+              <a:ext uri="{28A0092B-C50C-407E-A947-70E740481C1C}">
+                <a14:useLocalDpi xmlns:a14="http://schemas.microsoft.com/office/drawing/2010/main" val="0"/>
+              </a:ext>
+            </a:extLst>
+          </a:blip>
+          <a:srcRect/>
+          <a:stretch>
+            <a:fillRect/>
+          </a:stretch>
+        </p:blipFill>
+        <p:spPr bwMode="auto">
+          <a:xfrm>
+            <a:off x="3707904" y="764704"/>
+            <a:ext cx="1835225" cy="1835225"/>
+          </a:xfrm>
+          <a:prstGeom prst="rect">
+            <a:avLst/>
+          </a:prstGeom>
+          <a:noFill/>
+          <a:extLst>
+            <a:ext uri="{909E8E84-426E-40DD-AFC4-6F175D3DCCD1}">
+              <a14:hiddenFill xmlns:a14="http://schemas.microsoft.com/office/drawing/2010/main">
+                <a:solidFill>
+                  <a:srgbClr val="FFFFFF"/>
+                </a:solidFill>
+              </a14:hiddenFill>
+            </a:ext>
+          </a:extLst>
+        </p:spPr>
+      </p:pic>
+    </p:spTree>
+    <p:extLst>
+      <p:ext uri="{BB962C8B-B14F-4D97-AF65-F5344CB8AC3E}">
+        <p14:creationId xmlns:p14="http://schemas.microsoft.com/office/powerpoint/2010/main" val="42919010"/>
+      </p:ext>
+    </p:extLst>
+  </p:cSld>
+  <p:clrMapOvr>
+    <a:masterClrMapping/>
+  </p:clrMapOvr>
+</p:sld>
+</file>
+
+<file path=ppt/slides/slide3.xml><?xml version="1.0" encoding="utf-8"?>
+<p:sld xmlns:a="http://schemas.openxmlformats.org/drawingml/2006/main" xmlns:r="http://schemas.openxmlformats.org/officeDocument/2006/relationships" xmlns:p="http://schemas.openxmlformats.org/presentationml/2006/main">
+  <p:cSld>
+    <p:spTree>
+      <p:nvGrpSpPr>
+        <p:cNvPr id="1" name=""/>
+        <p:cNvGrpSpPr/>
+        <p:nvPr/>
+      </p:nvGrpSpPr>
+      <p:grpSpPr>
+        <a:xfrm>
+          <a:off x="0" y="0"/>
+          <a:ext cx="0" cy="0"/>
+          <a:chOff x="0" y="0"/>
+          <a:chExt cx="0" cy="0"/>
+        </a:xfrm>
+      </p:grpSpPr>
+      <p:sp>
+        <p:nvSpPr>
+          <p:cNvPr id="2" name="Espace réservé du numéro de diapositive 1"/>
+          <p:cNvSpPr>
+            <a:spLocks noGrp="1"/>
+          </p:cNvSpPr>
+          <p:nvPr>
+            <p:ph type="sldNum" sz="quarter" idx="4"/>
+          </p:nvPr>
+        </p:nvSpPr>
+        <p:spPr/>
+        <p:txBody>
+          <a:bodyPr/>
+          <a:lstStyle/>
+          <a:p>
+            <a:fld id="{AF5033CA-5AE6-4050-846C-3380E9744264}" type="slidenum">
+              <a:rPr lang="fr-FR" smtClean="0"/>
+              <a:pPr/>
+              <a:t>3</a:t>
+            </a:fld>
+            <a:endParaRPr lang="fr-FR" dirty="0"/>
+          </a:p>
+        </p:txBody>
+      </p:sp>
+      <p:sp>
+        <p:nvSpPr>
+          <p:cNvPr id="3" name="Titre 2"/>
+          <p:cNvSpPr>
+            <a:spLocks noGrp="1"/>
+          </p:cNvSpPr>
+          <p:nvPr>
+            <p:ph type="title"/>
+          </p:nvPr>
+        </p:nvSpPr>
+        <p:spPr/>
+        <p:txBody>
+          <a:bodyPr/>
+          <a:lstStyle/>
+          <a:p>
+            <a:pPr algn="ctr"/>
+            <a:r>
+              <a:rPr lang="fr-FR" sz="3200" dirty="0"/>
+              <a:t>Introduction : la microscopie de fluorescence</a:t>
+            </a:r>
+          </a:p>
+        </p:txBody>
+      </p:sp>
+      <p:sp>
+        <p:nvSpPr>
+          <p:cNvPr id="4" name="Espace réservé du contenu 3"/>
+          <p:cNvSpPr>
+            <a:spLocks noGrp="1"/>
+          </p:cNvSpPr>
+          <p:nvPr>
+            <p:ph sz="quarter" idx="19"/>
+          </p:nvPr>
+        </p:nvSpPr>
+        <p:spPr>
+          <a:xfrm>
+            <a:off x="179512" y="2060848"/>
+            <a:ext cx="8784976" cy="4680520"/>
+          </a:xfrm>
+        </p:spPr>
+        <p:txBody>
+          <a:bodyPr/>
+          <a:lstStyle/>
+          <a:p>
+            <a:r>
+              <a:rPr lang="fr-FR" sz="2000" dirty="0"/>
+              <a:t>Observations en Biologie : voir les composants des cellules</a:t>
+            </a:r>
+          </a:p>
+          <a:p>
+            <a:endParaRPr lang="fr-FR" sz="2000" dirty="0"/>
+          </a:p>
+          <a:p>
+            <a:r>
+              <a:rPr lang="fr-FR" sz="2000" dirty="0"/>
+              <a:t>Microscopes</a:t>
+            </a:r>
+            <a:r>
+              <a:rPr lang="fr-FR" sz="2000" dirty="0">
+                <a:sym typeface="Wingdings" panose="05000000000000000000" pitchFamily="2" charset="2"/>
+              </a:rPr>
+              <a:t> limités par la diffraction</a:t>
+            </a:r>
+          </a:p>
+          <a:p>
+            <a:r>
+              <a:rPr lang="fr-FR" sz="2000" dirty="0">
+                <a:sym typeface="Wingdings" panose="05000000000000000000" pitchFamily="2" charset="2"/>
+              </a:rPr>
+              <a:t>Méthode de super-résolution : résolution 50 fois supérieure</a:t>
+            </a:r>
+          </a:p>
+          <a:p>
+            <a:endParaRPr lang="fr-FR" sz="2000" dirty="0">
+              <a:sym typeface="Wingdings" panose="05000000000000000000" pitchFamily="2" charset="2"/>
+            </a:endParaRPr>
+          </a:p>
+          <a:p>
+            <a:r>
+              <a:rPr lang="fr-FR" sz="2000" dirty="0"/>
+              <a:t>Cellules en plusieurs dimension : reconstitution 3D importante</a:t>
+            </a:r>
+          </a:p>
+        </p:txBody>
+      </p:sp>
+      <p:grpSp>
+        <p:nvGrpSpPr>
+          <p:cNvPr id="5" name="Groupe 4"/>
+          <p:cNvGrpSpPr/>
+          <p:nvPr/>
+        </p:nvGrpSpPr>
+        <p:grpSpPr>
+          <a:xfrm>
+            <a:off x="1979712" y="4196515"/>
+            <a:ext cx="4971233" cy="2256821"/>
+            <a:chOff x="3202507" y="2978015"/>
+            <a:chExt cx="4971233" cy="2256821"/>
+          </a:xfrm>
+        </p:grpSpPr>
+        <p:grpSp>
+          <p:nvGrpSpPr>
+            <p:cNvPr id="6" name="Groupe 5"/>
+            <p:cNvGrpSpPr/>
+            <p:nvPr/>
+          </p:nvGrpSpPr>
+          <p:grpSpPr>
+            <a:xfrm>
+              <a:off x="3768942" y="2978015"/>
+              <a:ext cx="3816424" cy="1916243"/>
+              <a:chOff x="3562767" y="3966180"/>
+              <a:chExt cx="4637414" cy="2417178"/>
+            </a:xfrm>
+          </p:grpSpPr>
+          <p:pic>
+            <p:nvPicPr>
+              <p:cNvPr id="8" name="Picture 4" descr="C:\Users\Phil\Documents\GitHub\PIMS\OppAffaire\Images Diverses\comparison1.jpg"/>
+              <p:cNvPicPr>
+                <a:picLocks noChangeAspect="1" noChangeArrowheads="1"/>
+              </p:cNvPicPr>
+              <p:nvPr/>
+            </p:nvPicPr>
+            <p:blipFill rotWithShape="1">
+              <a:blip r:embed="rId2" cstate="print">
+                <a:extLst>
+                  <a:ext uri="{28A0092B-C50C-407E-A947-70E740481C1C}">
+                    <a14:useLocalDpi xmlns:a14="http://schemas.microsoft.com/office/drawing/2010/main" val="0"/>
+                  </a:ext>
+                </a:extLst>
+              </a:blip>
+              <a:srcRect/>
+              <a:stretch/>
+            </p:blipFill>
+            <p:spPr bwMode="auto">
+              <a:xfrm>
+                <a:off x="3562767" y="4006077"/>
+                <a:ext cx="2332037" cy="2377281"/>
+              </a:xfrm>
+              <a:prstGeom prst="rect">
+                <a:avLst/>
+              </a:prstGeom>
+              <a:noFill/>
+              <a:extLst>
+                <a:ext uri="{909E8E84-426E-40DD-AFC4-6F175D3DCCD1}">
+                  <a14:hiddenFill xmlns:a14="http://schemas.microsoft.com/office/drawing/2010/main">
+                    <a:solidFill>
+                      <a:srgbClr val="FFFFFF"/>
+                    </a:solidFill>
+                  </a14:hiddenFill>
+                </a:ext>
+              </a:extLst>
+            </p:spPr>
+          </p:pic>
+          <p:pic>
+            <p:nvPicPr>
+              <p:cNvPr id="9" name="Picture 6" descr="C:\Users\Phil\Documents\GitHub\PIMS\OppAffaire\Images Diverses\comparison1.jpg"/>
+              <p:cNvPicPr>
+                <a:picLocks noChangeAspect="1" noChangeArrowheads="1"/>
+              </p:cNvPicPr>
+              <p:nvPr/>
+            </p:nvPicPr>
+            <p:blipFill rotWithShape="1">
+              <a:blip r:embed="rId3" cstate="print">
+                <a:extLst>
+                  <a:ext uri="{28A0092B-C50C-407E-A947-70E740481C1C}">
+                    <a14:useLocalDpi xmlns:a14="http://schemas.microsoft.com/office/drawing/2010/main" val="0"/>
+                  </a:ext>
+                </a:extLst>
+              </a:blip>
+              <a:srcRect/>
+              <a:stretch/>
+            </p:blipFill>
+            <p:spPr bwMode="auto">
+              <a:xfrm>
+                <a:off x="5868143" y="3966180"/>
+                <a:ext cx="2332038" cy="2377281"/>
+              </a:xfrm>
+              <a:prstGeom prst="rect">
+                <a:avLst/>
+              </a:prstGeom>
+              <a:noFill/>
+              <a:extLst>
+                <a:ext uri="{909E8E84-426E-40DD-AFC4-6F175D3DCCD1}">
+                  <a14:hiddenFill xmlns:a14="http://schemas.microsoft.com/office/drawing/2010/main">
+                    <a:solidFill>
+                      <a:srgbClr val="FFFFFF"/>
+                    </a:solidFill>
+                  </a14:hiddenFill>
+                </a:ext>
+              </a:extLst>
+            </p:spPr>
+          </p:pic>
+        </p:grpSp>
+        <p:sp>
+          <p:nvSpPr>
+            <p:cNvPr id="7" name="ZoneTexte 6"/>
+            <p:cNvSpPr txBox="1"/>
+            <p:nvPr/>
+          </p:nvSpPr>
+          <p:spPr>
+            <a:xfrm>
+              <a:off x="3202507" y="4896282"/>
+              <a:ext cx="4971233" cy="338554"/>
+            </a:xfrm>
+            <a:prstGeom prst="rect">
+              <a:avLst/>
+            </a:prstGeom>
+            <a:noFill/>
+          </p:spPr>
+          <p:txBody>
+            <a:bodyPr wrap="none" rtlCol="0">
+              <a:spAutoFit/>
+            </a:bodyPr>
+            <a:lstStyle/>
+            <a:p>
+              <a:r>
+                <a:rPr lang="fr-FR" sz="1600" dirty="0"/>
+                <a:t>Comparaison image classique / image super-résolue</a:t>
+              </a:r>
+            </a:p>
+          </p:txBody>
+        </p:sp>
+      </p:grpSp>
+    </p:spTree>
+    <p:extLst>
+      <p:ext uri="{BB962C8B-B14F-4D97-AF65-F5344CB8AC3E}">
+        <p14:creationId xmlns:p14="http://schemas.microsoft.com/office/powerpoint/2010/main" val="483665248"/>
+      </p:ext>
+    </p:extLst>
+  </p:cSld>
+  <p:clrMapOvr>
+    <a:masterClrMapping/>
+  </p:clrMapOvr>
+</p:sld>
+</file>
+
+<file path=ppt/slides/slide4.xml><?xml version="1.0" encoding="utf-8"?>
+<p:sld xmlns:a="http://schemas.openxmlformats.org/drawingml/2006/main" xmlns:r="http://schemas.openxmlformats.org/officeDocument/2006/relationships" xmlns:p="http://schemas.openxmlformats.org/presentationml/2006/main">
+  <p:cSld>
+    <p:spTree>
+      <p:nvGrpSpPr>
+        <p:cNvPr id="1" name=""/>
+        <p:cNvGrpSpPr/>
+        <p:nvPr/>
+      </p:nvGrpSpPr>
+      <p:grpSpPr>
+        <a:xfrm>
+          <a:off x="0" y="0"/>
+          <a:ext cx="0" cy="0"/>
+          <a:chOff x="0" y="0"/>
+          <a:chExt cx="0" cy="0"/>
+        </a:xfrm>
+      </p:grpSpPr>
+      <p:sp>
+        <p:nvSpPr>
+          <p:cNvPr id="2" name="Espace réservé du numéro de diapositive 1"/>
+          <p:cNvSpPr>
+            <a:spLocks noGrp="1"/>
+          </p:cNvSpPr>
+          <p:nvPr>
+            <p:ph type="sldNum" sz="quarter" idx="4"/>
+          </p:nvPr>
+        </p:nvSpPr>
+        <p:spPr/>
+        <p:txBody>
+          <a:bodyPr/>
+          <a:lstStyle/>
+          <a:p>
+            <a:fld id="{AF5033CA-5AE6-4050-846C-3380E9744264}" type="slidenum">
+              <a:rPr lang="fr-FR" smtClean="0"/>
+              <a:pPr/>
+              <a:t>4</a:t>
+            </a:fld>
+            <a:endParaRPr lang="fr-FR" dirty="0"/>
+          </a:p>
+        </p:txBody>
+      </p:sp>
+      <p:sp>
+        <p:nvSpPr>
+          <p:cNvPr id="3" name="Titre 2"/>
+          <p:cNvSpPr>
+            <a:spLocks noGrp="1"/>
+          </p:cNvSpPr>
+          <p:nvPr>
+            <p:ph type="title"/>
+          </p:nvPr>
+        </p:nvSpPr>
+        <p:spPr/>
+        <p:txBody>
+          <a:bodyPr/>
+          <a:lstStyle/>
+          <a:p>
+            <a:pPr algn="ctr"/>
+            <a:r>
+              <a:rPr lang="fr-FR" sz="3200" dirty="0"/>
+              <a:t>FarView</a:t>
+            </a:r>
+            <a:endParaRPr lang="fr-FR" sz="2400" dirty="0"/>
+          </a:p>
+        </p:txBody>
+      </p:sp>
+      <p:sp>
+        <p:nvSpPr>
+          <p:cNvPr id="4" name="Espace réservé du contenu 3"/>
+          <p:cNvSpPr>
+            <a:spLocks noGrp="1"/>
+          </p:cNvSpPr>
+          <p:nvPr>
+            <p:ph sz="quarter" idx="19"/>
+          </p:nvPr>
+        </p:nvSpPr>
+        <p:spPr>
+          <a:xfrm>
+            <a:off x="539750" y="1484784"/>
+            <a:ext cx="6480522" cy="4680520"/>
+          </a:xfrm>
+        </p:spPr>
+        <p:txBody>
+          <a:bodyPr/>
+          <a:lstStyle/>
+          <a:p>
+            <a:pPr algn="just"/>
+            <a:r>
+              <a:rPr lang="fr-FR" sz="2000" dirty="0"/>
+              <a:t>Comment réaliser une observation au </a:t>
+            </a:r>
+            <a:r>
+              <a:rPr lang="fr-FR" sz="2000" dirty="0">
+                <a:solidFill>
+                  <a:srgbClr val="C00000"/>
+                </a:solidFill>
+              </a:rPr>
+              <a:t>microscope</a:t>
+            </a:r>
+            <a:r>
+              <a:rPr lang="fr-FR" sz="2000" dirty="0">
+                <a:solidFill>
+                  <a:srgbClr val="FF0000"/>
+                </a:solidFill>
+              </a:rPr>
+              <a:t> </a:t>
+            </a:r>
+            <a:r>
+              <a:rPr lang="fr-FR" sz="2000" dirty="0"/>
+              <a:t>qui soit </a:t>
+            </a:r>
+            <a:r>
+              <a:rPr lang="fr-FR" sz="2000" dirty="0">
+                <a:solidFill>
+                  <a:srgbClr val="C00000"/>
+                </a:solidFill>
+              </a:rPr>
+              <a:t>tridimensionnelle</a:t>
+            </a:r>
+            <a:r>
+              <a:rPr lang="fr-FR" sz="2000" dirty="0">
+                <a:solidFill>
+                  <a:srgbClr val="FF0000"/>
+                </a:solidFill>
+              </a:rPr>
+              <a:t> </a:t>
+            </a:r>
+            <a:r>
+              <a:rPr lang="fr-FR" sz="2000" dirty="0"/>
+              <a:t>et en </a:t>
+            </a:r>
+            <a:r>
+              <a:rPr lang="fr-FR" sz="2000" dirty="0">
+                <a:solidFill>
+                  <a:srgbClr val="C00000"/>
+                </a:solidFill>
+              </a:rPr>
+              <a:t>super-résolution</a:t>
+            </a:r>
+            <a:r>
+              <a:rPr lang="fr-FR" sz="2000" dirty="0">
+                <a:solidFill>
+                  <a:schemeClr val="tx1">
+                    <a:lumMod val="65000"/>
+                    <a:lumOff val="35000"/>
+                  </a:schemeClr>
+                </a:solidFill>
+              </a:rPr>
+              <a:t> ?</a:t>
+            </a:r>
+          </a:p>
+          <a:p>
+            <a:pPr marL="0" indent="0">
+              <a:buNone/>
+            </a:pPr>
+            <a:endParaRPr lang="fr-FR" sz="2000" dirty="0"/>
+          </a:p>
+          <a:p>
+            <a:pPr algn="just"/>
+            <a:r>
+              <a:rPr lang="fr-FR" sz="2000" dirty="0"/>
+              <a:t>Solution : Le logiciel	</a:t>
+            </a:r>
+          </a:p>
+          <a:p>
+            <a:pPr lvl="1"/>
+            <a:r>
+              <a:rPr lang="fr-FR" sz="2000" dirty="0"/>
+              <a:t>Pour chercheurs en </a:t>
+            </a:r>
+            <a:r>
+              <a:rPr lang="fr-FR" sz="2000" b="1" dirty="0">
+                <a:solidFill>
+                  <a:srgbClr val="C00000"/>
+                </a:solidFill>
+              </a:rPr>
+              <a:t>microscopie</a:t>
+            </a:r>
+            <a:r>
+              <a:rPr lang="fr-FR" sz="2000" b="1" dirty="0"/>
+              <a:t> </a:t>
+            </a:r>
+            <a:r>
+              <a:rPr lang="fr-FR" sz="2000" dirty="0"/>
+              <a:t>et</a:t>
+            </a:r>
+            <a:r>
+              <a:rPr lang="fr-FR" sz="2000" b="1" dirty="0"/>
+              <a:t> </a:t>
+            </a:r>
+            <a:r>
+              <a:rPr lang="fr-FR" sz="2000" b="1" dirty="0">
+                <a:solidFill>
+                  <a:srgbClr val="C00000"/>
+                </a:solidFill>
+              </a:rPr>
+              <a:t>microbiologie</a:t>
+            </a:r>
+          </a:p>
+          <a:p>
+            <a:pPr lvl="1"/>
+            <a:r>
+              <a:rPr lang="fr-FR" sz="2000" dirty="0"/>
+              <a:t>Matériel utilisé</a:t>
+            </a:r>
+            <a:r>
+              <a:rPr lang="fr-FR" sz="2000" b="1" dirty="0"/>
+              <a:t> : </a:t>
+            </a:r>
+            <a:r>
+              <a:rPr lang="fr-FR" sz="2000" dirty="0">
+                <a:solidFill>
+                  <a:schemeClr val="tx1">
+                    <a:lumMod val="65000"/>
+                    <a:lumOff val="35000"/>
+                  </a:schemeClr>
+                </a:solidFill>
+              </a:rPr>
+              <a:t>microscope de fluorescence STORM</a:t>
+            </a:r>
+          </a:p>
+          <a:p>
+            <a:pPr lvl="1" algn="just"/>
+            <a:r>
+              <a:rPr lang="fr-FR" sz="2000" dirty="0">
+                <a:solidFill>
+                  <a:schemeClr val="tx1">
+                    <a:lumMod val="65000"/>
+                    <a:lumOff val="35000"/>
+                  </a:schemeClr>
+                </a:solidFill>
+              </a:rPr>
+              <a:t>Méthode breveté</a:t>
+            </a:r>
+          </a:p>
+          <a:p>
+            <a:pPr marL="0" indent="0" algn="just">
+              <a:buNone/>
+            </a:pPr>
+            <a:endParaRPr lang="fr-FR" sz="2000" dirty="0"/>
+          </a:p>
+          <a:p>
+            <a:pPr algn="just"/>
+            <a:r>
+              <a:rPr lang="fr-FR" sz="2000" dirty="0"/>
+              <a:t>Le programme                est :</a:t>
+            </a:r>
+          </a:p>
+          <a:p>
+            <a:pPr marL="771525" lvl="1" indent="0" algn="just">
+              <a:buNone/>
+            </a:pPr>
+            <a:r>
+              <a:rPr lang="fr-FR" sz="2000" b="1" dirty="0"/>
+              <a:t>	</a:t>
+            </a:r>
+            <a:r>
+              <a:rPr lang="fr-FR" sz="2000" b="1" dirty="0">
+                <a:solidFill>
+                  <a:srgbClr val="002060"/>
+                </a:solidFill>
+              </a:rPr>
+              <a:t>Rapide	</a:t>
+            </a:r>
+            <a:r>
+              <a:rPr lang="fr-FR" sz="2000" b="1" dirty="0"/>
+              <a:t>	</a:t>
+            </a:r>
+            <a:r>
+              <a:rPr lang="fr-FR" sz="2000" b="1" dirty="0">
+                <a:solidFill>
+                  <a:srgbClr val="C58107"/>
+                </a:solidFill>
+              </a:rPr>
+              <a:t>Fiable	</a:t>
+            </a:r>
+            <a:r>
+              <a:rPr lang="fr-FR" sz="2000" b="1" dirty="0"/>
+              <a:t>	</a:t>
+            </a:r>
+            <a:r>
+              <a:rPr lang="fr-FR" sz="2000" b="1" dirty="0">
+                <a:solidFill>
+                  <a:schemeClr val="accent2">
+                    <a:lumMod val="75000"/>
+                  </a:schemeClr>
+                </a:solidFill>
+              </a:rPr>
+              <a:t>Adaptable</a:t>
+            </a:r>
+          </a:p>
+          <a:p>
+            <a:endParaRPr lang="fr-FR" dirty="0"/>
+          </a:p>
+        </p:txBody>
+      </p:sp>
+      <p:grpSp>
+        <p:nvGrpSpPr>
+          <p:cNvPr id="6" name="Groupe 5"/>
+          <p:cNvGrpSpPr/>
+          <p:nvPr/>
+        </p:nvGrpSpPr>
+        <p:grpSpPr>
+          <a:xfrm>
+            <a:off x="6804248" y="898847"/>
+            <a:ext cx="2431706" cy="2402761"/>
+            <a:chOff x="6372200" y="908720"/>
+            <a:chExt cx="2431706" cy="2402761"/>
+          </a:xfrm>
+        </p:grpSpPr>
+        <p:pic>
+          <p:nvPicPr>
+            <p:cNvPr id="2050" name="Picture 2" descr="C:\Users\Phil\Documents\GitHub\PIMS\OppAffaire\Images Diverses\Fluorescence_microscop.jpg"/>
+            <p:cNvPicPr>
+              <a:picLocks noChangeAspect="1" noChangeArrowheads="1"/>
+            </p:cNvPicPr>
+            <p:nvPr/>
+          </p:nvPicPr>
+          <p:blipFill>
+            <a:blip r:embed="rId2" cstate="print">
+              <a:extLst>
+                <a:ext uri="{28A0092B-C50C-407E-A947-70E740481C1C}">
+                  <a14:useLocalDpi xmlns:a14="http://schemas.microsoft.com/office/drawing/2010/main" val="0"/>
+                </a:ext>
+              </a:extLst>
+            </a:blip>
+            <a:srcRect/>
+            <a:stretch>
+              <a:fillRect/>
+            </a:stretch>
+          </p:blipFill>
+          <p:spPr bwMode="auto">
+            <a:xfrm>
+              <a:off x="6732780" y="908720"/>
+              <a:ext cx="1691680" cy="2082068"/>
+            </a:xfrm>
+            <a:prstGeom prst="rect">
+              <a:avLst/>
+            </a:prstGeom>
+            <a:noFill/>
+            <a:extLst>
+              <a:ext uri="{909E8E84-426E-40DD-AFC4-6F175D3DCCD1}">
+                <a14:hiddenFill xmlns:a14="http://schemas.microsoft.com/office/drawing/2010/main">
+                  <a:solidFill>
+                    <a:srgbClr val="FFFFFF"/>
+                  </a:solidFill>
+                </a14:hiddenFill>
+              </a:ext>
+            </a:extLst>
+          </p:spPr>
+        </p:pic>
+        <p:sp>
+          <p:nvSpPr>
+            <p:cNvPr id="5" name="ZoneTexte 4"/>
+            <p:cNvSpPr txBox="1"/>
+            <p:nvPr/>
+          </p:nvSpPr>
+          <p:spPr>
+            <a:xfrm>
+              <a:off x="6372200" y="3003704"/>
+              <a:ext cx="2431706" cy="307777"/>
+            </a:xfrm>
+            <a:prstGeom prst="rect">
+              <a:avLst/>
+            </a:prstGeom>
+            <a:noFill/>
+          </p:spPr>
+          <p:txBody>
+            <a:bodyPr wrap="square" rtlCol="0">
+              <a:spAutoFit/>
+            </a:bodyPr>
+            <a:lstStyle/>
+            <a:p>
+              <a:r>
+                <a:rPr lang="fr-FR" sz="1400" dirty="0"/>
+                <a:t>Microscope de fluorescence</a:t>
+              </a:r>
+            </a:p>
+          </p:txBody>
+        </p:sp>
+      </p:grpSp>
+      <p:pic>
+        <p:nvPicPr>
+          <p:cNvPr id="9" name="Picture 3" descr="C:\Users\Phil\Documents\GitHub\PIMS\OppAffaire\Images Diverses\FAR_V_IEW.png"/>
+          <p:cNvPicPr>
+            <a:picLocks noChangeAspect="1" noChangeArrowheads="1"/>
+          </p:cNvPicPr>
+          <p:nvPr/>
+        </p:nvPicPr>
+        <p:blipFill>
+          <a:blip r:embed="rId3" cstate="print">
+            <a:extLst>
+              <a:ext uri="{28A0092B-C50C-407E-A947-70E740481C1C}">
+                <a14:useLocalDpi xmlns:a14="http://schemas.microsoft.com/office/drawing/2010/main" val="0"/>
+              </a:ext>
+            </a:extLst>
+          </a:blip>
+          <a:srcRect/>
+          <a:stretch>
+            <a:fillRect/>
+          </a:stretch>
+        </p:blipFill>
+        <p:spPr bwMode="auto">
+          <a:xfrm>
+            <a:off x="2771800" y="5013176"/>
+            <a:ext cx="1008112" cy="428577"/>
+          </a:xfrm>
+          <a:prstGeom prst="rect">
+            <a:avLst/>
+          </a:prstGeom>
+          <a:noFill/>
+          <a:extLst>
+            <a:ext uri="{909E8E84-426E-40DD-AFC4-6F175D3DCCD1}">
+              <a14:hiddenFill xmlns:a14="http://schemas.microsoft.com/office/drawing/2010/main">
+                <a:solidFill>
+                  <a:srgbClr val="FFFFFF"/>
+                </a:solidFill>
+              </a14:hiddenFill>
+            </a:ext>
+          </a:extLst>
+        </p:spPr>
+      </p:pic>
+      <p:pic>
+        <p:nvPicPr>
+          <p:cNvPr id="10" name="Picture 3" descr="C:\Users\Phil\Documents\GitHub\PIMS\OppAffaire\Images Diverses\FAR_V_IEW.png"/>
+          <p:cNvPicPr>
+            <a:picLocks noChangeAspect="1" noChangeArrowheads="1"/>
+          </p:cNvPicPr>
+          <p:nvPr/>
+        </p:nvPicPr>
+        <p:blipFill>
+          <a:blip r:embed="rId3" cstate="print">
+            <a:extLst>
+              <a:ext uri="{28A0092B-C50C-407E-A947-70E740481C1C}">
+                <a14:useLocalDpi xmlns:a14="http://schemas.microsoft.com/office/drawing/2010/main" val="0"/>
+              </a:ext>
+            </a:extLst>
+          </a:blip>
+          <a:srcRect/>
+          <a:stretch>
+            <a:fillRect/>
+          </a:stretch>
+        </p:blipFill>
+        <p:spPr bwMode="auto">
+          <a:xfrm>
+            <a:off x="3501792" y="2779542"/>
+            <a:ext cx="1008112" cy="428577"/>
+          </a:xfrm>
+          <a:prstGeom prst="rect">
+            <a:avLst/>
+          </a:prstGeom>
+          <a:noFill/>
+          <a:extLst>
+            <a:ext uri="{909E8E84-426E-40DD-AFC4-6F175D3DCCD1}">
+              <a14:hiddenFill xmlns:a14="http://schemas.microsoft.com/office/drawing/2010/main">
+                <a:solidFill>
+                  <a:srgbClr val="FFFFFF"/>
+                </a:solidFill>
+              </a14:hiddenFill>
+            </a:ext>
+          </a:extLst>
+        </p:spPr>
+      </p:pic>
+    </p:spTree>
+    <p:extLst>
+      <p:ext uri="{BB962C8B-B14F-4D97-AF65-F5344CB8AC3E}">
+        <p14:creationId xmlns:p14="http://schemas.microsoft.com/office/powerpoint/2010/main" val="1642728171"/>
+      </p:ext>
+    </p:extLst>
+  </p:cSld>
+  <p:clrMapOvr>
+    <a:masterClrMapping/>
+  </p:clrMapOvr>
+</p:sld>
+</file>
+
+<file path=ppt/slides/slide5.xml><?xml version="1.0" encoding="utf-8"?>
+<p:sld xmlns:a="http://schemas.openxmlformats.org/drawingml/2006/main" xmlns:r="http://schemas.openxmlformats.org/officeDocument/2006/relationships" xmlns:p="http://schemas.openxmlformats.org/presentationml/2006/main">
+  <p:cSld>
+    <p:spTree>
+      <p:nvGrpSpPr>
+        <p:cNvPr id="1" name=""/>
+        <p:cNvGrpSpPr/>
+        <p:nvPr/>
+      </p:nvGrpSpPr>
+      <p:grpSpPr>
+        <a:xfrm>
+          <a:off x="0" y="0"/>
+          <a:ext cx="0" cy="0"/>
+          <a:chOff x="0" y="0"/>
+          <a:chExt cx="0" cy="0"/>
+        </a:xfrm>
+      </p:grpSpPr>
+      <p:sp>
+        <p:nvSpPr>
+          <p:cNvPr id="2" name="Titre 1"/>
+          <p:cNvSpPr>
+            <a:spLocks noGrp="1"/>
+          </p:cNvSpPr>
+          <p:nvPr>
+            <p:ph type="ctrTitle"/>
+          </p:nvPr>
+        </p:nvSpPr>
+        <p:spPr>
+          <a:xfrm>
+            <a:off x="2865310" y="2204864"/>
+            <a:ext cx="5904655" cy="2016224"/>
+          </a:xfrm>
+        </p:spPr>
+        <p:txBody>
+          <a:bodyPr/>
+          <a:lstStyle/>
+          <a:p>
+            <a:pPr algn="ctr"/>
+            <a:r>
+              <a:rPr lang="fr-FR" sz="3600" dirty="0"/>
+              <a:t>Etude de marche </a:t>
+            </a:r>
+          </a:p>
+        </p:txBody>
+      </p:sp>
+      <p:sp>
+        <p:nvSpPr>
+          <p:cNvPr id="3" name="Espace réservé du numéro de diapositive 2"/>
+          <p:cNvSpPr>
+            <a:spLocks noGrp="1"/>
+          </p:cNvSpPr>
+          <p:nvPr>
+            <p:ph type="sldNum" sz="quarter" idx="4"/>
+          </p:nvPr>
+        </p:nvSpPr>
+        <p:spPr/>
+        <p:txBody>
+          <a:bodyPr/>
+          <a:lstStyle/>
+          <a:p>
+            <a:fld id="{CDFBCA30-BA48-4C71-861F-9AC996F79D56}" type="slidenum">
+              <a:rPr lang="fr-FR" smtClean="0"/>
+              <a:pPr/>
+              <a:t>5</a:t>
+            </a:fld>
+            <a:endParaRPr lang="fr-FR" dirty="0"/>
+          </a:p>
+        </p:txBody>
+      </p:sp>
+    </p:spTree>
+    <p:extLst>
+      <p:ext uri="{BB962C8B-B14F-4D97-AF65-F5344CB8AC3E}">
+        <p14:creationId xmlns:p14="http://schemas.microsoft.com/office/powerpoint/2010/main" val="3015287688"/>
+      </p:ext>
+    </p:extLst>
+  </p:cSld>
+  <p:clrMapOvr>
+    <a:masterClrMapping/>
+  </p:clrMapOvr>
+</p:sld>
+</file>
+
+<file path=ppt/slides/slide6.xml><?xml version="1.0" encoding="utf-8"?>
+<p:sld xmlns:a="http://schemas.openxmlformats.org/drawingml/2006/main" xmlns:r="http://schemas.openxmlformats.org/officeDocument/2006/relationships" xmlns:p="http://schemas.openxmlformats.org/presentationml/2006/main">
+  <p:cSld>
+    <p:spTree>
+      <p:nvGrpSpPr>
+        <p:cNvPr id="1" name=""/>
+        <p:cNvGrpSpPr/>
+        <p:nvPr/>
+      </p:nvGrpSpPr>
+      <p:grpSpPr>
+        <a:xfrm>
+          <a:off x="0" y="0"/>
+          <a:ext cx="0" cy="0"/>
+          <a:chOff x="0" y="0"/>
+          <a:chExt cx="0" cy="0"/>
+        </a:xfrm>
+      </p:grpSpPr>
+      <p:sp>
+        <p:nvSpPr>
+          <p:cNvPr id="2" name="Espace réservé du numéro de diapositive 1"/>
+          <p:cNvSpPr>
+            <a:spLocks noGrp="1"/>
+          </p:cNvSpPr>
+          <p:nvPr>
+            <p:ph type="sldNum" sz="quarter" idx="4"/>
+          </p:nvPr>
+        </p:nvSpPr>
+        <p:spPr/>
+        <p:txBody>
+          <a:bodyPr/>
+          <a:lstStyle/>
+          <a:p>
+            <a:fld id="{AF5033CA-5AE6-4050-846C-3380E9744264}" type="slidenum">
+              <a:rPr lang="fr-FR" smtClean="0"/>
+              <a:pPr/>
+              <a:t>6</a:t>
+            </a:fld>
+            <a:endParaRPr lang="fr-FR" dirty="0"/>
+          </a:p>
+        </p:txBody>
+      </p:sp>
+      <p:sp>
+        <p:nvSpPr>
+          <p:cNvPr id="3" name="Titre 2"/>
+          <p:cNvSpPr>
+            <a:spLocks noGrp="1"/>
+          </p:cNvSpPr>
+          <p:nvPr>
+            <p:ph type="title"/>
+          </p:nvPr>
+        </p:nvSpPr>
+        <p:spPr/>
+        <p:txBody>
+          <a:bodyPr/>
+          <a:lstStyle/>
+          <a:p>
+            <a:pPr algn="ctr"/>
+            <a:r>
+              <a:rPr lang="fr-FR" sz="3200" dirty="0"/>
+              <a:t>Analyse du secteur</a:t>
+            </a:r>
+          </a:p>
+        </p:txBody>
+      </p:sp>
+      <p:sp>
+        <p:nvSpPr>
+          <p:cNvPr id="4" name="Espace réservé du contenu 3"/>
+          <p:cNvSpPr>
+            <a:spLocks noGrp="1"/>
+          </p:cNvSpPr>
+          <p:nvPr>
+            <p:ph sz="quarter" idx="19"/>
+          </p:nvPr>
+        </p:nvSpPr>
+        <p:spPr>
+          <a:xfrm>
+            <a:off x="518864" y="2040955"/>
+            <a:ext cx="8208714" cy="4680520"/>
+          </a:xfrm>
+        </p:spPr>
+        <p:txBody>
+          <a:bodyPr/>
+          <a:lstStyle/>
+          <a:p>
+            <a:r>
+              <a:rPr lang="fr-FR" sz="2000" dirty="0"/>
+              <a:t>Secteur de niche </a:t>
+            </a:r>
+          </a:p>
+          <a:p>
+            <a:pPr marL="0" indent="0">
+              <a:buNone/>
+            </a:pPr>
+            <a:endParaRPr lang="fr-FR" sz="2000" dirty="0"/>
+          </a:p>
+          <a:p>
+            <a:r>
+              <a:rPr lang="fr-FR" sz="2000" dirty="0"/>
+              <a:t>Destinataires du produit : </a:t>
+            </a:r>
+          </a:p>
+          <a:p>
+            <a:pPr lvl="1"/>
+            <a:r>
+              <a:rPr lang="fr-FR" sz="1800" dirty="0"/>
+              <a:t> chercheurs</a:t>
+            </a:r>
+          </a:p>
+          <a:p>
+            <a:endParaRPr lang="fr-FR" sz="2000" dirty="0"/>
+          </a:p>
+          <a:p>
+            <a:r>
+              <a:rPr lang="fr-FR" sz="2000" dirty="0"/>
+              <a:t>Durée de vie du produit : 5 ans</a:t>
+            </a:r>
+          </a:p>
+          <a:p>
+            <a:endParaRPr lang="fr-FR" dirty="0"/>
+          </a:p>
+          <a:p>
+            <a:endParaRPr lang="fr-FR" dirty="0"/>
+          </a:p>
+        </p:txBody>
+      </p:sp>
+    </p:spTree>
+    <p:extLst>
+      <p:ext uri="{BB962C8B-B14F-4D97-AF65-F5344CB8AC3E}">
+        <p14:creationId xmlns:p14="http://schemas.microsoft.com/office/powerpoint/2010/main" val="2699368623"/>
+      </p:ext>
+    </p:extLst>
+  </p:cSld>
+  <p:clrMapOvr>
+    <a:masterClrMapping/>
+  </p:clrMapOvr>
+</p:sld>
+</file>
+
+<file path=ppt/slides/slide7.xml><?xml version="1.0" encoding="utf-8"?>
+<p:sld xmlns:a="http://schemas.openxmlformats.org/drawingml/2006/main" xmlns:r="http://schemas.openxmlformats.org/officeDocument/2006/relationships" xmlns:p="http://schemas.openxmlformats.org/presentationml/2006/main">
+  <p:cSld>
+    <p:spTree>
+      <p:nvGrpSpPr>
+        <p:cNvPr id="1" name=""/>
+        <p:cNvGrpSpPr/>
+        <p:nvPr/>
+      </p:nvGrpSpPr>
+      <p:grpSpPr>
+        <a:xfrm>
+          <a:off x="0" y="0"/>
+          <a:ext cx="0" cy="0"/>
+          <a:chOff x="0" y="0"/>
+          <a:chExt cx="0" cy="0"/>
+        </a:xfrm>
+      </p:grpSpPr>
+      <p:sp>
+        <p:nvSpPr>
+          <p:cNvPr id="2" name="Espace réservé du numéro de diapositive 1"/>
+          <p:cNvSpPr>
+            <a:spLocks noGrp="1"/>
+          </p:cNvSpPr>
+          <p:nvPr>
+            <p:ph type="sldNum" sz="quarter" idx="4"/>
+          </p:nvPr>
+        </p:nvSpPr>
+        <p:spPr/>
+        <p:txBody>
+          <a:bodyPr/>
+          <a:lstStyle/>
+          <a:p>
+            <a:fld id="{AF5033CA-5AE6-4050-846C-3380E9744264}" type="slidenum">
+              <a:rPr lang="fr-FR" smtClean="0"/>
+              <a:pPr/>
+              <a:t>7</a:t>
+            </a:fld>
+            <a:endParaRPr lang="fr-FR" dirty="0"/>
+          </a:p>
+        </p:txBody>
+      </p:sp>
+      <p:sp>
+        <p:nvSpPr>
+          <p:cNvPr id="3" name="Titre 2"/>
+          <p:cNvSpPr>
+            <a:spLocks noGrp="1"/>
+          </p:cNvSpPr>
+          <p:nvPr>
+            <p:ph type="title"/>
+          </p:nvPr>
+        </p:nvSpPr>
+        <p:spPr/>
+        <p:txBody>
+          <a:bodyPr/>
+          <a:lstStyle/>
+          <a:p>
+            <a:pPr algn="ctr"/>
+            <a:r>
+              <a:rPr lang="fr-FR" sz="3200" dirty="0"/>
+              <a:t>Analyse de la concurrence</a:t>
+            </a:r>
+          </a:p>
+        </p:txBody>
+      </p:sp>
+      <p:sp>
+        <p:nvSpPr>
+          <p:cNvPr id="4" name="Espace réservé du contenu 3"/>
+          <p:cNvSpPr>
+            <a:spLocks noGrp="1"/>
+          </p:cNvSpPr>
+          <p:nvPr>
+            <p:ph sz="quarter" idx="19"/>
+          </p:nvPr>
+        </p:nvSpPr>
+        <p:spPr>
+          <a:xfrm>
+            <a:off x="539750" y="1870881"/>
+            <a:ext cx="8208714" cy="4680520"/>
+          </a:xfrm>
+        </p:spPr>
+        <p:txBody>
+          <a:bodyPr/>
+          <a:lstStyle/>
+          <a:p>
+            <a:r>
+              <a:rPr lang="fr-FR" sz="2000" dirty="0"/>
+              <a:t>Indirecte : « </a:t>
+            </a:r>
+            <a:r>
+              <a:rPr lang="fr-FR" sz="2000" dirty="0" err="1"/>
+              <a:t>Big</a:t>
+            </a:r>
+            <a:r>
+              <a:rPr lang="fr-FR" sz="2000" dirty="0"/>
+              <a:t> Four »</a:t>
+            </a:r>
+          </a:p>
+          <a:p>
+            <a:pPr lvl="1"/>
+            <a:r>
+              <a:rPr lang="fr-FR" sz="1800" dirty="0"/>
+              <a:t>Nikon</a:t>
+            </a:r>
+          </a:p>
+          <a:p>
+            <a:pPr lvl="1"/>
+            <a:r>
+              <a:rPr lang="fr-FR" sz="1800" dirty="0"/>
+              <a:t>Zeiss</a:t>
+            </a:r>
+          </a:p>
+          <a:p>
+            <a:pPr lvl="1"/>
+            <a:r>
+              <a:rPr lang="fr-FR" sz="1800" dirty="0" err="1"/>
+              <a:t>Leica</a:t>
+            </a:r>
+            <a:endParaRPr lang="fr-FR" sz="1800" dirty="0"/>
+          </a:p>
+          <a:p>
+            <a:pPr lvl="1"/>
+            <a:r>
+              <a:rPr lang="fr-FR" sz="1800" dirty="0"/>
+              <a:t>Olympus</a:t>
+            </a:r>
+          </a:p>
+          <a:p>
+            <a:endParaRPr lang="fr-FR" sz="2000" dirty="0"/>
+          </a:p>
+          <a:p>
+            <a:r>
+              <a:rPr lang="fr-FR" sz="2000" dirty="0"/>
+              <a:t>Directe : </a:t>
+            </a:r>
+          </a:p>
+          <a:p>
+            <a:pPr lvl="1"/>
+            <a:r>
+              <a:rPr lang="fr-FR" sz="1800" dirty="0"/>
+              <a:t>Système de reconstitution 3D  ou de super-résolution déjà existants</a:t>
+            </a:r>
+          </a:p>
+          <a:p>
+            <a:pPr lvl="1"/>
+            <a:endParaRPr lang="fr-FR" sz="1800" dirty="0"/>
+          </a:p>
+          <a:p>
+            <a:pPr marL="0" indent="0">
+              <a:buNone/>
+            </a:pPr>
+            <a:endParaRPr lang="fr-FR" sz="2000" dirty="0"/>
+          </a:p>
+        </p:txBody>
+      </p:sp>
+    </p:spTree>
+    <p:extLst>
+      <p:ext uri="{BB962C8B-B14F-4D97-AF65-F5344CB8AC3E}">
+        <p14:creationId xmlns:p14="http://schemas.microsoft.com/office/powerpoint/2010/main" val="428358110"/>
+      </p:ext>
+    </p:extLst>
+  </p:cSld>
+  <p:clrMapOvr>
+    <a:masterClrMapping/>
+  </p:clrMapOvr>
 </p:sld>
 </file>
 
@@ -4597,23 +6513,11 @@
           <a:lstStyle/>
           <a:p>
             <a:fld id="{AF5033CA-5AE6-4050-846C-3380E9744264}" type="slidenum">
-              <a:rPr lang="fr-FR" smtClean="0">
-                <a:solidFill>
-                  <a:prstClr val="black">
-                    <a:tint val="75000"/>
-                  </a:prstClr>
-                </a:solidFill>
-              </a:rPr>
+              <a:rPr lang="fr-FR" smtClean="0"/>
               <a:pPr/>
               <a:t>8</a:t>
             </a:fld>
-            <a:endParaRPr lang="fr-FR" dirty="0">
-              <a:solidFill>
-                <a:prstClr val="black">
-                  <a:tint val="75000"/>
-                </a:prstClr>
-              </a:solidFill>
-            </a:endParaRPr>
+            <a:endParaRPr lang="fr-FR" dirty="0"/>
           </a:p>
         </p:txBody>
       </p:sp>
@@ -4632,178 +6536,68 @@
           <a:bodyPr/>
           <a:lstStyle/>
           <a:p>
-            <a:r>
-              <a:rPr lang="fr-FR" sz="2800" dirty="0" smtClean="0"/>
-              <a:t>Développement</a:t>
-            </a:r>
-            <a:endParaRPr lang="fr-FR" sz="2800" dirty="0"/>
+            <a:pPr algn="ctr"/>
+            <a:r>
+              <a:rPr lang="fr-FR" sz="3200" dirty="0"/>
+              <a:t>Matrices de Positionnement </a:t>
+            </a:r>
           </a:p>
         </p:txBody>
       </p:sp>
-      <p:sp>
-        <p:nvSpPr>
-          <p:cNvPr id="4" name="Espace réservé du contenu 3"/>
-          <p:cNvSpPr>
-            <a:spLocks noGrp="1"/>
-          </p:cNvSpPr>
+      <p:graphicFrame>
+        <p:nvGraphicFramePr>
+          <p:cNvPr id="5" name="Graphique 4"/>
+          <p:cNvGraphicFramePr/>
           <p:nvPr>
-            <p:ph sz="quarter" idx="19"/>
+            <p:extLst>
+              <p:ext uri="{D42A27DB-BD31-4B8C-83A1-F6EECF244321}">
+                <p14:modId xmlns:p14="http://schemas.microsoft.com/office/powerpoint/2010/main" val="2043815878"/>
+              </p:ext>
+            </p:extLst>
           </p:nvPr>
-        </p:nvSpPr>
-        <p:spPr>
-          <a:xfrm>
-            <a:off x="683568" y="1700808"/>
-            <a:ext cx="8784976" cy="3024336"/>
-          </a:xfrm>
-        </p:spPr>
-        <p:txBody>
-          <a:bodyPr/>
-          <a:lstStyle/>
-          <a:p>
-            <a:r>
-              <a:rPr lang="fr-FR" sz="2000" u="sng" dirty="0" smtClean="0">
-                <a:sym typeface="Wingdings" panose="05000000000000000000" pitchFamily="2" charset="2"/>
-              </a:rPr>
-              <a:t>Première année:</a:t>
-            </a:r>
-          </a:p>
-          <a:p>
-            <a:endParaRPr lang="fr-FR" sz="2000" dirty="0" smtClean="0">
-              <a:sym typeface="Wingdings" panose="05000000000000000000" pitchFamily="2" charset="2"/>
-            </a:endParaRPr>
-          </a:p>
-          <a:p>
-            <a:pPr marL="0" indent="0">
-              <a:buNone/>
-            </a:pPr>
-            <a:r>
-              <a:rPr lang="fr-FR" sz="2000" dirty="0" smtClean="0">
-                <a:sym typeface="Wingdings" panose="05000000000000000000" pitchFamily="2" charset="2"/>
-              </a:rPr>
-              <a:t>Développement du logiciel FarView ( microscopie STORM)</a:t>
-            </a:r>
-          </a:p>
-          <a:p>
-            <a:pPr marL="0" indent="0">
-              <a:buNone/>
-            </a:pPr>
-            <a:endParaRPr lang="fr-FR" sz="2000" dirty="0" smtClean="0">
-              <a:sym typeface="Wingdings" panose="05000000000000000000" pitchFamily="2" charset="2"/>
-            </a:endParaRPr>
-          </a:p>
-          <a:p>
-            <a:pPr marL="0" indent="0">
-              <a:buNone/>
-            </a:pPr>
-            <a:r>
-              <a:rPr lang="fr-FR" sz="2000" dirty="0" smtClean="0">
-                <a:sym typeface="Wingdings" panose="05000000000000000000" pitchFamily="2" charset="2"/>
-              </a:rPr>
-              <a:t>Création du site et du système de vente.</a:t>
-            </a:r>
-          </a:p>
-          <a:p>
-            <a:pPr marL="0" indent="0">
-              <a:buNone/>
-            </a:pPr>
-            <a:endParaRPr lang="fr-FR" sz="2000" dirty="0" smtClean="0">
-              <a:sym typeface="Wingdings" panose="05000000000000000000" pitchFamily="2" charset="2"/>
-            </a:endParaRPr>
-          </a:p>
-          <a:p>
-            <a:pPr marL="0" indent="0">
-              <a:buNone/>
-            </a:pPr>
-            <a:r>
-              <a:rPr lang="fr-FR" sz="2000" dirty="0" smtClean="0">
-                <a:sym typeface="Wingdings" panose="05000000000000000000" pitchFamily="2" charset="2"/>
-              </a:rPr>
-              <a:t>Publications scientifiques, partage de la démo, conférences…</a:t>
-            </a:r>
-            <a:endParaRPr lang="fr-FR" sz="1800" dirty="0" smtClean="0">
-              <a:sym typeface="Wingdings" panose="05000000000000000000" pitchFamily="2" charset="2"/>
-            </a:endParaRPr>
-          </a:p>
-          <a:p>
-            <a:pPr marL="0" indent="0">
-              <a:buNone/>
-            </a:pPr>
-            <a:endParaRPr lang="fr-FR" sz="2000" dirty="0" smtClean="0">
-              <a:sym typeface="Wingdings" panose="05000000000000000000" pitchFamily="2" charset="2"/>
-            </a:endParaRPr>
-          </a:p>
-          <a:p>
-            <a:pPr marL="0" indent="0">
-              <a:buNone/>
-            </a:pPr>
-            <a:endParaRPr lang="fr-FR" sz="2000" dirty="0" smtClean="0">
-              <a:sym typeface="Wingdings" panose="05000000000000000000" pitchFamily="2" charset="2"/>
-            </a:endParaRPr>
-          </a:p>
-          <a:p>
-            <a:endParaRPr lang="fr-FR" sz="2000" dirty="0">
-              <a:sym typeface="Wingdings" panose="05000000000000000000" pitchFamily="2" charset="2"/>
-            </a:endParaRPr>
-          </a:p>
-          <a:p>
-            <a:endParaRPr lang="fr-FR" sz="2000" dirty="0" smtClean="0">
-              <a:sym typeface="Wingdings" panose="05000000000000000000" pitchFamily="2" charset="2"/>
-            </a:endParaRPr>
-          </a:p>
-          <a:p>
-            <a:pPr marL="0" indent="0" algn="ctr">
-              <a:buNone/>
-            </a:pPr>
-            <a:endParaRPr lang="fr-FR" sz="2000" dirty="0" smtClean="0">
-              <a:sym typeface="Wingdings" panose="05000000000000000000" pitchFamily="2" charset="2"/>
-            </a:endParaRPr>
-          </a:p>
-          <a:p>
-            <a:pPr marL="0" indent="0">
-              <a:buNone/>
-            </a:pPr>
-            <a:r>
-              <a:rPr lang="fr-FR" sz="2000" dirty="0">
-                <a:solidFill>
-                  <a:srgbClr val="0070C0"/>
-                </a:solidFill>
-                <a:sym typeface="Wingdings" panose="05000000000000000000" pitchFamily="2" charset="2"/>
-              </a:rPr>
-              <a:t>	</a:t>
-            </a:r>
-            <a:endParaRPr lang="fr-FR" sz="2000" dirty="0">
-              <a:sym typeface="Wingdings" panose="05000000000000000000" pitchFamily="2" charset="2"/>
-            </a:endParaRPr>
-          </a:p>
-          <a:p>
-            <a:endParaRPr lang="fr-FR" sz="2000" dirty="0" smtClean="0">
-              <a:sym typeface="Wingdings" panose="05000000000000000000" pitchFamily="2" charset="2"/>
-            </a:endParaRPr>
-          </a:p>
-          <a:p>
-            <a:endParaRPr lang="fr-FR" sz="2000" dirty="0" smtClean="0">
-              <a:sym typeface="Wingdings" panose="05000000000000000000" pitchFamily="2" charset="2"/>
-            </a:endParaRPr>
-          </a:p>
-        </p:txBody>
-      </p:sp>
+        </p:nvGraphicFramePr>
+        <p:xfrm>
+          <a:off x="-160066" y="1628800"/>
+          <a:ext cx="4804074" cy="5229199"/>
+        </p:xfrm>
+        <a:graphic>
+          <a:graphicData uri="http://schemas.openxmlformats.org/drawingml/2006/chart">
+            <c:chart xmlns:c="http://schemas.openxmlformats.org/drawingml/2006/chart" xmlns:r="http://schemas.openxmlformats.org/officeDocument/2006/relationships" r:id="rId2"/>
+          </a:graphicData>
+        </a:graphic>
+      </p:graphicFrame>
+      <p:graphicFrame>
+        <p:nvGraphicFramePr>
+          <p:cNvPr id="6" name="Graphique 5"/>
+          <p:cNvGraphicFramePr/>
+          <p:nvPr>
+            <p:extLst>
+              <p:ext uri="{D42A27DB-BD31-4B8C-83A1-F6EECF244321}">
+                <p14:modId xmlns:p14="http://schemas.microsoft.com/office/powerpoint/2010/main" val="3958780787"/>
+              </p:ext>
+            </p:extLst>
+          </p:nvPr>
+        </p:nvGraphicFramePr>
+        <p:xfrm>
+          <a:off x="4644007" y="1628800"/>
+          <a:ext cx="4603233" cy="5229200"/>
+        </p:xfrm>
+        <a:graphic>
+          <a:graphicData uri="http://schemas.openxmlformats.org/drawingml/2006/chart">
+            <c:chart xmlns:c="http://schemas.openxmlformats.org/drawingml/2006/chart" xmlns:r="http://schemas.openxmlformats.org/officeDocument/2006/relationships" r:id="rId3"/>
+          </a:graphicData>
+        </a:graphic>
+      </p:graphicFrame>
     </p:spTree>
     <p:extLst>
       <p:ext uri="{BB962C8B-B14F-4D97-AF65-F5344CB8AC3E}">
-        <p14:creationId xmlns:p14="http://schemas.microsoft.com/office/powerpoint/2010/main" val="1357347492"/>
+        <p14:creationId xmlns:p14="http://schemas.microsoft.com/office/powerpoint/2010/main" val="3492972140"/>
       </p:ext>
     </p:extLst>
   </p:cSld>
   <p:clrMapOvr>
     <a:masterClrMapping/>
   </p:clrMapOvr>
-  <p:timing>
-    <p:tnLst>
-      <p:par>
-        <p:cTn id="1" dur="indefinite" restart="never" nodeType="tmRoot"/>
-      </p:par>
-    </p:tnLst>
-  </p:timing>
 </p:sld>
 </file>
 
@@ -4826,7 +6620,36 @@
       </p:grpSpPr>
       <p:sp>
         <p:nvSpPr>
-          <p:cNvPr id="2" name="Espace réservé du numéro de diapositive 1"/>
+          <p:cNvPr id="2" name="Titre 1"/>
+          <p:cNvSpPr>
+            <a:spLocks noGrp="1"/>
+          </p:cNvSpPr>
+          <p:nvPr>
+            <p:ph type="ctrTitle"/>
+          </p:nvPr>
+        </p:nvSpPr>
+        <p:spPr>
+          <a:xfrm>
+            <a:off x="2843809" y="2420888"/>
+            <a:ext cx="5904655" cy="2016224"/>
+          </a:xfrm>
+        </p:spPr>
+        <p:txBody>
+          <a:bodyPr/>
+          <a:lstStyle/>
+          <a:p>
+            <a:pPr algn="ctr"/>
+            <a:r>
+              <a:rPr lang="fr-FR" sz="3600" dirty="0"/>
+              <a:t>Stratégie</a:t>
+            </a:r>
+            <a:endParaRPr lang="fr-FR" dirty="0"/>
+          </a:p>
+        </p:txBody>
+      </p:sp>
+      <p:sp>
+        <p:nvSpPr>
+          <p:cNvPr id="3" name="Espace réservé du numéro de diapositive 2"/>
           <p:cNvSpPr>
             <a:spLocks noGrp="1"/>
           </p:cNvSpPr>
@@ -4839,223 +6662,25 @@
           <a:bodyPr/>
           <a:lstStyle/>
           <a:p>
-            <a:fld id="{AF5033CA-5AE6-4050-846C-3380E9744264}" type="slidenum">
-              <a:rPr lang="fr-FR" smtClean="0">
-                <a:solidFill>
-                  <a:prstClr val="black">
-                    <a:tint val="75000"/>
-                  </a:prstClr>
-                </a:solidFill>
-              </a:rPr>
+            <a:fld id="{CDFBCA30-BA48-4C71-861F-9AC996F79D56}" type="slidenum">
+              <a:rPr lang="fr-FR" smtClean="0"/>
               <a:pPr/>
               <a:t>9</a:t>
             </a:fld>
-            <a:endParaRPr lang="fr-FR" dirty="0">
-              <a:solidFill>
-                <a:prstClr val="black">
-                  <a:tint val="75000"/>
-                </a:prstClr>
-              </a:solidFill>
-            </a:endParaRPr>
-          </a:p>
-        </p:txBody>
-      </p:sp>
-      <p:sp>
-        <p:nvSpPr>
-          <p:cNvPr id="3" name="Titre 2"/>
-          <p:cNvSpPr>
-            <a:spLocks noGrp="1"/>
-          </p:cNvSpPr>
-          <p:nvPr>
-            <p:ph type="title"/>
-          </p:nvPr>
-        </p:nvSpPr>
-        <p:spPr/>
-        <p:txBody>
-          <a:bodyPr/>
-          <a:lstStyle/>
-          <a:p>
-            <a:r>
-              <a:rPr lang="fr-FR" sz="2800" dirty="0" smtClean="0"/>
-              <a:t>Développement</a:t>
-            </a:r>
-            <a:endParaRPr lang="fr-FR" sz="2800" dirty="0"/>
-          </a:p>
-        </p:txBody>
-      </p:sp>
-      <p:sp>
-        <p:nvSpPr>
-          <p:cNvPr id="4" name="Espace réservé du contenu 3"/>
-          <p:cNvSpPr>
-            <a:spLocks noGrp="1"/>
-          </p:cNvSpPr>
-          <p:nvPr>
-            <p:ph sz="quarter" idx="19"/>
-          </p:nvPr>
-        </p:nvSpPr>
-        <p:spPr>
-          <a:xfrm>
-            <a:off x="683568" y="1700808"/>
-            <a:ext cx="8784976" cy="4680520"/>
-          </a:xfrm>
-        </p:spPr>
-        <p:txBody>
-          <a:bodyPr/>
-          <a:lstStyle/>
-          <a:p>
-            <a:r>
-              <a:rPr lang="fr-FR" sz="2000" u="sng" dirty="0" smtClean="0">
-                <a:sym typeface="Wingdings" panose="05000000000000000000" pitchFamily="2" charset="2"/>
-              </a:rPr>
-              <a:t>Deuxième année:</a:t>
-            </a:r>
-          </a:p>
-          <a:p>
-            <a:endParaRPr lang="fr-FR" sz="2000" dirty="0" smtClean="0">
-              <a:sym typeface="Wingdings" panose="05000000000000000000" pitchFamily="2" charset="2"/>
-            </a:endParaRPr>
-          </a:p>
-          <a:p>
-            <a:pPr marL="0" indent="0">
-              <a:buNone/>
-            </a:pPr>
-            <a:r>
-              <a:rPr lang="fr-FR" sz="2000" dirty="0" smtClean="0">
-                <a:sym typeface="Wingdings" panose="05000000000000000000" pitchFamily="2" charset="2"/>
-              </a:rPr>
-              <a:t>Amélioration des locaux et du matériel</a:t>
-            </a:r>
-          </a:p>
-          <a:p>
-            <a:pPr marL="0" indent="0">
-              <a:buNone/>
-            </a:pPr>
-            <a:r>
-              <a:rPr lang="fr-FR" sz="2000" dirty="0" smtClean="0">
-                <a:sym typeface="Wingdings" panose="05000000000000000000" pitchFamily="2" charset="2"/>
-              </a:rPr>
-              <a:t>Emploi éventuel d’un responsable marketing/économie</a:t>
-            </a:r>
-            <a:endParaRPr lang="fr-FR" sz="1800" dirty="0" smtClean="0">
-              <a:sym typeface="Wingdings" panose="05000000000000000000" pitchFamily="2" charset="2"/>
-            </a:endParaRPr>
-          </a:p>
-          <a:p>
-            <a:pPr marL="0" indent="0">
-              <a:buNone/>
-            </a:pPr>
-            <a:r>
-              <a:rPr lang="fr-FR" sz="1800" dirty="0" smtClean="0">
-                <a:sym typeface="Wingdings" panose="05000000000000000000" pitchFamily="2" charset="2"/>
-              </a:rPr>
-              <a:t>	</a:t>
-            </a:r>
-          </a:p>
-          <a:p>
-            <a:pPr marL="0" indent="0">
-              <a:buNone/>
-            </a:pPr>
-            <a:r>
-              <a:rPr lang="fr-FR" sz="2000" dirty="0" smtClean="0">
-                <a:sym typeface="Wingdings" panose="05000000000000000000" pitchFamily="2" charset="2"/>
-              </a:rPr>
-              <a:t>Développement d’un produit moins spécifique et de produits tiers.</a:t>
-            </a:r>
-            <a:br>
-              <a:rPr lang="fr-FR" sz="2000" dirty="0" smtClean="0">
-                <a:sym typeface="Wingdings" panose="05000000000000000000" pitchFamily="2" charset="2"/>
-              </a:rPr>
-            </a:br>
-            <a:r>
-              <a:rPr lang="fr-FR" sz="2000" dirty="0" smtClean="0">
-                <a:sym typeface="Wingdings" panose="05000000000000000000" pitchFamily="2" charset="2"/>
-              </a:rPr>
-              <a:t>Baisse prévue du prix de FarView, si émergence de nouvelles technologies.</a:t>
-            </a:r>
-            <a:endParaRPr lang="fr-FR" sz="1800" dirty="0">
-              <a:sym typeface="Wingdings" panose="05000000000000000000" pitchFamily="2" charset="2"/>
-            </a:endParaRPr>
-          </a:p>
-          <a:p>
-            <a:pPr marL="0" indent="0">
-              <a:buNone/>
-            </a:pPr>
-            <a:endParaRPr lang="fr-FR" sz="2000" dirty="0" smtClean="0">
-              <a:sym typeface="Wingdings" panose="05000000000000000000" pitchFamily="2" charset="2"/>
-            </a:endParaRPr>
-          </a:p>
-          <a:p>
-            <a:pPr marL="0" indent="0">
-              <a:buNone/>
-            </a:pPr>
-            <a:endParaRPr lang="fr-FR" sz="2000" dirty="0" smtClean="0">
-              <a:sym typeface="Wingdings" panose="05000000000000000000" pitchFamily="2" charset="2"/>
-            </a:endParaRPr>
-          </a:p>
-          <a:p>
-            <a:endParaRPr lang="fr-FR" sz="2000" dirty="0">
-              <a:sym typeface="Wingdings" panose="05000000000000000000" pitchFamily="2" charset="2"/>
-            </a:endParaRPr>
-          </a:p>
-          <a:p>
-            <a:endParaRPr lang="fr-FR" sz="2000" dirty="0" smtClean="0">
-              <a:sym typeface="Wingdings" panose="05000000000000000000" pitchFamily="2" charset="2"/>
-            </a:endParaRPr>
-          </a:p>
-          <a:p>
-            <a:pPr marL="0" indent="0" algn="ctr">
-              <a:buNone/>
-            </a:pPr>
-            <a:endParaRPr lang="fr-FR" sz="2000" dirty="0" smtClean="0">
-              <a:sym typeface="Wingdings" panose="05000000000000000000" pitchFamily="2" charset="2"/>
-            </a:endParaRPr>
-          </a:p>
-          <a:p>
-            <a:pPr marL="0" indent="0">
-              <a:buNone/>
-            </a:pPr>
-            <a:r>
-              <a:rPr lang="fr-FR" sz="2000" dirty="0">
-                <a:solidFill>
-                  <a:srgbClr val="0070C0"/>
-                </a:solidFill>
-                <a:sym typeface="Wingdings" panose="05000000000000000000" pitchFamily="2" charset="2"/>
-              </a:rPr>
-              <a:t>	</a:t>
-            </a:r>
-            <a:endParaRPr lang="fr-FR" sz="2000" dirty="0">
-              <a:sym typeface="Wingdings" panose="05000000000000000000" pitchFamily="2" charset="2"/>
-            </a:endParaRPr>
-          </a:p>
-          <a:p>
-            <a:endParaRPr lang="fr-FR" sz="2000" dirty="0" smtClean="0">
-              <a:sym typeface="Wingdings" panose="05000000000000000000" pitchFamily="2" charset="2"/>
-            </a:endParaRPr>
-          </a:p>
-          <a:p>
-            <a:endParaRPr lang="fr-FR" sz="2000" dirty="0" smtClean="0">
-              <a:sym typeface="Wingdings" panose="05000000000000000000" pitchFamily="2" charset="2"/>
-            </a:endParaRPr>
+            <a:endParaRPr lang="fr-FR" dirty="0"/>
           </a:p>
         </p:txBody>
       </p:sp>
     </p:spTree>
     <p:extLst>
       <p:ext uri="{BB962C8B-B14F-4D97-AF65-F5344CB8AC3E}">
-        <p14:creationId xmlns:p14="http://schemas.microsoft.com/office/powerpoint/2010/main" val="3276425793"/>
+        <p14:creationId xmlns:p14="http://schemas.microsoft.com/office/powerpoint/2010/main" val="2380969952"/>
       </p:ext>
     </p:extLst>
   </p:cSld>
   <p:clrMapOvr>
     <a:masterClrMapping/>
   </p:clrMapOvr>
-  <p:timing>
-    <p:tnLst>
-      <p:par>
-        <p:cTn id="1" dur="indefinite" restart="never" nodeType="tmRoot"/>
-      </p:par>
-    </p:tnLst>
-  </p:timing>
 </p:sld>
 </file>
 
